--- a/Presentation/Team5_Final.pptx
+++ b/Presentation/Team5_Final.pptx
@@ -2,7 +2,7 @@
 <file path=ppt/presentation.xml><?xml version="1.0" encoding="utf-8"?>
 <p:presentation xmlns:a="http://schemas.openxmlformats.org/drawingml/2006/main" xmlns:r="http://schemas.openxmlformats.org/officeDocument/2006/relationships" xmlns:p="http://schemas.openxmlformats.org/presentationml/2006/main" saveSubsetFonts="1">
   <p:sldMasterIdLst>
-    <p:sldMasterId id="2147483660" r:id="rId1"/>
+    <p:sldMasterId id="2147483767" r:id="rId1"/>
   </p:sldMasterIdLst>
   <p:notesMasterIdLst>
     <p:notesMasterId r:id="rId12"/>
@@ -518,92 +518,6 @@
           <a:bodyPr/>
           <a:lstStyle/>
           <a:p>
-            <a:r>
-              <a:rPr lang="en-GB" sz="1200" kern="1200" dirty="0" smtClean="0">
-                <a:solidFill>
-                  <a:schemeClr val="tx1"/>
-                </a:solidFill>
-                <a:effectLst/>
-                <a:latin typeface="+mn-lt"/>
-                <a:ea typeface="+mn-ea"/>
-                <a:cs typeface="+mn-cs"/>
-              </a:rPr>
-              <a:t>During the brainstorming session, there were many ideas generated, but after careful evaluation and keeping the time and skillset in mind we shortlisted these four ideas. </a:t>
-            </a:r>
-          </a:p>
-          <a:p>
-            <a:pPr marL="171450" lvl="0" indent="-171450">
-              <a:buFont typeface="Arial" panose="020B0604020202020204" pitchFamily="34" charset="0"/>
-              <a:buChar char="•"/>
-            </a:pPr>
-            <a:r>
-              <a:rPr lang="en-GB" sz="1200" kern="1200" dirty="0" smtClean="0">
-                <a:solidFill>
-                  <a:schemeClr val="tx1"/>
-                </a:solidFill>
-                <a:effectLst/>
-                <a:latin typeface="+mn-lt"/>
-                <a:ea typeface="+mn-ea"/>
-                <a:cs typeface="+mn-cs"/>
-              </a:rPr>
-              <a:t>Populate the crimes on UK map and find patterns to predict the potential crime risk in that area. </a:t>
-            </a:r>
-          </a:p>
-          <a:p>
-            <a:pPr marL="171450" lvl="0" indent="-171450">
-              <a:buFont typeface="Arial" panose="020B0604020202020204" pitchFamily="34" charset="0"/>
-              <a:buChar char="•"/>
-            </a:pPr>
-            <a:r>
-              <a:rPr lang="en-GB" sz="1200" kern="1200" dirty="0" smtClean="0">
-                <a:solidFill>
-                  <a:schemeClr val="tx1"/>
-                </a:solidFill>
-                <a:effectLst/>
-                <a:latin typeface="+mn-lt"/>
-                <a:ea typeface="+mn-ea"/>
-                <a:cs typeface="+mn-cs"/>
-              </a:rPr>
-              <a:t>To perform sentiment analysis using Twitter and News data.</a:t>
-            </a:r>
-          </a:p>
-          <a:p>
-            <a:pPr marL="171450" lvl="0" indent="-171450">
-              <a:buFont typeface="Arial" panose="020B0604020202020204" pitchFamily="34" charset="0"/>
-              <a:buChar char="•"/>
-            </a:pPr>
-            <a:r>
-              <a:rPr lang="en-GB" sz="1200" kern="1200" dirty="0" smtClean="0">
-                <a:solidFill>
-                  <a:schemeClr val="tx1"/>
-                </a:solidFill>
-                <a:effectLst/>
-                <a:latin typeface="+mn-lt"/>
-                <a:ea typeface="+mn-ea"/>
-                <a:cs typeface="+mn-cs"/>
-              </a:rPr>
-              <a:t>The team decided to merge the two ideas and reduce the scope from whole UK to London and to perform sentiment analysis of tweets related to crime only. </a:t>
-            </a:r>
-          </a:p>
-          <a:p>
-            <a:pPr marL="171450" lvl="0" indent="-171450">
-              <a:buFont typeface="Arial" panose="020B0604020202020204" pitchFamily="34" charset="0"/>
-              <a:buChar char="•"/>
-            </a:pPr>
-            <a:r>
-              <a:rPr lang="en-GB" sz="1200" kern="1200" dirty="0" smtClean="0">
-                <a:solidFill>
-                  <a:schemeClr val="tx1"/>
-                </a:solidFill>
-                <a:effectLst/>
-                <a:latin typeface="+mn-lt"/>
-                <a:ea typeface="+mn-ea"/>
-                <a:cs typeface="+mn-cs"/>
-              </a:rPr>
-              <a:t>However, due to limitation in data granularity, inconsistency and not enough valid tweets available for specific crime, the team decided to redefine the scope and selected the option 4 i.e., “to populate crime data on London map and perform exploratory analysis”.</a:t>
-            </a:r>
-          </a:p>
-          <a:p>
             <a:endParaRPr lang="en-GB" dirty="0"/>
           </a:p>
         </p:txBody>
@@ -625,7 +539,7 @@
           <a:p>
             <a:fld id="{DD801837-D9B4-4140-8B18-11EA6BF1B100}" type="slidenum">
               <a:rPr lang="en-GB" smtClean="0"/>
-              <a:t>3</a:t>
+              <a:t>1</a:t>
             </a:fld>
             <a:endParaRPr lang="en-GB"/>
           </a:p>
@@ -634,7 +548,7 @@
     </p:spTree>
     <p:extLst>
       <p:ext uri="{BB962C8B-B14F-4D97-AF65-F5344CB8AC3E}">
-        <p14:creationId xmlns:p14="http://schemas.microsoft.com/office/powerpoint/2010/main" val="2472139083"/>
+        <p14:creationId xmlns:p14="http://schemas.microsoft.com/office/powerpoint/2010/main" val="705417306"/>
       </p:ext>
     </p:extLst>
   </p:cSld>
@@ -688,10 +602,6 @@
           <a:bodyPr/>
           <a:lstStyle/>
           <a:p>
-            <a:pPr marL="0" lvl="0" indent="0">
-              <a:buFont typeface="Arial" panose="020B0604020202020204" pitchFamily="34" charset="0"/>
-              <a:buNone/>
-            </a:pPr>
             <a:r>
               <a:rPr lang="en-GB" sz="1200" kern="1200" dirty="0" smtClean="0">
                 <a:solidFill>
@@ -702,7 +612,7 @@
                 <a:ea typeface="+mn-ea"/>
                 <a:cs typeface="+mn-cs"/>
               </a:rPr>
-              <a:t>Idea Justification</a:t>
+              <a:t>During the brainstorming session, there were many ideas generated, but after careful evaluation and keeping the time and skillset in mind we shortlisted these four ideas. </a:t>
             </a:r>
           </a:p>
           <a:p>
@@ -720,7 +630,7 @@
                 <a:ea typeface="+mn-ea"/>
                 <a:cs typeface="+mn-cs"/>
               </a:rPr>
-              <a:t>The team is highly motivated that this project is challenging and will give us an opportunity to utilize the programming, data modelling and analytical skills.</a:t>
+              <a:t>Populate the crimes on UK map and find patterns to predict the potential crime risk in that area. </a:t>
             </a:r>
           </a:p>
           <a:p>
@@ -738,7 +648,7 @@
                 <a:ea typeface="+mn-ea"/>
                 <a:cs typeface="+mn-cs"/>
               </a:rPr>
-              <a:t>The team is highly convinced that this application will help a common person to know the crime rate.</a:t>
+              <a:t>To perform sentiment analysis using Twitter and News data.</a:t>
             </a:r>
           </a:p>
           <a:p>
@@ -756,7 +666,7 @@
                 <a:ea typeface="+mn-ea"/>
                 <a:cs typeface="+mn-cs"/>
               </a:rPr>
-              <a:t>In future the unique feature will be that this application will give an opportunity to understand the relationship of crime with respect to weather, population, literacy rate, income level, unemployment level, poverty rate, deputed police force and so on. </a:t>
+              <a:t>The team decided to merge the two ideas and reduce the scope from whole UK to London and to perform sentiment analysis of tweets related to crime only. </a:t>
             </a:r>
           </a:p>
           <a:p>
@@ -774,46 +684,7 @@
                 <a:ea typeface="+mn-ea"/>
                 <a:cs typeface="+mn-cs"/>
               </a:rPr>
-              <a:t>Depends on the availability of datasets, we MAY incorporate cybercrime in this application.</a:t>
-            </a:r>
-          </a:p>
-          <a:p>
-            <a:pPr lvl="0"/>
-            <a:r>
-              <a:rPr lang="en-GB" sz="1200" kern="1200" dirty="0" smtClean="0">
-                <a:solidFill>
-                  <a:schemeClr val="tx1"/>
-                </a:solidFill>
-                <a:effectLst/>
-                <a:latin typeface="+mn-lt"/>
-                <a:ea typeface="+mn-ea"/>
-                <a:cs typeface="+mn-cs"/>
-              </a:rPr>
-              <a:t>I would like to request my colleague Miguel and </a:t>
-            </a:r>
-            <a:r>
-              <a:rPr lang="en-GB" sz="1200" kern="1200" dirty="0" err="1" smtClean="0">
-                <a:solidFill>
-                  <a:schemeClr val="tx1"/>
-                </a:solidFill>
-                <a:effectLst/>
-                <a:latin typeface="+mn-lt"/>
-                <a:ea typeface="+mn-ea"/>
-                <a:cs typeface="+mn-cs"/>
-              </a:rPr>
-              <a:t>Taoufik</a:t>
-            </a:r>
-            <a:r>
-              <a:rPr lang="en-GB" sz="1200" kern="1200" dirty="0" smtClean="0">
-                <a:solidFill>
-                  <a:schemeClr val="tx1"/>
-                </a:solidFill>
-                <a:effectLst/>
-                <a:latin typeface="+mn-lt"/>
-                <a:ea typeface="+mn-ea"/>
-                <a:cs typeface="+mn-cs"/>
-              </a:rPr>
-              <a:t> to give demo of this application.</a:t>
+              <a:t>However, due to limitation in data granularity, inconsistency and not enough valid tweets available for specific crime, the team decided to redefine the scope and selected the option 4 i.e., “to populate crime data on London map and perform exploratory analysis”.</a:t>
             </a:r>
           </a:p>
           <a:p>
@@ -838,7 +709,7 @@
           <a:p>
             <a:fld id="{DD801837-D9B4-4140-8B18-11EA6BF1B100}" type="slidenum">
               <a:rPr lang="en-GB" smtClean="0"/>
-              <a:t>4</a:t>
+              <a:t>3</a:t>
             </a:fld>
             <a:endParaRPr lang="en-GB"/>
           </a:p>
@@ -847,7 +718,7 @@
     </p:spTree>
     <p:extLst>
       <p:ext uri="{BB962C8B-B14F-4D97-AF65-F5344CB8AC3E}">
-        <p14:creationId xmlns:p14="http://schemas.microsoft.com/office/powerpoint/2010/main" val="2598158139"/>
+        <p14:creationId xmlns:p14="http://schemas.microsoft.com/office/powerpoint/2010/main" val="2472139083"/>
       </p:ext>
     </p:extLst>
   </p:cSld>
@@ -901,6 +772,135 @@
           <a:bodyPr/>
           <a:lstStyle/>
           <a:p>
+            <a:pPr marL="0" lvl="0" indent="0">
+              <a:buFont typeface="Arial" panose="020B0604020202020204" pitchFamily="34" charset="0"/>
+              <a:buNone/>
+            </a:pPr>
+            <a:r>
+              <a:rPr lang="en-GB" sz="1200" kern="1200" dirty="0" smtClean="0">
+                <a:solidFill>
+                  <a:schemeClr val="tx1"/>
+                </a:solidFill>
+                <a:effectLst/>
+                <a:latin typeface="+mn-lt"/>
+                <a:ea typeface="+mn-ea"/>
+                <a:cs typeface="+mn-cs"/>
+              </a:rPr>
+              <a:t>Idea Justification</a:t>
+            </a:r>
+          </a:p>
+          <a:p>
+            <a:pPr marL="171450" lvl="0" indent="-171450">
+              <a:buFont typeface="Arial" panose="020B0604020202020204" pitchFamily="34" charset="0"/>
+              <a:buChar char="•"/>
+            </a:pPr>
+            <a:r>
+              <a:rPr lang="en-GB" sz="1200" kern="1200" dirty="0" smtClean="0">
+                <a:solidFill>
+                  <a:schemeClr val="tx1"/>
+                </a:solidFill>
+                <a:effectLst/>
+                <a:latin typeface="+mn-lt"/>
+                <a:ea typeface="+mn-ea"/>
+                <a:cs typeface="+mn-cs"/>
+              </a:rPr>
+              <a:t>The team is highly motivated that this project is challenging and will give us an opportunity to utilize the programming, data modelling and analytical skills.</a:t>
+            </a:r>
+          </a:p>
+          <a:p>
+            <a:pPr marL="171450" lvl="0" indent="-171450">
+              <a:buFont typeface="Arial" panose="020B0604020202020204" pitchFamily="34" charset="0"/>
+              <a:buChar char="•"/>
+            </a:pPr>
+            <a:r>
+              <a:rPr lang="en-GB" sz="1200" kern="1200" dirty="0" smtClean="0">
+                <a:solidFill>
+                  <a:schemeClr val="tx1"/>
+                </a:solidFill>
+                <a:effectLst/>
+                <a:latin typeface="+mn-lt"/>
+                <a:ea typeface="+mn-ea"/>
+                <a:cs typeface="+mn-cs"/>
+              </a:rPr>
+              <a:t>The team is highly convinced that this application will help a common person to know the crime rate.</a:t>
+            </a:r>
+          </a:p>
+          <a:p>
+            <a:pPr marL="171450" lvl="0" indent="-171450">
+              <a:buFont typeface="Arial" panose="020B0604020202020204" pitchFamily="34" charset="0"/>
+              <a:buChar char="•"/>
+            </a:pPr>
+            <a:r>
+              <a:rPr lang="en-GB" sz="1200" kern="1200" dirty="0" smtClean="0">
+                <a:solidFill>
+                  <a:schemeClr val="tx1"/>
+                </a:solidFill>
+                <a:effectLst/>
+                <a:latin typeface="+mn-lt"/>
+                <a:ea typeface="+mn-ea"/>
+                <a:cs typeface="+mn-cs"/>
+              </a:rPr>
+              <a:t>In future the unique feature will be that this application will give an opportunity to understand the relationship of crime with respect to weather, population, literacy rate, income level, unemployment level, poverty rate, deputed police force and so on. </a:t>
+            </a:r>
+          </a:p>
+          <a:p>
+            <a:pPr marL="171450" lvl="0" indent="-171450">
+              <a:buFont typeface="Arial" panose="020B0604020202020204" pitchFamily="34" charset="0"/>
+              <a:buChar char="•"/>
+            </a:pPr>
+            <a:r>
+              <a:rPr lang="en-GB" sz="1200" kern="1200" dirty="0" smtClean="0">
+                <a:solidFill>
+                  <a:schemeClr val="tx1"/>
+                </a:solidFill>
+                <a:effectLst/>
+                <a:latin typeface="+mn-lt"/>
+                <a:ea typeface="+mn-ea"/>
+                <a:cs typeface="+mn-cs"/>
+              </a:rPr>
+              <a:t>Depends on the availability of datasets, we MAY incorporate cybercrime in this application.</a:t>
+            </a:r>
+          </a:p>
+          <a:p>
+            <a:pPr lvl="0"/>
+            <a:r>
+              <a:rPr lang="en-GB" sz="1200" kern="1200" dirty="0" smtClean="0">
+                <a:solidFill>
+                  <a:schemeClr val="tx1"/>
+                </a:solidFill>
+                <a:effectLst/>
+                <a:latin typeface="+mn-lt"/>
+                <a:ea typeface="+mn-ea"/>
+                <a:cs typeface="+mn-cs"/>
+              </a:rPr>
+              <a:t>I would like to request my colleague Miguel and </a:t>
+            </a:r>
+            <a:r>
+              <a:rPr lang="en-GB" sz="1200" kern="1200" dirty="0" err="1" smtClean="0">
+                <a:solidFill>
+                  <a:schemeClr val="tx1"/>
+                </a:solidFill>
+                <a:effectLst/>
+                <a:latin typeface="+mn-lt"/>
+                <a:ea typeface="+mn-ea"/>
+                <a:cs typeface="+mn-cs"/>
+              </a:rPr>
+              <a:t>Taoufik</a:t>
+            </a:r>
+            <a:r>
+              <a:rPr lang="en-GB" sz="1200" kern="1200" dirty="0" smtClean="0">
+                <a:solidFill>
+                  <a:schemeClr val="tx1"/>
+                </a:solidFill>
+                <a:effectLst/>
+                <a:latin typeface="+mn-lt"/>
+                <a:ea typeface="+mn-ea"/>
+                <a:cs typeface="+mn-cs"/>
+              </a:rPr>
+              <a:t> to give demo of this application.</a:t>
+            </a:r>
+          </a:p>
+          <a:p>
             <a:endParaRPr lang="en-GB" dirty="0"/>
           </a:p>
         </p:txBody>
@@ -922,7 +922,7 @@
           <a:p>
             <a:fld id="{DD801837-D9B4-4140-8B18-11EA6BF1B100}" type="slidenum">
               <a:rPr lang="en-GB" smtClean="0"/>
-              <a:t>5</a:t>
+              <a:t>4</a:t>
             </a:fld>
             <a:endParaRPr lang="en-GB"/>
           </a:p>
@@ -931,7 +931,7 @@
     </p:spTree>
     <p:extLst>
       <p:ext uri="{BB962C8B-B14F-4D97-AF65-F5344CB8AC3E}">
-        <p14:creationId xmlns:p14="http://schemas.microsoft.com/office/powerpoint/2010/main" val="3266143232"/>
+        <p14:creationId xmlns:p14="http://schemas.microsoft.com/office/powerpoint/2010/main" val="2598158139"/>
       </p:ext>
     </p:extLst>
   </p:cSld>
@@ -1006,7 +1006,7 @@
           <a:p>
             <a:fld id="{DD801837-D9B4-4140-8B18-11EA6BF1B100}" type="slidenum">
               <a:rPr lang="en-GB" smtClean="0"/>
-              <a:t>6</a:t>
+              <a:t>5</a:t>
             </a:fld>
             <a:endParaRPr lang="en-GB"/>
           </a:p>
@@ -1015,7 +1015,7 @@
     </p:spTree>
     <p:extLst>
       <p:ext uri="{BB962C8B-B14F-4D97-AF65-F5344CB8AC3E}">
-        <p14:creationId xmlns:p14="http://schemas.microsoft.com/office/powerpoint/2010/main" val="2738780984"/>
+        <p14:creationId xmlns:p14="http://schemas.microsoft.com/office/powerpoint/2010/main" val="3266143232"/>
       </p:ext>
     </p:extLst>
   </p:cSld>
@@ -1090,7 +1090,7 @@
           <a:p>
             <a:fld id="{DD801837-D9B4-4140-8B18-11EA6BF1B100}" type="slidenum">
               <a:rPr lang="en-GB" smtClean="0"/>
-              <a:t>7</a:t>
+              <a:t>6</a:t>
             </a:fld>
             <a:endParaRPr lang="en-GB"/>
           </a:p>
@@ -1099,7 +1099,7 @@
     </p:spTree>
     <p:extLst>
       <p:ext uri="{BB962C8B-B14F-4D97-AF65-F5344CB8AC3E}">
-        <p14:creationId xmlns:p14="http://schemas.microsoft.com/office/powerpoint/2010/main" val="4192608470"/>
+        <p14:creationId xmlns:p14="http://schemas.microsoft.com/office/powerpoint/2010/main" val="2738780984"/>
       </p:ext>
     </p:extLst>
   </p:cSld>
@@ -1174,7 +1174,7 @@
           <a:p>
             <a:fld id="{DD801837-D9B4-4140-8B18-11EA6BF1B100}" type="slidenum">
               <a:rPr lang="en-GB" smtClean="0"/>
-              <a:t>8</a:t>
+              <a:t>7</a:t>
             </a:fld>
             <a:endParaRPr lang="en-GB"/>
           </a:p>
@@ -1183,7 +1183,7 @@
     </p:spTree>
     <p:extLst>
       <p:ext uri="{BB962C8B-B14F-4D97-AF65-F5344CB8AC3E}">
-        <p14:creationId xmlns:p14="http://schemas.microsoft.com/office/powerpoint/2010/main" val="4235070678"/>
+        <p14:creationId xmlns:p14="http://schemas.microsoft.com/office/powerpoint/2010/main" val="4192608470"/>
       </p:ext>
     </p:extLst>
   </p:cSld>
@@ -1237,6 +1237,510 @@
           <a:bodyPr/>
           <a:lstStyle/>
           <a:p>
+            <a:pPr marL="0" marR="0" indent="0" algn="l" defTabSz="914400" rtl="0" eaLnBrk="1" fontAlgn="auto" latinLnBrk="0" hangingPunct="1">
+              <a:lnSpc>
+                <a:spcPct val="100000"/>
+              </a:lnSpc>
+              <a:spcBef>
+                <a:spcPts val="0"/>
+              </a:spcBef>
+              <a:spcAft>
+                <a:spcPts val="0"/>
+              </a:spcAft>
+              <a:buClrTx/>
+              <a:buSzTx/>
+              <a:buFontTx/>
+              <a:buNone/>
+              <a:tabLst/>
+              <a:defRPr/>
+            </a:pPr>
+            <a:r>
+              <a:rPr lang="en-GB" sz="1200" b="1" kern="1200" dirty="0" smtClean="0">
+                <a:solidFill>
+                  <a:schemeClr val="tx1"/>
+                </a:solidFill>
+                <a:effectLst/>
+                <a:latin typeface="+mn-lt"/>
+                <a:ea typeface="+mn-ea"/>
+                <a:cs typeface="+mn-cs"/>
+              </a:rPr>
+              <a:t>Goal:</a:t>
+            </a:r>
+            <a:r>
+              <a:rPr lang="en-GB" sz="1200" b="1" kern="1200" baseline="0" dirty="0" smtClean="0">
+                <a:solidFill>
+                  <a:schemeClr val="tx1"/>
+                </a:solidFill>
+                <a:effectLst/>
+                <a:latin typeface="+mn-lt"/>
+                <a:ea typeface="+mn-ea"/>
+                <a:cs typeface="+mn-cs"/>
+              </a:rPr>
+              <a:t> </a:t>
+            </a:r>
+            <a:r>
+              <a:rPr lang="en-GB" sz="1200" b="0" kern="1200" baseline="0" dirty="0" smtClean="0">
+                <a:solidFill>
+                  <a:schemeClr val="tx1"/>
+                </a:solidFill>
+                <a:effectLst/>
+                <a:latin typeface="+mn-lt"/>
+                <a:ea typeface="+mn-ea"/>
+                <a:cs typeface="+mn-cs"/>
+              </a:rPr>
+              <a:t>So what fields are important to show that. </a:t>
+            </a:r>
+            <a:endParaRPr lang="en-GB" sz="1200" kern="1200" dirty="0" smtClean="0">
+              <a:solidFill>
+                <a:schemeClr val="tx1"/>
+              </a:solidFill>
+              <a:effectLst/>
+              <a:latin typeface="+mn-lt"/>
+              <a:ea typeface="+mn-ea"/>
+              <a:cs typeface="+mn-cs"/>
+            </a:endParaRPr>
+          </a:p>
+          <a:p>
+            <a:pPr marL="0" marR="0" indent="0" algn="l" defTabSz="914400" rtl="0" eaLnBrk="1" fontAlgn="auto" latinLnBrk="0" hangingPunct="1">
+              <a:lnSpc>
+                <a:spcPct val="100000"/>
+              </a:lnSpc>
+              <a:spcBef>
+                <a:spcPts val="0"/>
+              </a:spcBef>
+              <a:spcAft>
+                <a:spcPts val="0"/>
+              </a:spcAft>
+              <a:buClrTx/>
+              <a:buSzTx/>
+              <a:buFontTx/>
+              <a:buNone/>
+              <a:tabLst/>
+              <a:defRPr/>
+            </a:pPr>
+            <a:r>
+              <a:rPr lang="en-GB" sz="1200" b="1" kern="1200" dirty="0" smtClean="0">
+                <a:solidFill>
+                  <a:schemeClr val="tx1"/>
+                </a:solidFill>
+                <a:effectLst/>
+                <a:latin typeface="+mn-lt"/>
+                <a:ea typeface="+mn-ea"/>
+                <a:cs typeface="+mn-cs"/>
+              </a:rPr>
+              <a:t>Fields</a:t>
+            </a:r>
+            <a:r>
+              <a:rPr lang="en-GB" sz="1200" kern="1200" dirty="0" smtClean="0">
+                <a:solidFill>
+                  <a:schemeClr val="tx1"/>
+                </a:solidFill>
+                <a:effectLst/>
+                <a:latin typeface="+mn-lt"/>
+                <a:ea typeface="+mn-ea"/>
+                <a:cs typeface="+mn-cs"/>
+              </a:rPr>
+              <a:t>: </a:t>
+            </a:r>
+            <a:r>
+              <a:rPr lang="en-GB" sz="1200" b="1" kern="1200" dirty="0" smtClean="0">
+                <a:solidFill>
+                  <a:schemeClr val="tx1"/>
+                </a:solidFill>
+                <a:effectLst/>
+                <a:latin typeface="+mn-lt"/>
+                <a:ea typeface="+mn-ea"/>
+                <a:cs typeface="+mn-cs"/>
+              </a:rPr>
+              <a:t>Why we picked each one</a:t>
+            </a:r>
+            <a:endParaRPr lang="en-GB" sz="1200" kern="1200" dirty="0" smtClean="0">
+              <a:solidFill>
+                <a:schemeClr val="tx1"/>
+              </a:solidFill>
+              <a:effectLst/>
+              <a:latin typeface="+mn-lt"/>
+              <a:ea typeface="+mn-ea"/>
+              <a:cs typeface="+mn-cs"/>
+            </a:endParaRPr>
+          </a:p>
+          <a:p>
+            <a:pPr marL="0" marR="0" indent="0" algn="l" defTabSz="914400" rtl="0" eaLnBrk="1" fontAlgn="auto" latinLnBrk="0" hangingPunct="1">
+              <a:lnSpc>
+                <a:spcPct val="100000"/>
+              </a:lnSpc>
+              <a:spcBef>
+                <a:spcPts val="0"/>
+              </a:spcBef>
+              <a:spcAft>
+                <a:spcPts val="0"/>
+              </a:spcAft>
+              <a:buClrTx/>
+              <a:buSzTx/>
+              <a:buFontTx/>
+              <a:buNone/>
+              <a:tabLst/>
+              <a:defRPr/>
+            </a:pPr>
+            <a:r>
+              <a:rPr lang="en-GB" sz="1200" kern="1200" baseline="0" dirty="0" smtClean="0">
+                <a:solidFill>
+                  <a:schemeClr val="tx1"/>
+                </a:solidFill>
+                <a:effectLst/>
+                <a:latin typeface="+mn-lt"/>
+                <a:ea typeface="+mn-ea"/>
+                <a:cs typeface="+mn-cs"/>
+              </a:rPr>
+              <a:t>   - </a:t>
+            </a:r>
+            <a:r>
+              <a:rPr lang="en-GB" sz="1200" kern="1200" dirty="0" smtClean="0">
+                <a:solidFill>
+                  <a:schemeClr val="tx1"/>
+                </a:solidFill>
+                <a:effectLst/>
+                <a:latin typeface="+mn-lt"/>
+                <a:ea typeface="+mn-ea"/>
+                <a:cs typeface="+mn-cs"/>
+              </a:rPr>
+              <a:t>Density, per person and vs borough are all ways of factoring dominant effects crimes to view other features. E.g. the effect of the station is masked in areas with very high background population. </a:t>
+            </a:r>
+          </a:p>
+          <a:p>
+            <a:pPr marL="0" marR="0" indent="0" algn="l" defTabSz="914400" rtl="0" eaLnBrk="1" fontAlgn="auto" latinLnBrk="0" hangingPunct="1">
+              <a:lnSpc>
+                <a:spcPct val="100000"/>
+              </a:lnSpc>
+              <a:spcBef>
+                <a:spcPts val="0"/>
+              </a:spcBef>
+              <a:spcAft>
+                <a:spcPts val="0"/>
+              </a:spcAft>
+              <a:buClrTx/>
+              <a:buSzTx/>
+              <a:buFontTx/>
+              <a:buNone/>
+              <a:tabLst/>
+              <a:defRPr/>
+            </a:pPr>
+            <a:r>
+              <a:rPr lang="en-GB" sz="1200" kern="1200" dirty="0" smtClean="0">
+                <a:solidFill>
+                  <a:schemeClr val="tx1"/>
+                </a:solidFill>
+                <a:effectLst/>
+                <a:latin typeface="+mn-lt"/>
+                <a:ea typeface="+mn-ea"/>
+                <a:cs typeface="+mn-cs"/>
+              </a:rPr>
+              <a:t>   - Gaussian Density</a:t>
+            </a:r>
+            <a:r>
+              <a:rPr lang="en-GB" sz="1200" kern="1200" baseline="0" dirty="0" smtClean="0">
+                <a:solidFill>
+                  <a:schemeClr val="tx1"/>
+                </a:solidFill>
+                <a:effectLst/>
+                <a:latin typeface="+mn-lt"/>
+                <a:ea typeface="+mn-ea"/>
+                <a:cs typeface="+mn-cs"/>
+              </a:rPr>
+              <a:t> vs Density: Gaussian density provides a better model, modelling the reduced association between the point of interest and the crime, but uniform density provides a more interpretable result, especially easier to compare to Borough density. </a:t>
+            </a:r>
+          </a:p>
+          <a:p>
+            <a:pPr marL="0" marR="0" indent="0" algn="l" defTabSz="914400" rtl="0" eaLnBrk="1" fontAlgn="auto" latinLnBrk="0" hangingPunct="1">
+              <a:lnSpc>
+                <a:spcPct val="100000"/>
+              </a:lnSpc>
+              <a:spcBef>
+                <a:spcPts val="0"/>
+              </a:spcBef>
+              <a:spcAft>
+                <a:spcPts val="0"/>
+              </a:spcAft>
+              <a:buClrTx/>
+              <a:buSzTx/>
+              <a:buFontTx/>
+              <a:buNone/>
+              <a:tabLst/>
+              <a:defRPr/>
+            </a:pPr>
+            <a:r>
+              <a:rPr lang="en-GB" sz="1200" b="1" kern="1200" baseline="0" dirty="0" smtClean="0">
+                <a:solidFill>
+                  <a:schemeClr val="tx1"/>
+                </a:solidFill>
+                <a:effectLst/>
+                <a:latin typeface="+mn-lt"/>
+                <a:ea typeface="+mn-ea"/>
+                <a:cs typeface="+mn-cs"/>
+              </a:rPr>
+              <a:t>Process</a:t>
+            </a:r>
+            <a:r>
+              <a:rPr lang="en-GB" sz="1200" kern="1200" baseline="0" dirty="0" smtClean="0">
+                <a:solidFill>
+                  <a:schemeClr val="tx1"/>
+                </a:solidFill>
+                <a:effectLst/>
+                <a:latin typeface="+mn-lt"/>
+                <a:ea typeface="+mn-ea"/>
+                <a:cs typeface="+mn-cs"/>
+              </a:rPr>
+              <a:t>: </a:t>
+            </a:r>
+            <a:r>
+              <a:rPr lang="en-GB" sz="1200" b="1" kern="1200" baseline="0" dirty="0" smtClean="0">
+                <a:solidFill>
+                  <a:schemeClr val="tx1"/>
+                </a:solidFill>
+                <a:effectLst/>
+                <a:latin typeface="+mn-lt"/>
+                <a:ea typeface="+mn-ea"/>
+                <a:cs typeface="+mn-cs"/>
+              </a:rPr>
+              <a:t>Calculations done and why</a:t>
+            </a:r>
+            <a:endParaRPr lang="en-GB" sz="1200" kern="1200" baseline="0" dirty="0" smtClean="0">
+              <a:solidFill>
+                <a:schemeClr val="tx1"/>
+              </a:solidFill>
+              <a:effectLst/>
+              <a:latin typeface="+mn-lt"/>
+              <a:ea typeface="+mn-ea"/>
+              <a:cs typeface="+mn-cs"/>
+            </a:endParaRPr>
+          </a:p>
+          <a:p>
+            <a:pPr marL="0" marR="0" indent="0" algn="l" defTabSz="914400" rtl="0" eaLnBrk="1" fontAlgn="auto" latinLnBrk="0" hangingPunct="1">
+              <a:lnSpc>
+                <a:spcPct val="100000"/>
+              </a:lnSpc>
+              <a:spcBef>
+                <a:spcPts val="0"/>
+              </a:spcBef>
+              <a:spcAft>
+                <a:spcPts val="0"/>
+              </a:spcAft>
+              <a:buClrTx/>
+              <a:buSzTx/>
+              <a:buFontTx/>
+              <a:buNone/>
+              <a:tabLst/>
+              <a:defRPr/>
+            </a:pPr>
+            <a:r>
+              <a:rPr lang="en-GB" sz="1200" kern="1200" baseline="0" dirty="0" smtClean="0">
+                <a:solidFill>
+                  <a:schemeClr val="tx1"/>
+                </a:solidFill>
+                <a:effectLst/>
+                <a:latin typeface="+mn-lt"/>
+                <a:ea typeface="+mn-ea"/>
+                <a:cs typeface="+mn-cs"/>
+              </a:rPr>
+              <a:t>  - Distance chosen for circle radius (also variance for Gaussian) – balancing distance between stations, so not too many of them overlap and the histograms of distance between crime data and stations, want to get as much of the region where stations</a:t>
+            </a:r>
+          </a:p>
+          <a:p>
+            <a:pPr marL="0" marR="0" indent="0" algn="l" defTabSz="914400" rtl="0" eaLnBrk="1" fontAlgn="auto" latinLnBrk="0" hangingPunct="1">
+              <a:lnSpc>
+                <a:spcPct val="100000"/>
+              </a:lnSpc>
+              <a:spcBef>
+                <a:spcPts val="0"/>
+              </a:spcBef>
+              <a:spcAft>
+                <a:spcPts val="0"/>
+              </a:spcAft>
+              <a:buClrTx/>
+              <a:buSzTx/>
+              <a:buFontTx/>
+              <a:buNone/>
+              <a:tabLst/>
+              <a:defRPr/>
+            </a:pPr>
+            <a:r>
+              <a:rPr lang="en-GB" sz="1200" b="1" kern="1200" baseline="0" dirty="0" smtClean="0">
+                <a:solidFill>
+                  <a:schemeClr val="tx1"/>
+                </a:solidFill>
+                <a:effectLst/>
+                <a:latin typeface="+mn-lt"/>
+                <a:ea typeface="+mn-ea"/>
+                <a:cs typeface="+mn-cs"/>
+              </a:rPr>
+              <a:t>Results:</a:t>
+            </a:r>
+          </a:p>
+          <a:p>
+            <a:pPr marL="0" marR="0" indent="0" algn="l" defTabSz="914400" rtl="0" eaLnBrk="1" fontAlgn="auto" latinLnBrk="0" hangingPunct="1">
+              <a:lnSpc>
+                <a:spcPct val="100000"/>
+              </a:lnSpc>
+              <a:spcBef>
+                <a:spcPts val="0"/>
+              </a:spcBef>
+              <a:spcAft>
+                <a:spcPts val="0"/>
+              </a:spcAft>
+              <a:buClrTx/>
+              <a:buSzTx/>
+              <a:buFontTx/>
+              <a:buNone/>
+              <a:tabLst/>
+              <a:defRPr/>
+            </a:pPr>
+            <a:r>
+              <a:rPr lang="en-GB" sz="1200" b="1" kern="1200" baseline="0" dirty="0" smtClean="0">
+                <a:solidFill>
+                  <a:schemeClr val="tx1"/>
+                </a:solidFill>
+                <a:effectLst/>
+                <a:latin typeface="+mn-lt"/>
+                <a:ea typeface="+mn-ea"/>
+                <a:cs typeface="+mn-cs"/>
+              </a:rPr>
+              <a:t>  - </a:t>
+            </a:r>
+            <a:r>
+              <a:rPr lang="en-GB" sz="1200" b="0" kern="1200" baseline="0" dirty="0" smtClean="0">
+                <a:solidFill>
+                  <a:schemeClr val="tx1"/>
+                </a:solidFill>
+                <a:effectLst/>
+                <a:latin typeface="+mn-lt"/>
+                <a:ea typeface="+mn-ea"/>
+                <a:cs typeface="+mn-cs"/>
+              </a:rPr>
+              <a:t>Show a couple of graphs of analysis. </a:t>
+            </a:r>
+            <a:endParaRPr lang="en-GB" sz="1200" b="1" kern="1200" baseline="0" dirty="0" smtClean="0">
+              <a:solidFill>
+                <a:schemeClr val="tx1"/>
+              </a:solidFill>
+              <a:effectLst/>
+              <a:latin typeface="+mn-lt"/>
+              <a:ea typeface="+mn-ea"/>
+              <a:cs typeface="+mn-cs"/>
+            </a:endParaRPr>
+          </a:p>
+          <a:p>
+            <a:pPr marL="0" marR="0" indent="0" algn="l" defTabSz="914400" rtl="0" eaLnBrk="1" fontAlgn="auto" latinLnBrk="0" hangingPunct="1">
+              <a:lnSpc>
+                <a:spcPct val="100000"/>
+              </a:lnSpc>
+              <a:spcBef>
+                <a:spcPts val="0"/>
+              </a:spcBef>
+              <a:spcAft>
+                <a:spcPts val="0"/>
+              </a:spcAft>
+              <a:buClrTx/>
+              <a:buSzTx/>
+              <a:buFontTx/>
+              <a:buNone/>
+              <a:tabLst/>
+              <a:defRPr/>
+            </a:pPr>
+            <a:endParaRPr lang="en-GB" sz="1200" kern="1200" dirty="0" smtClean="0">
+              <a:solidFill>
+                <a:schemeClr val="tx1"/>
+              </a:solidFill>
+              <a:effectLst/>
+              <a:latin typeface="+mn-lt"/>
+              <a:ea typeface="+mn-ea"/>
+              <a:cs typeface="+mn-cs"/>
+            </a:endParaRPr>
+          </a:p>
+          <a:p>
+            <a:endParaRPr lang="en-GB" dirty="0"/>
+          </a:p>
+        </p:txBody>
+      </p:sp>
+      <p:sp>
+        <p:nvSpPr>
+          <p:cNvPr id="4" name="Slide Number Placeholder 3"/>
+          <p:cNvSpPr>
+            <a:spLocks noGrp="1"/>
+          </p:cNvSpPr>
+          <p:nvPr>
+            <p:ph type="sldNum" sz="quarter" idx="10"/>
+          </p:nvPr>
+        </p:nvSpPr>
+        <p:spPr/>
+        <p:txBody>
+          <a:bodyPr/>
+          <a:lstStyle/>
+          <a:p>
+            <a:fld id="{DD801837-D9B4-4140-8B18-11EA6BF1B100}" type="slidenum">
+              <a:rPr lang="en-GB" smtClean="0"/>
+              <a:t>8</a:t>
+            </a:fld>
+            <a:endParaRPr lang="en-GB"/>
+          </a:p>
+        </p:txBody>
+      </p:sp>
+    </p:spTree>
+    <p:extLst>
+      <p:ext uri="{BB962C8B-B14F-4D97-AF65-F5344CB8AC3E}">
+        <p14:creationId xmlns:p14="http://schemas.microsoft.com/office/powerpoint/2010/main" val="4235070678"/>
+      </p:ext>
+    </p:extLst>
+  </p:cSld>
+  <p:clrMapOvr>
+    <a:masterClrMapping/>
+  </p:clrMapOvr>
+</p:notes>
+</file>
+
+<file path=ppt/notesSlides/notesSlide8.xml><?xml version="1.0" encoding="utf-8"?>
+<p:notes xmlns:a="http://schemas.openxmlformats.org/drawingml/2006/main" xmlns:r="http://schemas.openxmlformats.org/officeDocument/2006/relationships" xmlns:p="http://schemas.openxmlformats.org/presentationml/2006/main">
+  <p:cSld>
+    <p:spTree>
+      <p:nvGrpSpPr>
+        <p:cNvPr id="1" name=""/>
+        <p:cNvGrpSpPr/>
+        <p:nvPr/>
+      </p:nvGrpSpPr>
+      <p:grpSpPr>
+        <a:xfrm>
+          <a:off x="0" y="0"/>
+          <a:ext cx="0" cy="0"/>
+          <a:chOff x="0" y="0"/>
+          <a:chExt cx="0" cy="0"/>
+        </a:xfrm>
+      </p:grpSpPr>
+      <p:sp>
+        <p:nvSpPr>
+          <p:cNvPr id="2" name="Slide Image Placeholder 1"/>
+          <p:cNvSpPr>
+            <a:spLocks noGrp="1" noRot="1" noChangeAspect="1"/>
+          </p:cNvSpPr>
+          <p:nvPr>
+            <p:ph type="sldImg"/>
+          </p:nvPr>
+        </p:nvSpPr>
+        <p:spPr/>
+      </p:sp>
+      <p:sp>
+        <p:nvSpPr>
+          <p:cNvPr id="3" name="Notes Placeholder 2"/>
+          <p:cNvSpPr>
+            <a:spLocks noGrp="1"/>
+          </p:cNvSpPr>
+          <p:nvPr>
+            <p:ph type="body" idx="1"/>
+          </p:nvPr>
+        </p:nvSpPr>
+        <p:spPr/>
+        <p:txBody>
+          <a:bodyPr/>
+          <a:lstStyle/>
+          <a:p>
             <a:endParaRPr lang="en-GB" dirty="0"/>
           </a:p>
         </p:txBody>
@@ -1277,7 +1781,7 @@
 </p:notes>
 </file>
 
-<file path=ppt/notesSlides/notesSlide8.xml><?xml version="1.0" encoding="utf-8"?>
+<file path=ppt/notesSlides/notesSlide9.xml><?xml version="1.0" encoding="utf-8"?>
 <p:notes xmlns:a="http://schemas.openxmlformats.org/drawingml/2006/main" xmlns:r="http://schemas.openxmlformats.org/officeDocument/2006/relationships" xmlns:p="http://schemas.openxmlformats.org/presentationml/2006/main">
   <p:cSld>
     <p:spTree>
@@ -1390,32 +1894,15 @@
         </p:nvSpPr>
         <p:spPr>
           <a:xfrm>
-            <a:off x="1751012" y="609601"/>
-            <a:ext cx="8676222" cy="3200400"/>
+            <a:off x="1524000" y="1122363"/>
+            <a:ext cx="9144000" cy="2387600"/>
           </a:xfrm>
         </p:spPr>
         <p:txBody>
-          <a:bodyPr anchor="b">
-            <a:normAutofit/>
-          </a:bodyPr>
+          <a:bodyPr anchor="b"/>
           <a:lstStyle>
             <a:lvl1pPr algn="ctr">
-              <a:defRPr sz="4800">
-                <a:effectLst>
-                  <a:glow rad="38100">
-                    <a:schemeClr val="bg1">
-                      <a:lumMod val="65000"/>
-                      <a:lumOff val="35000"/>
-                      <a:alpha val="50000"/>
-                    </a:schemeClr>
-                  </a:glow>
-                  <a:outerShdw blurRad="28575" dist="31750" dir="13200000" algn="tl" rotWithShape="0">
-                    <a:srgbClr val="000000">
-                      <a:alpha val="25000"/>
-                    </a:srgbClr>
-                  </a:outerShdw>
-                </a:effectLst>
-              </a:defRPr>
+              <a:defRPr sz="6000"/>
             </a:lvl1pPr>
           </a:lstStyle>
           <a:p>
@@ -1423,7 +1910,7 @@
               <a:rPr lang="en-US" smtClean="0"/>
               <a:t>Click to edit Master title style</a:t>
             </a:r>
-            <a:endParaRPr lang="en-US" dirty="0"/>
+            <a:endParaRPr lang="en-GB"/>
           </a:p>
         </p:txBody>
       </p:sp>
@@ -1439,113 +1926,48 @@
         </p:nvSpPr>
         <p:spPr>
           <a:xfrm>
-            <a:off x="1751012" y="3886200"/>
-            <a:ext cx="8676222" cy="1905000"/>
+            <a:off x="1524000" y="3602038"/>
+            <a:ext cx="9144000" cy="1655762"/>
           </a:xfrm>
         </p:spPr>
         <p:txBody>
-          <a:bodyPr anchor="t">
-            <a:normAutofit/>
-          </a:bodyPr>
+          <a:bodyPr/>
           <a:lstStyle>
             <a:lvl1pPr marL="0" indent="0" algn="ctr">
               <a:buNone/>
-              <a:defRPr sz="2100">
-                <a:gradFill flip="none" rotWithShape="1">
-                  <a:gsLst>
-                    <a:gs pos="0">
-                      <a:schemeClr val="tx1"/>
-                    </a:gs>
-                    <a:gs pos="100000">
-                      <a:schemeClr val="tx1">
-                        <a:lumMod val="75000"/>
-                      </a:schemeClr>
-                    </a:gs>
-                  </a:gsLst>
-                  <a:lin ang="5400000" scaled="0"/>
-                  <a:tileRect/>
-                </a:gradFill>
-              </a:defRPr>
+              <a:defRPr sz="2400"/>
             </a:lvl1pPr>
             <a:lvl2pPr marL="457200" indent="0" algn="ctr">
               <a:buNone/>
-              <a:defRPr>
-                <a:solidFill>
-                  <a:schemeClr val="tx1">
-                    <a:tint val="75000"/>
-                  </a:schemeClr>
-                </a:solidFill>
-              </a:defRPr>
+              <a:defRPr sz="2000"/>
             </a:lvl2pPr>
             <a:lvl3pPr marL="914400" indent="0" algn="ctr">
               <a:buNone/>
-              <a:defRPr>
-                <a:solidFill>
-                  <a:schemeClr val="tx1">
-                    <a:tint val="75000"/>
-                  </a:schemeClr>
-                </a:solidFill>
-              </a:defRPr>
+              <a:defRPr sz="1800"/>
             </a:lvl3pPr>
             <a:lvl4pPr marL="1371600" indent="0" algn="ctr">
               <a:buNone/>
-              <a:defRPr>
-                <a:solidFill>
-                  <a:schemeClr val="tx1">
-                    <a:tint val="75000"/>
-                  </a:schemeClr>
-                </a:solidFill>
-              </a:defRPr>
+              <a:defRPr sz="1600"/>
             </a:lvl4pPr>
             <a:lvl5pPr marL="1828800" indent="0" algn="ctr">
               <a:buNone/>
-              <a:defRPr>
-                <a:solidFill>
-                  <a:schemeClr val="tx1">
-                    <a:tint val="75000"/>
-                  </a:schemeClr>
-                </a:solidFill>
-              </a:defRPr>
+              <a:defRPr sz="1600"/>
             </a:lvl5pPr>
             <a:lvl6pPr marL="2286000" indent="0" algn="ctr">
               <a:buNone/>
-              <a:defRPr>
-                <a:solidFill>
-                  <a:schemeClr val="tx1">
-                    <a:tint val="75000"/>
-                  </a:schemeClr>
-                </a:solidFill>
-              </a:defRPr>
+              <a:defRPr sz="1600"/>
             </a:lvl6pPr>
             <a:lvl7pPr marL="2743200" indent="0" algn="ctr">
               <a:buNone/>
-              <a:defRPr>
-                <a:solidFill>
-                  <a:schemeClr val="tx1">
-                    <a:tint val="75000"/>
-                  </a:schemeClr>
-                </a:solidFill>
-              </a:defRPr>
+              <a:defRPr sz="1600"/>
             </a:lvl7pPr>
             <a:lvl8pPr marL="3200400" indent="0" algn="ctr">
               <a:buNone/>
-              <a:defRPr>
-                <a:solidFill>
-                  <a:schemeClr val="tx1">
-                    <a:tint val="75000"/>
-                  </a:schemeClr>
-                </a:solidFill>
-              </a:defRPr>
+              <a:defRPr sz="1600"/>
             </a:lvl8pPr>
             <a:lvl9pPr marL="3657600" indent="0" algn="ctr">
               <a:buNone/>
-              <a:defRPr>
-                <a:solidFill>
-                  <a:schemeClr val="tx1">
-                    <a:tint val="75000"/>
-                  </a:schemeClr>
-                </a:solidFill>
-              </a:defRPr>
+              <a:defRPr sz="1600"/>
             </a:lvl9pPr>
           </a:lstStyle>
           <a:p>
@@ -1553,7 +1975,7 @@
               <a:rPr lang="en-US" smtClean="0"/>
               <a:t>Click to edit Master subtitle style</a:t>
             </a:r>
-            <a:endParaRPr lang="en-US" dirty="0"/>
+            <a:endParaRPr lang="en-GB"/>
           </a:p>
         </p:txBody>
       </p:sp>
@@ -1625,7 +2047,7 @@
     </p:spTree>
     <p:extLst>
       <p:ext uri="{BB962C8B-B14F-4D97-AF65-F5344CB8AC3E}">
-        <p14:creationId xmlns:p14="http://schemas.microsoft.com/office/powerpoint/2010/main" val="615810658"/>
+        <p14:creationId xmlns:p14="http://schemas.microsoft.com/office/powerpoint/2010/main" val="2535831801"/>
       </p:ext>
     </p:extLst>
   </p:cSld>
@@ -1636,2113 +2058,6 @@
 </file>
 
 <file path=ppt/slideLayouts/slideLayout10.xml><?xml version="1.0" encoding="utf-8"?>
-<p:sldLayout xmlns:a="http://schemas.openxmlformats.org/drawingml/2006/main" xmlns:r="http://schemas.openxmlformats.org/officeDocument/2006/relationships" xmlns:p="http://schemas.openxmlformats.org/presentationml/2006/main" preserve="1">
-  <p:cSld name="Panoramic Picture with Caption">
-    <p:spTree>
-      <p:nvGrpSpPr>
-        <p:cNvPr id="1" name=""/>
-        <p:cNvGrpSpPr/>
-        <p:nvPr/>
-      </p:nvGrpSpPr>
-      <p:grpSpPr>
-        <a:xfrm>
-          <a:off x="0" y="0"/>
-          <a:ext cx="0" cy="0"/>
-          <a:chOff x="0" y="0"/>
-          <a:chExt cx="0" cy="0"/>
-        </a:xfrm>
-      </p:grpSpPr>
-      <p:sp>
-        <p:nvSpPr>
-          <p:cNvPr id="2" name="Title 1"/>
-          <p:cNvSpPr>
-            <a:spLocks noGrp="1"/>
-          </p:cNvSpPr>
-          <p:nvPr>
-            <p:ph type="title"/>
-          </p:nvPr>
-        </p:nvSpPr>
-        <p:spPr>
-          <a:xfrm>
-            <a:off x="1141413" y="4732865"/>
-            <a:ext cx="9906000" cy="566738"/>
-          </a:xfrm>
-        </p:spPr>
-        <p:txBody>
-          <a:bodyPr anchor="b">
-            <a:normAutofit/>
-          </a:bodyPr>
-          <a:lstStyle>
-            <a:lvl1pPr algn="l">
-              <a:defRPr sz="2400" b="0"/>
-            </a:lvl1pPr>
-          </a:lstStyle>
-          <a:p>
-            <a:r>
-              <a:rPr lang="en-US" smtClean="0"/>
-              <a:t>Click to edit Master title style</a:t>
-            </a:r>
-            <a:endParaRPr lang="en-US" dirty="0"/>
-          </a:p>
-        </p:txBody>
-      </p:sp>
-      <p:sp>
-        <p:nvSpPr>
-          <p:cNvPr id="3" name="Picture Placeholder 2"/>
-          <p:cNvSpPr>
-            <a:spLocks noGrp="1" noChangeAspect="1"/>
-          </p:cNvSpPr>
-          <p:nvPr>
-            <p:ph type="pic" idx="1"/>
-          </p:nvPr>
-        </p:nvSpPr>
-        <p:spPr>
-          <a:xfrm>
-            <a:off x="1979612" y="932112"/>
-            <a:ext cx="8225944" cy="3164976"/>
-          </a:xfrm>
-          <a:prstGeom prst="roundRect">
-            <a:avLst>
-              <a:gd name="adj" fmla="val 4380"/>
-            </a:avLst>
-          </a:prstGeom>
-          <a:ln w="38100">
-            <a:gradFill flip="none" rotWithShape="1">
-              <a:gsLst>
-                <a:gs pos="0">
-                  <a:schemeClr val="bg2"/>
-                </a:gs>
-                <a:gs pos="100000">
-                  <a:schemeClr val="bg2">
-                    <a:lumMod val="75000"/>
-                  </a:schemeClr>
-                </a:gs>
-              </a:gsLst>
-              <a:lin ang="5400000" scaled="0"/>
-              <a:tileRect/>
-            </a:gradFill>
-          </a:ln>
-          <a:effectLst>
-            <a:innerShdw blurRad="57150" dist="38100" dir="14460000">
-              <a:srgbClr val="000000">
-                <a:alpha val="70000"/>
-              </a:srgbClr>
-            </a:innerShdw>
-          </a:effectLst>
-        </p:spPr>
-        <p:txBody>
-          <a:bodyPr anchor="t">
-            <a:normAutofit/>
-          </a:bodyPr>
-          <a:lstStyle>
-            <a:lvl1pPr marL="0" indent="0" algn="ctr">
-              <a:buNone/>
-              <a:defRPr sz="1600"/>
-            </a:lvl1pPr>
-            <a:lvl2pPr marL="457200" indent="0">
-              <a:buNone/>
-              <a:defRPr sz="1600"/>
-            </a:lvl2pPr>
-            <a:lvl3pPr marL="914400" indent="0">
-              <a:buNone/>
-              <a:defRPr sz="1600"/>
-            </a:lvl3pPr>
-            <a:lvl4pPr marL="1371600" indent="0">
-              <a:buNone/>
-              <a:defRPr sz="1600"/>
-            </a:lvl4pPr>
-            <a:lvl5pPr marL="1828800" indent="0">
-              <a:buNone/>
-              <a:defRPr sz="1600"/>
-            </a:lvl5pPr>
-            <a:lvl6pPr marL="2286000" indent="0">
-              <a:buNone/>
-              <a:defRPr sz="1600"/>
-            </a:lvl6pPr>
-            <a:lvl7pPr marL="2743200" indent="0">
-              <a:buNone/>
-              <a:defRPr sz="1600"/>
-            </a:lvl7pPr>
-            <a:lvl8pPr marL="3200400" indent="0">
-              <a:buNone/>
-              <a:defRPr sz="1600"/>
-            </a:lvl8pPr>
-            <a:lvl9pPr marL="3657600" indent="0">
-              <a:buNone/>
-              <a:defRPr sz="1600"/>
-            </a:lvl9pPr>
-          </a:lstStyle>
-          <a:p>
-            <a:r>
-              <a:rPr lang="en-US" smtClean="0"/>
-              <a:t>Click icon to add picture</a:t>
-            </a:r>
-            <a:endParaRPr lang="en-US" dirty="0"/>
-          </a:p>
-        </p:txBody>
-      </p:sp>
-      <p:sp>
-        <p:nvSpPr>
-          <p:cNvPr id="4" name="Text Placeholder 3"/>
-          <p:cNvSpPr>
-            <a:spLocks noGrp="1"/>
-          </p:cNvSpPr>
-          <p:nvPr>
-            <p:ph type="body" sz="half" idx="2"/>
-          </p:nvPr>
-        </p:nvSpPr>
-        <p:spPr>
-          <a:xfrm>
-            <a:off x="1141413" y="5299603"/>
-            <a:ext cx="9906000" cy="493712"/>
-          </a:xfrm>
-        </p:spPr>
-        <p:txBody>
-          <a:bodyPr>
-            <a:normAutofit/>
-          </a:bodyPr>
-          <a:lstStyle>
-            <a:lvl1pPr marL="0" indent="0">
-              <a:buNone/>
-              <a:defRPr sz="1400"/>
-            </a:lvl1pPr>
-            <a:lvl2pPr marL="457200" indent="0">
-              <a:buNone/>
-              <a:defRPr sz="1200"/>
-            </a:lvl2pPr>
-            <a:lvl3pPr marL="914400" indent="0">
-              <a:buNone/>
-              <a:defRPr sz="1000"/>
-            </a:lvl3pPr>
-            <a:lvl4pPr marL="1371600" indent="0">
-              <a:buNone/>
-              <a:defRPr sz="900"/>
-            </a:lvl4pPr>
-            <a:lvl5pPr marL="1828800" indent="0">
-              <a:buNone/>
-              <a:defRPr sz="900"/>
-            </a:lvl5pPr>
-            <a:lvl6pPr marL="2286000" indent="0">
-              <a:buNone/>
-              <a:defRPr sz="900"/>
-            </a:lvl6pPr>
-            <a:lvl7pPr marL="2743200" indent="0">
-              <a:buNone/>
-              <a:defRPr sz="900"/>
-            </a:lvl7pPr>
-            <a:lvl8pPr marL="3200400" indent="0">
-              <a:buNone/>
-              <a:defRPr sz="900"/>
-            </a:lvl8pPr>
-            <a:lvl9pPr marL="3657600" indent="0">
-              <a:buNone/>
-              <a:defRPr sz="900"/>
-            </a:lvl9pPr>
-          </a:lstStyle>
-          <a:p>
-            <a:pPr lvl="0"/>
-            <a:r>
-              <a:rPr lang="en-US" smtClean="0"/>
-              <a:t>Click to edit Master text styles</a:t>
-            </a:r>
-          </a:p>
-        </p:txBody>
-      </p:sp>
-      <p:sp>
-        <p:nvSpPr>
-          <p:cNvPr id="5" name="Date Placeholder 4"/>
-          <p:cNvSpPr>
-            <a:spLocks noGrp="1"/>
-          </p:cNvSpPr>
-          <p:nvPr>
-            <p:ph type="dt" sz="half" idx="10"/>
-          </p:nvPr>
-        </p:nvSpPr>
-        <p:spPr/>
-        <p:txBody>
-          <a:bodyPr/>
-          <a:lstStyle/>
-          <a:p>
-            <a:fld id="{BDDAFA7A-6445-4002-8C74-4055B96B083F}" type="datetimeFigureOut">
-              <a:rPr lang="en-US" smtClean="0"/>
-              <a:t>1/5/2016</a:t>
-            </a:fld>
-            <a:endParaRPr lang="en-US"/>
-          </a:p>
-        </p:txBody>
-      </p:sp>
-      <p:sp>
-        <p:nvSpPr>
-          <p:cNvPr id="6" name="Footer Placeholder 5"/>
-          <p:cNvSpPr>
-            <a:spLocks noGrp="1"/>
-          </p:cNvSpPr>
-          <p:nvPr>
-            <p:ph type="ftr" sz="quarter" idx="11"/>
-          </p:nvPr>
-        </p:nvSpPr>
-        <p:spPr/>
-        <p:txBody>
-          <a:bodyPr/>
-          <a:lstStyle/>
-          <a:p>
-            <a:endParaRPr lang="en-US"/>
-          </a:p>
-        </p:txBody>
-      </p:sp>
-      <p:sp>
-        <p:nvSpPr>
-          <p:cNvPr id="7" name="Slide Number Placeholder 6"/>
-          <p:cNvSpPr>
-            <a:spLocks noGrp="1"/>
-          </p:cNvSpPr>
-          <p:nvPr>
-            <p:ph type="sldNum" sz="quarter" idx="12"/>
-          </p:nvPr>
-        </p:nvSpPr>
-        <p:spPr/>
-        <p:txBody>
-          <a:bodyPr/>
-          <a:lstStyle/>
-          <a:p>
-            <a:fld id="{3CE3CCBD-19B9-490E-AA2D-3CF6990B033E}" type="slidenum">
-              <a:rPr lang="en-US" smtClean="0"/>
-              <a:t>‹#›</a:t>
-            </a:fld>
-            <a:endParaRPr lang="en-US"/>
-          </a:p>
-        </p:txBody>
-      </p:sp>
-    </p:spTree>
-    <p:extLst>
-      <p:ext uri="{BB962C8B-B14F-4D97-AF65-F5344CB8AC3E}">
-        <p14:creationId xmlns:p14="http://schemas.microsoft.com/office/powerpoint/2010/main" val="622694778"/>
-      </p:ext>
-    </p:extLst>
-  </p:cSld>
-  <p:clrMapOvr>
-    <a:masterClrMapping/>
-  </p:clrMapOvr>
-</p:sldLayout>
-</file>
-
-<file path=ppt/slideLayouts/slideLayout11.xml><?xml version="1.0" encoding="utf-8"?>
-<p:sldLayout xmlns:a="http://schemas.openxmlformats.org/drawingml/2006/main" xmlns:r="http://schemas.openxmlformats.org/officeDocument/2006/relationships" xmlns:p="http://schemas.openxmlformats.org/presentationml/2006/main" preserve="1">
-  <p:cSld name="Title and Caption">
-    <p:spTree>
-      <p:nvGrpSpPr>
-        <p:cNvPr id="1" name=""/>
-        <p:cNvGrpSpPr/>
-        <p:nvPr/>
-      </p:nvGrpSpPr>
-      <p:grpSpPr>
-        <a:xfrm>
-          <a:off x="0" y="0"/>
-          <a:ext cx="0" cy="0"/>
-          <a:chOff x="0" y="0"/>
-          <a:chExt cx="0" cy="0"/>
-        </a:xfrm>
-      </p:grpSpPr>
-      <p:sp>
-        <p:nvSpPr>
-          <p:cNvPr id="2" name="Title 1"/>
-          <p:cNvSpPr>
-            <a:spLocks noGrp="1"/>
-          </p:cNvSpPr>
-          <p:nvPr>
-            <p:ph type="title"/>
-          </p:nvPr>
-        </p:nvSpPr>
-        <p:spPr>
-          <a:xfrm>
-            <a:off x="1141412" y="609601"/>
-            <a:ext cx="9905999" cy="3124199"/>
-          </a:xfrm>
-        </p:spPr>
-        <p:txBody>
-          <a:bodyPr anchor="ctr">
-            <a:normAutofit/>
-          </a:bodyPr>
-          <a:lstStyle>
-            <a:lvl1pPr algn="l">
-              <a:defRPr sz="3200" b="0" cap="all"/>
-            </a:lvl1pPr>
-          </a:lstStyle>
-          <a:p>
-            <a:r>
-              <a:rPr lang="en-US" smtClean="0"/>
-              <a:t>Click to edit Master title style</a:t>
-            </a:r>
-            <a:endParaRPr lang="en-US" dirty="0"/>
-          </a:p>
-        </p:txBody>
-      </p:sp>
-      <p:sp>
-        <p:nvSpPr>
-          <p:cNvPr id="3" name="Text Placeholder 2"/>
-          <p:cNvSpPr>
-            <a:spLocks noGrp="1"/>
-          </p:cNvSpPr>
-          <p:nvPr>
-            <p:ph type="body" idx="1"/>
-          </p:nvPr>
-        </p:nvSpPr>
-        <p:spPr>
-          <a:xfrm>
-            <a:off x="1141411" y="4343400"/>
-            <a:ext cx="9906000" cy="1447800"/>
-          </a:xfrm>
-        </p:spPr>
-        <p:txBody>
-          <a:bodyPr anchor="ctr">
-            <a:normAutofit/>
-          </a:bodyPr>
-          <a:lstStyle>
-            <a:lvl1pPr marL="0" indent="0" algn="l">
-              <a:buNone/>
-              <a:defRPr sz="2000">
-                <a:gradFill flip="none" rotWithShape="1">
-                  <a:gsLst>
-                    <a:gs pos="0">
-                      <a:schemeClr val="tx1"/>
-                    </a:gs>
-                    <a:gs pos="100000">
-                      <a:schemeClr val="tx1">
-                        <a:lumMod val="75000"/>
-                      </a:schemeClr>
-                    </a:gs>
-                  </a:gsLst>
-                  <a:lin ang="5400000" scaled="0"/>
-                  <a:tileRect/>
-                </a:gradFill>
-              </a:defRPr>
-            </a:lvl1pPr>
-            <a:lvl2pPr marL="457200" indent="0">
-              <a:buNone/>
-              <a:defRPr sz="1800">
-                <a:solidFill>
-                  <a:schemeClr val="tx1">
-                    <a:tint val="75000"/>
-                  </a:schemeClr>
-                </a:solidFill>
-              </a:defRPr>
-            </a:lvl2pPr>
-            <a:lvl3pPr marL="914400" indent="0">
-              <a:buNone/>
-              <a:defRPr sz="1600">
-                <a:solidFill>
-                  <a:schemeClr val="tx1">
-                    <a:tint val="75000"/>
-                  </a:schemeClr>
-                </a:solidFill>
-              </a:defRPr>
-            </a:lvl3pPr>
-            <a:lvl4pPr marL="1371600" indent="0">
-              <a:buNone/>
-              <a:defRPr sz="1400">
-                <a:solidFill>
-                  <a:schemeClr val="tx1">
-                    <a:tint val="75000"/>
-                  </a:schemeClr>
-                </a:solidFill>
-              </a:defRPr>
-            </a:lvl4pPr>
-            <a:lvl5pPr marL="1828800" indent="0">
-              <a:buNone/>
-              <a:defRPr sz="1400">
-                <a:solidFill>
-                  <a:schemeClr val="tx1">
-                    <a:tint val="75000"/>
-                  </a:schemeClr>
-                </a:solidFill>
-              </a:defRPr>
-            </a:lvl5pPr>
-            <a:lvl6pPr marL="2286000" indent="0">
-              <a:buNone/>
-              <a:defRPr sz="1400">
-                <a:solidFill>
-                  <a:schemeClr val="tx1">
-                    <a:tint val="75000"/>
-                  </a:schemeClr>
-                </a:solidFill>
-              </a:defRPr>
-            </a:lvl6pPr>
-            <a:lvl7pPr marL="2743200" indent="0">
-              <a:buNone/>
-              <a:defRPr sz="1400">
-                <a:solidFill>
-                  <a:schemeClr val="tx1">
-                    <a:tint val="75000"/>
-                  </a:schemeClr>
-                </a:solidFill>
-              </a:defRPr>
-            </a:lvl7pPr>
-            <a:lvl8pPr marL="3200400" indent="0">
-              <a:buNone/>
-              <a:defRPr sz="1400">
-                <a:solidFill>
-                  <a:schemeClr val="tx1">
-                    <a:tint val="75000"/>
-                  </a:schemeClr>
-                </a:solidFill>
-              </a:defRPr>
-            </a:lvl8pPr>
-            <a:lvl9pPr marL="3657600" indent="0">
-              <a:buNone/>
-              <a:defRPr sz="1400">
-                <a:solidFill>
-                  <a:schemeClr val="tx1">
-                    <a:tint val="75000"/>
-                  </a:schemeClr>
-                </a:solidFill>
-              </a:defRPr>
-            </a:lvl9pPr>
-          </a:lstStyle>
-          <a:p>
-            <a:pPr lvl="0"/>
-            <a:r>
-              <a:rPr lang="en-US" smtClean="0"/>
-              <a:t>Click to edit Master text styles</a:t>
-            </a:r>
-          </a:p>
-        </p:txBody>
-      </p:sp>
-      <p:sp>
-        <p:nvSpPr>
-          <p:cNvPr id="4" name="Date Placeholder 3"/>
-          <p:cNvSpPr>
-            <a:spLocks noGrp="1"/>
-          </p:cNvSpPr>
-          <p:nvPr>
-            <p:ph type="dt" sz="half" idx="10"/>
-          </p:nvPr>
-        </p:nvSpPr>
-        <p:spPr/>
-        <p:txBody>
-          <a:bodyPr/>
-          <a:lstStyle/>
-          <a:p>
-            <a:fld id="{BDDAFA7A-6445-4002-8C74-4055B96B083F}" type="datetimeFigureOut">
-              <a:rPr lang="en-US" smtClean="0"/>
-              <a:t>1/5/2016</a:t>
-            </a:fld>
-            <a:endParaRPr lang="en-US"/>
-          </a:p>
-        </p:txBody>
-      </p:sp>
-      <p:sp>
-        <p:nvSpPr>
-          <p:cNvPr id="5" name="Footer Placeholder 4"/>
-          <p:cNvSpPr>
-            <a:spLocks noGrp="1"/>
-          </p:cNvSpPr>
-          <p:nvPr>
-            <p:ph type="ftr" sz="quarter" idx="11"/>
-          </p:nvPr>
-        </p:nvSpPr>
-        <p:spPr/>
-        <p:txBody>
-          <a:bodyPr/>
-          <a:lstStyle/>
-          <a:p>
-            <a:endParaRPr lang="en-US"/>
-          </a:p>
-        </p:txBody>
-      </p:sp>
-      <p:sp>
-        <p:nvSpPr>
-          <p:cNvPr id="6" name="Slide Number Placeholder 5"/>
-          <p:cNvSpPr>
-            <a:spLocks noGrp="1"/>
-          </p:cNvSpPr>
-          <p:nvPr>
-            <p:ph type="sldNum" sz="quarter" idx="12"/>
-          </p:nvPr>
-        </p:nvSpPr>
-        <p:spPr/>
-        <p:txBody>
-          <a:bodyPr/>
-          <a:lstStyle/>
-          <a:p>
-            <a:fld id="{3CE3CCBD-19B9-490E-AA2D-3CF6990B033E}" type="slidenum">
-              <a:rPr lang="en-US" smtClean="0"/>
-              <a:t>‹#›</a:t>
-            </a:fld>
-            <a:endParaRPr lang="en-US"/>
-          </a:p>
-        </p:txBody>
-      </p:sp>
-    </p:spTree>
-    <p:extLst>
-      <p:ext uri="{BB962C8B-B14F-4D97-AF65-F5344CB8AC3E}">
-        <p14:creationId xmlns:p14="http://schemas.microsoft.com/office/powerpoint/2010/main" val="1798324828"/>
-      </p:ext>
-    </p:extLst>
-  </p:cSld>
-  <p:clrMapOvr>
-    <a:masterClrMapping/>
-  </p:clrMapOvr>
-</p:sldLayout>
-</file>
-
-<file path=ppt/slideLayouts/slideLayout12.xml><?xml version="1.0" encoding="utf-8"?>
-<p:sldLayout xmlns:a="http://schemas.openxmlformats.org/drawingml/2006/main" xmlns:r="http://schemas.openxmlformats.org/officeDocument/2006/relationships" xmlns:p="http://schemas.openxmlformats.org/presentationml/2006/main" preserve="1">
-  <p:cSld name="Quote with Caption">
-    <p:spTree>
-      <p:nvGrpSpPr>
-        <p:cNvPr id="1" name=""/>
-        <p:cNvGrpSpPr/>
-        <p:nvPr/>
-      </p:nvGrpSpPr>
-      <p:grpSpPr>
-        <a:xfrm>
-          <a:off x="0" y="0"/>
-          <a:ext cx="0" cy="0"/>
-          <a:chOff x="0" y="0"/>
-          <a:chExt cx="0" cy="0"/>
-        </a:xfrm>
-      </p:grpSpPr>
-      <p:sp>
-        <p:nvSpPr>
-          <p:cNvPr id="14" name="TextBox 13"/>
-          <p:cNvSpPr txBox="1"/>
-          <p:nvPr/>
-        </p:nvSpPr>
-        <p:spPr>
-          <a:xfrm>
-            <a:off x="836612" y="786824"/>
-            <a:ext cx="609600" cy="584776"/>
-          </a:xfrm>
-          <a:prstGeom prst="rect">
-            <a:avLst/>
-          </a:prstGeom>
-        </p:spPr>
-        <p:txBody>
-          <a:bodyPr vert="horz" lIns="91440" tIns="45720" rIns="91440" bIns="45720" rtlCol="0" anchor="ctr">
-            <a:noAutofit/>
-          </a:bodyPr>
-          <a:lstStyle>
-            <a:lvl1pPr>
-              <a:spcBef>
-                <a:spcPct val="0"/>
-              </a:spcBef>
-              <a:buNone/>
-              <a:defRPr sz="3200" b="0" cap="all">
-                <a:ln w="3175" cmpd="sng">
-                  <a:noFill/>
-                </a:ln>
-                <a:effectLst>
-                  <a:glow rad="38100">
-                    <a:schemeClr val="bg1">
-                      <a:lumMod val="65000"/>
-                      <a:lumOff val="35000"/>
-                      <a:alpha val="40000"/>
-                    </a:schemeClr>
-                  </a:glow>
-                  <a:outerShdw blurRad="28575" dist="38100" dir="14040000" algn="tl" rotWithShape="0">
-                    <a:srgbClr val="000000">
-                      <a:alpha val="25000"/>
-                    </a:srgbClr>
-                  </a:outerShdw>
-                </a:effectLst>
-              </a:defRPr>
-            </a:lvl1pPr>
-            <a:lvl2pPr>
-              <a:defRPr>
-                <a:solidFill>
-                  <a:schemeClr val="tx2"/>
-                </a:solidFill>
-              </a:defRPr>
-            </a:lvl2pPr>
-            <a:lvl3pPr>
-              <a:defRPr>
-                <a:solidFill>
-                  <a:schemeClr val="tx2"/>
-                </a:solidFill>
-              </a:defRPr>
-            </a:lvl3pPr>
-            <a:lvl4pPr>
-              <a:defRPr>
-                <a:solidFill>
-                  <a:schemeClr val="tx2"/>
-                </a:solidFill>
-              </a:defRPr>
-            </a:lvl4pPr>
-            <a:lvl5pPr>
-              <a:defRPr>
-                <a:solidFill>
-                  <a:schemeClr val="tx2"/>
-                </a:solidFill>
-              </a:defRPr>
-            </a:lvl5pPr>
-            <a:lvl6pPr>
-              <a:defRPr>
-                <a:solidFill>
-                  <a:schemeClr val="tx2"/>
-                </a:solidFill>
-              </a:defRPr>
-            </a:lvl6pPr>
-            <a:lvl7pPr>
-              <a:defRPr>
-                <a:solidFill>
-                  <a:schemeClr val="tx2"/>
-                </a:solidFill>
-              </a:defRPr>
-            </a:lvl7pPr>
-            <a:lvl8pPr>
-              <a:defRPr>
-                <a:solidFill>
-                  <a:schemeClr val="tx2"/>
-                </a:solidFill>
-              </a:defRPr>
-            </a:lvl8pPr>
-            <a:lvl9pPr>
-              <a:defRPr>
-                <a:solidFill>
-                  <a:schemeClr val="tx2"/>
-                </a:solidFill>
-              </a:defRPr>
-            </a:lvl9pPr>
-          </a:lstStyle>
-          <a:p>
-            <a:pPr lvl="0"/>
-            <a:r>
-              <a:rPr lang="en-US" sz="8000" dirty="0">
-                <a:solidFill>
-                  <a:schemeClr val="accent1"/>
-                </a:solidFill>
-              </a:rPr>
-              <a:t>“</a:t>
-            </a:r>
-          </a:p>
-        </p:txBody>
-      </p:sp>
-      <p:sp>
-        <p:nvSpPr>
-          <p:cNvPr id="15" name="TextBox 14"/>
-          <p:cNvSpPr txBox="1"/>
-          <p:nvPr/>
-        </p:nvSpPr>
-        <p:spPr>
-          <a:xfrm>
-            <a:off x="10437812" y="2743200"/>
-            <a:ext cx="609600" cy="584776"/>
-          </a:xfrm>
-          <a:prstGeom prst="rect">
-            <a:avLst/>
-          </a:prstGeom>
-        </p:spPr>
-        <p:txBody>
-          <a:bodyPr vert="horz" lIns="91440" tIns="45720" rIns="91440" bIns="45720" rtlCol="0" anchor="ctr">
-            <a:noAutofit/>
-          </a:bodyPr>
-          <a:lstStyle>
-            <a:lvl1pPr>
-              <a:spcBef>
-                <a:spcPct val="0"/>
-              </a:spcBef>
-              <a:buNone/>
-              <a:defRPr sz="3200" b="0" cap="all">
-                <a:ln w="3175" cmpd="sng">
-                  <a:noFill/>
-                </a:ln>
-                <a:effectLst>
-                  <a:glow rad="38100">
-                    <a:schemeClr val="bg1">
-                      <a:lumMod val="65000"/>
-                      <a:lumOff val="35000"/>
-                      <a:alpha val="40000"/>
-                    </a:schemeClr>
-                  </a:glow>
-                  <a:outerShdw blurRad="28575" dist="38100" dir="14040000" algn="tl" rotWithShape="0">
-                    <a:srgbClr val="000000">
-                      <a:alpha val="25000"/>
-                    </a:srgbClr>
-                  </a:outerShdw>
-                </a:effectLst>
-              </a:defRPr>
-            </a:lvl1pPr>
-            <a:lvl2pPr>
-              <a:defRPr>
-                <a:solidFill>
-                  <a:schemeClr val="tx2"/>
-                </a:solidFill>
-              </a:defRPr>
-            </a:lvl2pPr>
-            <a:lvl3pPr>
-              <a:defRPr>
-                <a:solidFill>
-                  <a:schemeClr val="tx2"/>
-                </a:solidFill>
-              </a:defRPr>
-            </a:lvl3pPr>
-            <a:lvl4pPr>
-              <a:defRPr>
-                <a:solidFill>
-                  <a:schemeClr val="tx2"/>
-                </a:solidFill>
-              </a:defRPr>
-            </a:lvl4pPr>
-            <a:lvl5pPr>
-              <a:defRPr>
-                <a:solidFill>
-                  <a:schemeClr val="tx2"/>
-                </a:solidFill>
-              </a:defRPr>
-            </a:lvl5pPr>
-            <a:lvl6pPr>
-              <a:defRPr>
-                <a:solidFill>
-                  <a:schemeClr val="tx2"/>
-                </a:solidFill>
-              </a:defRPr>
-            </a:lvl6pPr>
-            <a:lvl7pPr>
-              <a:defRPr>
-                <a:solidFill>
-                  <a:schemeClr val="tx2"/>
-                </a:solidFill>
-              </a:defRPr>
-            </a:lvl7pPr>
-            <a:lvl8pPr>
-              <a:defRPr>
-                <a:solidFill>
-                  <a:schemeClr val="tx2"/>
-                </a:solidFill>
-              </a:defRPr>
-            </a:lvl8pPr>
-            <a:lvl9pPr>
-              <a:defRPr>
-                <a:solidFill>
-                  <a:schemeClr val="tx2"/>
-                </a:solidFill>
-              </a:defRPr>
-            </a:lvl9pPr>
-          </a:lstStyle>
-          <a:p>
-            <a:pPr lvl="0" algn="r"/>
-            <a:r>
-              <a:rPr lang="en-US" sz="8000" dirty="0">
-                <a:solidFill>
-                  <a:schemeClr val="accent1"/>
-                </a:solidFill>
-              </a:rPr>
-              <a:t>”</a:t>
-            </a:r>
-          </a:p>
-        </p:txBody>
-      </p:sp>
-      <p:sp>
-        <p:nvSpPr>
-          <p:cNvPr id="2" name="Title 1"/>
-          <p:cNvSpPr>
-            <a:spLocks noGrp="1"/>
-          </p:cNvSpPr>
-          <p:nvPr>
-            <p:ph type="title"/>
-          </p:nvPr>
-        </p:nvSpPr>
-        <p:spPr>
-          <a:xfrm>
-            <a:off x="1446213" y="609601"/>
-            <a:ext cx="9296398" cy="2743199"/>
-          </a:xfrm>
-        </p:spPr>
-        <p:txBody>
-          <a:bodyPr anchor="ctr">
-            <a:normAutofit/>
-          </a:bodyPr>
-          <a:lstStyle>
-            <a:lvl1pPr algn="l">
-              <a:defRPr sz="3200" b="0" cap="all">
-                <a:solidFill>
-                  <a:schemeClr val="tx1"/>
-                </a:solidFill>
-              </a:defRPr>
-            </a:lvl1pPr>
-          </a:lstStyle>
-          <a:p>
-            <a:r>
-              <a:rPr lang="en-US" smtClean="0"/>
-              <a:t>Click to edit Master title style</a:t>
-            </a:r>
-            <a:endParaRPr lang="en-US" dirty="0"/>
-          </a:p>
-        </p:txBody>
-      </p:sp>
-      <p:sp>
-        <p:nvSpPr>
-          <p:cNvPr id="10" name="Text Placeholder 9"/>
-          <p:cNvSpPr>
-            <a:spLocks noGrp="1"/>
-          </p:cNvSpPr>
-          <p:nvPr>
-            <p:ph type="body" sz="quarter" idx="13"/>
-          </p:nvPr>
-        </p:nvSpPr>
-        <p:spPr>
-          <a:xfrm>
-            <a:off x="1674812" y="3352800"/>
-            <a:ext cx="8839202" cy="381000"/>
-          </a:xfrm>
-        </p:spPr>
-        <p:txBody>
-          <a:bodyPr anchor="ctr"/>
-          <a:lstStyle>
-            <a:lvl1pPr marL="0" indent="0">
-              <a:buFontTx/>
-              <a:buNone/>
-              <a:defRPr/>
-            </a:lvl1pPr>
-            <a:lvl2pPr marL="457200" indent="0">
-              <a:buFontTx/>
-              <a:buNone/>
-              <a:defRPr/>
-            </a:lvl2pPr>
-            <a:lvl3pPr marL="914400" indent="0">
-              <a:buFontTx/>
-              <a:buNone/>
-              <a:defRPr/>
-            </a:lvl3pPr>
-            <a:lvl4pPr marL="1371600" indent="0">
-              <a:buFontTx/>
-              <a:buNone/>
-              <a:defRPr/>
-            </a:lvl4pPr>
-            <a:lvl5pPr marL="1828800" indent="0">
-              <a:buFontTx/>
-              <a:buNone/>
-              <a:defRPr/>
-            </a:lvl5pPr>
-          </a:lstStyle>
-          <a:p>
-            <a:pPr lvl="0"/>
-            <a:r>
-              <a:rPr lang="en-US" smtClean="0"/>
-              <a:t>Click to edit Master text styles</a:t>
-            </a:r>
-          </a:p>
-        </p:txBody>
-      </p:sp>
-      <p:sp>
-        <p:nvSpPr>
-          <p:cNvPr id="3" name="Text Placeholder 2"/>
-          <p:cNvSpPr>
-            <a:spLocks noGrp="1"/>
-          </p:cNvSpPr>
-          <p:nvPr>
-            <p:ph type="body" idx="1"/>
-          </p:nvPr>
-        </p:nvSpPr>
-        <p:spPr>
-          <a:xfrm>
-            <a:off x="1141411" y="4343400"/>
-            <a:ext cx="9906000" cy="1447800"/>
-          </a:xfrm>
-        </p:spPr>
-        <p:txBody>
-          <a:bodyPr vert="horz" lIns="91440" tIns="45720" rIns="91440" bIns="45720" rtlCol="0" anchor="ctr">
-            <a:normAutofit/>
-          </a:bodyPr>
-          <a:lstStyle>
-            <a:lvl1pPr>
-              <a:buNone/>
-              <a:defRPr lang="en-US" sz="2000">
-                <a:gradFill flip="none" rotWithShape="1">
-                  <a:gsLst>
-                    <a:gs pos="0">
-                      <a:schemeClr val="tx1"/>
-                    </a:gs>
-                    <a:gs pos="100000">
-                      <a:schemeClr val="tx1">
-                        <a:lumMod val="75000"/>
-                      </a:schemeClr>
-                    </a:gs>
-                  </a:gsLst>
-                  <a:lin ang="5400000" scaled="0"/>
-                  <a:tileRect/>
-                </a:gradFill>
-              </a:defRPr>
-            </a:lvl1pPr>
-          </a:lstStyle>
-          <a:p>
-            <a:pPr marL="0" lvl="0" indent="0">
-              <a:buNone/>
-            </a:pPr>
-            <a:r>
-              <a:rPr lang="en-US" smtClean="0"/>
-              <a:t>Click to edit Master text styles</a:t>
-            </a:r>
-          </a:p>
-        </p:txBody>
-      </p:sp>
-      <p:sp>
-        <p:nvSpPr>
-          <p:cNvPr id="4" name="Date Placeholder 3"/>
-          <p:cNvSpPr>
-            <a:spLocks noGrp="1"/>
-          </p:cNvSpPr>
-          <p:nvPr>
-            <p:ph type="dt" sz="half" idx="10"/>
-          </p:nvPr>
-        </p:nvSpPr>
-        <p:spPr/>
-        <p:txBody>
-          <a:bodyPr/>
-          <a:lstStyle/>
-          <a:p>
-            <a:fld id="{BDDAFA7A-6445-4002-8C74-4055B96B083F}" type="datetimeFigureOut">
-              <a:rPr lang="en-US" smtClean="0"/>
-              <a:t>1/5/2016</a:t>
-            </a:fld>
-            <a:endParaRPr lang="en-US"/>
-          </a:p>
-        </p:txBody>
-      </p:sp>
-      <p:sp>
-        <p:nvSpPr>
-          <p:cNvPr id="5" name="Footer Placeholder 4"/>
-          <p:cNvSpPr>
-            <a:spLocks noGrp="1"/>
-          </p:cNvSpPr>
-          <p:nvPr>
-            <p:ph type="ftr" sz="quarter" idx="11"/>
-          </p:nvPr>
-        </p:nvSpPr>
-        <p:spPr/>
-        <p:txBody>
-          <a:bodyPr/>
-          <a:lstStyle/>
-          <a:p>
-            <a:endParaRPr lang="en-US"/>
-          </a:p>
-        </p:txBody>
-      </p:sp>
-      <p:sp>
-        <p:nvSpPr>
-          <p:cNvPr id="6" name="Slide Number Placeholder 5"/>
-          <p:cNvSpPr>
-            <a:spLocks noGrp="1"/>
-          </p:cNvSpPr>
-          <p:nvPr>
-            <p:ph type="sldNum" sz="quarter" idx="12"/>
-          </p:nvPr>
-        </p:nvSpPr>
-        <p:spPr/>
-        <p:txBody>
-          <a:bodyPr/>
-          <a:lstStyle/>
-          <a:p>
-            <a:fld id="{3CE3CCBD-19B9-490E-AA2D-3CF6990B033E}" type="slidenum">
-              <a:rPr lang="en-US" smtClean="0"/>
-              <a:t>‹#›</a:t>
-            </a:fld>
-            <a:endParaRPr lang="en-US"/>
-          </a:p>
-        </p:txBody>
-      </p:sp>
-    </p:spTree>
-    <p:extLst>
-      <p:ext uri="{BB962C8B-B14F-4D97-AF65-F5344CB8AC3E}">
-        <p14:creationId xmlns:p14="http://schemas.microsoft.com/office/powerpoint/2010/main" val="2959405738"/>
-      </p:ext>
-    </p:extLst>
-  </p:cSld>
-  <p:clrMapOvr>
-    <a:masterClrMapping/>
-  </p:clrMapOvr>
-</p:sldLayout>
-</file>
-
-<file path=ppt/slideLayouts/slideLayout13.xml><?xml version="1.0" encoding="utf-8"?>
-<p:sldLayout xmlns:a="http://schemas.openxmlformats.org/drawingml/2006/main" xmlns:r="http://schemas.openxmlformats.org/officeDocument/2006/relationships" xmlns:p="http://schemas.openxmlformats.org/presentationml/2006/main" preserve="1">
-  <p:cSld name="Name Card">
-    <p:spTree>
-      <p:nvGrpSpPr>
-        <p:cNvPr id="1" name=""/>
-        <p:cNvGrpSpPr/>
-        <p:nvPr/>
-      </p:nvGrpSpPr>
-      <p:grpSpPr>
-        <a:xfrm>
-          <a:off x="0" y="0"/>
-          <a:ext cx="0" cy="0"/>
-          <a:chOff x="0" y="0"/>
-          <a:chExt cx="0" cy="0"/>
-        </a:xfrm>
-      </p:grpSpPr>
-      <p:sp>
-        <p:nvSpPr>
-          <p:cNvPr id="2" name="Title 1"/>
-          <p:cNvSpPr>
-            <a:spLocks noGrp="1"/>
-          </p:cNvSpPr>
-          <p:nvPr>
-            <p:ph type="title"/>
-          </p:nvPr>
-        </p:nvSpPr>
-        <p:spPr>
-          <a:xfrm>
-            <a:off x="1141412" y="3308581"/>
-            <a:ext cx="9906000" cy="1468800"/>
-          </a:xfrm>
-        </p:spPr>
-        <p:txBody>
-          <a:bodyPr anchor="b">
-            <a:normAutofit/>
-          </a:bodyPr>
-          <a:lstStyle>
-            <a:lvl1pPr algn="l">
-              <a:defRPr sz="3200" b="0" cap="all"/>
-            </a:lvl1pPr>
-          </a:lstStyle>
-          <a:p>
-            <a:r>
-              <a:rPr lang="en-US" smtClean="0"/>
-              <a:t>Click to edit Master title style</a:t>
-            </a:r>
-            <a:endParaRPr lang="en-US" dirty="0"/>
-          </a:p>
-        </p:txBody>
-      </p:sp>
-      <p:sp>
-        <p:nvSpPr>
-          <p:cNvPr id="3" name="Text Placeholder 2"/>
-          <p:cNvSpPr>
-            <a:spLocks noGrp="1"/>
-          </p:cNvSpPr>
-          <p:nvPr>
-            <p:ph type="body" idx="1"/>
-          </p:nvPr>
-        </p:nvSpPr>
-        <p:spPr>
-          <a:xfrm>
-            <a:off x="1141410" y="4777381"/>
-            <a:ext cx="9906001" cy="860400"/>
-          </a:xfrm>
-        </p:spPr>
-        <p:txBody>
-          <a:bodyPr vert="horz" lIns="91440" tIns="45720" rIns="91440" bIns="45720" rtlCol="0" anchor="t">
-            <a:normAutofit/>
-          </a:bodyPr>
-          <a:lstStyle>
-            <a:lvl1pPr>
-              <a:defRPr lang="en-US" sz="2000">
-                <a:gradFill flip="none" rotWithShape="1">
-                  <a:gsLst>
-                    <a:gs pos="0">
-                      <a:schemeClr val="tx1"/>
-                    </a:gs>
-                    <a:gs pos="100000">
-                      <a:schemeClr val="tx1">
-                        <a:lumMod val="75000"/>
-                      </a:schemeClr>
-                    </a:gs>
-                  </a:gsLst>
-                  <a:lin ang="5400000" scaled="0"/>
-                  <a:tileRect/>
-                </a:gradFill>
-              </a:defRPr>
-            </a:lvl1pPr>
-          </a:lstStyle>
-          <a:p>
-            <a:pPr marL="0" lvl="0" indent="0">
-              <a:buNone/>
-            </a:pPr>
-            <a:r>
-              <a:rPr lang="en-US" smtClean="0"/>
-              <a:t>Click to edit Master text styles</a:t>
-            </a:r>
-          </a:p>
-        </p:txBody>
-      </p:sp>
-      <p:sp>
-        <p:nvSpPr>
-          <p:cNvPr id="4" name="Date Placeholder 3"/>
-          <p:cNvSpPr>
-            <a:spLocks noGrp="1"/>
-          </p:cNvSpPr>
-          <p:nvPr>
-            <p:ph type="dt" sz="half" idx="10"/>
-          </p:nvPr>
-        </p:nvSpPr>
-        <p:spPr/>
-        <p:txBody>
-          <a:bodyPr/>
-          <a:lstStyle/>
-          <a:p>
-            <a:fld id="{BDDAFA7A-6445-4002-8C74-4055B96B083F}" type="datetimeFigureOut">
-              <a:rPr lang="en-US" smtClean="0"/>
-              <a:t>1/5/2016</a:t>
-            </a:fld>
-            <a:endParaRPr lang="en-US"/>
-          </a:p>
-        </p:txBody>
-      </p:sp>
-      <p:sp>
-        <p:nvSpPr>
-          <p:cNvPr id="5" name="Footer Placeholder 4"/>
-          <p:cNvSpPr>
-            <a:spLocks noGrp="1"/>
-          </p:cNvSpPr>
-          <p:nvPr>
-            <p:ph type="ftr" sz="quarter" idx="11"/>
-          </p:nvPr>
-        </p:nvSpPr>
-        <p:spPr/>
-        <p:txBody>
-          <a:bodyPr/>
-          <a:lstStyle/>
-          <a:p>
-            <a:endParaRPr lang="en-US"/>
-          </a:p>
-        </p:txBody>
-      </p:sp>
-      <p:sp>
-        <p:nvSpPr>
-          <p:cNvPr id="6" name="Slide Number Placeholder 5"/>
-          <p:cNvSpPr>
-            <a:spLocks noGrp="1"/>
-          </p:cNvSpPr>
-          <p:nvPr>
-            <p:ph type="sldNum" sz="quarter" idx="12"/>
-          </p:nvPr>
-        </p:nvSpPr>
-        <p:spPr/>
-        <p:txBody>
-          <a:bodyPr/>
-          <a:lstStyle/>
-          <a:p>
-            <a:fld id="{3CE3CCBD-19B9-490E-AA2D-3CF6990B033E}" type="slidenum">
-              <a:rPr lang="en-US" smtClean="0"/>
-              <a:t>‹#›</a:t>
-            </a:fld>
-            <a:endParaRPr lang="en-US"/>
-          </a:p>
-        </p:txBody>
-      </p:sp>
-    </p:spTree>
-    <p:extLst>
-      <p:ext uri="{BB962C8B-B14F-4D97-AF65-F5344CB8AC3E}">
-        <p14:creationId xmlns:p14="http://schemas.microsoft.com/office/powerpoint/2010/main" val="1040134258"/>
-      </p:ext>
-    </p:extLst>
-  </p:cSld>
-  <p:clrMapOvr>
-    <a:masterClrMapping/>
-  </p:clrMapOvr>
-</p:sldLayout>
-</file>
-
-<file path=ppt/slideLayouts/slideLayout14.xml><?xml version="1.0" encoding="utf-8"?>
-<p:sldLayout xmlns:a="http://schemas.openxmlformats.org/drawingml/2006/main" xmlns:r="http://schemas.openxmlformats.org/officeDocument/2006/relationships" xmlns:p="http://schemas.openxmlformats.org/presentationml/2006/main" preserve="1">
-  <p:cSld name="Quote Name Card">
-    <p:spTree>
-      <p:nvGrpSpPr>
-        <p:cNvPr id="1" name=""/>
-        <p:cNvGrpSpPr/>
-        <p:nvPr/>
-      </p:nvGrpSpPr>
-      <p:grpSpPr>
-        <a:xfrm>
-          <a:off x="0" y="0"/>
-          <a:ext cx="0" cy="0"/>
-          <a:chOff x="0" y="0"/>
-          <a:chExt cx="0" cy="0"/>
-        </a:xfrm>
-      </p:grpSpPr>
-      <p:sp>
-        <p:nvSpPr>
-          <p:cNvPr id="14" name="TextBox 13"/>
-          <p:cNvSpPr txBox="1"/>
-          <p:nvPr/>
-        </p:nvSpPr>
-        <p:spPr>
-          <a:xfrm>
-            <a:off x="836612" y="786824"/>
-            <a:ext cx="609600" cy="584776"/>
-          </a:xfrm>
-          <a:prstGeom prst="rect">
-            <a:avLst/>
-          </a:prstGeom>
-        </p:spPr>
-        <p:txBody>
-          <a:bodyPr vert="horz" lIns="91440" tIns="45720" rIns="91440" bIns="45720" rtlCol="0" anchor="ctr">
-            <a:noAutofit/>
-          </a:bodyPr>
-          <a:lstStyle>
-            <a:lvl1pPr>
-              <a:spcBef>
-                <a:spcPct val="0"/>
-              </a:spcBef>
-              <a:buNone/>
-              <a:defRPr sz="3200" b="0" cap="all">
-                <a:ln w="3175" cmpd="sng">
-                  <a:noFill/>
-                </a:ln>
-                <a:effectLst>
-                  <a:glow rad="38100">
-                    <a:schemeClr val="bg1">
-                      <a:lumMod val="65000"/>
-                      <a:lumOff val="35000"/>
-                      <a:alpha val="40000"/>
-                    </a:schemeClr>
-                  </a:glow>
-                  <a:outerShdw blurRad="28575" dist="38100" dir="14040000" algn="tl" rotWithShape="0">
-                    <a:srgbClr val="000000">
-                      <a:alpha val="25000"/>
-                    </a:srgbClr>
-                  </a:outerShdw>
-                </a:effectLst>
-              </a:defRPr>
-            </a:lvl1pPr>
-            <a:lvl2pPr>
-              <a:defRPr>
-                <a:solidFill>
-                  <a:schemeClr val="tx2"/>
-                </a:solidFill>
-              </a:defRPr>
-            </a:lvl2pPr>
-            <a:lvl3pPr>
-              <a:defRPr>
-                <a:solidFill>
-                  <a:schemeClr val="tx2"/>
-                </a:solidFill>
-              </a:defRPr>
-            </a:lvl3pPr>
-            <a:lvl4pPr>
-              <a:defRPr>
-                <a:solidFill>
-                  <a:schemeClr val="tx2"/>
-                </a:solidFill>
-              </a:defRPr>
-            </a:lvl4pPr>
-            <a:lvl5pPr>
-              <a:defRPr>
-                <a:solidFill>
-                  <a:schemeClr val="tx2"/>
-                </a:solidFill>
-              </a:defRPr>
-            </a:lvl5pPr>
-            <a:lvl6pPr>
-              <a:defRPr>
-                <a:solidFill>
-                  <a:schemeClr val="tx2"/>
-                </a:solidFill>
-              </a:defRPr>
-            </a:lvl6pPr>
-            <a:lvl7pPr>
-              <a:defRPr>
-                <a:solidFill>
-                  <a:schemeClr val="tx2"/>
-                </a:solidFill>
-              </a:defRPr>
-            </a:lvl7pPr>
-            <a:lvl8pPr>
-              <a:defRPr>
-                <a:solidFill>
-                  <a:schemeClr val="tx2"/>
-                </a:solidFill>
-              </a:defRPr>
-            </a:lvl8pPr>
-            <a:lvl9pPr>
-              <a:defRPr>
-                <a:solidFill>
-                  <a:schemeClr val="tx2"/>
-                </a:solidFill>
-              </a:defRPr>
-            </a:lvl9pPr>
-          </a:lstStyle>
-          <a:p>
-            <a:pPr lvl="0"/>
-            <a:r>
-              <a:rPr lang="en-US" sz="8000" dirty="0">
-                <a:solidFill>
-                  <a:schemeClr val="accent1"/>
-                </a:solidFill>
-              </a:rPr>
-              <a:t>“</a:t>
-            </a:r>
-          </a:p>
-        </p:txBody>
-      </p:sp>
-      <p:sp>
-        <p:nvSpPr>
-          <p:cNvPr id="15" name="TextBox 14"/>
-          <p:cNvSpPr txBox="1"/>
-          <p:nvPr/>
-        </p:nvSpPr>
-        <p:spPr>
-          <a:xfrm>
-            <a:off x="10437812" y="2743200"/>
-            <a:ext cx="609600" cy="584776"/>
-          </a:xfrm>
-          <a:prstGeom prst="rect">
-            <a:avLst/>
-          </a:prstGeom>
-        </p:spPr>
-        <p:txBody>
-          <a:bodyPr vert="horz" lIns="91440" tIns="45720" rIns="91440" bIns="45720" rtlCol="0" anchor="ctr">
-            <a:noAutofit/>
-          </a:bodyPr>
-          <a:lstStyle>
-            <a:lvl1pPr>
-              <a:spcBef>
-                <a:spcPct val="0"/>
-              </a:spcBef>
-              <a:buNone/>
-              <a:defRPr sz="3200" b="0" cap="all">
-                <a:ln w="3175" cmpd="sng">
-                  <a:noFill/>
-                </a:ln>
-                <a:effectLst>
-                  <a:glow rad="38100">
-                    <a:schemeClr val="bg1">
-                      <a:lumMod val="65000"/>
-                      <a:lumOff val="35000"/>
-                      <a:alpha val="40000"/>
-                    </a:schemeClr>
-                  </a:glow>
-                  <a:outerShdw blurRad="28575" dist="38100" dir="14040000" algn="tl" rotWithShape="0">
-                    <a:srgbClr val="000000">
-                      <a:alpha val="25000"/>
-                    </a:srgbClr>
-                  </a:outerShdw>
-                </a:effectLst>
-              </a:defRPr>
-            </a:lvl1pPr>
-            <a:lvl2pPr>
-              <a:defRPr>
-                <a:solidFill>
-                  <a:schemeClr val="tx2"/>
-                </a:solidFill>
-              </a:defRPr>
-            </a:lvl2pPr>
-            <a:lvl3pPr>
-              <a:defRPr>
-                <a:solidFill>
-                  <a:schemeClr val="tx2"/>
-                </a:solidFill>
-              </a:defRPr>
-            </a:lvl3pPr>
-            <a:lvl4pPr>
-              <a:defRPr>
-                <a:solidFill>
-                  <a:schemeClr val="tx2"/>
-                </a:solidFill>
-              </a:defRPr>
-            </a:lvl4pPr>
-            <a:lvl5pPr>
-              <a:defRPr>
-                <a:solidFill>
-                  <a:schemeClr val="tx2"/>
-                </a:solidFill>
-              </a:defRPr>
-            </a:lvl5pPr>
-            <a:lvl6pPr>
-              <a:defRPr>
-                <a:solidFill>
-                  <a:schemeClr val="tx2"/>
-                </a:solidFill>
-              </a:defRPr>
-            </a:lvl6pPr>
-            <a:lvl7pPr>
-              <a:defRPr>
-                <a:solidFill>
-                  <a:schemeClr val="tx2"/>
-                </a:solidFill>
-              </a:defRPr>
-            </a:lvl7pPr>
-            <a:lvl8pPr>
-              <a:defRPr>
-                <a:solidFill>
-                  <a:schemeClr val="tx2"/>
-                </a:solidFill>
-              </a:defRPr>
-            </a:lvl8pPr>
-            <a:lvl9pPr>
-              <a:defRPr>
-                <a:solidFill>
-                  <a:schemeClr val="tx2"/>
-                </a:solidFill>
-              </a:defRPr>
-            </a:lvl9pPr>
-          </a:lstStyle>
-          <a:p>
-            <a:pPr lvl="0" algn="r"/>
-            <a:r>
-              <a:rPr lang="en-US" sz="8000" dirty="0">
-                <a:solidFill>
-                  <a:schemeClr val="accent1"/>
-                </a:solidFill>
-              </a:rPr>
-              <a:t>”</a:t>
-            </a:r>
-          </a:p>
-        </p:txBody>
-      </p:sp>
-      <p:sp>
-        <p:nvSpPr>
-          <p:cNvPr id="2" name="Title 1"/>
-          <p:cNvSpPr>
-            <a:spLocks noGrp="1"/>
-          </p:cNvSpPr>
-          <p:nvPr>
-            <p:ph type="title"/>
-          </p:nvPr>
-        </p:nvSpPr>
-        <p:spPr>
-          <a:xfrm>
-            <a:off x="1446213" y="609601"/>
-            <a:ext cx="9296398" cy="2743199"/>
-          </a:xfrm>
-        </p:spPr>
-        <p:txBody>
-          <a:bodyPr anchor="ctr">
-            <a:normAutofit/>
-          </a:bodyPr>
-          <a:lstStyle>
-            <a:lvl1pPr algn="l">
-              <a:defRPr sz="3200" b="0" cap="all">
-                <a:gradFill flip="none" rotWithShape="1">
-                  <a:gsLst>
-                    <a:gs pos="0">
-                      <a:schemeClr val="tx1"/>
-                    </a:gs>
-                    <a:gs pos="100000">
-                      <a:schemeClr val="tx1">
-                        <a:lumMod val="75000"/>
-                      </a:schemeClr>
-                    </a:gs>
-                  </a:gsLst>
-                  <a:lin ang="5400000" scaled="0"/>
-                  <a:tileRect/>
-                </a:gradFill>
-              </a:defRPr>
-            </a:lvl1pPr>
-          </a:lstStyle>
-          <a:p>
-            <a:r>
-              <a:rPr lang="en-US" smtClean="0"/>
-              <a:t>Click to edit Master title style</a:t>
-            </a:r>
-            <a:endParaRPr lang="en-US" dirty="0"/>
-          </a:p>
-        </p:txBody>
-      </p:sp>
-      <p:sp>
-        <p:nvSpPr>
-          <p:cNvPr id="10" name="Text Placeholder 9"/>
-          <p:cNvSpPr>
-            <a:spLocks noGrp="1"/>
-          </p:cNvSpPr>
-          <p:nvPr>
-            <p:ph type="body" sz="quarter" idx="13"/>
-          </p:nvPr>
-        </p:nvSpPr>
-        <p:spPr>
-          <a:xfrm>
-            <a:off x="1141412" y="3886200"/>
-            <a:ext cx="9906000" cy="889000"/>
-          </a:xfrm>
-        </p:spPr>
-        <p:txBody>
-          <a:bodyPr vert="horz" lIns="91440" tIns="45720" rIns="91440" bIns="45720" rtlCol="0" anchor="b">
-            <a:normAutofit/>
-          </a:bodyPr>
-          <a:lstStyle>
-            <a:lvl1pPr>
-              <a:buNone/>
-              <a:defRPr lang="en-US" sz="2400" b="0" cap="all" dirty="0">
-                <a:ln w="3175" cmpd="sng">
-                  <a:noFill/>
-                </a:ln>
-                <a:gradFill flip="none" rotWithShape="1">
-                  <a:gsLst>
-                    <a:gs pos="0">
-                      <a:schemeClr val="tx1"/>
-                    </a:gs>
-                    <a:gs pos="100000">
-                      <a:schemeClr val="tx1">
-                        <a:lumMod val="75000"/>
-                      </a:schemeClr>
-                    </a:gs>
-                  </a:gsLst>
-                  <a:lin ang="5400000" scaled="0"/>
-                  <a:tileRect/>
-                </a:gradFill>
-                <a:effectLst>
-                  <a:glow rad="38100">
-                    <a:schemeClr val="bg1">
-                      <a:lumMod val="65000"/>
-                      <a:lumOff val="35000"/>
-                      <a:alpha val="40000"/>
-                    </a:schemeClr>
-                  </a:glow>
-                  <a:outerShdw blurRad="28575" dist="38100" dir="14040000" algn="tl" rotWithShape="0">
-                    <a:srgbClr val="000000">
-                      <a:alpha val="25000"/>
-                    </a:srgbClr>
-                  </a:outerShdw>
-                </a:effectLst>
-              </a:defRPr>
-            </a:lvl1pPr>
-          </a:lstStyle>
-          <a:p>
-            <a:pPr marL="0" lvl="0">
-              <a:spcBef>
-                <a:spcPct val="0"/>
-              </a:spcBef>
-              <a:buNone/>
-            </a:pPr>
-            <a:r>
-              <a:rPr lang="en-US" smtClean="0"/>
-              <a:t>Click to edit Master text styles</a:t>
-            </a:r>
-          </a:p>
-        </p:txBody>
-      </p:sp>
-      <p:sp>
-        <p:nvSpPr>
-          <p:cNvPr id="3" name="Text Placeholder 2"/>
-          <p:cNvSpPr>
-            <a:spLocks noGrp="1"/>
-          </p:cNvSpPr>
-          <p:nvPr>
-            <p:ph type="body" idx="1"/>
-          </p:nvPr>
-        </p:nvSpPr>
-        <p:spPr>
-          <a:xfrm>
-            <a:off x="1141411" y="4775200"/>
-            <a:ext cx="9906000" cy="1016000"/>
-          </a:xfrm>
-        </p:spPr>
-        <p:txBody>
-          <a:bodyPr anchor="t">
-            <a:normAutofit/>
-          </a:bodyPr>
-          <a:lstStyle>
-            <a:lvl1pPr marL="0" indent="0" algn="l">
-              <a:buNone/>
-              <a:defRPr sz="1800">
-                <a:gradFill flip="none" rotWithShape="1">
-                  <a:gsLst>
-                    <a:gs pos="0">
-                      <a:schemeClr val="tx1"/>
-                    </a:gs>
-                    <a:gs pos="100000">
-                      <a:schemeClr val="tx1">
-                        <a:lumMod val="75000"/>
-                      </a:schemeClr>
-                    </a:gs>
-                  </a:gsLst>
-                  <a:lin ang="5400000" scaled="0"/>
-                  <a:tileRect/>
-                </a:gradFill>
-              </a:defRPr>
-            </a:lvl1pPr>
-            <a:lvl2pPr marL="457200" indent="0">
-              <a:buNone/>
-              <a:defRPr sz="1800">
-                <a:solidFill>
-                  <a:schemeClr val="tx1">
-                    <a:tint val="75000"/>
-                  </a:schemeClr>
-                </a:solidFill>
-              </a:defRPr>
-            </a:lvl2pPr>
-            <a:lvl3pPr marL="914400" indent="0">
-              <a:buNone/>
-              <a:defRPr sz="1600">
-                <a:solidFill>
-                  <a:schemeClr val="tx1">
-                    <a:tint val="75000"/>
-                  </a:schemeClr>
-                </a:solidFill>
-              </a:defRPr>
-            </a:lvl3pPr>
-            <a:lvl4pPr marL="1371600" indent="0">
-              <a:buNone/>
-              <a:defRPr sz="1400">
-                <a:solidFill>
-                  <a:schemeClr val="tx1">
-                    <a:tint val="75000"/>
-                  </a:schemeClr>
-                </a:solidFill>
-              </a:defRPr>
-            </a:lvl4pPr>
-            <a:lvl5pPr marL="1828800" indent="0">
-              <a:buNone/>
-              <a:defRPr sz="1400">
-                <a:solidFill>
-                  <a:schemeClr val="tx1">
-                    <a:tint val="75000"/>
-                  </a:schemeClr>
-                </a:solidFill>
-              </a:defRPr>
-            </a:lvl5pPr>
-            <a:lvl6pPr marL="2286000" indent="0">
-              <a:buNone/>
-              <a:defRPr sz="1400">
-                <a:solidFill>
-                  <a:schemeClr val="tx1">
-                    <a:tint val="75000"/>
-                  </a:schemeClr>
-                </a:solidFill>
-              </a:defRPr>
-            </a:lvl6pPr>
-            <a:lvl7pPr marL="2743200" indent="0">
-              <a:buNone/>
-              <a:defRPr sz="1400">
-                <a:solidFill>
-                  <a:schemeClr val="tx1">
-                    <a:tint val="75000"/>
-                  </a:schemeClr>
-                </a:solidFill>
-              </a:defRPr>
-            </a:lvl7pPr>
-            <a:lvl8pPr marL="3200400" indent="0">
-              <a:buNone/>
-              <a:defRPr sz="1400">
-                <a:solidFill>
-                  <a:schemeClr val="tx1">
-                    <a:tint val="75000"/>
-                  </a:schemeClr>
-                </a:solidFill>
-              </a:defRPr>
-            </a:lvl8pPr>
-            <a:lvl9pPr marL="3657600" indent="0">
-              <a:buNone/>
-              <a:defRPr sz="1400">
-                <a:solidFill>
-                  <a:schemeClr val="tx1">
-                    <a:tint val="75000"/>
-                  </a:schemeClr>
-                </a:solidFill>
-              </a:defRPr>
-            </a:lvl9pPr>
-          </a:lstStyle>
-          <a:p>
-            <a:pPr lvl="0"/>
-            <a:r>
-              <a:rPr lang="en-US" smtClean="0"/>
-              <a:t>Click to edit Master text styles</a:t>
-            </a:r>
-          </a:p>
-        </p:txBody>
-      </p:sp>
-      <p:sp>
-        <p:nvSpPr>
-          <p:cNvPr id="4" name="Date Placeholder 3"/>
-          <p:cNvSpPr>
-            <a:spLocks noGrp="1"/>
-          </p:cNvSpPr>
-          <p:nvPr>
-            <p:ph type="dt" sz="half" idx="10"/>
-          </p:nvPr>
-        </p:nvSpPr>
-        <p:spPr/>
-        <p:txBody>
-          <a:bodyPr/>
-          <a:lstStyle/>
-          <a:p>
-            <a:fld id="{BDDAFA7A-6445-4002-8C74-4055B96B083F}" type="datetimeFigureOut">
-              <a:rPr lang="en-US" smtClean="0"/>
-              <a:t>1/5/2016</a:t>
-            </a:fld>
-            <a:endParaRPr lang="en-US"/>
-          </a:p>
-        </p:txBody>
-      </p:sp>
-      <p:sp>
-        <p:nvSpPr>
-          <p:cNvPr id="5" name="Footer Placeholder 4"/>
-          <p:cNvSpPr>
-            <a:spLocks noGrp="1"/>
-          </p:cNvSpPr>
-          <p:nvPr>
-            <p:ph type="ftr" sz="quarter" idx="11"/>
-          </p:nvPr>
-        </p:nvSpPr>
-        <p:spPr/>
-        <p:txBody>
-          <a:bodyPr/>
-          <a:lstStyle/>
-          <a:p>
-            <a:endParaRPr lang="en-US"/>
-          </a:p>
-        </p:txBody>
-      </p:sp>
-      <p:sp>
-        <p:nvSpPr>
-          <p:cNvPr id="6" name="Slide Number Placeholder 5"/>
-          <p:cNvSpPr>
-            <a:spLocks noGrp="1"/>
-          </p:cNvSpPr>
-          <p:nvPr>
-            <p:ph type="sldNum" sz="quarter" idx="12"/>
-          </p:nvPr>
-        </p:nvSpPr>
-        <p:spPr/>
-        <p:txBody>
-          <a:bodyPr/>
-          <a:lstStyle/>
-          <a:p>
-            <a:fld id="{3CE3CCBD-19B9-490E-AA2D-3CF6990B033E}" type="slidenum">
-              <a:rPr lang="en-US" smtClean="0"/>
-              <a:t>‹#›</a:t>
-            </a:fld>
-            <a:endParaRPr lang="en-US"/>
-          </a:p>
-        </p:txBody>
-      </p:sp>
-    </p:spTree>
-    <p:extLst>
-      <p:ext uri="{BB962C8B-B14F-4D97-AF65-F5344CB8AC3E}">
-        <p14:creationId xmlns:p14="http://schemas.microsoft.com/office/powerpoint/2010/main" val="1203526433"/>
-      </p:ext>
-    </p:extLst>
-  </p:cSld>
-  <p:clrMapOvr>
-    <a:masterClrMapping/>
-  </p:clrMapOvr>
-</p:sldLayout>
-</file>
-
-<file path=ppt/slideLayouts/slideLayout15.xml><?xml version="1.0" encoding="utf-8"?>
-<p:sldLayout xmlns:a="http://schemas.openxmlformats.org/drawingml/2006/main" xmlns:r="http://schemas.openxmlformats.org/officeDocument/2006/relationships" xmlns:p="http://schemas.openxmlformats.org/presentationml/2006/main" preserve="1">
-  <p:cSld name="True or False">
-    <p:spTree>
-      <p:nvGrpSpPr>
-        <p:cNvPr id="1" name=""/>
-        <p:cNvGrpSpPr/>
-        <p:nvPr/>
-      </p:nvGrpSpPr>
-      <p:grpSpPr>
-        <a:xfrm>
-          <a:off x="0" y="0"/>
-          <a:ext cx="0" cy="0"/>
-          <a:chOff x="0" y="0"/>
-          <a:chExt cx="0" cy="0"/>
-        </a:xfrm>
-      </p:grpSpPr>
-      <p:sp>
-        <p:nvSpPr>
-          <p:cNvPr id="2" name="Title 1"/>
-          <p:cNvSpPr>
-            <a:spLocks noGrp="1"/>
-          </p:cNvSpPr>
-          <p:nvPr>
-            <p:ph type="title"/>
-          </p:nvPr>
-        </p:nvSpPr>
-        <p:spPr>
-          <a:xfrm>
-            <a:off x="1141412" y="609601"/>
-            <a:ext cx="9905999" cy="2743199"/>
-          </a:xfrm>
-        </p:spPr>
-        <p:txBody>
-          <a:bodyPr vert="horz" lIns="91440" tIns="45720" rIns="91440" bIns="45720" rtlCol="0" anchor="ctr">
-            <a:normAutofit/>
-          </a:bodyPr>
-          <a:lstStyle>
-            <a:lvl1pPr>
-              <a:defRPr lang="en-US" b="0" dirty="0"/>
-            </a:lvl1pPr>
-          </a:lstStyle>
-          <a:p>
-            <a:pPr marL="0" lvl="0"/>
-            <a:r>
-              <a:rPr lang="en-US" smtClean="0"/>
-              <a:t>Click to edit Master title style</a:t>
-            </a:r>
-            <a:endParaRPr lang="en-US" dirty="0"/>
-          </a:p>
-        </p:txBody>
-      </p:sp>
-      <p:sp>
-        <p:nvSpPr>
-          <p:cNvPr id="10" name="Text Placeholder 9"/>
-          <p:cNvSpPr>
-            <a:spLocks noGrp="1"/>
-          </p:cNvSpPr>
-          <p:nvPr>
-            <p:ph type="body" sz="quarter" idx="13"/>
-          </p:nvPr>
-        </p:nvSpPr>
-        <p:spPr>
-          <a:xfrm>
-            <a:off x="1141412" y="3505200"/>
-            <a:ext cx="9906000" cy="838200"/>
-          </a:xfrm>
-        </p:spPr>
-        <p:txBody>
-          <a:bodyPr vert="horz" lIns="91440" tIns="45720" rIns="91440" bIns="45720" rtlCol="0" anchor="b">
-            <a:normAutofit/>
-          </a:bodyPr>
-          <a:lstStyle>
-            <a:lvl1pPr>
-              <a:buNone/>
-              <a:defRPr lang="en-US" sz="2800" b="0" cap="all" dirty="0">
-                <a:ln w="3175" cmpd="sng">
-                  <a:noFill/>
-                </a:ln>
-                <a:gradFill flip="none" rotWithShape="1">
-                  <a:gsLst>
-                    <a:gs pos="0">
-                      <a:schemeClr val="tx1"/>
-                    </a:gs>
-                    <a:gs pos="100000">
-                      <a:schemeClr val="tx1">
-                        <a:lumMod val="75000"/>
-                      </a:schemeClr>
-                    </a:gs>
-                  </a:gsLst>
-                  <a:lin ang="5400000" scaled="0"/>
-                  <a:tileRect/>
-                </a:gradFill>
-                <a:effectLst>
-                  <a:glow rad="38100">
-                    <a:schemeClr val="bg1">
-                      <a:lumMod val="65000"/>
-                      <a:lumOff val="35000"/>
-                      <a:alpha val="40000"/>
-                    </a:schemeClr>
-                  </a:glow>
-                  <a:outerShdw blurRad="28575" dist="38100" dir="14040000" algn="tl" rotWithShape="0">
-                    <a:srgbClr val="000000">
-                      <a:alpha val="25000"/>
-                    </a:srgbClr>
-                  </a:outerShdw>
-                </a:effectLst>
-              </a:defRPr>
-            </a:lvl1pPr>
-          </a:lstStyle>
-          <a:p>
-            <a:pPr marL="0" lvl="0">
-              <a:spcBef>
-                <a:spcPct val="0"/>
-              </a:spcBef>
-              <a:buNone/>
-            </a:pPr>
-            <a:r>
-              <a:rPr lang="en-US" smtClean="0"/>
-              <a:t>Click to edit Master text styles</a:t>
-            </a:r>
-          </a:p>
-        </p:txBody>
-      </p:sp>
-      <p:sp>
-        <p:nvSpPr>
-          <p:cNvPr id="3" name="Text Placeholder 2"/>
-          <p:cNvSpPr>
-            <a:spLocks noGrp="1"/>
-          </p:cNvSpPr>
-          <p:nvPr>
-            <p:ph type="body" idx="1"/>
-          </p:nvPr>
-        </p:nvSpPr>
-        <p:spPr>
-          <a:xfrm>
-            <a:off x="1141411" y="4343400"/>
-            <a:ext cx="9906000" cy="1447800"/>
-          </a:xfrm>
-        </p:spPr>
-        <p:txBody>
-          <a:bodyPr anchor="t">
-            <a:normAutofit/>
-          </a:bodyPr>
-          <a:lstStyle>
-            <a:lvl1pPr marL="0" indent="0" algn="l">
-              <a:buNone/>
-              <a:defRPr sz="1800">
-                <a:gradFill flip="none" rotWithShape="1">
-                  <a:gsLst>
-                    <a:gs pos="0">
-                      <a:schemeClr val="tx1"/>
-                    </a:gs>
-                    <a:gs pos="100000">
-                      <a:schemeClr val="tx1">
-                        <a:lumMod val="75000"/>
-                      </a:schemeClr>
-                    </a:gs>
-                  </a:gsLst>
-                  <a:lin ang="5400000" scaled="0"/>
-                  <a:tileRect/>
-                </a:gradFill>
-              </a:defRPr>
-            </a:lvl1pPr>
-            <a:lvl2pPr marL="457200" indent="0">
-              <a:buNone/>
-              <a:defRPr sz="1800">
-                <a:solidFill>
-                  <a:schemeClr val="tx1">
-                    <a:tint val="75000"/>
-                  </a:schemeClr>
-                </a:solidFill>
-              </a:defRPr>
-            </a:lvl2pPr>
-            <a:lvl3pPr marL="914400" indent="0">
-              <a:buNone/>
-              <a:defRPr sz="1600">
-                <a:solidFill>
-                  <a:schemeClr val="tx1">
-                    <a:tint val="75000"/>
-                  </a:schemeClr>
-                </a:solidFill>
-              </a:defRPr>
-            </a:lvl3pPr>
-            <a:lvl4pPr marL="1371600" indent="0">
-              <a:buNone/>
-              <a:defRPr sz="1400">
-                <a:solidFill>
-                  <a:schemeClr val="tx1">
-                    <a:tint val="75000"/>
-                  </a:schemeClr>
-                </a:solidFill>
-              </a:defRPr>
-            </a:lvl4pPr>
-            <a:lvl5pPr marL="1828800" indent="0">
-              <a:buNone/>
-              <a:defRPr sz="1400">
-                <a:solidFill>
-                  <a:schemeClr val="tx1">
-                    <a:tint val="75000"/>
-                  </a:schemeClr>
-                </a:solidFill>
-              </a:defRPr>
-            </a:lvl5pPr>
-            <a:lvl6pPr marL="2286000" indent="0">
-              <a:buNone/>
-              <a:defRPr sz="1400">
-                <a:solidFill>
-                  <a:schemeClr val="tx1">
-                    <a:tint val="75000"/>
-                  </a:schemeClr>
-                </a:solidFill>
-              </a:defRPr>
-            </a:lvl6pPr>
-            <a:lvl7pPr marL="2743200" indent="0">
-              <a:buNone/>
-              <a:defRPr sz="1400">
-                <a:solidFill>
-                  <a:schemeClr val="tx1">
-                    <a:tint val="75000"/>
-                  </a:schemeClr>
-                </a:solidFill>
-              </a:defRPr>
-            </a:lvl7pPr>
-            <a:lvl8pPr marL="3200400" indent="0">
-              <a:buNone/>
-              <a:defRPr sz="1400">
-                <a:solidFill>
-                  <a:schemeClr val="tx1">
-                    <a:tint val="75000"/>
-                  </a:schemeClr>
-                </a:solidFill>
-              </a:defRPr>
-            </a:lvl8pPr>
-            <a:lvl9pPr marL="3657600" indent="0">
-              <a:buNone/>
-              <a:defRPr sz="1400">
-                <a:solidFill>
-                  <a:schemeClr val="tx1">
-                    <a:tint val="75000"/>
-                  </a:schemeClr>
-                </a:solidFill>
-              </a:defRPr>
-            </a:lvl9pPr>
-          </a:lstStyle>
-          <a:p>
-            <a:pPr lvl="0"/>
-            <a:r>
-              <a:rPr lang="en-US" smtClean="0"/>
-              <a:t>Click to edit Master text styles</a:t>
-            </a:r>
-          </a:p>
-        </p:txBody>
-      </p:sp>
-      <p:sp>
-        <p:nvSpPr>
-          <p:cNvPr id="4" name="Date Placeholder 3"/>
-          <p:cNvSpPr>
-            <a:spLocks noGrp="1"/>
-          </p:cNvSpPr>
-          <p:nvPr>
-            <p:ph type="dt" sz="half" idx="10"/>
-          </p:nvPr>
-        </p:nvSpPr>
-        <p:spPr/>
-        <p:txBody>
-          <a:bodyPr/>
-          <a:lstStyle/>
-          <a:p>
-            <a:fld id="{BDDAFA7A-6445-4002-8C74-4055B96B083F}" type="datetimeFigureOut">
-              <a:rPr lang="en-US" smtClean="0"/>
-              <a:t>1/5/2016</a:t>
-            </a:fld>
-            <a:endParaRPr lang="en-US"/>
-          </a:p>
-        </p:txBody>
-      </p:sp>
-      <p:sp>
-        <p:nvSpPr>
-          <p:cNvPr id="5" name="Footer Placeholder 4"/>
-          <p:cNvSpPr>
-            <a:spLocks noGrp="1"/>
-          </p:cNvSpPr>
-          <p:nvPr>
-            <p:ph type="ftr" sz="quarter" idx="11"/>
-          </p:nvPr>
-        </p:nvSpPr>
-        <p:spPr/>
-        <p:txBody>
-          <a:bodyPr/>
-          <a:lstStyle/>
-          <a:p>
-            <a:endParaRPr lang="en-US"/>
-          </a:p>
-        </p:txBody>
-      </p:sp>
-      <p:sp>
-        <p:nvSpPr>
-          <p:cNvPr id="6" name="Slide Number Placeholder 5"/>
-          <p:cNvSpPr>
-            <a:spLocks noGrp="1"/>
-          </p:cNvSpPr>
-          <p:nvPr>
-            <p:ph type="sldNum" sz="quarter" idx="12"/>
-          </p:nvPr>
-        </p:nvSpPr>
-        <p:spPr/>
-        <p:txBody>
-          <a:bodyPr/>
-          <a:lstStyle/>
-          <a:p>
-            <a:fld id="{3CE3CCBD-19B9-490E-AA2D-3CF6990B033E}" type="slidenum">
-              <a:rPr lang="en-US" smtClean="0"/>
-              <a:t>‹#›</a:t>
-            </a:fld>
-            <a:endParaRPr lang="en-US"/>
-          </a:p>
-        </p:txBody>
-      </p:sp>
-    </p:spTree>
-    <p:extLst>
-      <p:ext uri="{BB962C8B-B14F-4D97-AF65-F5344CB8AC3E}">
-        <p14:creationId xmlns:p14="http://schemas.microsoft.com/office/powerpoint/2010/main" val="4186914831"/>
-      </p:ext>
-    </p:extLst>
-  </p:cSld>
-  <p:clrMapOvr>
-    <a:masterClrMapping/>
-  </p:clrMapOvr>
-</p:sldLayout>
-</file>
-
-<file path=ppt/slideLayouts/slideLayout16.xml><?xml version="1.0" encoding="utf-8"?>
 <p:sldLayout xmlns:a="http://schemas.openxmlformats.org/drawingml/2006/main" xmlns:r="http://schemas.openxmlformats.org/officeDocument/2006/relationships" xmlns:p="http://schemas.openxmlformats.org/presentationml/2006/main" type="vertTx" preserve="1">
   <p:cSld name="Title and Vertical Text">
     <p:spTree>
@@ -3761,7 +2076,7 @@
       </p:grpSpPr>
       <p:sp>
         <p:nvSpPr>
-          <p:cNvPr id="7" name="Title 1"/>
+          <p:cNvPr id="2" name="Title 1"/>
           <p:cNvSpPr>
             <a:spLocks noGrp="1"/>
           </p:cNvSpPr>
@@ -3769,12 +2084,7 @@
             <p:ph type="title"/>
           </p:nvPr>
         </p:nvSpPr>
-        <p:spPr>
-          <a:xfrm>
-            <a:off x="1141413" y="609600"/>
-            <a:ext cx="9905998" cy="1905000"/>
-          </a:xfrm>
-        </p:spPr>
+        <p:spPr/>
         <p:txBody>
           <a:bodyPr/>
           <a:lstStyle/>
@@ -3783,7 +2093,7 @@
               <a:rPr lang="en-US" smtClean="0"/>
               <a:t>Click to edit Master title style</a:t>
             </a:r>
-            <a:endParaRPr lang="en-US" dirty="0"/>
+            <a:endParaRPr lang="en-GB"/>
           </a:p>
         </p:txBody>
       </p:sp>
@@ -3799,7 +2109,7 @@
         </p:nvSpPr>
         <p:spPr/>
         <p:txBody>
-          <a:bodyPr vert="eaVert" anchor="t"/>
+          <a:bodyPr vert="eaVert"/>
           <a:lstStyle/>
           <a:p>
             <a:pPr lvl="0"/>
@@ -3835,7 +2145,7 @@
               <a:rPr lang="en-US" smtClean="0"/>
               <a:t>Fifth level</a:t>
             </a:r>
-            <a:endParaRPr lang="en-US" dirty="0"/>
+            <a:endParaRPr lang="en-GB"/>
           </a:p>
         </p:txBody>
       </p:sp>
@@ -3907,7 +2217,7 @@
     </p:spTree>
     <p:extLst>
       <p:ext uri="{BB962C8B-B14F-4D97-AF65-F5344CB8AC3E}">
-        <p14:creationId xmlns:p14="http://schemas.microsoft.com/office/powerpoint/2010/main" val="1027251337"/>
+        <p14:creationId xmlns:p14="http://schemas.microsoft.com/office/powerpoint/2010/main" val="2210787244"/>
       </p:ext>
     </p:extLst>
   </p:cSld>
@@ -3917,7 +2227,7 @@
 </p:sldLayout>
 </file>
 
-<file path=ppt/slideLayouts/slideLayout17.xml><?xml version="1.0" encoding="utf-8"?>
+<file path=ppt/slideLayouts/slideLayout11.xml><?xml version="1.0" encoding="utf-8"?>
 <p:sldLayout xmlns:a="http://schemas.openxmlformats.org/drawingml/2006/main" xmlns:r="http://schemas.openxmlformats.org/officeDocument/2006/relationships" xmlns:p="http://schemas.openxmlformats.org/presentationml/2006/main" type="vertTitleAndTx" preserve="1">
   <p:cSld name="Vertical Title and Text">
     <p:spTree>
@@ -3946,8 +2256,8 @@
         </p:nvSpPr>
         <p:spPr>
           <a:xfrm>
-            <a:off x="8836898" y="609599"/>
-            <a:ext cx="2210514" cy="5181601"/>
+            <a:off x="8724900" y="365125"/>
+            <a:ext cx="2628900" cy="5811838"/>
           </a:xfrm>
         </p:spPr>
         <p:txBody>
@@ -3958,7 +2268,7 @@
               <a:rPr lang="en-US" smtClean="0"/>
               <a:t>Click to edit Master title style</a:t>
             </a:r>
-            <a:endParaRPr lang="en-US" dirty="0"/>
+            <a:endParaRPr lang="en-GB"/>
           </a:p>
         </p:txBody>
       </p:sp>
@@ -3974,12 +2284,12 @@
         </p:nvSpPr>
         <p:spPr>
           <a:xfrm>
-            <a:off x="1141412" y="609600"/>
-            <a:ext cx="7543800" cy="5181600"/>
+            <a:off x="838200" y="365125"/>
+            <a:ext cx="7734300" cy="5811838"/>
           </a:xfrm>
         </p:spPr>
         <p:txBody>
-          <a:bodyPr vert="eaVert" anchor="t"/>
+          <a:bodyPr vert="eaVert"/>
           <a:lstStyle/>
           <a:p>
             <a:pPr lvl="0"/>
@@ -4015,7 +2325,7 @@
               <a:rPr lang="en-US" smtClean="0"/>
               <a:t>Fifth level</a:t>
             </a:r>
-            <a:endParaRPr lang="en-US" dirty="0"/>
+            <a:endParaRPr lang="en-GB"/>
           </a:p>
         </p:txBody>
       </p:sp>
@@ -4087,7 +2397,7 @@
     </p:spTree>
     <p:extLst>
       <p:ext uri="{BB962C8B-B14F-4D97-AF65-F5344CB8AC3E}">
-        <p14:creationId xmlns:p14="http://schemas.microsoft.com/office/powerpoint/2010/main" val="2151059271"/>
+        <p14:creationId xmlns:p14="http://schemas.microsoft.com/office/powerpoint/2010/main" val="399299532"/>
       </p:ext>
     </p:extLst>
   </p:cSld>
@@ -4124,12 +2434,7 @@
             <p:ph type="title"/>
           </p:nvPr>
         </p:nvSpPr>
-        <p:spPr>
-          <a:xfrm>
-            <a:off x="1141412" y="434385"/>
-            <a:ext cx="9905998" cy="1038510"/>
-          </a:xfrm>
-        </p:spPr>
+        <p:spPr/>
         <p:txBody>
           <a:bodyPr/>
           <a:lstStyle/>
@@ -4138,7 +2443,7 @@
               <a:rPr lang="en-US" smtClean="0"/>
               <a:t>Click to edit Master title style</a:t>
             </a:r>
-            <a:endParaRPr lang="en-US" dirty="0"/>
+            <a:endParaRPr lang="en-GB"/>
           </a:p>
         </p:txBody>
       </p:sp>
@@ -4152,14 +2457,9 @@
             <p:ph idx="1"/>
           </p:nvPr>
         </p:nvSpPr>
-        <p:spPr>
-          <a:xfrm>
-            <a:off x="1141413" y="1626209"/>
-            <a:ext cx="9905998" cy="4164992"/>
-          </a:xfrm>
-        </p:spPr>
-        <p:txBody>
-          <a:bodyPr anchor="t" anchorCtr="0"/>
+        <p:spPr/>
+        <p:txBody>
+          <a:bodyPr/>
           <a:lstStyle/>
           <a:p>
             <a:pPr lvl="0"/>
@@ -4195,7 +2495,7 @@
               <a:rPr lang="en-US" smtClean="0"/>
               <a:t>Fifth level</a:t>
             </a:r>
-            <a:endParaRPr lang="en-US" dirty="0"/>
+            <a:endParaRPr lang="en-GB"/>
           </a:p>
         </p:txBody>
       </p:sp>
@@ -4267,20 +2567,13 @@
     </p:spTree>
     <p:extLst>
       <p:ext uri="{BB962C8B-B14F-4D97-AF65-F5344CB8AC3E}">
-        <p14:creationId xmlns:p14="http://schemas.microsoft.com/office/powerpoint/2010/main" val="2309606330"/>
+        <p14:creationId xmlns:p14="http://schemas.microsoft.com/office/powerpoint/2010/main" val="3897040761"/>
       </p:ext>
     </p:extLst>
   </p:cSld>
   <p:clrMapOvr>
     <a:masterClrMapping/>
   </p:clrMapOvr>
-  <p:timing>
-    <p:tnLst>
-      <p:par>
-        <p:cTn id="1" dur="indefinite" restart="never" nodeType="tmRoot"/>
-      </p:par>
-    </p:tnLst>
-  </p:timing>
 </p:sldLayout>
 </file>
 
@@ -4313,15 +2606,15 @@
         </p:nvSpPr>
         <p:spPr>
           <a:xfrm>
-            <a:off x="1751013" y="3308581"/>
-            <a:ext cx="8686800" cy="1468800"/>
+            <a:off x="831850" y="1709738"/>
+            <a:ext cx="10515600" cy="2852737"/>
           </a:xfrm>
         </p:spPr>
         <p:txBody>
           <a:bodyPr anchor="b"/>
           <a:lstStyle>
-            <a:lvl1pPr algn="r">
-              <a:defRPr sz="4000" b="0" cap="all"/>
+            <a:lvl1pPr>
+              <a:defRPr sz="6000"/>
             </a:lvl1pPr>
           </a:lstStyle>
           <a:p>
@@ -4329,7 +2622,7 @@
               <a:rPr lang="en-US" smtClean="0"/>
               <a:t>Click to edit Master title style</a:t>
             </a:r>
-            <a:endParaRPr lang="en-US" dirty="0"/>
+            <a:endParaRPr lang="en-GB"/>
           </a:p>
         </p:txBody>
       </p:sp>
@@ -4345,37 +2638,26 @@
         </p:nvSpPr>
         <p:spPr>
           <a:xfrm>
-            <a:off x="1751011" y="4777381"/>
-            <a:ext cx="8686801" cy="860400"/>
+            <a:off x="831850" y="4589463"/>
+            <a:ext cx="10515600" cy="1500187"/>
           </a:xfrm>
         </p:spPr>
         <p:txBody>
-          <a:bodyPr anchor="t">
-            <a:normAutofit/>
-          </a:bodyPr>
+          <a:bodyPr/>
           <a:lstStyle>
-            <a:lvl1pPr marL="0" indent="0" algn="r">
-              <a:buNone/>
-              <a:defRPr sz="2000">
-                <a:gradFill flip="none" rotWithShape="1">
-                  <a:gsLst>
-                    <a:gs pos="0">
-                      <a:schemeClr val="tx1"/>
-                    </a:gs>
-                    <a:gs pos="100000">
-                      <a:schemeClr val="tx1">
-                        <a:lumMod val="75000"/>
-                      </a:schemeClr>
-                    </a:gs>
-                  </a:gsLst>
-                  <a:lin ang="5400000" scaled="0"/>
-                  <a:tileRect/>
-                </a:gradFill>
+            <a:lvl1pPr marL="0" indent="0">
+              <a:buNone/>
+              <a:defRPr sz="2400">
+                <a:solidFill>
+                  <a:schemeClr val="tx1">
+                    <a:tint val="75000"/>
+                  </a:schemeClr>
+                </a:solidFill>
               </a:defRPr>
             </a:lvl1pPr>
             <a:lvl2pPr marL="457200" indent="0">
               <a:buNone/>
-              <a:defRPr sz="1800">
+              <a:defRPr sz="2000">
                 <a:solidFill>
                   <a:schemeClr val="tx1">
                     <a:tint val="75000"/>
@@ -4385,7 +2667,7 @@
             </a:lvl2pPr>
             <a:lvl3pPr marL="914400" indent="0">
               <a:buNone/>
-              <a:defRPr sz="1600">
+              <a:defRPr sz="1800">
                 <a:solidFill>
                   <a:schemeClr val="tx1">
                     <a:tint val="75000"/>
@@ -4395,7 +2677,7 @@
             </a:lvl3pPr>
             <a:lvl4pPr marL="1371600" indent="0">
               <a:buNone/>
-              <a:defRPr sz="1400">
+              <a:defRPr sz="1600">
                 <a:solidFill>
                   <a:schemeClr val="tx1">
                     <a:tint val="75000"/>
@@ -4405,7 +2687,7 @@
             </a:lvl4pPr>
             <a:lvl5pPr marL="1828800" indent="0">
               <a:buNone/>
-              <a:defRPr sz="1400">
+              <a:defRPr sz="1600">
                 <a:solidFill>
                   <a:schemeClr val="tx1">
                     <a:tint val="75000"/>
@@ -4415,7 +2697,7 @@
             </a:lvl5pPr>
             <a:lvl6pPr marL="2286000" indent="0">
               <a:buNone/>
-              <a:defRPr sz="1400">
+              <a:defRPr sz="1600">
                 <a:solidFill>
                   <a:schemeClr val="tx1">
                     <a:tint val="75000"/>
@@ -4425,7 +2707,7 @@
             </a:lvl6pPr>
             <a:lvl7pPr marL="2743200" indent="0">
               <a:buNone/>
-              <a:defRPr sz="1400">
+              <a:defRPr sz="1600">
                 <a:solidFill>
                   <a:schemeClr val="tx1">
                     <a:tint val="75000"/>
@@ -4435,7 +2717,7 @@
             </a:lvl7pPr>
             <a:lvl8pPr marL="3200400" indent="0">
               <a:buNone/>
-              <a:defRPr sz="1400">
+              <a:defRPr sz="1600">
                 <a:solidFill>
                   <a:schemeClr val="tx1">
                     <a:tint val="75000"/>
@@ -4445,7 +2727,7 @@
             </a:lvl8pPr>
             <a:lvl9pPr marL="3657600" indent="0">
               <a:buNone/>
-              <a:defRPr sz="1400">
+              <a:defRPr sz="1600">
                 <a:solidFill>
                   <a:schemeClr val="tx1">
                     <a:tint val="75000"/>
@@ -4531,20 +2813,13 @@
     </p:spTree>
     <p:extLst>
       <p:ext uri="{BB962C8B-B14F-4D97-AF65-F5344CB8AC3E}">
-        <p14:creationId xmlns:p14="http://schemas.microsoft.com/office/powerpoint/2010/main" val="4107538759"/>
+        <p14:creationId xmlns:p14="http://schemas.microsoft.com/office/powerpoint/2010/main" val="1410161080"/>
       </p:ext>
     </p:extLst>
   </p:cSld>
   <p:clrMapOvr>
     <a:masterClrMapping/>
   </p:clrMapOvr>
-  <p:timing>
-    <p:tnLst>
-      <p:par>
-        <p:cTn id="1" dur="indefinite" restart="never" nodeType="tmRoot"/>
-      </p:par>
-    </p:tnLst>
-  </p:timing>
 </p:sldLayout>
 </file>
 
@@ -4584,7 +2859,7 @@
               <a:rPr lang="en-US" smtClean="0"/>
               <a:t>Click to edit Master title style</a:t>
             </a:r>
-            <a:endParaRPr lang="en-US" dirty="0"/>
+            <a:endParaRPr lang="en-GB"/>
           </a:p>
         </p:txBody>
       </p:sp>
@@ -4600,43 +2875,13 @@
         </p:nvSpPr>
         <p:spPr>
           <a:xfrm>
-            <a:off x="1141412" y="2666999"/>
-            <a:ext cx="4876800" cy="3124201"/>
+            <a:off x="838200" y="1825625"/>
+            <a:ext cx="5181600" cy="4351338"/>
           </a:xfrm>
         </p:spPr>
         <p:txBody>
-          <a:bodyPr>
-            <a:normAutofit/>
-          </a:bodyPr>
-          <a:lstStyle>
-            <a:lvl1pPr>
-              <a:defRPr sz="1800"/>
-            </a:lvl1pPr>
-            <a:lvl2pPr>
-              <a:defRPr sz="1600"/>
-            </a:lvl2pPr>
-            <a:lvl3pPr>
-              <a:defRPr sz="1400"/>
-            </a:lvl3pPr>
-            <a:lvl4pPr>
-              <a:defRPr sz="1200"/>
-            </a:lvl4pPr>
-            <a:lvl5pPr>
-              <a:defRPr sz="1200"/>
-            </a:lvl5pPr>
-            <a:lvl6pPr>
-              <a:defRPr sz="1200"/>
-            </a:lvl6pPr>
-            <a:lvl7pPr>
-              <a:defRPr sz="1200"/>
-            </a:lvl7pPr>
-            <a:lvl8pPr>
-              <a:defRPr sz="1200"/>
-            </a:lvl8pPr>
-            <a:lvl9pPr>
-              <a:defRPr sz="1200"/>
-            </a:lvl9pPr>
-          </a:lstStyle>
+          <a:bodyPr/>
+          <a:lstStyle/>
           <a:p>
             <a:pPr lvl="0"/>
             <a:r>
@@ -4671,7 +2916,7 @@
               <a:rPr lang="en-US" smtClean="0"/>
               <a:t>Fifth level</a:t>
             </a:r>
-            <a:endParaRPr lang="en-US" dirty="0"/>
+            <a:endParaRPr lang="en-GB"/>
           </a:p>
         </p:txBody>
       </p:sp>
@@ -4687,43 +2932,13 @@
         </p:nvSpPr>
         <p:spPr>
           <a:xfrm>
-            <a:off x="6170612" y="2667000"/>
-            <a:ext cx="4876800" cy="3124200"/>
+            <a:off x="6172200" y="1825625"/>
+            <a:ext cx="5181600" cy="4351338"/>
           </a:xfrm>
         </p:spPr>
         <p:txBody>
-          <a:bodyPr>
-            <a:normAutofit/>
-          </a:bodyPr>
-          <a:lstStyle>
-            <a:lvl1pPr>
-              <a:defRPr sz="1800"/>
-            </a:lvl1pPr>
-            <a:lvl2pPr>
-              <a:defRPr sz="1600"/>
-            </a:lvl2pPr>
-            <a:lvl3pPr>
-              <a:defRPr sz="1400"/>
-            </a:lvl3pPr>
-            <a:lvl4pPr>
-              <a:defRPr sz="1200"/>
-            </a:lvl4pPr>
-            <a:lvl5pPr>
-              <a:defRPr sz="1200"/>
-            </a:lvl5pPr>
-            <a:lvl6pPr>
-              <a:defRPr sz="1200"/>
-            </a:lvl6pPr>
-            <a:lvl7pPr>
-              <a:defRPr sz="1200"/>
-            </a:lvl7pPr>
-            <a:lvl8pPr>
-              <a:defRPr sz="1200"/>
-            </a:lvl8pPr>
-            <a:lvl9pPr>
-              <a:defRPr sz="1200"/>
-            </a:lvl9pPr>
-          </a:lstStyle>
+          <a:bodyPr/>
+          <a:lstStyle/>
           <a:p>
             <a:pPr lvl="0"/>
             <a:r>
@@ -4758,7 +2973,7 @@
               <a:rPr lang="en-US" smtClean="0"/>
               <a:t>Fifth level</a:t>
             </a:r>
-            <a:endParaRPr lang="en-US" dirty="0"/>
+            <a:endParaRPr lang="en-GB"/>
           </a:p>
         </p:txBody>
       </p:sp>
@@ -4830,20 +3045,13 @@
     </p:spTree>
     <p:extLst>
       <p:ext uri="{BB962C8B-B14F-4D97-AF65-F5344CB8AC3E}">
-        <p14:creationId xmlns:p14="http://schemas.microsoft.com/office/powerpoint/2010/main" val="345377657"/>
+        <p14:creationId xmlns:p14="http://schemas.microsoft.com/office/powerpoint/2010/main" val="430161608"/>
       </p:ext>
     </p:extLst>
   </p:cSld>
   <p:clrMapOvr>
     <a:masterClrMapping/>
   </p:clrMapOvr>
-  <p:timing>
-    <p:tnLst>
-      <p:par>
-        <p:cTn id="1" dur="indefinite" restart="never" nodeType="tmRoot"/>
-      </p:par>
-    </p:tnLst>
-  </p:timing>
 </p:sldLayout>
 </file>
 
@@ -4874,47 +3082,46 @@
             <p:ph type="title"/>
           </p:nvPr>
         </p:nvSpPr>
-        <p:spPr/>
-        <p:txBody>
-          <a:bodyPr/>
-          <a:lstStyle>
-            <a:lvl1pPr>
-              <a:defRPr/>
-            </a:lvl1pPr>
-          </a:lstStyle>
-          <a:p>
-            <a:r>
-              <a:rPr lang="en-US" smtClean="0"/>
-              <a:t>Click to edit Master title style</a:t>
-            </a:r>
-            <a:endParaRPr lang="en-US" dirty="0"/>
-          </a:p>
-        </p:txBody>
-      </p:sp>
-      <p:sp>
-        <p:nvSpPr>
-          <p:cNvPr id="3" name="Text Placeholder 2"/>
-          <p:cNvSpPr>
-            <a:spLocks noGrp="1"/>
-          </p:cNvSpPr>
-          <p:nvPr>
-            <p:ph type="body" idx="1"/>
-          </p:nvPr>
-        </p:nvSpPr>
         <p:spPr>
           <a:xfrm>
-            <a:off x="1429280" y="2658533"/>
-            <a:ext cx="4588931" cy="576262"/>
+            <a:off x="839788" y="365125"/>
+            <a:ext cx="10515600" cy="1325563"/>
           </a:xfrm>
         </p:spPr>
         <p:txBody>
-          <a:bodyPr anchor="b">
-            <a:noAutofit/>
-          </a:bodyPr>
+          <a:bodyPr/>
+          <a:lstStyle/>
+          <a:p>
+            <a:r>
+              <a:rPr lang="en-US" smtClean="0"/>
+              <a:t>Click to edit Master title style</a:t>
+            </a:r>
+            <a:endParaRPr lang="en-GB"/>
+          </a:p>
+        </p:txBody>
+      </p:sp>
+      <p:sp>
+        <p:nvSpPr>
+          <p:cNvPr id="3" name="Text Placeholder 2"/>
+          <p:cNvSpPr>
+            <a:spLocks noGrp="1"/>
+          </p:cNvSpPr>
+          <p:nvPr>
+            <p:ph type="body" idx="1"/>
+          </p:nvPr>
+        </p:nvSpPr>
+        <p:spPr>
+          <a:xfrm>
+            <a:off x="839788" y="1681163"/>
+            <a:ext cx="5157787" cy="823912"/>
+          </a:xfrm>
+        </p:spPr>
+        <p:txBody>
+          <a:bodyPr anchor="b"/>
           <a:lstStyle>
             <a:lvl1pPr marL="0" indent="0">
               <a:buNone/>
-              <a:defRPr sz="2800" b="0"/>
+              <a:defRPr sz="2400" b="1"/>
             </a:lvl1pPr>
             <a:lvl2pPr marL="457200" indent="0">
               <a:buNone/>
@@ -4970,43 +3177,13 @@
         </p:nvSpPr>
         <p:spPr>
           <a:xfrm>
-            <a:off x="1141412" y="3243262"/>
-            <a:ext cx="4876800" cy="2547937"/>
+            <a:off x="839788" y="2505075"/>
+            <a:ext cx="5157787" cy="3684588"/>
           </a:xfrm>
         </p:spPr>
         <p:txBody>
-          <a:bodyPr anchor="t">
-            <a:normAutofit/>
-          </a:bodyPr>
-          <a:lstStyle>
-            <a:lvl1pPr>
-              <a:defRPr sz="1800"/>
-            </a:lvl1pPr>
-            <a:lvl2pPr>
-              <a:defRPr sz="1600"/>
-            </a:lvl2pPr>
-            <a:lvl3pPr>
-              <a:defRPr sz="1400"/>
-            </a:lvl3pPr>
-            <a:lvl4pPr>
-              <a:defRPr sz="1200"/>
-            </a:lvl4pPr>
-            <a:lvl5pPr>
-              <a:defRPr sz="1200"/>
-            </a:lvl5pPr>
-            <a:lvl6pPr>
-              <a:defRPr sz="1200"/>
-            </a:lvl6pPr>
-            <a:lvl7pPr>
-              <a:defRPr sz="1200"/>
-            </a:lvl7pPr>
-            <a:lvl8pPr>
-              <a:defRPr sz="1200"/>
-            </a:lvl8pPr>
-            <a:lvl9pPr>
-              <a:defRPr sz="1200"/>
-            </a:lvl9pPr>
-          </a:lstStyle>
+          <a:bodyPr/>
+          <a:lstStyle/>
           <a:p>
             <a:pPr lvl="0"/>
             <a:r>
@@ -5041,7 +3218,7 @@
               <a:rPr lang="en-US" smtClean="0"/>
               <a:t>Fifth level</a:t>
             </a:r>
-            <a:endParaRPr lang="en-US" dirty="0"/>
+            <a:endParaRPr lang="en-GB"/>
           </a:p>
         </p:txBody>
       </p:sp>
@@ -5057,18 +3234,16 @@
         </p:nvSpPr>
         <p:spPr>
           <a:xfrm>
-            <a:off x="6443133" y="2667000"/>
-            <a:ext cx="4604280" cy="576262"/>
+            <a:off x="6172200" y="1681163"/>
+            <a:ext cx="5183188" cy="823912"/>
           </a:xfrm>
         </p:spPr>
         <p:txBody>
-          <a:bodyPr anchor="b">
-            <a:noAutofit/>
-          </a:bodyPr>
+          <a:bodyPr anchor="b"/>
           <a:lstStyle>
             <a:lvl1pPr marL="0" indent="0">
               <a:buNone/>
-              <a:defRPr sz="2800" b="0"/>
+              <a:defRPr sz="2400" b="1"/>
             </a:lvl1pPr>
             <a:lvl2pPr marL="457200" indent="0">
               <a:buNone/>
@@ -5124,43 +3299,13 @@
         </p:nvSpPr>
         <p:spPr>
           <a:xfrm>
-            <a:off x="6170612" y="3243262"/>
-            <a:ext cx="4876801" cy="2547937"/>
+            <a:off x="6172200" y="2505075"/>
+            <a:ext cx="5183188" cy="3684588"/>
           </a:xfrm>
         </p:spPr>
         <p:txBody>
-          <a:bodyPr anchor="t">
-            <a:normAutofit/>
-          </a:bodyPr>
-          <a:lstStyle>
-            <a:lvl1pPr>
-              <a:defRPr sz="1800"/>
-            </a:lvl1pPr>
-            <a:lvl2pPr>
-              <a:defRPr sz="1600"/>
-            </a:lvl2pPr>
-            <a:lvl3pPr>
-              <a:defRPr sz="1400"/>
-            </a:lvl3pPr>
-            <a:lvl4pPr>
-              <a:defRPr sz="1200"/>
-            </a:lvl4pPr>
-            <a:lvl5pPr>
-              <a:defRPr sz="1200"/>
-            </a:lvl5pPr>
-            <a:lvl6pPr>
-              <a:defRPr sz="1200"/>
-            </a:lvl6pPr>
-            <a:lvl7pPr>
-              <a:defRPr sz="1200"/>
-            </a:lvl7pPr>
-            <a:lvl8pPr>
-              <a:defRPr sz="1200"/>
-            </a:lvl8pPr>
-            <a:lvl9pPr>
-              <a:defRPr sz="1200"/>
-            </a:lvl9pPr>
-          </a:lstStyle>
+          <a:bodyPr/>
+          <a:lstStyle/>
           <a:p>
             <a:pPr lvl="0"/>
             <a:r>
@@ -5195,7 +3340,7 @@
               <a:rPr lang="en-US" smtClean="0"/>
               <a:t>Fifth level</a:t>
             </a:r>
-            <a:endParaRPr lang="en-US" dirty="0"/>
+            <a:endParaRPr lang="en-GB"/>
           </a:p>
         </p:txBody>
       </p:sp>
@@ -5267,20 +3412,13 @@
     </p:spTree>
     <p:extLst>
       <p:ext uri="{BB962C8B-B14F-4D97-AF65-F5344CB8AC3E}">
-        <p14:creationId xmlns:p14="http://schemas.microsoft.com/office/powerpoint/2010/main" val="4197961646"/>
+        <p14:creationId xmlns:p14="http://schemas.microsoft.com/office/powerpoint/2010/main" val="1860337216"/>
       </p:ext>
     </p:extLst>
   </p:cSld>
   <p:clrMapOvr>
     <a:masterClrMapping/>
   </p:clrMapOvr>
-  <p:timing>
-    <p:tnLst>
-      <p:par>
-        <p:cTn id="1" dur="indefinite" restart="never" nodeType="tmRoot"/>
-      </p:par>
-    </p:tnLst>
-  </p:timing>
 </p:sldLayout>
 </file>
 
@@ -5320,7 +3458,7 @@
               <a:rPr lang="en-US" smtClean="0"/>
               <a:t>Click to edit Master title style</a:t>
             </a:r>
-            <a:endParaRPr lang="en-US" dirty="0"/>
+            <a:endParaRPr lang="en-GB"/>
           </a:p>
         </p:txBody>
       </p:sp>
@@ -5392,20 +3530,13 @@
     </p:spTree>
     <p:extLst>
       <p:ext uri="{BB962C8B-B14F-4D97-AF65-F5344CB8AC3E}">
-        <p14:creationId xmlns:p14="http://schemas.microsoft.com/office/powerpoint/2010/main" val="1438856277"/>
+        <p14:creationId xmlns:p14="http://schemas.microsoft.com/office/powerpoint/2010/main" val="3323573207"/>
       </p:ext>
     </p:extLst>
   </p:cSld>
   <p:clrMapOvr>
     <a:masterClrMapping/>
   </p:clrMapOvr>
-  <p:timing>
-    <p:tnLst>
-      <p:par>
-        <p:cTn id="1" dur="indefinite" restart="never" nodeType="tmRoot"/>
-      </p:par>
-    </p:tnLst>
-  </p:timing>
 </p:sldLayout>
 </file>
 
@@ -5494,20 +3625,13 @@
     </p:spTree>
     <p:extLst>
       <p:ext uri="{BB962C8B-B14F-4D97-AF65-F5344CB8AC3E}">
-        <p14:creationId xmlns:p14="http://schemas.microsoft.com/office/powerpoint/2010/main" val="2099149384"/>
+        <p14:creationId xmlns:p14="http://schemas.microsoft.com/office/powerpoint/2010/main" val="1537884845"/>
       </p:ext>
     </p:extLst>
   </p:cSld>
   <p:clrMapOvr>
     <a:masterClrMapping/>
   </p:clrMapOvr>
-  <p:timing>
-    <p:tnLst>
-      <p:par>
-        <p:cTn id="1" dur="indefinite" restart="never" nodeType="tmRoot"/>
-      </p:par>
-    </p:tnLst>
-  </p:timing>
 </p:sldLayout>
 </file>
 
@@ -5540,17 +3664,15 @@
         </p:nvSpPr>
         <p:spPr>
           <a:xfrm>
-            <a:off x="1141411" y="1600200"/>
-            <a:ext cx="3549121" cy="1371600"/>
+            <a:off x="839788" y="457200"/>
+            <a:ext cx="3932237" cy="1600200"/>
           </a:xfrm>
         </p:spPr>
         <p:txBody>
-          <a:bodyPr anchor="b">
-            <a:normAutofit/>
-          </a:bodyPr>
+          <a:bodyPr anchor="b"/>
           <a:lstStyle>
-            <a:lvl1pPr algn="l">
-              <a:defRPr sz="2400" b="0"/>
+            <a:lvl1pPr>
+              <a:defRPr sz="3200"/>
             </a:lvl1pPr>
           </a:lstStyle>
           <a:p>
@@ -5558,7 +3680,7 @@
               <a:rPr lang="en-US" smtClean="0"/>
               <a:t>Click to edit Master title style</a:t>
             </a:r>
-            <a:endParaRPr lang="en-US" dirty="0"/>
+            <a:endParaRPr lang="en-GB"/>
           </a:p>
         </p:txBody>
       </p:sp>
@@ -5574,41 +3696,39 @@
         </p:nvSpPr>
         <p:spPr>
           <a:xfrm>
-            <a:off x="5103812" y="609601"/>
-            <a:ext cx="5943601" cy="5181600"/>
+            <a:off x="5183188" y="987425"/>
+            <a:ext cx="6172200" cy="4873625"/>
           </a:xfrm>
         </p:spPr>
         <p:txBody>
-          <a:bodyPr anchor="ctr">
-            <a:normAutofit/>
-          </a:bodyPr>
+          <a:bodyPr/>
           <a:lstStyle>
             <a:lvl1pPr>
-              <a:defRPr sz="2000"/>
+              <a:defRPr sz="3200"/>
             </a:lvl1pPr>
             <a:lvl2pPr>
-              <a:defRPr sz="1800"/>
+              <a:defRPr sz="2800"/>
             </a:lvl2pPr>
             <a:lvl3pPr>
-              <a:defRPr sz="1600"/>
+              <a:defRPr sz="2400"/>
             </a:lvl3pPr>
             <a:lvl4pPr>
-              <a:defRPr sz="1400"/>
+              <a:defRPr sz="2000"/>
             </a:lvl4pPr>
             <a:lvl5pPr>
-              <a:defRPr sz="1400"/>
+              <a:defRPr sz="2000"/>
             </a:lvl5pPr>
             <a:lvl6pPr>
-              <a:defRPr sz="1400"/>
+              <a:defRPr sz="2000"/>
             </a:lvl6pPr>
             <a:lvl7pPr>
-              <a:defRPr sz="1400"/>
+              <a:defRPr sz="2000"/>
             </a:lvl7pPr>
             <a:lvl8pPr>
-              <a:defRPr sz="1400"/>
+              <a:defRPr sz="2000"/>
             </a:lvl8pPr>
             <a:lvl9pPr>
-              <a:defRPr sz="1400"/>
+              <a:defRPr sz="2000"/>
             </a:lvl9pPr>
           </a:lstStyle>
           <a:p>
@@ -5645,7 +3765,7 @@
               <a:rPr lang="en-US" smtClean="0"/>
               <a:t>Fifth level</a:t>
             </a:r>
-            <a:endParaRPr lang="en-US" dirty="0"/>
+            <a:endParaRPr lang="en-GB"/>
           </a:p>
         </p:txBody>
       </p:sp>
@@ -5661,14 +3781,12 @@
         </p:nvSpPr>
         <p:spPr>
           <a:xfrm>
-            <a:off x="1141411" y="2971800"/>
-            <a:ext cx="3549121" cy="1828800"/>
+            <a:off x="839788" y="2057400"/>
+            <a:ext cx="3932237" cy="3811588"/>
           </a:xfrm>
         </p:spPr>
         <p:txBody>
-          <a:bodyPr>
-            <a:normAutofit/>
-          </a:bodyPr>
+          <a:bodyPr/>
           <a:lstStyle>
             <a:lvl1pPr marL="0" indent="0">
               <a:buNone/>
@@ -5676,35 +3794,35 @@
             </a:lvl1pPr>
             <a:lvl2pPr marL="457200" indent="0">
               <a:buNone/>
-              <a:defRPr sz="1200"/>
+              <a:defRPr sz="1400"/>
             </a:lvl2pPr>
             <a:lvl3pPr marL="914400" indent="0">
               <a:buNone/>
-              <a:defRPr sz="1000"/>
+              <a:defRPr sz="1200"/>
             </a:lvl3pPr>
             <a:lvl4pPr marL="1371600" indent="0">
               <a:buNone/>
-              <a:defRPr sz="900"/>
+              <a:defRPr sz="1000"/>
             </a:lvl4pPr>
             <a:lvl5pPr marL="1828800" indent="0">
               <a:buNone/>
-              <a:defRPr sz="900"/>
+              <a:defRPr sz="1000"/>
             </a:lvl5pPr>
             <a:lvl6pPr marL="2286000" indent="0">
               <a:buNone/>
-              <a:defRPr sz="900"/>
+              <a:defRPr sz="1000"/>
             </a:lvl6pPr>
             <a:lvl7pPr marL="2743200" indent="0">
               <a:buNone/>
-              <a:defRPr sz="900"/>
+              <a:defRPr sz="1000"/>
             </a:lvl7pPr>
             <a:lvl8pPr marL="3200400" indent="0">
               <a:buNone/>
-              <a:defRPr sz="900"/>
+              <a:defRPr sz="1000"/>
             </a:lvl8pPr>
             <a:lvl9pPr marL="3657600" indent="0">
               <a:buNone/>
-              <a:defRPr sz="900"/>
+              <a:defRPr sz="1000"/>
             </a:lvl9pPr>
           </a:lstStyle>
           <a:p>
@@ -5784,20 +3902,13 @@
     </p:spTree>
     <p:extLst>
       <p:ext uri="{BB962C8B-B14F-4D97-AF65-F5344CB8AC3E}">
-        <p14:creationId xmlns:p14="http://schemas.microsoft.com/office/powerpoint/2010/main" val="1880209334"/>
+        <p14:creationId xmlns:p14="http://schemas.microsoft.com/office/powerpoint/2010/main" val="2872170475"/>
       </p:ext>
     </p:extLst>
   </p:cSld>
   <p:clrMapOvr>
     <a:masterClrMapping/>
   </p:clrMapOvr>
-  <p:timing>
-    <p:tnLst>
-      <p:par>
-        <p:cTn id="1" dur="indefinite" restart="never" nodeType="tmRoot"/>
-      </p:par>
-    </p:tnLst>
-  </p:timing>
 </p:sldLayout>
 </file>
 
@@ -5830,17 +3941,15 @@
         </p:nvSpPr>
         <p:spPr>
           <a:xfrm>
-            <a:off x="1141411" y="1600200"/>
-            <a:ext cx="5334001" cy="1371600"/>
+            <a:off x="839788" y="457200"/>
+            <a:ext cx="3932237" cy="1600200"/>
           </a:xfrm>
         </p:spPr>
         <p:txBody>
-          <a:bodyPr anchor="b">
-            <a:normAutofit/>
-          </a:bodyPr>
+          <a:bodyPr anchor="b"/>
           <a:lstStyle>
-            <a:lvl1pPr algn="l">
-              <a:defRPr sz="2800" b="0"/>
+            <a:lvl1pPr>
+              <a:defRPr sz="3200"/>
             </a:lvl1pPr>
           </a:lstStyle>
           <a:p>
@@ -5848,15 +3957,15 @@
               <a:rPr lang="en-US" smtClean="0"/>
               <a:t>Click to edit Master title style</a:t>
             </a:r>
-            <a:endParaRPr lang="en-US" dirty="0"/>
-          </a:p>
-        </p:txBody>
-      </p:sp>
-      <p:sp>
-        <p:nvSpPr>
-          <p:cNvPr id="14" name="Picture Placeholder 2"/>
-          <p:cNvSpPr>
-            <a:spLocks noGrp="1" noChangeAspect="1"/>
+            <a:endParaRPr lang="en-GB"/>
+          </a:p>
+        </p:txBody>
+      </p:sp>
+      <p:sp>
+        <p:nvSpPr>
+          <p:cNvPr id="3" name="Picture Placeholder 2"/>
+          <p:cNvSpPr>
+            <a:spLocks noGrp="1"/>
           </p:cNvSpPr>
           <p:nvPr>
             <p:ph type="pic" idx="1"/>
@@ -5864,143 +3973,112 @@
         </p:nvSpPr>
         <p:spPr>
           <a:xfrm>
-            <a:off x="7433733" y="-18288"/>
-            <a:ext cx="3276599" cy="6903720"/>
+            <a:off x="5183188" y="987425"/>
+            <a:ext cx="6172200" cy="4873625"/>
           </a:xfrm>
-          <a:ln w="38100">
-            <a:gradFill flip="none" rotWithShape="1">
-              <a:gsLst>
-                <a:gs pos="0">
-                  <a:schemeClr val="bg2"/>
-                </a:gs>
-                <a:gs pos="100000">
-                  <a:schemeClr val="bg2">
-                    <a:lumMod val="75000"/>
-                  </a:schemeClr>
-                </a:gs>
-              </a:gsLst>
-              <a:lin ang="5400000" scaled="0"/>
-              <a:tileRect/>
-            </a:gradFill>
-          </a:ln>
-          <a:effectLst>
-            <a:innerShdw blurRad="57150" dist="38100" dir="10800000">
-              <a:srgbClr val="000000">
-                <a:alpha val="70000"/>
-              </a:srgbClr>
-            </a:innerShdw>
-          </a:effectLst>
         </p:spPr>
         <p:txBody>
-          <a:bodyPr anchor="t">
-            <a:normAutofit/>
-          </a:bodyPr>
+          <a:bodyPr/>
           <a:lstStyle>
-            <a:lvl1pPr marL="0" indent="0" algn="ctr">
+            <a:lvl1pPr marL="0" indent="0">
+              <a:buNone/>
+              <a:defRPr sz="3200"/>
+            </a:lvl1pPr>
+            <a:lvl2pPr marL="457200" indent="0">
+              <a:buNone/>
+              <a:defRPr sz="2800"/>
+            </a:lvl2pPr>
+            <a:lvl3pPr marL="914400" indent="0">
+              <a:buNone/>
+              <a:defRPr sz="2400"/>
+            </a:lvl3pPr>
+            <a:lvl4pPr marL="1371600" indent="0">
+              <a:buNone/>
+              <a:defRPr sz="2000"/>
+            </a:lvl4pPr>
+            <a:lvl5pPr marL="1828800" indent="0">
+              <a:buNone/>
+              <a:defRPr sz="2000"/>
+            </a:lvl5pPr>
+            <a:lvl6pPr marL="2286000" indent="0">
+              <a:buNone/>
+              <a:defRPr sz="2000"/>
+            </a:lvl6pPr>
+            <a:lvl7pPr marL="2743200" indent="0">
+              <a:buNone/>
+              <a:defRPr sz="2000"/>
+            </a:lvl7pPr>
+            <a:lvl8pPr marL="3200400" indent="0">
+              <a:buNone/>
+              <a:defRPr sz="2000"/>
+            </a:lvl8pPr>
+            <a:lvl9pPr marL="3657600" indent="0">
+              <a:buNone/>
+              <a:defRPr sz="2000"/>
+            </a:lvl9pPr>
+          </a:lstStyle>
+          <a:p>
+            <a:endParaRPr lang="en-GB"/>
+          </a:p>
+        </p:txBody>
+      </p:sp>
+      <p:sp>
+        <p:nvSpPr>
+          <p:cNvPr id="4" name="Text Placeholder 3"/>
+          <p:cNvSpPr>
+            <a:spLocks noGrp="1"/>
+          </p:cNvSpPr>
+          <p:nvPr>
+            <p:ph type="body" sz="half" idx="2"/>
+          </p:nvPr>
+        </p:nvSpPr>
+        <p:spPr>
+          <a:xfrm>
+            <a:off x="839788" y="2057400"/>
+            <a:ext cx="3932237" cy="3811588"/>
+          </a:xfrm>
+        </p:spPr>
+        <p:txBody>
+          <a:bodyPr/>
+          <a:lstStyle>
+            <a:lvl1pPr marL="0" indent="0">
               <a:buNone/>
               <a:defRPr sz="1600"/>
             </a:lvl1pPr>
             <a:lvl2pPr marL="457200" indent="0">
               <a:buNone/>
-              <a:defRPr sz="1600"/>
+              <a:defRPr sz="1400"/>
             </a:lvl2pPr>
             <a:lvl3pPr marL="914400" indent="0">
               <a:buNone/>
-              <a:defRPr sz="1600"/>
+              <a:defRPr sz="1200"/>
             </a:lvl3pPr>
             <a:lvl4pPr marL="1371600" indent="0">
               <a:buNone/>
-              <a:defRPr sz="1600"/>
+              <a:defRPr sz="1000"/>
             </a:lvl4pPr>
             <a:lvl5pPr marL="1828800" indent="0">
               <a:buNone/>
-              <a:defRPr sz="1600"/>
+              <a:defRPr sz="1000"/>
             </a:lvl5pPr>
             <a:lvl6pPr marL="2286000" indent="0">
               <a:buNone/>
-              <a:defRPr sz="1600"/>
+              <a:defRPr sz="1000"/>
             </a:lvl6pPr>
             <a:lvl7pPr marL="2743200" indent="0">
               <a:buNone/>
-              <a:defRPr sz="1600"/>
+              <a:defRPr sz="1000"/>
             </a:lvl7pPr>
             <a:lvl8pPr marL="3200400" indent="0">
               <a:buNone/>
-              <a:defRPr sz="1600"/>
+              <a:defRPr sz="1000"/>
             </a:lvl8pPr>
             <a:lvl9pPr marL="3657600" indent="0">
               <a:buNone/>
-              <a:defRPr sz="1600"/>
+              <a:defRPr sz="1000"/>
             </a:lvl9pPr>
           </a:lstStyle>
           <a:p>
-            <a:r>
-              <a:rPr lang="en-US" smtClean="0"/>
-              <a:t>Click icon to add picture</a:t>
-            </a:r>
-            <a:endParaRPr lang="en-US" dirty="0"/>
-          </a:p>
-        </p:txBody>
-      </p:sp>
-      <p:sp>
-        <p:nvSpPr>
-          <p:cNvPr id="4" name="Text Placeholder 3"/>
-          <p:cNvSpPr>
-            <a:spLocks noGrp="1"/>
-          </p:cNvSpPr>
-          <p:nvPr>
-            <p:ph type="body" sz="half" idx="2"/>
-          </p:nvPr>
-        </p:nvSpPr>
-        <p:spPr>
-          <a:xfrm>
-            <a:off x="1141411" y="2971800"/>
-            <a:ext cx="5334001" cy="1828800"/>
-          </a:xfrm>
-        </p:spPr>
-        <p:txBody>
-          <a:bodyPr>
-            <a:normAutofit/>
-          </a:bodyPr>
-          <a:lstStyle>
-            <a:lvl1pPr marL="0" indent="0">
-              <a:buNone/>
-              <a:defRPr sz="1800"/>
-            </a:lvl1pPr>
-            <a:lvl2pPr marL="457200" indent="0">
-              <a:buNone/>
-              <a:defRPr sz="1200"/>
-            </a:lvl2pPr>
-            <a:lvl3pPr marL="914400" indent="0">
-              <a:buNone/>
-              <a:defRPr sz="1000"/>
-            </a:lvl3pPr>
-            <a:lvl4pPr marL="1371600" indent="0">
-              <a:buNone/>
-              <a:defRPr sz="900"/>
-            </a:lvl4pPr>
-            <a:lvl5pPr marL="1828800" indent="0">
-              <a:buNone/>
-              <a:defRPr sz="900"/>
-            </a:lvl5pPr>
-            <a:lvl6pPr marL="2286000" indent="0">
-              <a:buNone/>
-              <a:defRPr sz="900"/>
-            </a:lvl6pPr>
-            <a:lvl7pPr marL="2743200" indent="0">
-              <a:buNone/>
-              <a:defRPr sz="900"/>
-            </a:lvl7pPr>
-            <a:lvl8pPr marL="3200400" indent="0">
-              <a:buNone/>
-              <a:defRPr sz="900"/>
-            </a:lvl8pPr>
-            <a:lvl9pPr marL="3657600" indent="0">
-              <a:buNone/>
-              <a:defRPr sz="900"/>
-            </a:lvl9pPr>
-          </a:lstStyle>
-          <a:p>
             <a:pPr lvl="0"/>
             <a:r>
               <a:rPr lang="en-US" smtClean="0"/>
@@ -6019,12 +4097,7 @@
             <p:ph type="dt" sz="half" idx="10"/>
           </p:nvPr>
         </p:nvSpPr>
-        <p:spPr>
-          <a:xfrm>
-            <a:off x="6399212" y="5883275"/>
-            <a:ext cx="914400" cy="365125"/>
-          </a:xfrm>
-        </p:spPr>
+        <p:spPr/>
         <p:txBody>
           <a:bodyPr/>
           <a:lstStyle/>
@@ -6047,12 +4120,7 @@
             <p:ph type="ftr" sz="quarter" idx="11"/>
           </p:nvPr>
         </p:nvSpPr>
-        <p:spPr>
-          <a:xfrm>
-            <a:off x="1141412" y="5883275"/>
-            <a:ext cx="5105400" cy="365125"/>
-          </a:xfrm>
-        </p:spPr>
+        <p:spPr/>
         <p:txBody>
           <a:bodyPr/>
           <a:lstStyle/>
@@ -6071,12 +4139,7 @@
             <p:ph type="sldNum" sz="quarter" idx="12"/>
           </p:nvPr>
         </p:nvSpPr>
-        <p:spPr>
-          <a:xfrm>
-            <a:off x="10742612" y="5883275"/>
-            <a:ext cx="322567" cy="365125"/>
-          </a:xfrm>
-        </p:spPr>
+        <p:spPr/>
         <p:txBody>
           <a:bodyPr/>
           <a:lstStyle/>
@@ -6092,20 +4155,13 @@
     </p:spTree>
     <p:extLst>
       <p:ext uri="{BB962C8B-B14F-4D97-AF65-F5344CB8AC3E}">
-        <p14:creationId xmlns:p14="http://schemas.microsoft.com/office/powerpoint/2010/main" val="1241118536"/>
+        <p14:creationId xmlns:p14="http://schemas.microsoft.com/office/powerpoint/2010/main" val="935205047"/>
       </p:ext>
     </p:extLst>
   </p:cSld>
   <p:clrMapOvr>
     <a:masterClrMapping/>
   </p:clrMapOvr>
-  <p:timing>
-    <p:tnLst>
-      <p:par>
-        <p:cTn id="1" dur="indefinite" restart="never" nodeType="tmRoot"/>
-      </p:par>
-    </p:tnLst>
-  </p:timing>
 </p:sldLayout>
 </file>
 
@@ -6113,8 +4169,8 @@
 <p:sldMaster xmlns:a="http://schemas.openxmlformats.org/drawingml/2006/main" xmlns:r="http://schemas.openxmlformats.org/officeDocument/2006/relationships" xmlns:p="http://schemas.openxmlformats.org/presentationml/2006/main">
   <p:cSld>
     <p:bg>
-      <p:bgRef idx="1003">
-        <a:schemeClr val="bg2"/>
+      <p:bgRef idx="1001">
+        <a:schemeClr val="bg1"/>
       </p:bgRef>
     </p:bg>
     <p:spTree>
@@ -6143,8 +4199,8 @@
         </p:nvSpPr>
         <p:spPr>
           <a:xfrm>
-            <a:off x="1141413" y="609600"/>
-            <a:ext cx="9905998" cy="1905000"/>
+            <a:off x="838200" y="365125"/>
+            <a:ext cx="10515600" cy="1325563"/>
           </a:xfrm>
           <a:prstGeom prst="rect">
             <a:avLst/>
@@ -6160,7 +4216,7 @@
               <a:rPr lang="en-US" smtClean="0"/>
               <a:t>Click to edit Master title style</a:t>
             </a:r>
-            <a:endParaRPr lang="en-US" dirty="0"/>
+            <a:endParaRPr lang="en-GB"/>
           </a:p>
         </p:txBody>
       </p:sp>
@@ -6176,15 +4232,15 @@
         </p:nvSpPr>
         <p:spPr>
           <a:xfrm>
-            <a:off x="1141413" y="2666999"/>
-            <a:ext cx="9905998" cy="3124201"/>
+            <a:off x="838200" y="1825625"/>
+            <a:ext cx="10515600" cy="4351338"/>
           </a:xfrm>
           <a:prstGeom prst="rect">
             <a:avLst/>
           </a:prstGeom>
         </p:spPr>
         <p:txBody>
-          <a:bodyPr vert="horz" lIns="91440" tIns="45720" rIns="91440" bIns="45720" rtlCol="0" anchor="ctr">
+          <a:bodyPr vert="horz" lIns="91440" tIns="45720" rIns="91440" bIns="45720" rtlCol="0">
             <a:normAutofit/>
           </a:bodyPr>
           <a:lstStyle/>
@@ -6222,7 +4278,7 @@
               <a:rPr lang="en-US" smtClean="0"/>
               <a:t>Fifth level</a:t>
             </a:r>
-            <a:endParaRPr lang="en-US" dirty="0"/>
+            <a:endParaRPr lang="en-GB"/>
           </a:p>
         </p:txBody>
       </p:sp>
@@ -6238,8 +4294,8 @@
         </p:nvSpPr>
         <p:spPr>
           <a:xfrm>
-            <a:off x="8837612" y="5883275"/>
-            <a:ext cx="1600200" cy="365125"/>
+            <a:off x="838200" y="6356350"/>
+            <a:ext cx="2743200" cy="365125"/>
           </a:xfrm>
           <a:prstGeom prst="rect">
             <a:avLst/>
@@ -6248,21 +4304,13 @@
         <p:txBody>
           <a:bodyPr vert="horz" lIns="91440" tIns="45720" rIns="91440" bIns="45720" rtlCol="0" anchor="ctr"/>
           <a:lstStyle>
-            <a:lvl1pPr algn="r">
-              <a:defRPr sz="900" b="1" i="0">
+            <a:lvl1pPr algn="l">
+              <a:defRPr sz="1200">
                 <a:solidFill>
                   <a:schemeClr val="tx1">
-                    <a:lumMod val="75000"/>
+                    <a:tint val="75000"/>
                   </a:schemeClr>
                 </a:solidFill>
-                <a:effectLst>
-                  <a:outerShdw blurRad="50800" dist="38100" dir="2700000" algn="tl" rotWithShape="0">
-                    <a:srgbClr val="000000">
-                      <a:alpha val="43000"/>
-                    </a:srgbClr>
-                  </a:outerShdw>
-                </a:effectLst>
-                <a:latin typeface="+mn-lt"/>
               </a:defRPr>
             </a:lvl1pPr>
           </a:lstStyle>
@@ -6287,8 +4335,8 @@
         </p:nvSpPr>
         <p:spPr>
           <a:xfrm>
-            <a:off x="1141412" y="5883275"/>
-            <a:ext cx="7543800" cy="365125"/>
+            <a:off x="4038600" y="6356350"/>
+            <a:ext cx="4114800" cy="365125"/>
           </a:xfrm>
           <a:prstGeom prst="rect">
             <a:avLst/>
@@ -6297,21 +4345,13 @@
         <p:txBody>
           <a:bodyPr vert="horz" lIns="91440" tIns="45720" rIns="91440" bIns="45720" rtlCol="0" anchor="ctr"/>
           <a:lstStyle>
-            <a:lvl1pPr algn="l">
-              <a:defRPr sz="900" b="1" i="0">
+            <a:lvl1pPr algn="ctr">
+              <a:defRPr sz="1200">
                 <a:solidFill>
                   <a:schemeClr val="tx1">
-                    <a:lumMod val="75000"/>
+                    <a:tint val="75000"/>
                   </a:schemeClr>
                 </a:solidFill>
-                <a:effectLst>
-                  <a:outerShdw blurRad="50800" dist="38100" dir="2700000" algn="tl" rotWithShape="0">
-                    <a:srgbClr val="000000">
-                      <a:alpha val="43000"/>
-                    </a:srgbClr>
-                  </a:outerShdw>
-                </a:effectLst>
-                <a:latin typeface="+mn-lt"/>
               </a:defRPr>
             </a:lvl1pPr>
           </a:lstStyle>
@@ -6332,8 +4372,8 @@
         </p:nvSpPr>
         <p:spPr>
           <a:xfrm>
-            <a:off x="10514012" y="5883275"/>
-            <a:ext cx="551167" cy="365125"/>
+            <a:off x="8610600" y="6356350"/>
+            <a:ext cx="2743200" cy="365125"/>
           </a:xfrm>
           <a:prstGeom prst="rect">
             <a:avLst/>
@@ -6343,20 +4383,12 @@
           <a:bodyPr vert="horz" lIns="91440" tIns="45720" rIns="91440" bIns="45720" rtlCol="0" anchor="ctr"/>
           <a:lstStyle>
             <a:lvl1pPr algn="r">
-              <a:defRPr sz="900" b="1" i="0">
+              <a:defRPr sz="1200">
                 <a:solidFill>
                   <a:schemeClr val="tx1">
-                    <a:lumMod val="75000"/>
+                    <a:tint val="75000"/>
                   </a:schemeClr>
                 </a:solidFill>
-                <a:effectLst>
-                  <a:outerShdw blurRad="50800" dist="38100" dir="2700000" algn="tl" rotWithShape="0">
-                    <a:srgbClr val="000000">
-                      <a:alpha val="43000"/>
-                    </a:srgbClr>
-                  </a:outerShdw>
-                </a:effectLst>
-                <a:latin typeface="+mn-lt"/>
               </a:defRPr>
             </a:lvl1pPr>
           </a:lstStyle>
@@ -6372,550 +4404,202 @@
     </p:spTree>
     <p:extLst>
       <p:ext uri="{BB962C8B-B14F-4D97-AF65-F5344CB8AC3E}">
-        <p14:creationId xmlns:p14="http://schemas.microsoft.com/office/powerpoint/2010/main" val="3059133432"/>
+        <p14:creationId xmlns:p14="http://schemas.microsoft.com/office/powerpoint/2010/main" val="2751133651"/>
       </p:ext>
     </p:extLst>
   </p:cSld>
-  <p:clrMap bg1="dk1" tx1="lt1" bg2="dk2" tx2="lt2" accent1="accent1" accent2="accent2" accent3="accent3" accent4="accent4" accent5="accent5" accent6="accent6" hlink="hlink" folHlink="folHlink"/>
+  <p:clrMap bg1="lt1" tx1="dk1" bg2="lt2" tx2="dk2" accent1="accent1" accent2="accent2" accent3="accent3" accent4="accent4" accent5="accent5" accent6="accent6" hlink="hlink" folHlink="folHlink"/>
   <p:sldLayoutIdLst>
-    <p:sldLayoutId id="2147483661" r:id="rId1"/>
-    <p:sldLayoutId id="2147483662" r:id="rId2"/>
-    <p:sldLayoutId id="2147483663" r:id="rId3"/>
-    <p:sldLayoutId id="2147483664" r:id="rId4"/>
-    <p:sldLayoutId id="2147483665" r:id="rId5"/>
-    <p:sldLayoutId id="2147483666" r:id="rId6"/>
-    <p:sldLayoutId id="2147483667" r:id="rId7"/>
-    <p:sldLayoutId id="2147483668" r:id="rId8"/>
-    <p:sldLayoutId id="2147483669" r:id="rId9"/>
-    <p:sldLayoutId id="2147483670" r:id="rId10"/>
-    <p:sldLayoutId id="2147483671" r:id="rId11"/>
-    <p:sldLayoutId id="2147483672" r:id="rId12"/>
-    <p:sldLayoutId id="2147483673" r:id="rId13"/>
-    <p:sldLayoutId id="2147483674" r:id="rId14"/>
-    <p:sldLayoutId id="2147483675" r:id="rId15"/>
-    <p:sldLayoutId id="2147483676" r:id="rId16"/>
-    <p:sldLayoutId id="2147483677" r:id="rId17"/>
+    <p:sldLayoutId id="2147483768" r:id="rId1"/>
+    <p:sldLayoutId id="2147483769" r:id="rId2"/>
+    <p:sldLayoutId id="2147483770" r:id="rId3"/>
+    <p:sldLayoutId id="2147483771" r:id="rId4"/>
+    <p:sldLayoutId id="2147483772" r:id="rId5"/>
+    <p:sldLayoutId id="2147483773" r:id="rId6"/>
+    <p:sldLayoutId id="2147483774" r:id="rId7"/>
+    <p:sldLayoutId id="2147483775" r:id="rId8"/>
+    <p:sldLayoutId id="2147483776" r:id="rId9"/>
+    <p:sldLayoutId id="2147483777" r:id="rId10"/>
+    <p:sldLayoutId id="2147483778" r:id="rId11"/>
   </p:sldLayoutIdLst>
   <p:txStyles>
     <p:titleStyle>
-      <a:lvl1pPr algn="l" defTabSz="457200" rtl="0" eaLnBrk="1" latinLnBrk="0" hangingPunct="1">
+      <a:lvl1pPr algn="l" defTabSz="914400" rtl="0" eaLnBrk="1" latinLnBrk="0" hangingPunct="1">
+        <a:lnSpc>
+          <a:spcPct val="90000"/>
+        </a:lnSpc>
         <a:spcBef>
           <a:spcPct val="0"/>
         </a:spcBef>
         <a:buNone/>
-        <a:defRPr sz="3200" kern="1200" cap="all">
-          <a:ln w="3175" cmpd="sng">
-            <a:noFill/>
-          </a:ln>
-          <a:gradFill flip="none" rotWithShape="1">
-            <a:gsLst>
-              <a:gs pos="0">
-                <a:schemeClr val="tx1"/>
-              </a:gs>
-              <a:gs pos="100000">
-                <a:schemeClr val="tx1">
-                  <a:lumMod val="65000"/>
-                </a:schemeClr>
-              </a:gs>
-            </a:gsLst>
-            <a:lin ang="5580000" scaled="0"/>
-            <a:tileRect/>
-          </a:gradFill>
-          <a:effectLst>
-            <a:glow rad="38100">
-              <a:schemeClr val="bg1">
-                <a:lumMod val="65000"/>
-                <a:lumOff val="35000"/>
-                <a:alpha val="40000"/>
-              </a:schemeClr>
-            </a:glow>
-            <a:outerShdw blurRad="28575" dist="38100" dir="14040000" algn="tl" rotWithShape="0">
-              <a:srgbClr val="000000">
-                <a:alpha val="25000"/>
-              </a:srgbClr>
-            </a:outerShdw>
-          </a:effectLst>
+        <a:defRPr sz="4400" kern="1200">
+          <a:solidFill>
+            <a:schemeClr val="tx1"/>
+          </a:solidFill>
           <a:latin typeface="+mj-lt"/>
           <a:ea typeface="+mj-ea"/>
           <a:cs typeface="+mj-cs"/>
         </a:defRPr>
       </a:lvl1pPr>
-      <a:lvl2pPr eaLnBrk="1" hangingPunct="1">
-        <a:defRPr>
-          <a:solidFill>
-            <a:schemeClr val="tx2"/>
-          </a:solidFill>
-        </a:defRPr>
-      </a:lvl2pPr>
-      <a:lvl3pPr eaLnBrk="1" hangingPunct="1">
-        <a:defRPr>
-          <a:solidFill>
-            <a:schemeClr val="tx2"/>
-          </a:solidFill>
-        </a:defRPr>
-      </a:lvl3pPr>
-      <a:lvl4pPr eaLnBrk="1" hangingPunct="1">
-        <a:defRPr>
-          <a:solidFill>
-            <a:schemeClr val="tx2"/>
-          </a:solidFill>
-        </a:defRPr>
-      </a:lvl4pPr>
-      <a:lvl5pPr eaLnBrk="1" hangingPunct="1">
-        <a:defRPr>
-          <a:solidFill>
-            <a:schemeClr val="tx2"/>
-          </a:solidFill>
-        </a:defRPr>
-      </a:lvl5pPr>
-      <a:lvl6pPr eaLnBrk="1" hangingPunct="1">
-        <a:defRPr>
-          <a:solidFill>
-            <a:schemeClr val="tx2"/>
-          </a:solidFill>
-        </a:defRPr>
-      </a:lvl6pPr>
-      <a:lvl7pPr eaLnBrk="1" hangingPunct="1">
-        <a:defRPr>
-          <a:solidFill>
-            <a:schemeClr val="tx2"/>
-          </a:solidFill>
-        </a:defRPr>
-      </a:lvl7pPr>
-      <a:lvl8pPr eaLnBrk="1" hangingPunct="1">
-        <a:defRPr>
-          <a:solidFill>
-            <a:schemeClr val="tx2"/>
-          </a:solidFill>
-        </a:defRPr>
-      </a:lvl8pPr>
-      <a:lvl9pPr eaLnBrk="1" hangingPunct="1">
-        <a:defRPr>
-          <a:solidFill>
-            <a:schemeClr val="tx2"/>
-          </a:solidFill>
-        </a:defRPr>
-      </a:lvl9pPr>
     </p:titleStyle>
     <p:bodyStyle>
-      <a:lvl1pPr marL="285750" indent="-285750" algn="l" defTabSz="457200" rtl="0" eaLnBrk="1" latinLnBrk="0" hangingPunct="1">
+      <a:lvl1pPr marL="228600" indent="-228600" algn="l" defTabSz="914400" rtl="0" eaLnBrk="1" latinLnBrk="0" hangingPunct="1">
+        <a:lnSpc>
+          <a:spcPct val="90000"/>
+        </a:lnSpc>
         <a:spcBef>
-          <a:spcPct val="20000"/>
+          <a:spcPts val="1000"/>
         </a:spcBef>
-        <a:spcAft>
-          <a:spcPts val="600"/>
-        </a:spcAft>
-        <a:buClr>
-          <a:schemeClr val="tx1"/>
-        </a:buClr>
-        <a:buSzPct val="100000"/>
-        <a:buFont typeface="Arial"/>
+        <a:buFont typeface="Arial" panose="020B0604020202020204" pitchFamily="34" charset="0"/>
         <a:buChar char="•"/>
-        <a:defRPr sz="2000" kern="1200" cap="small">
-          <a:gradFill flip="none" rotWithShape="1">
-            <a:gsLst>
-              <a:gs pos="0">
-                <a:schemeClr val="tx1"/>
-              </a:gs>
-              <a:gs pos="100000">
-                <a:schemeClr val="tx1">
-                  <a:lumMod val="75000"/>
-                </a:schemeClr>
-              </a:gs>
-            </a:gsLst>
-            <a:lin ang="5580000" scaled="0"/>
-            <a:tileRect/>
-          </a:gradFill>
-          <a:effectLst>
-            <a:glow rad="38100">
-              <a:schemeClr val="bg1">
-                <a:lumMod val="50000"/>
-                <a:lumOff val="50000"/>
-                <a:alpha val="20000"/>
-              </a:schemeClr>
-            </a:glow>
-            <a:outerShdw blurRad="44450" dist="12700" dir="13860000" algn="tl" rotWithShape="0">
-              <a:srgbClr val="000000">
-                <a:alpha val="20000"/>
-              </a:srgbClr>
-            </a:outerShdw>
-          </a:effectLst>
+        <a:defRPr sz="2800" kern="1200">
+          <a:solidFill>
+            <a:schemeClr val="tx1"/>
+          </a:solidFill>
           <a:latin typeface="+mn-lt"/>
           <a:ea typeface="+mn-ea"/>
           <a:cs typeface="+mn-cs"/>
         </a:defRPr>
       </a:lvl1pPr>
-      <a:lvl2pPr marL="742950" indent="-285750" algn="l" defTabSz="457200" rtl="0" eaLnBrk="1" latinLnBrk="0" hangingPunct="1">
+      <a:lvl2pPr marL="685800" indent="-228600" algn="l" defTabSz="914400" rtl="0" eaLnBrk="1" latinLnBrk="0" hangingPunct="1">
+        <a:lnSpc>
+          <a:spcPct val="90000"/>
+        </a:lnSpc>
         <a:spcBef>
-          <a:spcPct val="20000"/>
+          <a:spcPts val="500"/>
         </a:spcBef>
-        <a:spcAft>
-          <a:spcPts val="600"/>
-        </a:spcAft>
-        <a:buClr>
-          <a:schemeClr val="tx1"/>
-        </a:buClr>
-        <a:buSzPct val="100000"/>
-        <a:buFont typeface="Arial"/>
+        <a:buFont typeface="Arial" panose="020B0604020202020204" pitchFamily="34" charset="0"/>
         <a:buChar char="•"/>
-        <a:defRPr sz="1800" kern="1200" cap="small">
-          <a:gradFill flip="none" rotWithShape="1">
-            <a:gsLst>
-              <a:gs pos="0">
-                <a:schemeClr val="tx1"/>
-              </a:gs>
-              <a:gs pos="100000">
-                <a:schemeClr val="tx1">
-                  <a:lumMod val="75000"/>
-                </a:schemeClr>
-              </a:gs>
-            </a:gsLst>
-            <a:lin ang="5580000" scaled="0"/>
-            <a:tileRect/>
-          </a:gradFill>
-          <a:effectLst>
-            <a:glow rad="38100">
-              <a:schemeClr val="bg1">
-                <a:lumMod val="50000"/>
-                <a:lumOff val="50000"/>
-                <a:alpha val="20000"/>
-              </a:schemeClr>
-            </a:glow>
-            <a:outerShdw blurRad="44450" dist="12700" dir="13860000" algn="tl" rotWithShape="0">
-              <a:srgbClr val="000000">
-                <a:alpha val="20000"/>
-              </a:srgbClr>
-            </a:outerShdw>
-          </a:effectLst>
+        <a:defRPr sz="2400" kern="1200">
+          <a:solidFill>
+            <a:schemeClr val="tx1"/>
+          </a:solidFill>
           <a:latin typeface="+mn-lt"/>
           <a:ea typeface="+mn-ea"/>
           <a:cs typeface="+mn-cs"/>
         </a:defRPr>
       </a:lvl2pPr>
-      <a:lvl3pPr marL="1200150" indent="-285750" algn="l" defTabSz="457200" rtl="0" eaLnBrk="1" latinLnBrk="0" hangingPunct="1">
+      <a:lvl3pPr marL="1143000" indent="-228600" algn="l" defTabSz="914400" rtl="0" eaLnBrk="1" latinLnBrk="0" hangingPunct="1">
+        <a:lnSpc>
+          <a:spcPct val="90000"/>
+        </a:lnSpc>
         <a:spcBef>
-          <a:spcPct val="20000"/>
+          <a:spcPts val="500"/>
         </a:spcBef>
-        <a:spcAft>
-          <a:spcPts val="600"/>
-        </a:spcAft>
-        <a:buClr>
-          <a:schemeClr val="tx1"/>
-        </a:buClr>
-        <a:buSzPct val="100000"/>
-        <a:buFont typeface="Arial"/>
+        <a:buFont typeface="Arial" panose="020B0604020202020204" pitchFamily="34" charset="0"/>
         <a:buChar char="•"/>
-        <a:defRPr sz="1600" kern="1200" cap="small">
-          <a:gradFill flip="none" rotWithShape="1">
-            <a:gsLst>
-              <a:gs pos="0">
-                <a:schemeClr val="tx1"/>
-              </a:gs>
-              <a:gs pos="100000">
-                <a:schemeClr val="tx1">
-                  <a:lumMod val="75000"/>
-                </a:schemeClr>
-              </a:gs>
-            </a:gsLst>
-            <a:lin ang="5580000" scaled="0"/>
-            <a:tileRect/>
-          </a:gradFill>
-          <a:effectLst>
-            <a:glow rad="38100">
-              <a:schemeClr val="bg1">
-                <a:lumMod val="50000"/>
-                <a:lumOff val="50000"/>
-                <a:alpha val="20000"/>
-              </a:schemeClr>
-            </a:glow>
-            <a:outerShdw blurRad="44450" dist="12700" dir="13860000" algn="tl" rotWithShape="0">
-              <a:srgbClr val="000000">
-                <a:alpha val="20000"/>
-              </a:srgbClr>
-            </a:outerShdw>
-          </a:effectLst>
+        <a:defRPr sz="2000" kern="1200">
+          <a:solidFill>
+            <a:schemeClr val="tx1"/>
+          </a:solidFill>
           <a:latin typeface="+mn-lt"/>
           <a:ea typeface="+mn-ea"/>
           <a:cs typeface="+mn-cs"/>
         </a:defRPr>
       </a:lvl3pPr>
-      <a:lvl4pPr marL="1543050" indent="-171450" algn="l" defTabSz="457200" rtl="0" eaLnBrk="1" latinLnBrk="0" hangingPunct="1">
+      <a:lvl4pPr marL="1600200" indent="-228600" algn="l" defTabSz="914400" rtl="0" eaLnBrk="1" latinLnBrk="0" hangingPunct="1">
+        <a:lnSpc>
+          <a:spcPct val="90000"/>
+        </a:lnSpc>
         <a:spcBef>
-          <a:spcPct val="20000"/>
+          <a:spcPts val="500"/>
         </a:spcBef>
-        <a:spcAft>
-          <a:spcPts val="600"/>
-        </a:spcAft>
-        <a:buClr>
-          <a:schemeClr val="tx1"/>
-        </a:buClr>
-        <a:buSzPct val="100000"/>
-        <a:buFont typeface="Arial"/>
+        <a:buFont typeface="Arial" panose="020B0604020202020204" pitchFamily="34" charset="0"/>
         <a:buChar char="•"/>
-        <a:defRPr sz="1400" kern="1200" cap="small">
-          <a:gradFill flip="none" rotWithShape="1">
-            <a:gsLst>
-              <a:gs pos="0">
-                <a:schemeClr val="tx1"/>
-              </a:gs>
-              <a:gs pos="100000">
-                <a:schemeClr val="tx1">
-                  <a:lumMod val="75000"/>
-                </a:schemeClr>
-              </a:gs>
-            </a:gsLst>
-            <a:lin ang="5580000" scaled="0"/>
-            <a:tileRect/>
-          </a:gradFill>
-          <a:effectLst>
-            <a:glow rad="38100">
-              <a:schemeClr val="bg1">
-                <a:lumMod val="50000"/>
-                <a:lumOff val="50000"/>
-                <a:alpha val="20000"/>
-              </a:schemeClr>
-            </a:glow>
-            <a:outerShdw blurRad="44450" dist="12700" dir="13860000" algn="tl" rotWithShape="0">
-              <a:srgbClr val="000000">
-                <a:alpha val="20000"/>
-              </a:srgbClr>
-            </a:outerShdw>
-          </a:effectLst>
+        <a:defRPr sz="1800" kern="1200">
+          <a:solidFill>
+            <a:schemeClr val="tx1"/>
+          </a:solidFill>
           <a:latin typeface="+mn-lt"/>
           <a:ea typeface="+mn-ea"/>
           <a:cs typeface="+mn-cs"/>
         </a:defRPr>
       </a:lvl4pPr>
-      <a:lvl5pPr marL="2000250" indent="-171450" algn="l" defTabSz="457200" rtl="0" eaLnBrk="1" latinLnBrk="0" hangingPunct="1">
+      <a:lvl5pPr marL="2057400" indent="-228600" algn="l" defTabSz="914400" rtl="0" eaLnBrk="1" latinLnBrk="0" hangingPunct="1">
+        <a:lnSpc>
+          <a:spcPct val="90000"/>
+        </a:lnSpc>
         <a:spcBef>
-          <a:spcPct val="20000"/>
+          <a:spcPts val="500"/>
         </a:spcBef>
-        <a:spcAft>
-          <a:spcPts val="600"/>
-        </a:spcAft>
-        <a:buClr>
-          <a:schemeClr val="tx1"/>
-        </a:buClr>
-        <a:buSzPct val="100000"/>
-        <a:buFont typeface="Arial"/>
+        <a:buFont typeface="Arial" panose="020B0604020202020204" pitchFamily="34" charset="0"/>
         <a:buChar char="•"/>
-        <a:defRPr sz="1400" kern="1200" cap="small">
-          <a:gradFill flip="none" rotWithShape="1">
-            <a:gsLst>
-              <a:gs pos="0">
-                <a:schemeClr val="tx1"/>
-              </a:gs>
-              <a:gs pos="100000">
-                <a:schemeClr val="tx1">
-                  <a:lumMod val="75000"/>
-                </a:schemeClr>
-              </a:gs>
-            </a:gsLst>
-            <a:lin ang="5580000" scaled="0"/>
-            <a:tileRect/>
-          </a:gradFill>
-          <a:effectLst>
-            <a:glow rad="38100">
-              <a:schemeClr val="bg1">
-                <a:lumMod val="50000"/>
-                <a:lumOff val="50000"/>
-                <a:alpha val="20000"/>
-              </a:schemeClr>
-            </a:glow>
-            <a:outerShdw blurRad="44450" dist="12700" dir="13860000" algn="tl" rotWithShape="0">
-              <a:srgbClr val="000000">
-                <a:alpha val="20000"/>
-              </a:srgbClr>
-            </a:outerShdw>
-          </a:effectLst>
+        <a:defRPr sz="1800" kern="1200">
+          <a:solidFill>
+            <a:schemeClr val="tx1"/>
+          </a:solidFill>
           <a:latin typeface="+mn-lt"/>
           <a:ea typeface="+mn-ea"/>
           <a:cs typeface="+mn-cs"/>
         </a:defRPr>
       </a:lvl5pPr>
-      <a:lvl6pPr marL="2514600" indent="-228600" algn="l" defTabSz="457200" rtl="0" eaLnBrk="1" latinLnBrk="0" hangingPunct="1">
+      <a:lvl6pPr marL="2514600" indent="-228600" algn="l" defTabSz="914400" rtl="0" eaLnBrk="1" latinLnBrk="0" hangingPunct="1">
+        <a:lnSpc>
+          <a:spcPct val="90000"/>
+        </a:lnSpc>
         <a:spcBef>
-          <a:spcPct val="20000"/>
+          <a:spcPts val="500"/>
         </a:spcBef>
-        <a:spcAft>
-          <a:spcPts val="600"/>
-        </a:spcAft>
-        <a:buClr>
-          <a:schemeClr val="tx1"/>
-        </a:buClr>
-        <a:buSzPct val="100000"/>
-        <a:buFont typeface="Arial"/>
+        <a:buFont typeface="Arial" panose="020B0604020202020204" pitchFamily="34" charset="0"/>
         <a:buChar char="•"/>
-        <a:defRPr sz="1200" kern="1200" cap="small">
-          <a:gradFill flip="none" rotWithShape="1">
-            <a:gsLst>
-              <a:gs pos="0">
-                <a:schemeClr val="tx1"/>
-              </a:gs>
-              <a:gs pos="100000">
-                <a:schemeClr val="tx1">
-                  <a:lumMod val="75000"/>
-                </a:schemeClr>
-              </a:gs>
-            </a:gsLst>
-            <a:lin ang="5580000" scaled="0"/>
-            <a:tileRect/>
-          </a:gradFill>
-          <a:effectLst>
-            <a:glow rad="38100">
-              <a:schemeClr val="bg1">
-                <a:lumMod val="50000"/>
-                <a:lumOff val="50000"/>
-                <a:alpha val="20000"/>
-              </a:schemeClr>
-            </a:glow>
-            <a:outerShdw blurRad="44450" dist="12700" dir="13860000" algn="tl" rotWithShape="0">
-              <a:srgbClr val="000000">
-                <a:alpha val="20000"/>
-              </a:srgbClr>
-            </a:outerShdw>
-          </a:effectLst>
+        <a:defRPr sz="1800" kern="1200">
+          <a:solidFill>
+            <a:schemeClr val="tx1"/>
+          </a:solidFill>
           <a:latin typeface="+mn-lt"/>
           <a:ea typeface="+mn-ea"/>
           <a:cs typeface="+mn-cs"/>
         </a:defRPr>
       </a:lvl6pPr>
-      <a:lvl7pPr marL="2971800" indent="-228600" algn="l" defTabSz="457200" rtl="0" eaLnBrk="1" latinLnBrk="0" hangingPunct="1">
+      <a:lvl7pPr marL="2971800" indent="-228600" algn="l" defTabSz="914400" rtl="0" eaLnBrk="1" latinLnBrk="0" hangingPunct="1">
+        <a:lnSpc>
+          <a:spcPct val="90000"/>
+        </a:lnSpc>
         <a:spcBef>
-          <a:spcPct val="20000"/>
+          <a:spcPts val="500"/>
         </a:spcBef>
-        <a:spcAft>
-          <a:spcPts val="600"/>
-        </a:spcAft>
-        <a:buClr>
-          <a:schemeClr val="tx1"/>
-        </a:buClr>
-        <a:buSzPct val="100000"/>
-        <a:buFont typeface="Arial"/>
+        <a:buFont typeface="Arial" panose="020B0604020202020204" pitchFamily="34" charset="0"/>
         <a:buChar char="•"/>
-        <a:defRPr sz="1200" kern="1200" cap="small">
-          <a:gradFill flip="none" rotWithShape="1">
-            <a:gsLst>
-              <a:gs pos="0">
-                <a:schemeClr val="tx1"/>
-              </a:gs>
-              <a:gs pos="100000">
-                <a:schemeClr val="tx1">
-                  <a:lumMod val="75000"/>
-                </a:schemeClr>
-              </a:gs>
-            </a:gsLst>
-            <a:lin ang="5580000" scaled="0"/>
-            <a:tileRect/>
-          </a:gradFill>
-          <a:effectLst>
-            <a:glow rad="38100">
-              <a:schemeClr val="bg1">
-                <a:lumMod val="50000"/>
-                <a:lumOff val="50000"/>
-                <a:alpha val="20000"/>
-              </a:schemeClr>
-            </a:glow>
-            <a:outerShdw blurRad="44450" dist="12700" dir="13860000" algn="tl" rotWithShape="0">
-              <a:srgbClr val="000000">
-                <a:alpha val="20000"/>
-              </a:srgbClr>
-            </a:outerShdw>
-          </a:effectLst>
+        <a:defRPr sz="1800" kern="1200">
+          <a:solidFill>
+            <a:schemeClr val="tx1"/>
+          </a:solidFill>
           <a:latin typeface="+mn-lt"/>
           <a:ea typeface="+mn-ea"/>
           <a:cs typeface="+mn-cs"/>
         </a:defRPr>
       </a:lvl7pPr>
-      <a:lvl8pPr marL="3429000" indent="-228600" algn="l" defTabSz="457200" rtl="0" eaLnBrk="1" latinLnBrk="0" hangingPunct="1">
+      <a:lvl8pPr marL="3429000" indent="-228600" algn="l" defTabSz="914400" rtl="0" eaLnBrk="1" latinLnBrk="0" hangingPunct="1">
+        <a:lnSpc>
+          <a:spcPct val="90000"/>
+        </a:lnSpc>
         <a:spcBef>
-          <a:spcPct val="20000"/>
+          <a:spcPts val="500"/>
         </a:spcBef>
-        <a:spcAft>
-          <a:spcPts val="600"/>
-        </a:spcAft>
-        <a:buClr>
-          <a:schemeClr val="tx1"/>
-        </a:buClr>
-        <a:buSzPct val="100000"/>
-        <a:buFont typeface="Arial"/>
+        <a:buFont typeface="Arial" panose="020B0604020202020204" pitchFamily="34" charset="0"/>
         <a:buChar char="•"/>
-        <a:defRPr sz="1200" kern="1200" cap="small">
-          <a:gradFill flip="none" rotWithShape="1">
-            <a:gsLst>
-              <a:gs pos="0">
-                <a:schemeClr val="tx1"/>
-              </a:gs>
-              <a:gs pos="100000">
-                <a:schemeClr val="tx1">
-                  <a:lumMod val="75000"/>
-                </a:schemeClr>
-              </a:gs>
-            </a:gsLst>
-            <a:lin ang="5580000" scaled="0"/>
-            <a:tileRect/>
-          </a:gradFill>
-          <a:effectLst>
-            <a:glow rad="38100">
-              <a:schemeClr val="bg1">
-                <a:lumMod val="50000"/>
-                <a:lumOff val="50000"/>
-                <a:alpha val="20000"/>
-              </a:schemeClr>
-            </a:glow>
-            <a:outerShdw blurRad="44450" dist="12700" dir="13860000" algn="tl" rotWithShape="0">
-              <a:srgbClr val="000000">
-                <a:alpha val="20000"/>
-              </a:srgbClr>
-            </a:outerShdw>
-          </a:effectLst>
+        <a:defRPr sz="1800" kern="1200">
+          <a:solidFill>
+            <a:schemeClr val="tx1"/>
+          </a:solidFill>
           <a:latin typeface="+mn-lt"/>
           <a:ea typeface="+mn-ea"/>
           <a:cs typeface="+mn-cs"/>
         </a:defRPr>
       </a:lvl8pPr>
-      <a:lvl9pPr marL="3886200" indent="-228600" algn="l" defTabSz="457200" rtl="0" eaLnBrk="1" latinLnBrk="0" hangingPunct="1">
+      <a:lvl9pPr marL="3886200" indent="-228600" algn="l" defTabSz="914400" rtl="0" eaLnBrk="1" latinLnBrk="0" hangingPunct="1">
+        <a:lnSpc>
+          <a:spcPct val="90000"/>
+        </a:lnSpc>
         <a:spcBef>
-          <a:spcPct val="20000"/>
+          <a:spcPts val="500"/>
         </a:spcBef>
-        <a:spcAft>
-          <a:spcPts val="600"/>
-        </a:spcAft>
-        <a:buClr>
-          <a:schemeClr val="tx1"/>
-        </a:buClr>
-        <a:buSzPct val="100000"/>
-        <a:buFont typeface="Arial"/>
+        <a:buFont typeface="Arial" panose="020B0604020202020204" pitchFamily="34" charset="0"/>
         <a:buChar char="•"/>
-        <a:defRPr sz="1200" kern="1200" cap="small">
-          <a:gradFill flip="none" rotWithShape="1">
-            <a:gsLst>
-              <a:gs pos="0">
-                <a:schemeClr val="tx1"/>
-              </a:gs>
-              <a:gs pos="100000">
-                <a:schemeClr val="tx1">
-                  <a:lumMod val="75000"/>
-                </a:schemeClr>
-              </a:gs>
-            </a:gsLst>
-            <a:lin ang="5580000" scaled="0"/>
-            <a:tileRect/>
-          </a:gradFill>
-          <a:effectLst>
-            <a:glow rad="38100">
-              <a:schemeClr val="bg1">
-                <a:lumMod val="50000"/>
-                <a:lumOff val="50000"/>
-                <a:alpha val="20000"/>
-              </a:schemeClr>
-            </a:glow>
-            <a:outerShdw blurRad="44450" dist="12700" dir="13860000" algn="tl" rotWithShape="0">
-              <a:srgbClr val="000000">
-                <a:alpha val="20000"/>
-              </a:srgbClr>
-            </a:outerShdw>
-          </a:effectLst>
+        <a:defRPr sz="1800" kern="1200">
+          <a:solidFill>
+            <a:schemeClr val="tx1"/>
+          </a:solidFill>
           <a:latin typeface="+mn-lt"/>
           <a:ea typeface="+mn-ea"/>
           <a:cs typeface="+mn-cs"/>
@@ -6926,7 +4610,7 @@
       <a:defPPr>
         <a:defRPr lang="en-US"/>
       </a:defPPr>
-      <a:lvl1pPr marL="0" algn="l" defTabSz="457200" rtl="0" eaLnBrk="1" latinLnBrk="0" hangingPunct="1">
+      <a:lvl1pPr marL="0" algn="l" defTabSz="914400" rtl="0" eaLnBrk="1" latinLnBrk="0" hangingPunct="1">
         <a:defRPr sz="1800" kern="1200">
           <a:solidFill>
             <a:schemeClr val="tx1"/>
@@ -6936,7 +4620,7 @@
           <a:cs typeface="+mn-cs"/>
         </a:defRPr>
       </a:lvl1pPr>
-      <a:lvl2pPr marL="457200" algn="l" defTabSz="457200" rtl="0" eaLnBrk="1" latinLnBrk="0" hangingPunct="1">
+      <a:lvl2pPr marL="457200" algn="l" defTabSz="914400" rtl="0" eaLnBrk="1" latinLnBrk="0" hangingPunct="1">
         <a:defRPr sz="1800" kern="1200">
           <a:solidFill>
             <a:schemeClr val="tx1"/>
@@ -6946,7 +4630,7 @@
           <a:cs typeface="+mn-cs"/>
         </a:defRPr>
       </a:lvl2pPr>
-      <a:lvl3pPr marL="914400" algn="l" defTabSz="457200" rtl="0" eaLnBrk="1" latinLnBrk="0" hangingPunct="1">
+      <a:lvl3pPr marL="914400" algn="l" defTabSz="914400" rtl="0" eaLnBrk="1" latinLnBrk="0" hangingPunct="1">
         <a:defRPr sz="1800" kern="1200">
           <a:solidFill>
             <a:schemeClr val="tx1"/>
@@ -6956,7 +4640,7 @@
           <a:cs typeface="+mn-cs"/>
         </a:defRPr>
       </a:lvl3pPr>
-      <a:lvl4pPr marL="1371600" algn="l" defTabSz="457200" rtl="0" eaLnBrk="1" latinLnBrk="0" hangingPunct="1">
+      <a:lvl4pPr marL="1371600" algn="l" defTabSz="914400" rtl="0" eaLnBrk="1" latinLnBrk="0" hangingPunct="1">
         <a:defRPr sz="1800" kern="1200">
           <a:solidFill>
             <a:schemeClr val="tx1"/>
@@ -6966,7 +4650,7 @@
           <a:cs typeface="+mn-cs"/>
         </a:defRPr>
       </a:lvl4pPr>
-      <a:lvl5pPr marL="1828800" algn="l" defTabSz="457200" rtl="0" eaLnBrk="1" latinLnBrk="0" hangingPunct="1">
+      <a:lvl5pPr marL="1828800" algn="l" defTabSz="914400" rtl="0" eaLnBrk="1" latinLnBrk="0" hangingPunct="1">
         <a:defRPr sz="1800" kern="1200">
           <a:solidFill>
             <a:schemeClr val="tx1"/>
@@ -6976,7 +4660,7 @@
           <a:cs typeface="+mn-cs"/>
         </a:defRPr>
       </a:lvl5pPr>
-      <a:lvl6pPr marL="2286000" algn="l" defTabSz="457200" rtl="0" eaLnBrk="1" latinLnBrk="0" hangingPunct="1">
+      <a:lvl6pPr marL="2286000" algn="l" defTabSz="914400" rtl="0" eaLnBrk="1" latinLnBrk="0" hangingPunct="1">
         <a:defRPr sz="1800" kern="1200">
           <a:solidFill>
             <a:schemeClr val="tx1"/>
@@ -6986,7 +4670,7 @@
           <a:cs typeface="+mn-cs"/>
         </a:defRPr>
       </a:lvl6pPr>
-      <a:lvl7pPr marL="2743200" algn="l" defTabSz="457200" rtl="0" eaLnBrk="1" latinLnBrk="0" hangingPunct="1">
+      <a:lvl7pPr marL="2743200" algn="l" defTabSz="914400" rtl="0" eaLnBrk="1" latinLnBrk="0" hangingPunct="1">
         <a:defRPr sz="1800" kern="1200">
           <a:solidFill>
             <a:schemeClr val="tx1"/>
@@ -6996,7 +4680,7 @@
           <a:cs typeface="+mn-cs"/>
         </a:defRPr>
       </a:lvl7pPr>
-      <a:lvl8pPr marL="3200400" algn="l" defTabSz="457200" rtl="0" eaLnBrk="1" latinLnBrk="0" hangingPunct="1">
+      <a:lvl8pPr marL="3200400" algn="l" defTabSz="914400" rtl="0" eaLnBrk="1" latinLnBrk="0" hangingPunct="1">
         <a:defRPr sz="1800" kern="1200">
           <a:solidFill>
             <a:schemeClr val="tx1"/>
@@ -7006,7 +4690,7 @@
           <a:cs typeface="+mn-cs"/>
         </a:defRPr>
       </a:lvl8pPr>
-      <a:lvl9pPr marL="3657600" algn="l" defTabSz="457200" rtl="0" eaLnBrk="1" latinLnBrk="0" hangingPunct="1">
+      <a:lvl9pPr marL="3657600" algn="l" defTabSz="914400" rtl="0" eaLnBrk="1" latinLnBrk="0" hangingPunct="1">
         <a:defRPr sz="1800" kern="1200">
           <a:solidFill>
             <a:schemeClr val="tx1"/>
@@ -7056,7 +4740,7 @@
         </p:spPr>
         <p:txBody>
           <a:bodyPr>
-            <a:normAutofit lnSpcReduction="10000"/>
+            <a:normAutofit fontScale="92500" lnSpcReduction="20000"/>
           </a:bodyPr>
           <a:lstStyle/>
           <a:p>
@@ -7339,6 +5023,13 @@
   <p:clrMapOvr>
     <a:masterClrMapping/>
   </p:clrMapOvr>
+  <p:timing>
+    <p:tnLst>
+      <p:par>
+        <p:cTn id="1" dur="indefinite" restart="never" nodeType="tmRoot"/>
+      </p:par>
+    </p:tnLst>
+  </p:timing>
 </p:sld>
 </file>
 
@@ -7650,6 +5341,13 @@
   <p:clrMapOvr>
     <a:masterClrMapping/>
   </p:clrMapOvr>
+  <p:timing>
+    <p:tnLst>
+      <p:par>
+        <p:cTn id="1" dur="indefinite" restart="never" nodeType="tmRoot"/>
+      </p:par>
+    </p:tnLst>
+  </p:timing>
 </p:sld>
 </file>
 
@@ -7775,6 +5473,13 @@
   <p:clrMapOvr>
     <a:masterClrMapping/>
   </p:clrMapOvr>
+  <p:timing>
+    <p:tnLst>
+      <p:par>
+        <p:cTn id="1" dur="indefinite" restart="never" nodeType="tmRoot"/>
+      </p:par>
+    </p:tnLst>
+  </p:timing>
 </p:sld>
 </file>
 
@@ -7856,6 +5561,13 @@
   <p:clrMapOvr>
     <a:masterClrMapping/>
   </p:clrMapOvr>
+  <p:timing>
+    <p:tnLst>
+      <p:par>
+        <p:cTn id="1" dur="indefinite" restart="never" nodeType="tmRoot"/>
+      </p:par>
+    </p:tnLst>
+  </p:timing>
 </p:sld>
 </file>
 
@@ -7937,6 +5649,13 @@
   <p:clrMapOvr>
     <a:masterClrMapping/>
   </p:clrMapOvr>
+  <p:timing>
+    <p:tnLst>
+      <p:par>
+        <p:cTn id="1" dur="indefinite" restart="never" nodeType="tmRoot"/>
+      </p:par>
+    </p:tnLst>
+  </p:timing>
 </p:sld>
 </file>
 
@@ -8018,6 +5737,13 @@
   <p:clrMapOvr>
     <a:masterClrMapping/>
   </p:clrMapOvr>
+  <p:timing>
+    <p:tnLst>
+      <p:par>
+        <p:cTn id="1" dur="indefinite" restart="never" nodeType="tmRoot"/>
+      </p:par>
+    </p:tnLst>
+  </p:timing>
 </p:sld>
 </file>
 
@@ -8048,7 +5774,12 @@
             <p:ph type="title"/>
           </p:nvPr>
         </p:nvSpPr>
-        <p:spPr/>
+        <p:spPr>
+          <a:xfrm>
+            <a:off x="1261872" y="365760"/>
+            <a:ext cx="5583771" cy="1325562"/>
+          </a:xfrm>
+        </p:spPr>
         <p:txBody>
           <a:bodyPr/>
           <a:lstStyle/>
@@ -8073,22 +5804,684 @@
         </p:nvSpPr>
         <p:spPr>
           <a:xfrm>
-            <a:off x="1141413" y="1626209"/>
-            <a:ext cx="9905998" cy="1911648"/>
+            <a:off x="1141413" y="1947483"/>
+            <a:ext cx="4777799" cy="4244829"/>
           </a:xfrm>
         </p:spPr>
         <p:txBody>
           <a:bodyPr>
-            <a:normAutofit/>
+            <a:normAutofit lnSpcReduction="10000"/>
           </a:bodyPr>
           <a:lstStyle/>
           <a:p>
-            <a:endParaRPr lang="en-GB" sz="2100" dirty="0">
+            <a:pPr marL="0" indent="0">
+              <a:buNone/>
+            </a:pPr>
+            <a:r>
+              <a:rPr lang="en-GB" sz="2100" b="1" dirty="0" smtClean="0"/>
+              <a:t>Goal</a:t>
+            </a:r>
+            <a:r>
+              <a:rPr lang="en-GB" sz="2100" dirty="0" smtClean="0"/>
+              <a:t>: Analyse the effect of points of interest on crime rates. Visualising the effect of those points on crime. </a:t>
+            </a:r>
+          </a:p>
+          <a:p>
+            <a:pPr marL="0" indent="0">
+              <a:buNone/>
+            </a:pPr>
+            <a:r>
+              <a:rPr lang="en-GB" sz="2100" b="1" dirty="0" smtClean="0"/>
+              <a:t>Process:</a:t>
+            </a:r>
+            <a:endParaRPr lang="en-GB" sz="2100" dirty="0" smtClean="0"/>
+          </a:p>
+          <a:p>
+            <a:r>
+              <a:rPr lang="en-GB" sz="1900" dirty="0" smtClean="0"/>
+              <a:t>Calculate distance to nearest station. </a:t>
+            </a:r>
+          </a:p>
+          <a:p>
+            <a:r>
+              <a:rPr lang="en-GB" sz="1900" dirty="0" smtClean="0">
+                <a:effectLst/>
+              </a:rPr>
+              <a:t>Find number of crimes per station in circle. </a:t>
+            </a:r>
+          </a:p>
+          <a:p>
+            <a:r>
+              <a:rPr lang="en-GB" sz="1900" dirty="0" smtClean="0">
+                <a:effectLst/>
+              </a:rPr>
+              <a:t>Apply Gaussian weighting. </a:t>
+            </a:r>
+          </a:p>
+          <a:p>
+            <a:r>
+              <a:rPr lang="en-GB" sz="1900" dirty="0" smtClean="0">
+                <a:effectLst/>
+              </a:rPr>
+              <a:t>Calculate area of circle removing overlap</a:t>
+            </a:r>
+          </a:p>
+          <a:p>
+            <a:pPr lvl="1"/>
+            <a:r>
+              <a:rPr lang="en-GB" sz="1500" dirty="0" smtClean="0">
+                <a:effectLst/>
+              </a:rPr>
+              <a:t>Find number of stations and distances to those stations within circle diameter. </a:t>
+            </a:r>
+          </a:p>
+          <a:p>
+            <a:r>
+              <a:rPr lang="en-GB" sz="1900" dirty="0" smtClean="0"/>
+              <a:t>Divide by Area / Borough Density / People. </a:t>
+            </a:r>
+            <a:endParaRPr lang="en-GB" sz="1900" dirty="0" smtClean="0">
               <a:effectLst/>
             </a:endParaRPr>
           </a:p>
-        </p:txBody>
-      </p:sp>
+          <a:p>
+            <a:r>
+              <a:rPr lang="en-GB" sz="2100" dirty="0" smtClean="0">
+                <a:effectLst/>
+              </a:rPr>
+              <a:t>Repeat process for different crime types and points of interest. </a:t>
+            </a:r>
+          </a:p>
+        </p:txBody>
+      </p:sp>
+      <mc:AlternateContent xmlns:mc="http://schemas.openxmlformats.org/markup-compatibility/2006">
+        <mc:Choice xmlns:a14="http://schemas.microsoft.com/office/drawing/2010/main" Requires="a14">
+          <p:graphicFrame>
+            <p:nvGraphicFramePr>
+              <p:cNvPr id="4" name="Table 3"/>
+              <p:cNvGraphicFramePr>
+                <a:graphicFrameLocks noGrp="1"/>
+              </p:cNvGraphicFramePr>
+              <p:nvPr>
+                <p:extLst>
+                  <p:ext uri="{D42A27DB-BD31-4B8C-83A1-F6EECF244321}">
+                    <p14:modId xmlns:p14="http://schemas.microsoft.com/office/powerpoint/2010/main" val="3116391669"/>
+                  </p:ext>
+                </p:extLst>
+              </p:nvPr>
+            </p:nvGraphicFramePr>
+            <p:xfrm>
+              <a:off x="6383866" y="3638550"/>
+              <a:ext cx="5525349" cy="2553763"/>
+            </p:xfrm>
+            <a:graphic>
+              <a:graphicData uri="http://schemas.openxmlformats.org/drawingml/2006/table">
+                <a:tbl>
+                  <a:tblPr firstRow="1" bandRow="1">
+                    <a:tableStyleId>{69012ECD-51FC-41F1-AA8D-1B2483CD663E}</a:tableStyleId>
+                  </a:tblPr>
+                  <a:tblGrid>
+                    <a:gridCol w="1552488"/>
+                    <a:gridCol w="3972861"/>
+                  </a:tblGrid>
+                  <a:tr h="332160">
+                    <a:tc>
+                      <a:txBody>
+                        <a:bodyPr/>
+                        <a:lstStyle/>
+                        <a:p>
+                          <a:r>
+                            <a:rPr lang="en-GB" b="1" dirty="0" smtClean="0"/>
+                            <a:t>Fields</a:t>
+                          </a:r>
+                          <a:endParaRPr lang="en-GB" b="1" dirty="0"/>
+                        </a:p>
+                      </a:txBody>
+                      <a:tcPr/>
+                    </a:tc>
+                    <a:tc>
+                      <a:txBody>
+                        <a:bodyPr/>
+                        <a:lstStyle/>
+                        <a:p>
+                          <a:endParaRPr lang="en-GB" b="0" dirty="0" smtClean="0"/>
+                        </a:p>
+                      </a:txBody>
+                      <a:tcPr/>
+                    </a:tc>
+                  </a:tr>
+                  <a:tr h="341294">
+                    <a:tc>
+                      <a:txBody>
+                        <a:bodyPr/>
+                        <a:lstStyle/>
+                        <a:p>
+                          <a:r>
+                            <a:rPr lang="en-GB" dirty="0" smtClean="0"/>
+                            <a:t>Count</a:t>
+                          </a:r>
+                          <a:endParaRPr lang="en-GB" b="1" dirty="0"/>
+                        </a:p>
+                      </a:txBody>
+                      <a:tcPr/>
+                    </a:tc>
+                    <a:tc>
+                      <a:txBody>
+                        <a:bodyPr/>
+                        <a:lstStyle/>
+                        <a:p>
+                          <a:r>
+                            <a:rPr lang="en-GB" dirty="0" smtClean="0"/>
+                            <a:t>Number of crimes around station</a:t>
+                          </a:r>
+                          <a:endParaRPr lang="en-GB" b="0" dirty="0" smtClean="0"/>
+                        </a:p>
+                      </a:txBody>
+                      <a:tcPr/>
+                    </a:tc>
+                  </a:tr>
+                  <a:tr h="347041">
+                    <a:tc>
+                      <a:txBody>
+                        <a:bodyPr/>
+                        <a:lstStyle/>
+                        <a:p>
+                          <a:r>
+                            <a:rPr lang="en-GB" dirty="0" smtClean="0"/>
+                            <a:t>Density</a:t>
+                          </a:r>
+                          <a:endParaRPr lang="en-GB" b="1" dirty="0"/>
+                        </a:p>
+                      </a:txBody>
+                      <a:tcPr/>
+                    </a:tc>
+                    <a:tc>
+                      <a:txBody>
+                        <a:bodyPr/>
+                        <a:lstStyle/>
+                        <a:p>
+                          <a:r>
+                            <a:rPr lang="en-GB" dirty="0" smtClean="0"/>
+                            <a:t>Crimes per </a:t>
+                          </a:r>
+                          <a14:m>
+                            <m:oMath xmlns:m="http://schemas.openxmlformats.org/officeDocument/2006/math">
+                              <m:r>
+                                <a:rPr lang="en-GB" smtClean="0"/>
+                                <m:t>𝑘</m:t>
+                              </m:r>
+                              <m:sSup>
+                                <m:sSupPr>
+                                  <m:ctrlPr>
+                                    <a:rPr lang="en-GB" smtClean="0"/>
+                                  </m:ctrlPr>
+                                </m:sSupPr>
+                                <m:e>
+                                  <m:r>
+                                    <a:rPr lang="en-GB" smtClean="0"/>
+                                    <m:t>𝑚</m:t>
+                                  </m:r>
+                                </m:e>
+                                <m:sup>
+                                  <m:r>
+                                    <a:rPr lang="en-GB" smtClean="0"/>
+                                    <m:t>2</m:t>
+                                  </m:r>
+                                </m:sup>
+                              </m:sSup>
+                              <m:r>
+                                <a:rPr lang="en-GB" smtClean="0"/>
+                                <m:t> </m:t>
+                              </m:r>
+                            </m:oMath>
+                          </a14:m>
+                          <a:r>
+                            <a:rPr lang="en-GB" dirty="0" smtClean="0"/>
+                            <a:t>around station</a:t>
+                          </a:r>
+                          <a:endParaRPr lang="en-GB" dirty="0"/>
+                        </a:p>
+                      </a:txBody>
+                      <a:tcPr/>
+                    </a:tc>
+                  </a:tr>
+                  <a:tr h="341294">
+                    <a:tc>
+                      <a:txBody>
+                        <a:bodyPr/>
+                        <a:lstStyle/>
+                        <a:p>
+                          <a:r>
+                            <a:rPr lang="en-GB" dirty="0" smtClean="0"/>
+                            <a:t>Per</a:t>
+                          </a:r>
+                          <a:r>
+                            <a:rPr lang="en-GB" baseline="0" dirty="0" smtClean="0"/>
+                            <a:t> Person</a:t>
+                          </a:r>
+                          <a:endParaRPr lang="en-GB" b="1" dirty="0"/>
+                        </a:p>
+                      </a:txBody>
+                      <a:tcPr/>
+                    </a:tc>
+                    <a:tc>
+                      <a:txBody>
+                        <a:bodyPr/>
+                        <a:lstStyle/>
+                        <a:p>
+                          <a:r>
+                            <a:rPr lang="en-GB" dirty="0" smtClean="0"/>
+                            <a:t>Crimes per person around station</a:t>
+                          </a:r>
+                          <a:endParaRPr lang="en-GB" dirty="0"/>
+                        </a:p>
+                      </a:txBody>
+                      <a:tcPr/>
+                    </a:tc>
+                  </a:tr>
+                  <a:tr h="444483">
+                    <a:tc>
+                      <a:txBody>
+                        <a:bodyPr/>
+                        <a:lstStyle/>
+                        <a:p>
+                          <a:r>
+                            <a:rPr lang="en-GB" dirty="0" smtClean="0"/>
+                            <a:t>Vs. Borough</a:t>
+                          </a:r>
+                          <a:endParaRPr lang="en-GB" b="1" dirty="0"/>
+                        </a:p>
+                      </a:txBody>
+                      <a:tcPr/>
+                    </a:tc>
+                    <a:tc>
+                      <a:txBody>
+                        <a:bodyPr/>
+                        <a:lstStyle/>
+                        <a:p>
+                          <a:r>
+                            <a:rPr lang="en-GB" dirty="0" smtClean="0"/>
+                            <a:t>Crime density vs borough crime density</a:t>
+                          </a:r>
+                          <a:endParaRPr lang="en-GB" dirty="0"/>
+                        </a:p>
+                      </a:txBody>
+                      <a:tcPr/>
+                    </a:tc>
+                  </a:tr>
+                  <a:tr h="572417">
+                    <a:tc>
+                      <a:txBody>
+                        <a:bodyPr/>
+                        <a:lstStyle/>
+                        <a:p>
+                          <a:r>
+                            <a:rPr lang="en-GB" dirty="0" smtClean="0"/>
+                            <a:t>Gaussian versions</a:t>
+                          </a:r>
+                          <a:endParaRPr lang="en-GB" b="1" dirty="0"/>
+                        </a:p>
+                      </a:txBody>
+                      <a:tcPr/>
+                    </a:tc>
+                    <a:tc>
+                      <a:txBody>
+                        <a:bodyPr/>
+                        <a:lstStyle/>
+                        <a:p>
+                          <a:r>
+                            <a:rPr lang="en-GB" dirty="0" smtClean="0"/>
+                            <a:t>Weighting crimes by their distance</a:t>
+                          </a:r>
+                          <a:endParaRPr lang="en-GB" dirty="0"/>
+                        </a:p>
+                      </a:txBody>
+                      <a:tcPr/>
+                    </a:tc>
+                  </a:tr>
+                </a:tbl>
+              </a:graphicData>
+            </a:graphic>
+          </p:graphicFrame>
+        </mc:Choice>
+        <mc:Fallback>
+          <p:graphicFrame>
+            <p:nvGraphicFramePr>
+              <p:cNvPr id="4" name="Table 3"/>
+              <p:cNvGraphicFramePr>
+                <a:graphicFrameLocks noGrp="1"/>
+              </p:cNvGraphicFramePr>
+              <p:nvPr>
+                <p:extLst>
+                  <p:ext uri="{D42A27DB-BD31-4B8C-83A1-F6EECF244321}">
+                    <p14:modId xmlns:p14="http://schemas.microsoft.com/office/powerpoint/2010/main" val="3116391669"/>
+                  </p:ext>
+                </p:extLst>
+              </p:nvPr>
+            </p:nvGraphicFramePr>
+            <p:xfrm>
+              <a:off x="6383866" y="3638550"/>
+              <a:ext cx="5525349" cy="2553763"/>
+            </p:xfrm>
+            <a:graphic>
+              <a:graphicData uri="http://schemas.openxmlformats.org/drawingml/2006/table">
+                <a:tbl>
+                  <a:tblPr firstRow="1" bandRow="1">
+                    <a:tableStyleId>{69012ECD-51FC-41F1-AA8D-1B2483CD663E}</a:tableStyleId>
+                  </a:tblPr>
+                  <a:tblGrid>
+                    <a:gridCol w="1552488"/>
+                    <a:gridCol w="3972861"/>
+                  </a:tblGrid>
+                  <a:tr h="365760">
+                    <a:tc>
+                      <a:txBody>
+                        <a:bodyPr/>
+                        <a:lstStyle/>
+                        <a:p>
+                          <a:r>
+                            <a:rPr lang="en-GB" b="1" dirty="0" smtClean="0"/>
+                            <a:t>Fields</a:t>
+                          </a:r>
+                          <a:endParaRPr lang="en-GB" b="1" dirty="0"/>
+                        </a:p>
+                      </a:txBody>
+                      <a:tcPr/>
+                    </a:tc>
+                    <a:tc>
+                      <a:txBody>
+                        <a:bodyPr/>
+                        <a:lstStyle/>
+                        <a:p>
+                          <a:endParaRPr lang="en-GB" b="0" dirty="0" smtClean="0"/>
+                        </a:p>
+                      </a:txBody>
+                      <a:tcPr/>
+                    </a:tc>
+                  </a:tr>
+                  <a:tr h="365760">
+                    <a:tc>
+                      <a:txBody>
+                        <a:bodyPr/>
+                        <a:lstStyle/>
+                        <a:p>
+                          <a:r>
+                            <a:rPr lang="en-GB" dirty="0" smtClean="0"/>
+                            <a:t>Count</a:t>
+                          </a:r>
+                          <a:endParaRPr lang="en-GB" b="1" dirty="0"/>
+                        </a:p>
+                      </a:txBody>
+                      <a:tcPr/>
+                    </a:tc>
+                    <a:tc>
+                      <a:txBody>
+                        <a:bodyPr/>
+                        <a:lstStyle/>
+                        <a:p>
+                          <a:r>
+                            <a:rPr lang="en-GB" dirty="0" smtClean="0"/>
+                            <a:t>Number of crimes around station</a:t>
+                          </a:r>
+                          <a:endParaRPr lang="en-GB" b="0" dirty="0" smtClean="0"/>
+                        </a:p>
+                      </a:txBody>
+                      <a:tcPr/>
+                    </a:tc>
+                  </a:tr>
+                  <a:tr h="371920">
+                    <a:tc>
+                      <a:txBody>
+                        <a:bodyPr/>
+                        <a:lstStyle/>
+                        <a:p>
+                          <a:r>
+                            <a:rPr lang="en-GB" dirty="0" smtClean="0"/>
+                            <a:t>Density</a:t>
+                          </a:r>
+                          <a:endParaRPr lang="en-GB" b="1" dirty="0"/>
+                        </a:p>
+                      </a:txBody>
+                      <a:tcPr/>
+                    </a:tc>
+                    <a:tc>
+                      <a:txBody>
+                        <a:bodyPr/>
+                        <a:lstStyle/>
+                        <a:p>
+                          <a:endParaRPr lang="en-US"/>
+                        </a:p>
+                      </a:txBody>
+                      <a:tcPr>
+                        <a:blipFill rotWithShape="0">
+                          <a:blip r:embed="rId4"/>
+                          <a:stretch>
+                            <a:fillRect l="-39264" t="-204918" r="-153" b="-418033"/>
+                          </a:stretch>
+                        </a:blipFill>
+                      </a:tcPr>
+                    </a:tc>
+                  </a:tr>
+                  <a:tr h="365760">
+                    <a:tc>
+                      <a:txBody>
+                        <a:bodyPr/>
+                        <a:lstStyle/>
+                        <a:p>
+                          <a:r>
+                            <a:rPr lang="en-GB" dirty="0" smtClean="0"/>
+                            <a:t>Per</a:t>
+                          </a:r>
+                          <a:r>
+                            <a:rPr lang="en-GB" baseline="0" dirty="0" smtClean="0"/>
+                            <a:t> Person</a:t>
+                          </a:r>
+                          <a:endParaRPr lang="en-GB" b="1" dirty="0"/>
+                        </a:p>
+                      </a:txBody>
+                      <a:tcPr/>
+                    </a:tc>
+                    <a:tc>
+                      <a:txBody>
+                        <a:bodyPr/>
+                        <a:lstStyle/>
+                        <a:p>
+                          <a:r>
+                            <a:rPr lang="en-GB" dirty="0" smtClean="0"/>
+                            <a:t>Crimes per person around station</a:t>
+                          </a:r>
+                          <a:endParaRPr lang="en-GB" dirty="0"/>
+                        </a:p>
+                      </a:txBody>
+                      <a:tcPr/>
+                    </a:tc>
+                  </a:tr>
+                  <a:tr h="444483">
+                    <a:tc>
+                      <a:txBody>
+                        <a:bodyPr/>
+                        <a:lstStyle/>
+                        <a:p>
+                          <a:r>
+                            <a:rPr lang="en-GB" dirty="0" smtClean="0"/>
+                            <a:t>Vs. Borough</a:t>
+                          </a:r>
+                          <a:endParaRPr lang="en-GB" b="1" dirty="0"/>
+                        </a:p>
+                      </a:txBody>
+                      <a:tcPr/>
+                    </a:tc>
+                    <a:tc>
+                      <a:txBody>
+                        <a:bodyPr/>
+                        <a:lstStyle/>
+                        <a:p>
+                          <a:r>
+                            <a:rPr lang="en-GB" dirty="0" smtClean="0"/>
+                            <a:t>Crime density vs borough crime density</a:t>
+                          </a:r>
+                          <a:endParaRPr lang="en-GB" dirty="0"/>
+                        </a:p>
+                      </a:txBody>
+                      <a:tcPr/>
+                    </a:tc>
+                  </a:tr>
+                  <a:tr h="640080">
+                    <a:tc>
+                      <a:txBody>
+                        <a:bodyPr/>
+                        <a:lstStyle/>
+                        <a:p>
+                          <a:r>
+                            <a:rPr lang="en-GB" dirty="0" smtClean="0"/>
+                            <a:t>Gaussian versions</a:t>
+                          </a:r>
+                          <a:endParaRPr lang="en-GB" b="1" dirty="0"/>
+                        </a:p>
+                      </a:txBody>
+                      <a:tcPr/>
+                    </a:tc>
+                    <a:tc>
+                      <a:txBody>
+                        <a:bodyPr/>
+                        <a:lstStyle/>
+                        <a:p>
+                          <a:r>
+                            <a:rPr lang="en-GB" dirty="0" smtClean="0"/>
+                            <a:t>Weighting crimes by their distance</a:t>
+                          </a:r>
+                          <a:endParaRPr lang="en-GB" dirty="0"/>
+                        </a:p>
+                      </a:txBody>
+                      <a:tcPr/>
+                    </a:tc>
+                  </a:tr>
+                </a:tbl>
+              </a:graphicData>
+            </a:graphic>
+          </p:graphicFrame>
+        </mc:Fallback>
+      </mc:AlternateContent>
+      <p:pic>
+        <p:nvPicPr>
+          <p:cNvPr id="5" name="Picture 4"/>
+          <p:cNvPicPr>
+            <a:picLocks noChangeAspect="1"/>
+          </p:cNvPicPr>
+          <p:nvPr/>
+        </p:nvPicPr>
+        <p:blipFill>
+          <a:blip r:embed="rId5"/>
+          <a:stretch>
+            <a:fillRect/>
+          </a:stretch>
+        </p:blipFill>
+        <p:spPr>
+          <a:xfrm>
+            <a:off x="8757355" y="365759"/>
+            <a:ext cx="3187927" cy="2771229"/>
+          </a:xfrm>
+          <a:prstGeom prst="rect">
+            <a:avLst/>
+          </a:prstGeom>
+        </p:spPr>
+      </p:pic>
+      <p:pic>
+        <p:nvPicPr>
+          <p:cNvPr id="6" name="Picture 5"/>
+          <p:cNvPicPr>
+            <a:picLocks noChangeAspect="1"/>
+          </p:cNvPicPr>
+          <p:nvPr/>
+        </p:nvPicPr>
+        <p:blipFill>
+          <a:blip r:embed="rId6"/>
+          <a:stretch>
+            <a:fillRect/>
+          </a:stretch>
+        </p:blipFill>
+        <p:spPr>
+          <a:xfrm>
+            <a:off x="8757965" y="388089"/>
+            <a:ext cx="3151251" cy="2725815"/>
+          </a:xfrm>
+          <a:prstGeom prst="rect">
+            <a:avLst/>
+          </a:prstGeom>
+        </p:spPr>
+      </p:pic>
+      <p:pic>
+        <p:nvPicPr>
+          <p:cNvPr id="7" name="Picture 6"/>
+          <p:cNvPicPr>
+            <a:picLocks noChangeAspect="1"/>
+          </p:cNvPicPr>
+          <p:nvPr/>
+        </p:nvPicPr>
+        <p:blipFill>
+          <a:blip r:embed="rId7"/>
+          <a:stretch>
+            <a:fillRect/>
+          </a:stretch>
+        </p:blipFill>
+        <p:spPr>
+          <a:xfrm>
+            <a:off x="8757355" y="360404"/>
+            <a:ext cx="3652580" cy="2781183"/>
+          </a:xfrm>
+          <a:prstGeom prst="rect">
+            <a:avLst/>
+          </a:prstGeom>
+        </p:spPr>
+      </p:pic>
+      <p:pic>
+        <p:nvPicPr>
+          <p:cNvPr id="10" name="Picture 9"/>
+          <p:cNvPicPr>
+            <a:picLocks noChangeAspect="1"/>
+          </p:cNvPicPr>
+          <p:nvPr/>
+        </p:nvPicPr>
+        <p:blipFill>
+          <a:blip r:embed="rId8"/>
+          <a:stretch>
+            <a:fillRect/>
+          </a:stretch>
+        </p:blipFill>
+        <p:spPr>
+          <a:xfrm>
+            <a:off x="8914518" y="758716"/>
+            <a:ext cx="2838143" cy="2329373"/>
+          </a:xfrm>
+          <a:prstGeom prst="rect">
+            <a:avLst/>
+          </a:prstGeom>
+        </p:spPr>
+      </p:pic>
+      <p:pic>
+        <p:nvPicPr>
+          <p:cNvPr id="11" name="Picture 10"/>
+          <p:cNvPicPr>
+            <a:picLocks noChangeAspect="1"/>
+          </p:cNvPicPr>
+          <p:nvPr/>
+        </p:nvPicPr>
+        <p:blipFill>
+          <a:blip r:embed="rId9"/>
+          <a:stretch>
+            <a:fillRect/>
+          </a:stretch>
+        </p:blipFill>
+        <p:spPr>
+          <a:xfrm>
+            <a:off x="6047718" y="880355"/>
+            <a:ext cx="2876069" cy="2086096"/>
+          </a:xfrm>
+          <a:prstGeom prst="rect">
+            <a:avLst/>
+          </a:prstGeom>
+        </p:spPr>
+      </p:pic>
     </p:spTree>
     <p:extLst>
       <p:ext uri="{BB962C8B-B14F-4D97-AF65-F5344CB8AC3E}">
@@ -8099,6 +6492,13 @@
   <p:clrMapOvr>
     <a:masterClrMapping/>
   </p:clrMapOvr>
+  <p:timing>
+    <p:tnLst>
+      <p:par>
+        <p:cTn id="1" dur="indefinite" restart="never" nodeType="tmRoot"/>
+      </p:par>
+    </p:tnLst>
+  </p:timing>
 </p:sld>
 </file>
 
@@ -8180,13 +6580,20 @@
   <p:clrMapOvr>
     <a:masterClrMapping/>
   </p:clrMapOvr>
+  <p:timing>
+    <p:tnLst>
+      <p:par>
+        <p:cTn id="1" dur="indefinite" restart="never" nodeType="tmRoot"/>
+      </p:par>
+    </p:tnLst>
+  </p:timing>
 </p:sld>
 </file>
 
 <file path=ppt/theme/theme1.xml><?xml version="1.0" encoding="utf-8"?>
-<a:theme xmlns:a="http://schemas.openxmlformats.org/drawingml/2006/main" name="Mesh">
+<a:theme xmlns:a="http://schemas.openxmlformats.org/drawingml/2006/main" name="Office Theme">
   <a:themeElements>
-    <a:clrScheme name="Mesh">
+    <a:clrScheme name="Office">
       <a:dk1>
         <a:sysClr val="windowText" lastClr="000000"/>
       </a:dk1>
@@ -8194,48 +6601,83 @@
         <a:sysClr val="window" lastClr="FFFFFF"/>
       </a:lt1>
       <a:dk2>
-        <a:srgbClr val="363D46"/>
+        <a:srgbClr val="44546A"/>
       </a:dk2>
       <a:lt2>
-        <a:srgbClr val="EBEBEB"/>
+        <a:srgbClr val="E7E6E6"/>
       </a:lt2>
       <a:accent1>
-        <a:srgbClr val="6F6F6F"/>
+        <a:srgbClr val="5B9BD5"/>
       </a:accent1>
       <a:accent2>
-        <a:srgbClr val="BFBFA5"/>
+        <a:srgbClr val="ED7D31"/>
       </a:accent2>
       <a:accent3>
-        <a:srgbClr val="DCD084"/>
+        <a:srgbClr val="A5A5A5"/>
       </a:accent3>
       <a:accent4>
-        <a:srgbClr val="E7BF5F"/>
+        <a:srgbClr val="FFC000"/>
       </a:accent4>
       <a:accent5>
-        <a:srgbClr val="E9A039"/>
+        <a:srgbClr val="4472C4"/>
       </a:accent5>
       <a:accent6>
-        <a:srgbClr val="CF7133"/>
+        <a:srgbClr val="70AD47"/>
       </a:accent6>
       <a:hlink>
-        <a:srgbClr val="F28943"/>
+        <a:srgbClr val="0563C1"/>
       </a:hlink>
       <a:folHlink>
-        <a:srgbClr val="F1B76C"/>
+        <a:srgbClr val="954F72"/>
       </a:folHlink>
     </a:clrScheme>
-    <a:fontScheme name="Mesh">
+    <a:fontScheme name="Office">
       <a:majorFont>
-        <a:latin typeface="Century Gothic" panose="020B0502020202020204"/>
+        <a:latin typeface="Calibri Light" panose="020F0302020204030204"/>
         <a:ea typeface=""/>
         <a:cs typeface=""/>
-        <a:font script="Jpan" typeface="ＭＳ ゴシック"/>
+        <a:font script="Jpan" typeface="ＭＳ Ｐゴシック"/>
         <a:font script="Hang" typeface="맑은 고딕"/>
         <a:font script="Hans" typeface="宋体"/>
         <a:font script="Hant" typeface="新細明體"/>
-        <a:font script="Arab" typeface="Tahoma"/>
-        <a:font script="Hebr" typeface="Gisha"/>
-        <a:font script="Thai" typeface="DilleniaUPC"/>
+        <a:font script="Arab" typeface="Times New Roman"/>
+        <a:font script="Hebr" typeface="Times New Roman"/>
+        <a:font script="Thai" typeface="Angsana New"/>
+        <a:font script="Ethi" typeface="Nyala"/>
+        <a:font script="Beng" typeface="Vrinda"/>
+        <a:font script="Gujr" typeface="Shruti"/>
+        <a:font script="Khmr" typeface="MoolBoran"/>
+        <a:font script="Knda" typeface="Tunga"/>
+        <a:font script="Guru" typeface="Raavi"/>
+        <a:font script="Cans" typeface="Euphemia"/>
+        <a:font script="Cher" typeface="Plantagenet Cherokee"/>
+        <a:font script="Yiii" typeface="Microsoft Yi Baiti"/>
+        <a:font script="Tibt" typeface="Microsoft Himalaya"/>
+        <a:font script="Thaa" typeface="MV Boli"/>
+        <a:font script="Deva" typeface="Mangal"/>
+        <a:font script="Telu" typeface="Gautami"/>
+        <a:font script="Taml" typeface="Latha"/>
+        <a:font script="Syrc" typeface="Estrangelo Edessa"/>
+        <a:font script="Orya" typeface="Kalinga"/>
+        <a:font script="Mlym" typeface="Kartika"/>
+        <a:font script="Laoo" typeface="DokChampa"/>
+        <a:font script="Sinh" typeface="Iskoola Pota"/>
+        <a:font script="Mong" typeface="Mongolian Baiti"/>
+        <a:font script="Viet" typeface="Times New Roman"/>
+        <a:font script="Uigh" typeface="Microsoft Uighur"/>
+        <a:font script="Geor" typeface="Sylfaen"/>
+      </a:majorFont>
+      <a:minorFont>
+        <a:latin typeface="Calibri" panose="020F0502020204030204"/>
+        <a:ea typeface=""/>
+        <a:cs typeface=""/>
+        <a:font script="Jpan" typeface="ＭＳ Ｐゴシック"/>
+        <a:font script="Hang" typeface="맑은 고딕"/>
+        <a:font script="Hans" typeface="宋体"/>
+        <a:font script="Hant" typeface="新細明體"/>
+        <a:font script="Arab" typeface="Arial"/>
+        <a:font script="Hebr" typeface="Arial"/>
+        <a:font script="Thai" typeface="Cordia New"/>
         <a:font script="Ethi" typeface="Nyala"/>
         <a:font script="Beng" typeface="Vrinda"/>
         <a:font script="Gujr" typeface="Shruti"/>
@@ -8256,47 +6698,12 @@
         <a:font script="Laoo" typeface="DokChampa"/>
         <a:font script="Sinh" typeface="Iskoola Pota"/>
         <a:font script="Mong" typeface="Mongolian Baiti"/>
-        <a:font script="Viet" typeface="Tahoma"/>
-        <a:font script="Uigh" typeface="Microsoft Uighur"/>
-        <a:font script="Geor" typeface="Sylfaen"/>
-      </a:majorFont>
-      <a:minorFont>
-        <a:latin typeface="Century Gothic" panose="020B0502020202020204"/>
-        <a:ea typeface=""/>
-        <a:cs typeface=""/>
-        <a:font script="Jpan" typeface="ＭＳ ゴシック"/>
-        <a:font script="Hang" typeface="맑은 고딕"/>
-        <a:font script="Hans" typeface="宋体"/>
-        <a:font script="Hant" typeface="新細明體"/>
-        <a:font script="Arab" typeface="Tahoma"/>
-        <a:font script="Hebr" typeface="Gisha"/>
-        <a:font script="Thai" typeface="DilleniaUPC"/>
-        <a:font script="Ethi" typeface="Nyala"/>
-        <a:font script="Beng" typeface="Vrinda"/>
-        <a:font script="Gujr" typeface="Shruti"/>
-        <a:font script="Khmr" typeface="DaunPenh"/>
-        <a:font script="Knda" typeface="Tunga"/>
-        <a:font script="Guru" typeface="Raavi"/>
-        <a:font script="Cans" typeface="Euphemia"/>
-        <a:font script="Cher" typeface="Plantagenet Cherokee"/>
-        <a:font script="Yiii" typeface="Microsoft Yi Baiti"/>
-        <a:font script="Tibt" typeface="Microsoft Himalaya"/>
-        <a:font script="Thaa" typeface="MV Boli"/>
-        <a:font script="Deva" typeface="Mangal"/>
-        <a:font script="Telu" typeface="Gautami"/>
-        <a:font script="Taml" typeface="Latha"/>
-        <a:font script="Syrc" typeface="Estrangelo Edessa"/>
-        <a:font script="Orya" typeface="Kalinga"/>
-        <a:font script="Mlym" typeface="Kartika"/>
-        <a:font script="Laoo" typeface="DokChampa"/>
-        <a:font script="Sinh" typeface="Iskoola Pota"/>
-        <a:font script="Mong" typeface="Mongolian Baiti"/>
-        <a:font script="Viet" typeface="Verdana"/>
+        <a:font script="Viet" typeface="Arial"/>
         <a:font script="Uigh" typeface="Microsoft Uighur"/>
         <a:font script="Geor" typeface="Sylfaen"/>
       </a:minorFont>
     </a:fontScheme>
-    <a:fmtScheme name="Mesh">
+    <a:fmtScheme name="Office">
       <a:fillStyleLst>
         <a:solidFill>
           <a:schemeClr val="phClr"/>
@@ -8305,13 +6712,23 @@
           <a:gsLst>
             <a:gs pos="0">
               <a:schemeClr val="phClr">
-                <a:tint val="60000"/>
                 <a:lumMod val="110000"/>
+                <a:satMod val="105000"/>
+                <a:tint val="67000"/>
+              </a:schemeClr>
+            </a:gs>
+            <a:gs pos="50000">
+              <a:schemeClr val="phClr">
+                <a:lumMod val="105000"/>
+                <a:satMod val="103000"/>
+                <a:tint val="73000"/>
               </a:schemeClr>
             </a:gs>
             <a:gs pos="100000">
               <a:schemeClr val="phClr">
-                <a:tint val="82000"/>
+                <a:lumMod val="105000"/>
+                <a:satMod val="109000"/>
+                <a:tint val="81000"/>
               </a:schemeClr>
             </a:gs>
           </a:gsLst>
@@ -8321,14 +6738,23 @@
           <a:gsLst>
             <a:gs pos="0">
               <a:schemeClr val="phClr">
-                <a:tint val="96000"/>
-                <a:lumMod val="104000"/>
+                <a:satMod val="103000"/>
+                <a:lumMod val="102000"/>
+                <a:tint val="94000"/>
+              </a:schemeClr>
+            </a:gs>
+            <a:gs pos="50000">
+              <a:schemeClr val="phClr">
+                <a:satMod val="110000"/>
+                <a:lumMod val="100000"/>
+                <a:shade val="100000"/>
               </a:schemeClr>
             </a:gs>
             <a:gs pos="100000">
               <a:schemeClr val="phClr">
-                <a:shade val="84000"/>
-                <a:lumMod val="84000"/>
+                <a:lumMod val="99000"/>
+                <a:satMod val="120000"/>
+                <a:shade val="78000"/>
               </a:schemeClr>
             </a:gs>
           </a:gsLst>
@@ -8336,23 +6762,26 @@
         </a:gradFill>
       </a:fillStyleLst>
       <a:lnStyleLst>
-        <a:ln w="9525" cap="rnd" cmpd="sng" algn="ctr">
+        <a:ln w="6350" cap="flat" cmpd="sng" algn="ctr">
           <a:solidFill>
             <a:schemeClr val="phClr"/>
           </a:solidFill>
           <a:prstDash val="solid"/>
+          <a:miter lim="800000"/>
         </a:ln>
-        <a:ln w="19050" cap="rnd" cmpd="sng" algn="ctr">
+        <a:ln w="12700" cap="flat" cmpd="sng" algn="ctr">
           <a:solidFill>
             <a:schemeClr val="phClr"/>
           </a:solidFill>
           <a:prstDash val="solid"/>
+          <a:miter lim="800000"/>
         </a:ln>
-        <a:ln w="25400" cap="rnd" cmpd="sng" algn="ctr">
+        <a:ln w="19050" cap="flat" cmpd="sng" algn="ctr">
           <a:solidFill>
             <a:schemeClr val="phClr"/>
           </a:solidFill>
           <a:prstDash val="solid"/>
+          <a:miter lim="800000"/>
         </a:ln>
       </a:lnStyleLst>
       <a:effectStyleLst>
@@ -8360,72 +6789,55 @@
           <a:effectLst/>
         </a:effectStyle>
         <a:effectStyle>
-          <a:effectLst>
-            <a:innerShdw blurRad="50800" dist="25400" dir="13500000">
-              <a:srgbClr val="000000">
-                <a:alpha val="55000"/>
-              </a:srgbClr>
-            </a:innerShdw>
-          </a:effectLst>
+          <a:effectLst/>
         </a:effectStyle>
         <a:effectStyle>
           <a:effectLst>
-            <a:outerShdw blurRad="50800" dist="38100" dir="5400000" rotWithShape="0">
+            <a:outerShdw blurRad="57150" dist="19050" dir="5400000" algn="ctr" rotWithShape="0">
               <a:srgbClr val="000000">
-                <a:alpha val="60000"/>
+                <a:alpha val="63000"/>
               </a:srgbClr>
             </a:outerShdw>
           </a:effectLst>
-          <a:scene3d>
-            <a:camera prst="orthographicFront">
-              <a:rot lat="0" lon="0" rev="0"/>
-            </a:camera>
-            <a:lightRig rig="threePt" dir="tl"/>
-          </a:scene3d>
-          <a:sp3d>
-            <a:bevelT w="25400" h="25400" prst="slope"/>
-          </a:sp3d>
         </a:effectStyle>
       </a:effectStyleLst>
       <a:bgFillStyleLst>
         <a:solidFill>
           <a:schemeClr val="phClr"/>
         </a:solidFill>
+        <a:solidFill>
+          <a:schemeClr val="phClr">
+            <a:tint val="95000"/>
+            <a:satMod val="170000"/>
+          </a:schemeClr>
+        </a:solidFill>
         <a:gradFill rotWithShape="1">
           <a:gsLst>
             <a:gs pos="0">
               <a:schemeClr val="phClr">
-                <a:tint val="90000"/>
-                <a:lumMod val="110000"/>
+                <a:tint val="93000"/>
+                <a:satMod val="150000"/>
+                <a:shade val="98000"/>
+                <a:lumMod val="102000"/>
+              </a:schemeClr>
+            </a:gs>
+            <a:gs pos="50000">
+              <a:schemeClr val="phClr">
+                <a:tint val="98000"/>
+                <a:satMod val="130000"/>
+                <a:shade val="90000"/>
+                <a:lumMod val="103000"/>
               </a:schemeClr>
             </a:gs>
             <a:gs pos="100000">
               <a:schemeClr val="phClr">
-                <a:shade val="64000"/>
-                <a:lumMod val="98000"/>
+                <a:shade val="63000"/>
+                <a:satMod val="120000"/>
               </a:schemeClr>
             </a:gs>
           </a:gsLst>
           <a:lin ang="5400000" scaled="0"/>
         </a:gradFill>
-        <a:blipFill rotWithShape="1">
-          <a:blip xmlns:r="http://schemas.openxmlformats.org/officeDocument/2006/relationships" r:embed="rId1">
-            <a:duotone>
-              <a:schemeClr val="phClr">
-                <a:shade val="28000"/>
-                <a:satMod val="94000"/>
-                <a:lumMod val="20000"/>
-              </a:schemeClr>
-              <a:schemeClr val="phClr">
-                <a:tint val="94000"/>
-                <a:shade val="84000"/>
-                <a:satMod val="148000"/>
-                <a:lumMod val="114000"/>
-              </a:schemeClr>
-            </a:duotone>
-          </a:blip>
-          <a:stretch/>
-        </a:blipFill>
       </a:bgFillStyleLst>
     </a:fmtScheme>
   </a:themeElements>
@@ -8433,7 +6845,7 @@
   <a:extraClrSchemeLst/>
   <a:extLst>
     <a:ext uri="{05A4C25C-085E-4340-85A3-A5531E510DB2}">
-      <thm15:themeFamily xmlns:thm15="http://schemas.microsoft.com/office/thememl/2012/main" name="Mesh" id="{789EC3FE-34FD-429C-9918-760025E6C145}" vid="{B8BE45C0-8141-4D58-8C71-A009BC26FBBB}"/>
+      <thm15:themeFamily xmlns:thm15="http://schemas.microsoft.com/office/thememl/2012/main" name="Office Theme" id="{62F939B6-93AF-4DB8-9C6B-D6C7DFDC589F}" vid="{4A3C46E8-61CC-4603-A589-7422A47A8E4A}"/>
     </a:ext>
   </a:extLst>
 </a:theme>

--- a/Presentation/Team5_Final.pptx
+++ b/Presentation/Team5_Final.pptx
@@ -5,19 +5,20 @@
     <p:sldMasterId id="2147483767" r:id="rId1"/>
   </p:sldMasterIdLst>
   <p:notesMasterIdLst>
-    <p:notesMasterId r:id="rId12"/>
+    <p:notesMasterId r:id="rId13"/>
   </p:notesMasterIdLst>
   <p:sldIdLst>
     <p:sldId id="256" r:id="rId2"/>
     <p:sldId id="257" r:id="rId3"/>
     <p:sldId id="266" r:id="rId4"/>
     <p:sldId id="267" r:id="rId5"/>
-    <p:sldId id="268" r:id="rId6"/>
-    <p:sldId id="269" r:id="rId7"/>
-    <p:sldId id="270" r:id="rId8"/>
-    <p:sldId id="271" r:id="rId9"/>
-    <p:sldId id="272" r:id="rId10"/>
-    <p:sldId id="273" r:id="rId11"/>
+    <p:sldId id="276" r:id="rId6"/>
+    <p:sldId id="274" r:id="rId7"/>
+    <p:sldId id="269" r:id="rId8"/>
+    <p:sldId id="270" r:id="rId9"/>
+    <p:sldId id="271" r:id="rId10"/>
+    <p:sldId id="275" r:id="rId11"/>
+    <p:sldId id="273" r:id="rId12"/>
   </p:sldIdLst>
   <p:sldSz cx="12192000" cy="6858000"/>
   <p:notesSz cx="6858000" cy="9144000"/>
@@ -206,7 +207,7 @@
           <a:p>
             <a:fld id="{0B5FF9F3-B8F7-44D8-B55E-59E955E4F250}" type="datetimeFigureOut">
               <a:rPr lang="en-GB" smtClean="0"/>
-              <a:t>05/01/2016</a:t>
+              <a:t>06/01/2016</a:t>
             </a:fld>
             <a:endParaRPr lang="en-GB"/>
           </a:p>
@@ -985,6 +986,162 @@
           <a:bodyPr/>
           <a:lstStyle/>
           <a:p>
+            <a:r>
+              <a:rPr lang="en-US" sz="1200" kern="1200" dirty="0" smtClean="0">
+                <a:solidFill>
+                  <a:schemeClr val="tx1"/>
+                </a:solidFill>
+                <a:effectLst/>
+                <a:latin typeface="+mn-lt"/>
+                <a:ea typeface="+mn-ea"/>
+                <a:cs typeface="+mn-cs"/>
+              </a:rPr>
+              <a:t>. To be able to produce that and others interesting stuff, we did </a:t>
+            </a:r>
+            <a:r>
+              <a:rPr lang="en-US" sz="1200" kern="1200" dirty="0" err="1" smtClean="0">
+                <a:solidFill>
+                  <a:schemeClr val="tx1"/>
+                </a:solidFill>
+                <a:effectLst/>
+                <a:latin typeface="+mn-lt"/>
+                <a:ea typeface="+mn-ea"/>
+                <a:cs typeface="+mn-cs"/>
+              </a:rPr>
+              <a:t>pesue</a:t>
+            </a:r>
+            <a:r>
+              <a:rPr lang="en-US" sz="1200" kern="1200" dirty="0" smtClean="0">
+                <a:solidFill>
+                  <a:schemeClr val="tx1"/>
+                </a:solidFill>
+                <a:effectLst/>
+                <a:latin typeface="+mn-lt"/>
+                <a:ea typeface="+mn-ea"/>
+                <a:cs typeface="+mn-cs"/>
+              </a:rPr>
+              <a:t> the traditional data science pipeline:</a:t>
+            </a:r>
+            <a:endParaRPr lang="fr-FR" sz="1200" kern="1200" dirty="0" smtClean="0">
+              <a:solidFill>
+                <a:schemeClr val="tx1"/>
+              </a:solidFill>
+              <a:effectLst/>
+              <a:latin typeface="+mn-lt"/>
+              <a:ea typeface="+mn-ea"/>
+              <a:cs typeface="+mn-cs"/>
+            </a:endParaRPr>
+          </a:p>
+          <a:p>
+            <a:r>
+              <a:rPr lang="en-US" sz="1200" kern="1200" dirty="0" smtClean="0">
+                <a:solidFill>
+                  <a:schemeClr val="tx1"/>
+                </a:solidFill>
+                <a:effectLst/>
+                <a:latin typeface="+mn-lt"/>
+                <a:ea typeface="+mn-ea"/>
+                <a:cs typeface="+mn-cs"/>
+              </a:rPr>
+              <a:t>&lt;Pipeline</a:t>
+            </a:r>
+            <a:r>
+              <a:rPr lang="en-US" sz="1200" kern="1200" baseline="0" dirty="0" smtClean="0">
+                <a:solidFill>
+                  <a:schemeClr val="tx1"/>
+                </a:solidFill>
+                <a:effectLst/>
+                <a:latin typeface="+mn-lt"/>
+                <a:ea typeface="+mn-ea"/>
+                <a:cs typeface="+mn-cs"/>
+              </a:rPr>
+              <a:t> explanation&gt;</a:t>
+            </a:r>
+            <a:endParaRPr lang="fr-FR" sz="1200" kern="1200" dirty="0" smtClean="0">
+              <a:solidFill>
+                <a:schemeClr val="tx1"/>
+              </a:solidFill>
+              <a:effectLst/>
+              <a:latin typeface="+mn-lt"/>
+              <a:ea typeface="+mn-ea"/>
+              <a:cs typeface="+mn-cs"/>
+            </a:endParaRPr>
+          </a:p>
+          <a:p>
+            <a:r>
+              <a:rPr lang="en-US" sz="1200" kern="1200" dirty="0" smtClean="0">
+                <a:solidFill>
+                  <a:schemeClr val="tx1"/>
+                </a:solidFill>
+                <a:effectLst/>
+                <a:latin typeface="+mn-lt"/>
+                <a:ea typeface="+mn-ea"/>
+                <a:cs typeface="+mn-cs"/>
+              </a:rPr>
+              <a:t>And I can let </a:t>
+            </a:r>
+            <a:r>
+              <a:rPr lang="en-US" sz="1200" kern="1200" dirty="0" err="1" smtClean="0">
+                <a:solidFill>
+                  <a:schemeClr val="tx1"/>
+                </a:solidFill>
+                <a:effectLst/>
+                <a:latin typeface="+mn-lt"/>
+                <a:ea typeface="+mn-ea"/>
+                <a:cs typeface="+mn-cs"/>
+              </a:rPr>
+              <a:t>manu</a:t>
+            </a:r>
+            <a:r>
+              <a:rPr lang="en-US" sz="1200" kern="1200" dirty="0" smtClean="0">
+                <a:solidFill>
+                  <a:schemeClr val="tx1"/>
+                </a:solidFill>
+                <a:effectLst/>
+                <a:latin typeface="+mn-lt"/>
+                <a:ea typeface="+mn-ea"/>
+                <a:cs typeface="+mn-cs"/>
+              </a:rPr>
+              <a:t> now explain to you how managed to the 1</a:t>
+            </a:r>
+            <a:r>
+              <a:rPr lang="en-US" sz="1200" kern="1200" baseline="30000" dirty="0" smtClean="0">
+                <a:solidFill>
+                  <a:schemeClr val="tx1"/>
+                </a:solidFill>
+                <a:effectLst/>
+                <a:latin typeface="+mn-lt"/>
+                <a:ea typeface="+mn-ea"/>
+                <a:cs typeface="+mn-cs"/>
+              </a:rPr>
+              <a:t>st</a:t>
+            </a:r>
+            <a:r>
+              <a:rPr lang="en-US" sz="1200" kern="1200" dirty="0" smtClean="0">
+                <a:solidFill>
+                  <a:schemeClr val="tx1"/>
+                </a:solidFill>
+                <a:effectLst/>
+                <a:latin typeface="+mn-lt"/>
+                <a:ea typeface="+mn-ea"/>
+                <a:cs typeface="+mn-cs"/>
+              </a:rPr>
+              <a:t> step in the pipeline which is data collection.</a:t>
+            </a:r>
+            <a:endParaRPr lang="fr-FR" sz="1200" kern="1200" dirty="0" smtClean="0">
+              <a:solidFill>
+                <a:schemeClr val="tx1"/>
+              </a:solidFill>
+              <a:effectLst/>
+              <a:latin typeface="+mn-lt"/>
+              <a:ea typeface="+mn-ea"/>
+              <a:cs typeface="+mn-cs"/>
+            </a:endParaRPr>
+          </a:p>
+          <a:p>
+            <a:endParaRPr lang="fr-FR" dirty="0" smtClean="0"/>
+          </a:p>
+          <a:p>
             <a:endParaRPr lang="en-GB" dirty="0"/>
           </a:p>
         </p:txBody>
@@ -1006,7 +1163,7 @@
           <a:p>
             <a:fld id="{DD801837-D9B4-4140-8B18-11EA6BF1B100}" type="slidenum">
               <a:rPr lang="en-GB" smtClean="0"/>
-              <a:t>5</a:t>
+              <a:t>6</a:t>
             </a:fld>
             <a:endParaRPr lang="en-GB"/>
           </a:p>
@@ -1015,7 +1172,7 @@
     </p:spTree>
     <p:extLst>
       <p:ext uri="{BB962C8B-B14F-4D97-AF65-F5344CB8AC3E}">
-        <p14:creationId xmlns:p14="http://schemas.microsoft.com/office/powerpoint/2010/main" val="3266143232"/>
+        <p14:creationId xmlns:p14="http://schemas.microsoft.com/office/powerpoint/2010/main" val="4189086740"/>
       </p:ext>
     </p:extLst>
   </p:cSld>
@@ -1090,7 +1247,7 @@
           <a:p>
             <a:fld id="{DD801837-D9B4-4140-8B18-11EA6BF1B100}" type="slidenum">
               <a:rPr lang="en-GB" smtClean="0"/>
-              <a:t>6</a:t>
+              <a:t>7</a:t>
             </a:fld>
             <a:endParaRPr lang="en-GB"/>
           </a:p>
@@ -1174,7 +1331,7 @@
           <a:p>
             <a:fld id="{DD801837-D9B4-4140-8B18-11EA6BF1B100}" type="slidenum">
               <a:rPr lang="en-GB" smtClean="0"/>
-              <a:t>7</a:t>
+              <a:t>8</a:t>
             </a:fld>
             <a:endParaRPr lang="en-GB"/>
           </a:p>
@@ -1392,7 +1549,7 @@
                 <a:ea typeface="+mn-ea"/>
                 <a:cs typeface="+mn-cs"/>
               </a:rPr>
-              <a:t>   - </a:t>
+              <a:t>   - Accounting for the big effects to see the small. </a:t>
             </a:r>
             <a:r>
               <a:rPr lang="en-GB" sz="1200" kern="1200" dirty="0" smtClean="0">
@@ -1404,7 +1561,7 @@
                 <a:ea typeface="+mn-ea"/>
                 <a:cs typeface="+mn-cs"/>
               </a:rPr>
-              <a:t>Density, per person and vs borough are all ways of factoring dominant effects crimes to view other features. E.g. the effect of the station is masked in areas with very high background population. </a:t>
+              <a:t>. </a:t>
             </a:r>
           </a:p>
           <a:p>
@@ -1435,7 +1592,31 @@
                 <a:ea typeface="+mn-ea"/>
                 <a:cs typeface="+mn-cs"/>
               </a:rPr>
-              <a:t>   - Gaussian Density</a:t>
+              <a:t>   - </a:t>
+            </a:r>
+            <a:r>
+              <a:rPr lang="en-GB" sz="1200" b="1" kern="1200" dirty="0" smtClean="0">
+                <a:solidFill>
+                  <a:schemeClr val="tx1"/>
+                </a:solidFill>
+                <a:effectLst/>
+                <a:latin typeface="+mn-lt"/>
+                <a:ea typeface="+mn-ea"/>
+                <a:cs typeface="+mn-cs"/>
+              </a:rPr>
+              <a:t>Gaussian Density</a:t>
+            </a:r>
+            <a:r>
+              <a:rPr lang="en-GB" sz="1200" b="1" kern="1200" baseline="0" dirty="0" smtClean="0">
+                <a:solidFill>
+                  <a:schemeClr val="tx1"/>
+                </a:solidFill>
+                <a:effectLst/>
+                <a:latin typeface="+mn-lt"/>
+                <a:ea typeface="+mn-ea"/>
+                <a:cs typeface="+mn-cs"/>
+              </a:rPr>
+              <a:t> vs Density</a:t>
             </a:r>
             <a:r>
               <a:rPr lang="en-GB" sz="1200" kern="1200" baseline="0" dirty="0" smtClean="0">
@@ -1447,7 +1628,7 @@
                 <a:ea typeface="+mn-ea"/>
                 <a:cs typeface="+mn-cs"/>
               </a:rPr>
-              <a:t> vs Density: Gaussian density provides a better model, modelling the reduced association between the point of interest and the crime, but uniform density provides a more interpretable result, especially easier to compare to Borough density. </a:t>
+              <a:t>: Model vs interpretability (esp. vs borough)</a:t>
             </a:r>
           </a:p>
           <a:p>
@@ -1504,15 +1685,6 @@
               </a:rPr>
               <a:t>Calculations done and why</a:t>
             </a:r>
-            <a:endParaRPr lang="en-GB" sz="1200" kern="1200" baseline="0" dirty="0" smtClean="0">
-              <a:solidFill>
-                <a:schemeClr val="tx1"/>
-              </a:solidFill>
-              <a:effectLst/>
-              <a:latin typeface="+mn-lt"/>
-              <a:ea typeface="+mn-ea"/>
-              <a:cs typeface="+mn-cs"/>
-            </a:endParaRPr>
           </a:p>
           <a:p>
             <a:pPr marL="0" marR="0" indent="0" algn="l" defTabSz="914400" rtl="0" eaLnBrk="1" fontAlgn="auto" latinLnBrk="0" hangingPunct="1">
@@ -1533,7 +1705,7 @@
               <a:defRPr/>
             </a:pPr>
             <a:r>
-              <a:rPr lang="en-GB" sz="1200" kern="1200" baseline="0" dirty="0" smtClean="0">
+              <a:rPr lang="en-GB" sz="1200" b="1" kern="1200" baseline="0" dirty="0" smtClean="0">
                 <a:solidFill>
                   <a:schemeClr val="tx1"/>
                 </a:solidFill>
@@ -1542,7 +1714,19 @@
                 <a:ea typeface="+mn-ea"/>
                 <a:cs typeface="+mn-cs"/>
               </a:rPr>
-              <a:t>  - Distance chosen for circle radius (also variance for Gaussian) – balancing distance between stations, so not too many of them overlap and the histograms of distance between crime data and stations, want to get as much of the region where stations</a:t>
+              <a:t>	- Crime count</a:t>
+            </a:r>
+            <a:r>
+              <a:rPr lang="en-GB" sz="1200" b="0" kern="1200" baseline="0" dirty="0" smtClean="0">
+                <a:solidFill>
+                  <a:schemeClr val="tx1"/>
+                </a:solidFill>
+                <a:effectLst/>
+                <a:latin typeface="+mn-lt"/>
+                <a:ea typeface="+mn-ea"/>
+                <a:cs typeface="+mn-cs"/>
+              </a:rPr>
+              <a:t>: Circle vs associated. </a:t>
             </a:r>
           </a:p>
           <a:p>
@@ -1564,7 +1748,7 @@
               <a:defRPr/>
             </a:pPr>
             <a:r>
-              <a:rPr lang="en-GB" sz="1200" b="1" kern="1200" baseline="0" dirty="0" smtClean="0">
+              <a:rPr lang="en-GB" sz="1200" b="0" kern="1200" baseline="0" dirty="0" smtClean="0">
                 <a:solidFill>
                   <a:schemeClr val="tx1"/>
                 </a:solidFill>
@@ -1573,7 +1757,7 @@
                 <a:ea typeface="+mn-ea"/>
                 <a:cs typeface="+mn-cs"/>
               </a:rPr>
-              <a:t>Results:</a:t>
+              <a:t>	- Overlapping circles / Gaussian weights. </a:t>
             </a:r>
           </a:p>
           <a:p>
@@ -1595,6 +1779,92 @@
               <a:defRPr/>
             </a:pPr>
             <a:r>
+              <a:rPr lang="en-GB" sz="1200" b="0" kern="1200" baseline="0" dirty="0" smtClean="0">
+                <a:solidFill>
+                  <a:schemeClr val="tx1"/>
+                </a:solidFill>
+                <a:effectLst/>
+                <a:latin typeface="+mn-lt"/>
+                <a:ea typeface="+mn-ea"/>
+                <a:cs typeface="+mn-cs"/>
+              </a:rPr>
+              <a:t>	- Circle size / </a:t>
+            </a:r>
+            <a:r>
+              <a:rPr lang="en-GB" sz="1200" b="0" kern="1200" baseline="0" dirty="0" err="1" smtClean="0">
+                <a:solidFill>
+                  <a:schemeClr val="tx1"/>
+                </a:solidFill>
+                <a:effectLst/>
+                <a:latin typeface="+mn-lt"/>
+                <a:ea typeface="+mn-ea"/>
+                <a:cs typeface="+mn-cs"/>
+              </a:rPr>
+              <a:t>gaussian</a:t>
+            </a:r>
+            <a:r>
+              <a:rPr lang="en-GB" sz="1200" b="0" kern="1200" baseline="0" dirty="0" smtClean="0">
+                <a:solidFill>
+                  <a:schemeClr val="tx1"/>
+                </a:solidFill>
+                <a:effectLst/>
+                <a:latin typeface="+mn-lt"/>
+                <a:ea typeface="+mn-ea"/>
+                <a:cs typeface="+mn-cs"/>
+              </a:rPr>
+              <a:t> </a:t>
+            </a:r>
+          </a:p>
+          <a:p>
+            <a:pPr marL="0" marR="0" indent="0" algn="l" defTabSz="914400" rtl="0" eaLnBrk="1" fontAlgn="auto" latinLnBrk="0" hangingPunct="1">
+              <a:lnSpc>
+                <a:spcPct val="100000"/>
+              </a:lnSpc>
+              <a:spcBef>
+                <a:spcPts val="0"/>
+              </a:spcBef>
+              <a:spcAft>
+                <a:spcPts val="0"/>
+              </a:spcAft>
+              <a:buClrTx/>
+              <a:buSzTx/>
+              <a:buFontTx/>
+              <a:buNone/>
+              <a:tabLst/>
+              <a:defRPr/>
+            </a:pPr>
+            <a:r>
+              <a:rPr lang="en-GB" sz="1200" b="1" kern="1200" baseline="0" dirty="0" smtClean="0">
+                <a:solidFill>
+                  <a:schemeClr val="tx1"/>
+                </a:solidFill>
+                <a:effectLst/>
+                <a:latin typeface="+mn-lt"/>
+                <a:ea typeface="+mn-ea"/>
+                <a:cs typeface="+mn-cs"/>
+              </a:rPr>
+              <a:t>Results:</a:t>
+            </a:r>
+          </a:p>
+          <a:p>
+            <a:pPr marL="0" marR="0" indent="0" algn="l" defTabSz="914400" rtl="0" eaLnBrk="1" fontAlgn="auto" latinLnBrk="0" hangingPunct="1">
+              <a:lnSpc>
+                <a:spcPct val="100000"/>
+              </a:lnSpc>
+              <a:spcBef>
+                <a:spcPts val="0"/>
+              </a:spcBef>
+              <a:spcAft>
+                <a:spcPts val="0"/>
+              </a:spcAft>
+              <a:buClrTx/>
+              <a:buSzTx/>
+              <a:buFontTx/>
+              <a:buNone/>
+              <a:tabLst/>
+              <a:defRPr/>
+            </a:pPr>
+            <a:r>
               <a:rPr lang="en-GB" sz="1200" b="1" kern="1200" baseline="0" dirty="0" smtClean="0">
                 <a:solidFill>
                   <a:schemeClr val="tx1"/>
@@ -1616,7 +1886,7 @@
                 <a:ea typeface="+mn-ea"/>
                 <a:cs typeface="+mn-cs"/>
               </a:rPr>
-              <a:t>Show a couple of graphs of analysis. </a:t>
+              <a:t>Show a couple of graphs of analysis, quick fire </a:t>
             </a:r>
             <a:endParaRPr lang="en-GB" sz="1200" b="1" kern="1200" baseline="0" dirty="0" smtClean="0">
               <a:solidFill>
@@ -1678,7 +1948,7 @@
           <a:p>
             <a:fld id="{DD801837-D9B4-4140-8B18-11EA6BF1B100}" type="slidenum">
               <a:rPr lang="en-GB" smtClean="0"/>
-              <a:t>8</a:t>
+              <a:t>9</a:t>
             </a:fld>
             <a:endParaRPr lang="en-GB"/>
           </a:p>
@@ -1741,7 +2011,154 @@
           <a:bodyPr/>
           <a:lstStyle/>
           <a:p>
-            <a:endParaRPr lang="en-GB" dirty="0"/>
+            <a:r>
+              <a:rPr lang="en-GB" b="1" dirty="0" smtClean="0"/>
+              <a:t>What are the technologies involved</a:t>
+            </a:r>
+            <a:r>
+              <a:rPr lang="en-GB" b="1" baseline="0" dirty="0" smtClean="0"/>
+              <a:t> in the App</a:t>
+            </a:r>
+          </a:p>
+          <a:p>
+            <a:pPr marL="0" marR="0" indent="0" algn="l" defTabSz="914400" rtl="0" eaLnBrk="1" fontAlgn="auto" latinLnBrk="0" hangingPunct="1">
+              <a:lnSpc>
+                <a:spcPct val="100000"/>
+              </a:lnSpc>
+              <a:spcBef>
+                <a:spcPts val="0"/>
+              </a:spcBef>
+              <a:spcAft>
+                <a:spcPts val="0"/>
+              </a:spcAft>
+              <a:buClrTx/>
+              <a:buSzTx/>
+              <a:buFontTx/>
+              <a:buNone/>
+              <a:tabLst/>
+              <a:defRPr/>
+            </a:pPr>
+            <a:r>
+              <a:rPr lang="en-GB" b="0" baseline="0" dirty="0" smtClean="0"/>
+              <a:t>D3 , using some </a:t>
+            </a:r>
+            <a:r>
+              <a:rPr lang="en-GB" b="0" baseline="0" dirty="0" err="1" smtClean="0"/>
+              <a:t>specifique</a:t>
+            </a:r>
+            <a:r>
+              <a:rPr lang="en-GB" b="0" baseline="0" dirty="0" smtClean="0"/>
+              <a:t> libraries as DC.js , keen IO for templating and </a:t>
+            </a:r>
+            <a:r>
+              <a:rPr lang="en-GB" b="0" baseline="0" dirty="0" err="1" smtClean="0"/>
+              <a:t>crossfilter</a:t>
+            </a:r>
+            <a:endParaRPr lang="en-GB" b="0" baseline="0" dirty="0" smtClean="0"/>
+          </a:p>
+          <a:p>
+            <a:r>
+              <a:rPr lang="en-GB" b="1" baseline="0" dirty="0" smtClean="0"/>
+              <a:t>Flask, </a:t>
+            </a:r>
+            <a:r>
+              <a:rPr lang="en-GB" b="1" baseline="0" dirty="0" err="1" smtClean="0"/>
+              <a:t>pymongo</a:t>
+            </a:r>
+            <a:r>
+              <a:rPr lang="en-GB" b="1" baseline="0" dirty="0" smtClean="0"/>
+              <a:t>, </a:t>
+            </a:r>
+            <a:r>
+              <a:rPr lang="en-GB" b="1" baseline="0" dirty="0" err="1" smtClean="0"/>
+              <a:t>mongoDB</a:t>
+            </a:r>
+            <a:r>
+              <a:rPr lang="en-GB" b="1" baseline="0" dirty="0" smtClean="0"/>
+              <a:t>, </a:t>
+            </a:r>
+            <a:r>
+              <a:rPr lang="en-GB" b="1" baseline="0" dirty="0" err="1" smtClean="0"/>
+              <a:t>geoJson</a:t>
+            </a:r>
+            <a:r>
+              <a:rPr lang="en-GB" b="1" baseline="0" dirty="0" smtClean="0"/>
+              <a:t> files.</a:t>
+            </a:r>
+          </a:p>
+          <a:p>
+            <a:endParaRPr lang="en-GB" b="1" baseline="0" dirty="0" smtClean="0"/>
+          </a:p>
+          <a:p>
+            <a:r>
+              <a:rPr lang="en-GB" b="1" baseline="0" dirty="0" smtClean="0"/>
+              <a:t>Why we used these technologies :</a:t>
+            </a:r>
+          </a:p>
+          <a:p>
+            <a:r>
+              <a:rPr lang="en-GB" b="0" baseline="0" dirty="0" smtClean="0"/>
+              <a:t>Flask is a really light web server, so it prevent un from all the trouble with installation and configuration.</a:t>
+            </a:r>
+          </a:p>
+          <a:p>
+            <a:endParaRPr lang="en-GB" b="0" baseline="0" dirty="0" smtClean="0"/>
+          </a:p>
+          <a:p>
+            <a:endParaRPr lang="en-GB" b="0" baseline="0" dirty="0" smtClean="0"/>
+          </a:p>
+          <a:p>
+            <a:r>
+              <a:rPr lang="en-GB" b="0" baseline="0" dirty="0" smtClean="0"/>
+              <a:t>Some techniques for dealing with big data :</a:t>
+            </a:r>
+          </a:p>
+          <a:p>
+            <a:pPr marL="0" marR="0" indent="0" algn="l" defTabSz="914400" rtl="0" eaLnBrk="1" fontAlgn="auto" latinLnBrk="0" hangingPunct="1">
+              <a:lnSpc>
+                <a:spcPct val="100000"/>
+              </a:lnSpc>
+              <a:spcBef>
+                <a:spcPts val="0"/>
+              </a:spcBef>
+              <a:spcAft>
+                <a:spcPts val="0"/>
+              </a:spcAft>
+              <a:buClrTx/>
+              <a:buSzTx/>
+              <a:buFontTx/>
+              <a:buNone/>
+              <a:tabLst/>
+              <a:defRPr/>
+            </a:pPr>
+            <a:r>
+              <a:rPr lang="en-US" b="1" dirty="0" smtClean="0"/>
+              <a:t>*Big data </a:t>
+            </a:r>
+            <a:r>
+              <a:rPr lang="en-US" b="1" dirty="0" err="1" smtClean="0"/>
+              <a:t>techniques:try</a:t>
+            </a:r>
+            <a:r>
+              <a:rPr lang="en-US" b="1" dirty="0" smtClean="0"/>
+              <a:t> to reduce the size of </a:t>
+            </a:r>
+            <a:r>
+              <a:rPr lang="en-US" b="1" dirty="0" err="1" smtClean="0"/>
+              <a:t>jsonfiles</a:t>
+            </a:r>
+            <a:r>
+              <a:rPr lang="en-US" b="1" dirty="0" smtClean="0"/>
+              <a:t> : minimum keys, aggregations with project so we retrieve just the data that we need</a:t>
+            </a:r>
+            <a:endParaRPr lang="fr-FR" dirty="0" smtClean="0"/>
+          </a:p>
+          <a:p>
+            <a:r>
+              <a:rPr lang="en-GB" b="0" baseline="0" dirty="0" smtClean="0"/>
+              <a:t> </a:t>
+            </a:r>
+            <a:endParaRPr lang="en-GB" b="0" dirty="0"/>
           </a:p>
         </p:txBody>
       </p:sp>
@@ -1762,7 +2179,7 @@
           <a:p>
             <a:fld id="{DD801837-D9B4-4140-8B18-11EA6BF1B100}" type="slidenum">
               <a:rPr lang="en-GB" smtClean="0"/>
-              <a:t>9</a:t>
+              <a:t>10</a:t>
             </a:fld>
             <a:endParaRPr lang="en-GB"/>
           </a:p>
@@ -1771,7 +2188,7 @@
     </p:spTree>
     <p:extLst>
       <p:ext uri="{BB962C8B-B14F-4D97-AF65-F5344CB8AC3E}">
-        <p14:creationId xmlns:p14="http://schemas.microsoft.com/office/powerpoint/2010/main" val="2761868580"/>
+        <p14:creationId xmlns:p14="http://schemas.microsoft.com/office/powerpoint/2010/main" val="3861455977"/>
       </p:ext>
     </p:extLst>
   </p:cSld>
@@ -1825,7 +2242,91 @@
           <a:bodyPr/>
           <a:lstStyle/>
           <a:p>
-            <a:endParaRPr lang="en-GB" dirty="0"/>
+            <a:r>
+              <a:rPr lang="en-GB" dirty="0" smtClean="0"/>
+              <a:t>Potential</a:t>
+            </a:r>
+          </a:p>
+          <a:p>
+            <a:r>
+              <a:rPr lang="en-GB" dirty="0" smtClean="0"/>
+              <a:t>-</a:t>
+            </a:r>
+            <a:r>
+              <a:rPr lang="en-GB" baseline="0" dirty="0" smtClean="0"/>
+              <a:t> </a:t>
+            </a:r>
+            <a:r>
+              <a:rPr lang="en-GB" b="1" baseline="0" dirty="0" smtClean="0"/>
+              <a:t>Not just reporting numbers:</a:t>
+            </a:r>
+            <a:r>
+              <a:rPr lang="en-GB" baseline="0" dirty="0" smtClean="0"/>
+              <a:t> </a:t>
+            </a:r>
+            <a:r>
+              <a:rPr lang="en-GB" b="0" baseline="0" dirty="0" smtClean="0"/>
+              <a:t>Important insight, refer to use cases. </a:t>
+            </a:r>
+            <a:r>
+              <a:rPr lang="en-GB" b="0" baseline="0" smtClean="0"/>
+              <a:t>Exploratory!</a:t>
+            </a:r>
+            <a:endParaRPr lang="en-GB" baseline="0" dirty="0" smtClean="0"/>
+          </a:p>
+          <a:p>
+            <a:r>
+              <a:rPr lang="en-GB" baseline="0" dirty="0" smtClean="0"/>
+              <a:t>- </a:t>
+            </a:r>
+            <a:r>
+              <a:rPr lang="en-GB" b="1" baseline="0" dirty="0" smtClean="0"/>
+              <a:t>We have just scraped the surface: </a:t>
+            </a:r>
+            <a:r>
+              <a:rPr lang="en-GB" b="0" baseline="0" dirty="0" smtClean="0"/>
+              <a:t>Implementing the other data, very easy to translate to new datasets, </a:t>
+            </a:r>
+            <a:endParaRPr lang="en-GB" b="1" baseline="0" dirty="0" smtClean="0"/>
+          </a:p>
+          <a:p>
+            <a:r>
+              <a:rPr lang="en-GB" b="1" baseline="0" dirty="0" smtClean="0"/>
+              <a:t>What we learnt </a:t>
+            </a:r>
+          </a:p>
+          <a:p>
+            <a:r>
+              <a:rPr lang="en-GB" b="1" baseline="0" dirty="0" smtClean="0"/>
+              <a:t>- The entire pipeline: </a:t>
+            </a:r>
+            <a:r>
+              <a:rPr lang="en-GB" b="0" baseline="0" dirty="0" smtClean="0"/>
+              <a:t>How links together, forward planning of different stages and flexibility required. </a:t>
+            </a:r>
+            <a:endParaRPr lang="en-GB" b="1" baseline="0" dirty="0" smtClean="0"/>
+          </a:p>
+          <a:p>
+            <a:r>
+              <a:rPr lang="en-GB" b="1" baseline="0" dirty="0" smtClean="0"/>
+              <a:t>- Big data: </a:t>
+            </a:r>
+            <a:r>
+              <a:rPr lang="en-GB" b="0" baseline="0" dirty="0" smtClean="0"/>
+              <a:t>Simple calculations require a lot of thought and optimisation when repeated 10^7 times. </a:t>
+            </a:r>
+            <a:endParaRPr lang="en-GB" b="1" baseline="0" dirty="0" smtClean="0"/>
+          </a:p>
+          <a:p>
+            <a:r>
+              <a:rPr lang="en-GB" b="1" baseline="0" dirty="0" smtClean="0"/>
+              <a:t>- Teamwork: </a:t>
+            </a:r>
+            <a:r>
+              <a:rPr lang="en-GB" b="0" baseline="0" dirty="0" smtClean="0"/>
+              <a:t>If I have seen further than anyone else it is by standing on the shoulders of giants. </a:t>
+            </a:r>
+            <a:endParaRPr lang="en-GB" b="1" dirty="0"/>
           </a:p>
         </p:txBody>
       </p:sp>
@@ -1846,7 +2347,7 @@
           <a:p>
             <a:fld id="{DD801837-D9B4-4140-8B18-11EA6BF1B100}" type="slidenum">
               <a:rPr lang="en-GB" smtClean="0"/>
-              <a:t>10</a:t>
+              <a:t>11</a:t>
             </a:fld>
             <a:endParaRPr lang="en-GB"/>
           </a:p>
@@ -1996,7 +2497,7 @@
           <a:p>
             <a:fld id="{BDDAFA7A-6445-4002-8C74-4055B96B083F}" type="datetimeFigureOut">
               <a:rPr lang="en-US" smtClean="0"/>
-              <a:t>1/5/2016</a:t>
+              <a:t>1/6/2016</a:t>
             </a:fld>
             <a:endParaRPr lang="en-US"/>
           </a:p>
@@ -2166,7 +2667,7 @@
           <a:p>
             <a:fld id="{BDDAFA7A-6445-4002-8C74-4055B96B083F}" type="datetimeFigureOut">
               <a:rPr lang="en-US" smtClean="0"/>
-              <a:t>1/5/2016</a:t>
+              <a:t>1/6/2016</a:t>
             </a:fld>
             <a:endParaRPr lang="en-US"/>
           </a:p>
@@ -2346,7 +2847,7 @@
           <a:p>
             <a:fld id="{BDDAFA7A-6445-4002-8C74-4055B96B083F}" type="datetimeFigureOut">
               <a:rPr lang="en-US" smtClean="0"/>
-              <a:t>1/5/2016</a:t>
+              <a:t>1/6/2016</a:t>
             </a:fld>
             <a:endParaRPr lang="en-US"/>
           </a:p>
@@ -2516,7 +3017,7 @@
           <a:p>
             <a:fld id="{BDDAFA7A-6445-4002-8C74-4055B96B083F}" type="datetimeFigureOut">
               <a:rPr lang="en-US" smtClean="0"/>
-              <a:t>1/5/2016</a:t>
+              <a:t>1/6/2016</a:t>
             </a:fld>
             <a:endParaRPr lang="en-US"/>
           </a:p>
@@ -2762,7 +3263,7 @@
           <a:p>
             <a:fld id="{BDDAFA7A-6445-4002-8C74-4055B96B083F}" type="datetimeFigureOut">
               <a:rPr lang="en-US" smtClean="0"/>
-              <a:t>1/5/2016</a:t>
+              <a:t>1/6/2016</a:t>
             </a:fld>
             <a:endParaRPr lang="en-US"/>
           </a:p>
@@ -2994,7 +3495,7 @@
           <a:p>
             <a:fld id="{BDDAFA7A-6445-4002-8C74-4055B96B083F}" type="datetimeFigureOut">
               <a:rPr lang="en-US" smtClean="0"/>
-              <a:t>1/5/2016</a:t>
+              <a:t>1/6/2016</a:t>
             </a:fld>
             <a:endParaRPr lang="en-US"/>
           </a:p>
@@ -3361,7 +3862,7 @@
           <a:p>
             <a:fld id="{BDDAFA7A-6445-4002-8C74-4055B96B083F}" type="datetimeFigureOut">
               <a:rPr lang="en-US" smtClean="0"/>
-              <a:t>1/5/2016</a:t>
+              <a:t>1/6/2016</a:t>
             </a:fld>
             <a:endParaRPr lang="en-US"/>
           </a:p>
@@ -3479,7 +3980,7 @@
           <a:p>
             <a:fld id="{BDDAFA7A-6445-4002-8C74-4055B96B083F}" type="datetimeFigureOut">
               <a:rPr lang="en-US" smtClean="0"/>
-              <a:t>1/5/2016</a:t>
+              <a:t>1/6/2016</a:t>
             </a:fld>
             <a:endParaRPr lang="en-US"/>
           </a:p>
@@ -3574,7 +4075,7 @@
           <a:p>
             <a:fld id="{BDDAFA7A-6445-4002-8C74-4055B96B083F}" type="datetimeFigureOut">
               <a:rPr lang="en-US" smtClean="0"/>
-              <a:t>1/5/2016</a:t>
+              <a:t>1/6/2016</a:t>
             </a:fld>
             <a:endParaRPr lang="en-US"/>
           </a:p>
@@ -3851,7 +4352,7 @@
           <a:p>
             <a:fld id="{BDDAFA7A-6445-4002-8C74-4055B96B083F}" type="datetimeFigureOut">
               <a:rPr lang="en-US" smtClean="0"/>
-              <a:t>1/5/2016</a:t>
+              <a:t>1/6/2016</a:t>
             </a:fld>
             <a:endParaRPr lang="en-US"/>
           </a:p>
@@ -4104,7 +4605,7 @@
           <a:p>
             <a:fld id="{BDDAFA7A-6445-4002-8C74-4055B96B083F}" type="datetimeFigureOut">
               <a:rPr lang="en-US" smtClean="0"/>
-              <a:t>1/5/2016</a:t>
+              <a:t>1/6/2016</a:t>
             </a:fld>
             <a:endParaRPr lang="en-US"/>
           </a:p>
@@ -4317,7 +4818,7 @@
           <a:p>
             <a:fld id="{BDDAFA7A-6445-4002-8C74-4055B96B083F}" type="datetimeFigureOut">
               <a:rPr lang="en-US" smtClean="0"/>
-              <a:t>1/5/2016</a:t>
+              <a:t>1/6/2016</a:t>
             </a:fld>
             <a:endParaRPr lang="en-US"/>
           </a:p>
@@ -4724,53 +5225,75 @@
       </p:grpSpPr>
       <p:sp>
         <p:nvSpPr>
+          <p:cNvPr id="2" name="Title 1"/>
+          <p:cNvSpPr>
+            <a:spLocks noGrp="1"/>
+          </p:cNvSpPr>
+          <p:nvPr>
+            <p:ph type="title"/>
+          </p:nvPr>
+        </p:nvSpPr>
+        <p:spPr/>
+        <p:txBody>
+          <a:bodyPr/>
+          <a:lstStyle/>
+          <a:p>
+            <a:r>
+              <a:rPr lang="en-GB" dirty="0" smtClean="0"/>
+              <a:t>Crime Analyser</a:t>
+            </a:r>
+            <a:endParaRPr lang="en-GB" dirty="0"/>
+          </a:p>
+        </p:txBody>
+      </p:sp>
+      <p:sp>
+        <p:nvSpPr>
           <p:cNvPr id="3" name="Subtitle 2"/>
           <p:cNvSpPr>
             <a:spLocks noGrp="1"/>
           </p:cNvSpPr>
           <p:nvPr>
-            <p:ph type="subTitle" idx="1"/>
-          </p:nvPr>
-        </p:nvSpPr>
-        <p:spPr>
-          <a:xfrm>
-            <a:off x="1955728" y="1269241"/>
-            <a:ext cx="8676222" cy="4326341"/>
-          </a:xfrm>
-        </p:spPr>
+            <p:ph idx="1"/>
+          </p:nvPr>
+        </p:nvSpPr>
+        <p:spPr/>
         <p:txBody>
           <a:bodyPr>
-            <a:normAutofit fontScale="92500" lnSpcReduction="20000"/>
+            <a:normAutofit/>
           </a:bodyPr>
           <a:lstStyle/>
           <a:p>
-            <a:pPr algn="l"/>
+            <a:pPr marL="0" indent="0" algn="l">
+              <a:buNone/>
+            </a:pPr>
+            <a:r>
+              <a:rPr lang="en-US" sz="2400" dirty="0" smtClean="0"/>
+              <a:t>Course</a:t>
+            </a:r>
             <a:r>
               <a:rPr lang="en-US" sz="2400" dirty="0"/>
-              <a:t>Project:		</a:t>
+              <a:t>:		</a:t>
             </a:r>
             <a:r>
               <a:rPr lang="en-US" sz="2400" dirty="0" smtClean="0"/>
-              <a:t>	Crime Analyzer</a:t>
-            </a:r>
-            <a:endParaRPr lang="en-US" sz="2400" dirty="0"/>
-          </a:p>
-          <a:p>
-            <a:pPr algn="l"/>
-            <a:r>
-              <a:rPr lang="en-US" sz="2400" dirty="0"/>
-              <a:t>Course:		</a:t>
+              <a:t>Foundation </a:t>
             </a:r>
             <a:r>
               <a:rPr lang="en-US" sz="2400" dirty="0" smtClean="0"/>
-              <a:t>	Foundation of Data Science</a:t>
-            </a:r>
-          </a:p>
-          <a:p>
-            <a:pPr algn="l"/>
+              <a:t>of Data Science</a:t>
+            </a:r>
+          </a:p>
+          <a:p>
+            <a:pPr marL="0" indent="0" algn="l">
+              <a:buNone/>
+            </a:pPr>
             <a:r>
               <a:rPr lang="en-US" sz="2400" dirty="0" smtClean="0"/>
-              <a:t>Program:		MSc </a:t>
+              <a:t>Program:		</a:t>
+            </a:r>
+            <a:r>
+              <a:rPr lang="en-US" sz="2400" dirty="0" smtClean="0"/>
+              <a:t>MSc </a:t>
             </a:r>
             <a:r>
               <a:rPr lang="en-US" sz="2400" dirty="0"/>
@@ -4778,25 +5301,48 @@
             </a:r>
           </a:p>
           <a:p>
-            <a:pPr algn="l"/>
+            <a:pPr marL="0" indent="0" algn="l">
+              <a:buNone/>
+            </a:pPr>
             <a:r>
               <a:rPr lang="en-US" sz="2400" dirty="0"/>
-              <a:t>Academic Year:	2015/16</a:t>
-            </a:r>
-          </a:p>
-          <a:p>
-            <a:pPr algn="l"/>
+              <a:t>A</a:t>
+            </a:r>
+            <a:r>
+              <a:rPr lang="en-US" sz="2400" dirty="0" smtClean="0"/>
+              <a:t>cademic </a:t>
+            </a:r>
+            <a:r>
+              <a:rPr lang="en-US" sz="2400" dirty="0"/>
+              <a:t>Year:	</a:t>
+            </a:r>
+            <a:r>
+              <a:rPr lang="en-US" sz="2400" dirty="0" smtClean="0"/>
+              <a:t>2015/16</a:t>
+            </a:r>
+            <a:endParaRPr lang="en-US" sz="2400" dirty="0"/>
+          </a:p>
+          <a:p>
+            <a:pPr marL="0" indent="0" algn="l">
+              <a:buNone/>
+            </a:pPr>
             <a:r>
               <a:rPr lang="en-US" sz="2400" dirty="0"/>
               <a:t>Team 5:		</a:t>
             </a:r>
             <a:r>
               <a:rPr lang="en-US" sz="2400" dirty="0" smtClean="0"/>
-              <a:t>	1</a:t>
-            </a:r>
-            <a:r>
-              <a:rPr lang="en-US" sz="2400" dirty="0"/>
-              <a:t>. Miguel </a:t>
+              <a:t>	</a:t>
+            </a:r>
+            <a:endParaRPr lang="en-US" sz="2400" dirty="0" smtClean="0"/>
+          </a:p>
+          <a:p>
+            <a:pPr marL="0" indent="0" algn="l">
+              <a:buNone/>
+            </a:pPr>
+            <a:r>
+              <a:rPr lang="en-US" sz="2400" dirty="0" smtClean="0"/>
+              <a:t>			Miguel </a:t>
             </a:r>
             <a:r>
               <a:rPr lang="en-US" sz="2400" dirty="0" smtClean="0"/>
@@ -4808,56 +5354,45 @@
             </a:r>
           </a:p>
           <a:p>
-            <a:pPr algn="l"/>
-            <a:r>
-              <a:rPr lang="en-US" sz="2400" dirty="0"/>
-              <a:t> 		</a:t>
-            </a:r>
+            <a:pPr marL="0" indent="0" algn="l">
+              <a:buNone/>
+            </a:pPr>
             <a:r>
               <a:rPr lang="en-US" sz="2400" dirty="0" smtClean="0"/>
-              <a:t>			2</a:t>
-            </a:r>
-            <a:r>
-              <a:rPr lang="en-US" sz="2400" dirty="0"/>
-              <a:t>. </a:t>
-            </a:r>
-            <a:r>
-              <a:rPr lang="en-US" sz="2400" dirty="0" err="1"/>
-              <a:t>Alun</a:t>
-            </a:r>
-            <a:r>
-              <a:rPr lang="en-US" sz="2400" dirty="0"/>
-              <a:t> </a:t>
+              <a:t>			Alun </a:t>
             </a:r>
             <a:r>
               <a:rPr lang="en-US" sz="2400" dirty="0" smtClean="0"/>
-              <a:t>Meredith		(am5e15</a:t>
+              <a:t>Meredith	</a:t>
+            </a:r>
+            <a:r>
+              <a:rPr lang="en-US" sz="2400" dirty="0" smtClean="0"/>
+              <a:t> 	(</a:t>
+            </a:r>
+            <a:r>
+              <a:rPr lang="en-US" sz="2400" dirty="0" smtClean="0"/>
+              <a:t>am5e15</a:t>
             </a:r>
             <a:r>
               <a:rPr lang="en-US" sz="2400" dirty="0"/>
               <a:t>) </a:t>
             </a:r>
-          </a:p>
-          <a:p>
-            <a:pPr algn="l"/>
-            <a:r>
-              <a:rPr lang="en-US" sz="2400" dirty="0"/>
-              <a:t> 		</a:t>
-            </a:r>
+            <a:endParaRPr lang="en-US" sz="2400" dirty="0" smtClean="0"/>
+          </a:p>
+          <a:p>
+            <a:pPr marL="0" indent="0" algn="l">
+              <a:buNone/>
+            </a:pPr>
             <a:r>
               <a:rPr lang="en-US" sz="2400" dirty="0" smtClean="0"/>
-              <a:t>			3</a:t>
-            </a:r>
-            <a:r>
-              <a:rPr lang="en-US" sz="2400" dirty="0"/>
-              <a:t>. </a:t>
-            </a:r>
-            <a:r>
-              <a:rPr lang="en-US" sz="2400" dirty="0" err="1"/>
+              <a:t>			</a:t>
+            </a:r>
+            <a:r>
+              <a:rPr lang="en-US" sz="2400" dirty="0" err="1" smtClean="0"/>
               <a:t>Taoufik</a:t>
             </a:r>
             <a:r>
-              <a:rPr lang="en-US" sz="2400" dirty="0"/>
+              <a:rPr lang="en-US" sz="2400" dirty="0" smtClean="0"/>
               <a:t> El </a:t>
             </a:r>
             <a:r>
@@ -4866,30 +5401,28 @@
             </a:r>
             <a:r>
               <a:rPr lang="en-US" sz="2400" dirty="0" smtClean="0"/>
-              <a:t>	(tek1g15</a:t>
-            </a:r>
-            <a:r>
-              <a:rPr lang="en-US" sz="2400" dirty="0"/>
-              <a:t>) 	</a:t>
-            </a:r>
-          </a:p>
-          <a:p>
-            <a:pPr algn="l"/>
-            <a:r>
-              <a:rPr lang="en-US" sz="2400" dirty="0"/>
-              <a:t>		</a:t>
-            </a:r>
+              <a:t>	(tek1g15) 	</a:t>
+            </a:r>
+          </a:p>
+          <a:p>
+            <a:pPr marL="0" indent="0" algn="l">
+              <a:buNone/>
+            </a:pPr>
             <a:r>
               <a:rPr lang="en-US" sz="2400" dirty="0" smtClean="0"/>
-              <a:t>			4</a:t>
-            </a:r>
-            <a:r>
-              <a:rPr lang="en-US" sz="2400" dirty="0"/>
-              <a:t>. Manu </a:t>
+              <a:t>			Manu </a:t>
             </a:r>
             <a:r>
               <a:rPr lang="en-US" sz="2400" dirty="0" smtClean="0"/>
-              <a:t>Llamas			(mlf1g15</a:t>
+              <a:t>Llamas	</a:t>
+            </a:r>
+            <a:r>
+              <a:rPr lang="en-US" sz="2400" dirty="0" smtClean="0"/>
+              <a:t>	(</a:t>
+            </a:r>
+            <a:r>
+              <a:rPr lang="en-US" sz="2400" dirty="0" smtClean="0"/>
+              <a:t>mlf1g15</a:t>
             </a:r>
             <a:r>
               <a:rPr lang="en-US" sz="2400" dirty="0"/>
@@ -4897,22 +5430,16 @@
             </a:r>
           </a:p>
           <a:p>
-            <a:pPr algn="l"/>
-            <a:r>
-              <a:rPr lang="en-US" sz="2400" dirty="0"/>
-              <a:t>		</a:t>
-            </a:r>
+            <a:pPr marL="0" indent="0" algn="l">
+              <a:buNone/>
+            </a:pPr>
             <a:r>
               <a:rPr lang="en-US" sz="2400" dirty="0" smtClean="0"/>
-              <a:t>			5</a:t>
-            </a:r>
-            <a:r>
-              <a:rPr lang="en-US" sz="2400" dirty="0"/>
-              <a:t>. Ali </a:t>
+              <a:t>			Ali Shah</a:t>
             </a:r>
             <a:r>
               <a:rPr lang="en-US" sz="2400" dirty="0" smtClean="0"/>
-              <a:t>Shah				(smas1c15</a:t>
+              <a:t>		(smas1c15</a:t>
             </a:r>
             <a:r>
               <a:rPr lang="en-US" sz="2400" dirty="0"/>
@@ -4964,6 +5491,49 @@
       </p:grpSpPr>
       <p:sp>
         <p:nvSpPr>
+          <p:cNvPr id="11" name="Rectangle à coins arrondis 10"/>
+          <p:cNvSpPr/>
+          <p:nvPr/>
+        </p:nvSpPr>
+        <p:spPr>
+          <a:xfrm>
+            <a:off x="2415654" y="1984469"/>
+            <a:ext cx="4094328" cy="4689285"/>
+          </a:xfrm>
+          <a:prstGeom prst="roundRect">
+            <a:avLst/>
+          </a:prstGeom>
+          <a:solidFill>
+            <a:schemeClr val="bg1"/>
+          </a:solidFill>
+        </p:spPr>
+        <p:style>
+          <a:lnRef idx="2">
+            <a:schemeClr val="accent1">
+              <a:shade val="50000"/>
+            </a:schemeClr>
+          </a:lnRef>
+          <a:fillRef idx="1">
+            <a:schemeClr val="accent1"/>
+          </a:fillRef>
+          <a:effectRef idx="0">
+            <a:schemeClr val="accent1"/>
+          </a:effectRef>
+          <a:fontRef idx="minor">
+            <a:schemeClr val="lt1"/>
+          </a:fontRef>
+        </p:style>
+        <p:txBody>
+          <a:bodyPr rtlCol="0" anchor="ctr"/>
+          <a:lstStyle/>
+          <a:p>
+            <a:pPr algn="ctr"/>
+            <a:endParaRPr lang="fr-FR"/>
+          </a:p>
+        </p:txBody>
+      </p:sp>
+      <p:sp>
+        <p:nvSpPr>
           <p:cNvPr id="2" name="Title 1"/>
           <p:cNvSpPr>
             <a:spLocks noGrp="1"/>
@@ -4979,7 +5549,7 @@
           <a:p>
             <a:r>
               <a:rPr lang="en-GB" dirty="0" smtClean="0"/>
-              <a:t>Conclusion</a:t>
+              <a:t>Data Visualisation</a:t>
             </a:r>
             <a:endParaRPr lang="en-GB" dirty="0"/>
           </a:p>
@@ -4998,7 +5568,7 @@
         <p:spPr>
           <a:xfrm>
             <a:off x="1141413" y="1626209"/>
-            <a:ext cx="9905998" cy="1911648"/>
+            <a:ext cx="9905998" cy="461898"/>
           </a:xfrm>
         </p:spPr>
         <p:txBody>
@@ -5007,6 +5577,911 @@
           </a:bodyPr>
           <a:lstStyle/>
           <a:p>
+            <a:r>
+              <a:rPr lang="en-GB" sz="2100" dirty="0" smtClean="0">
+                <a:effectLst/>
+              </a:rPr>
+              <a:t>Architecture</a:t>
+            </a:r>
+          </a:p>
+          <a:p>
+            <a:endParaRPr lang="en-GB" sz="2100" dirty="0">
+              <a:effectLst/>
+            </a:endParaRPr>
+          </a:p>
+        </p:txBody>
+      </p:sp>
+      <p:sp>
+        <p:nvSpPr>
+          <p:cNvPr id="4" name="Organigramme : Disque magnétique 3"/>
+          <p:cNvSpPr/>
+          <p:nvPr/>
+        </p:nvSpPr>
+        <p:spPr>
+          <a:xfrm>
+            <a:off x="8884689" y="3111323"/>
+            <a:ext cx="1187356" cy="2051249"/>
+          </a:xfrm>
+          <a:prstGeom prst="flowChartMagneticDisk">
+            <a:avLst/>
+          </a:prstGeom>
+          <a:solidFill>
+            <a:schemeClr val="bg1"/>
+          </a:solidFill>
+        </p:spPr>
+        <p:style>
+          <a:lnRef idx="2">
+            <a:schemeClr val="accent1">
+              <a:shade val="50000"/>
+            </a:schemeClr>
+          </a:lnRef>
+          <a:fillRef idx="1">
+            <a:schemeClr val="accent1"/>
+          </a:fillRef>
+          <a:effectRef idx="0">
+            <a:schemeClr val="accent1"/>
+          </a:effectRef>
+          <a:fontRef idx="minor">
+            <a:schemeClr val="lt1"/>
+          </a:fontRef>
+        </p:style>
+        <p:txBody>
+          <a:bodyPr rtlCol="0" anchor="ctr"/>
+          <a:lstStyle/>
+          <a:p>
+            <a:pPr algn="ctr"/>
+            <a:r>
+              <a:rPr lang="fr-FR" b="1" dirty="0" smtClean="0">
+                <a:solidFill>
+                  <a:schemeClr val="tx1"/>
+                </a:solidFill>
+              </a:rPr>
+              <a:t>Data Base</a:t>
+            </a:r>
+            <a:endParaRPr lang="fr-FR" b="1" dirty="0">
+              <a:solidFill>
+                <a:schemeClr val="tx1"/>
+              </a:solidFill>
+            </a:endParaRPr>
+          </a:p>
+        </p:txBody>
+      </p:sp>
+      <p:sp>
+        <p:nvSpPr>
+          <p:cNvPr id="5" name="Rectangle à coins arrondis 4"/>
+          <p:cNvSpPr/>
+          <p:nvPr/>
+        </p:nvSpPr>
+        <p:spPr>
+          <a:xfrm>
+            <a:off x="4735769" y="3062278"/>
+            <a:ext cx="1473959" cy="2702633"/>
+          </a:xfrm>
+          <a:prstGeom prst="roundRect">
+            <a:avLst/>
+          </a:prstGeom>
+          <a:solidFill>
+            <a:schemeClr val="bg1"/>
+          </a:solidFill>
+        </p:spPr>
+        <p:style>
+          <a:lnRef idx="2">
+            <a:schemeClr val="accent1">
+              <a:shade val="50000"/>
+            </a:schemeClr>
+          </a:lnRef>
+          <a:fillRef idx="1">
+            <a:schemeClr val="accent1"/>
+          </a:fillRef>
+          <a:effectRef idx="0">
+            <a:schemeClr val="accent1"/>
+          </a:effectRef>
+          <a:fontRef idx="minor">
+            <a:schemeClr val="lt1"/>
+          </a:fontRef>
+        </p:style>
+        <p:txBody>
+          <a:bodyPr rtlCol="0" anchor="ctr"/>
+          <a:lstStyle/>
+          <a:p>
+            <a:pPr algn="ctr"/>
+            <a:r>
+              <a:rPr lang="fr-FR" b="1" dirty="0" smtClean="0">
+                <a:solidFill>
+                  <a:schemeClr val="tx1"/>
+                </a:solidFill>
+              </a:rPr>
+              <a:t>Back end</a:t>
+            </a:r>
+            <a:endParaRPr lang="fr-FR" b="1" dirty="0">
+              <a:solidFill>
+                <a:schemeClr val="tx1"/>
+              </a:solidFill>
+            </a:endParaRPr>
+          </a:p>
+        </p:txBody>
+      </p:sp>
+      <p:sp>
+        <p:nvSpPr>
+          <p:cNvPr id="6" name="Rectangle à coins arrondis 5"/>
+          <p:cNvSpPr/>
+          <p:nvPr/>
+        </p:nvSpPr>
+        <p:spPr>
+          <a:xfrm>
+            <a:off x="2954737" y="3062278"/>
+            <a:ext cx="1473959" cy="2702633"/>
+          </a:xfrm>
+          <a:prstGeom prst="roundRect">
+            <a:avLst/>
+          </a:prstGeom>
+          <a:solidFill>
+            <a:schemeClr val="bg1"/>
+          </a:solidFill>
+        </p:spPr>
+        <p:style>
+          <a:lnRef idx="2">
+            <a:schemeClr val="accent1">
+              <a:shade val="50000"/>
+            </a:schemeClr>
+          </a:lnRef>
+          <a:fillRef idx="1">
+            <a:schemeClr val="accent1"/>
+          </a:fillRef>
+          <a:effectRef idx="0">
+            <a:schemeClr val="accent1"/>
+          </a:effectRef>
+          <a:fontRef idx="minor">
+            <a:schemeClr val="lt1"/>
+          </a:fontRef>
+        </p:style>
+        <p:txBody>
+          <a:bodyPr rtlCol="0" anchor="ctr"/>
+          <a:lstStyle/>
+          <a:p>
+            <a:pPr algn="ctr"/>
+            <a:r>
+              <a:rPr lang="fr-FR" b="1" dirty="0" smtClean="0">
+                <a:solidFill>
+                  <a:schemeClr val="tx1"/>
+                </a:solidFill>
+              </a:rPr>
+              <a:t>Front end</a:t>
+            </a:r>
+            <a:endParaRPr lang="fr-FR" b="1" dirty="0">
+              <a:solidFill>
+                <a:schemeClr val="tx1"/>
+              </a:solidFill>
+            </a:endParaRPr>
+          </a:p>
+        </p:txBody>
+      </p:sp>
+      <p:sp>
+        <p:nvSpPr>
+          <p:cNvPr id="7" name="Double flèche horizontale 6"/>
+          <p:cNvSpPr/>
+          <p:nvPr/>
+        </p:nvSpPr>
+        <p:spPr>
+          <a:xfrm>
+            <a:off x="6209728" y="4005619"/>
+            <a:ext cx="2674961" cy="154818"/>
+          </a:xfrm>
+          <a:prstGeom prst="leftRightArrow">
+            <a:avLst/>
+          </a:prstGeom>
+        </p:spPr>
+        <p:style>
+          <a:lnRef idx="2">
+            <a:schemeClr val="accent1">
+              <a:shade val="50000"/>
+            </a:schemeClr>
+          </a:lnRef>
+          <a:fillRef idx="1">
+            <a:schemeClr val="accent1"/>
+          </a:fillRef>
+          <a:effectRef idx="0">
+            <a:schemeClr val="accent1"/>
+          </a:effectRef>
+          <a:fontRef idx="minor">
+            <a:schemeClr val="lt1"/>
+          </a:fontRef>
+        </p:style>
+        <p:txBody>
+          <a:bodyPr rtlCol="0" anchor="ctr"/>
+          <a:lstStyle/>
+          <a:p>
+            <a:pPr algn="ctr"/>
+            <a:endParaRPr lang="fr-FR"/>
+          </a:p>
+        </p:txBody>
+      </p:sp>
+      <p:sp>
+        <p:nvSpPr>
+          <p:cNvPr id="8" name="ZoneTexte 7"/>
+          <p:cNvSpPr txBox="1"/>
+          <p:nvPr/>
+        </p:nvSpPr>
+        <p:spPr>
+          <a:xfrm>
+            <a:off x="7130999" y="3118384"/>
+            <a:ext cx="1105469" cy="369332"/>
+          </a:xfrm>
+          <a:prstGeom prst="rect">
+            <a:avLst/>
+          </a:prstGeom>
+          <a:noFill/>
+        </p:spPr>
+        <p:txBody>
+          <a:bodyPr wrap="square" rtlCol="0">
+            <a:spAutoFit/>
+          </a:bodyPr>
+          <a:lstStyle/>
+          <a:p>
+            <a:r>
+              <a:rPr lang="en-GB" dirty="0" smtClean="0"/>
+              <a:t>Querying</a:t>
+            </a:r>
+            <a:endParaRPr lang="en-GB" dirty="0"/>
+          </a:p>
+        </p:txBody>
+      </p:sp>
+      <p:pic>
+        <p:nvPicPr>
+          <p:cNvPr id="2050" name="Picture 2" descr="C:\Users\Student\Desktop\od_json_icon-big.gif"/>
+          <p:cNvPicPr>
+            <a:picLocks noChangeAspect="1" noChangeArrowheads="1"/>
+          </p:cNvPicPr>
+          <p:nvPr/>
+        </p:nvPicPr>
+        <p:blipFill>
+          <a:blip r:embed="rId3">
+            <a:extLst>
+              <a:ext uri="{28A0092B-C50C-407E-A947-70E740481C1C}">
+                <a14:useLocalDpi xmlns:a14="http://schemas.microsoft.com/office/drawing/2010/main" val="0"/>
+              </a:ext>
+            </a:extLst>
+          </a:blip>
+          <a:srcRect/>
+          <a:stretch>
+            <a:fillRect/>
+          </a:stretch>
+        </p:blipFill>
+        <p:spPr bwMode="auto">
+          <a:xfrm>
+            <a:off x="7383525" y="3689129"/>
+            <a:ext cx="428626" cy="632980"/>
+          </a:xfrm>
+          <a:prstGeom prst="rect">
+            <a:avLst/>
+          </a:prstGeom>
+          <a:noFill/>
+          <a:extLst>
+            <a:ext uri="{909E8E84-426E-40DD-AFC4-6F175D3DCCD1}">
+              <a14:hiddenFill xmlns:a14="http://schemas.microsoft.com/office/drawing/2010/main">
+                <a:solidFill>
+                  <a:srgbClr val="FFFFFF"/>
+                </a:solidFill>
+              </a14:hiddenFill>
+            </a:ext>
+          </a:extLst>
+        </p:spPr>
+      </p:pic>
+      <p:pic>
+        <p:nvPicPr>
+          <p:cNvPr id="2051" name="Picture 3" descr="C:\Users\Student\Desktop\download.png"/>
+          <p:cNvPicPr>
+            <a:picLocks noChangeAspect="1" noChangeArrowheads="1"/>
+          </p:cNvPicPr>
+          <p:nvPr/>
+        </p:nvPicPr>
+        <p:blipFill>
+          <a:blip r:embed="rId4">
+            <a:extLst>
+              <a:ext uri="{28A0092B-C50C-407E-A947-70E740481C1C}">
+                <a14:useLocalDpi xmlns:a14="http://schemas.microsoft.com/office/drawing/2010/main" val="0"/>
+              </a:ext>
+            </a:extLst>
+          </a:blip>
+          <a:srcRect/>
+          <a:stretch>
+            <a:fillRect/>
+          </a:stretch>
+        </p:blipFill>
+        <p:spPr bwMode="auto">
+          <a:xfrm>
+            <a:off x="4195155" y="2196431"/>
+            <a:ext cx="2014573" cy="584911"/>
+          </a:xfrm>
+          <a:prstGeom prst="rect">
+            <a:avLst/>
+          </a:prstGeom>
+          <a:noFill/>
+          <a:extLst>
+            <a:ext uri="{909E8E84-426E-40DD-AFC4-6F175D3DCCD1}">
+              <a14:hiddenFill xmlns:a14="http://schemas.microsoft.com/office/drawing/2010/main">
+                <a:solidFill>
+                  <a:srgbClr val="FFFFFF"/>
+                </a:solidFill>
+              </a14:hiddenFill>
+            </a:ext>
+          </a:extLst>
+        </p:spPr>
+      </p:pic>
+      <p:pic>
+        <p:nvPicPr>
+          <p:cNvPr id="2052" name="Picture 4" descr="C:\Users\Student\Desktop\download (1).png"/>
+          <p:cNvPicPr>
+            <a:picLocks noChangeAspect="1" noChangeArrowheads="1"/>
+          </p:cNvPicPr>
+          <p:nvPr/>
+        </p:nvPicPr>
+        <p:blipFill>
+          <a:blip r:embed="rId5" cstate="print">
+            <a:extLst>
+              <a:ext uri="{28A0092B-C50C-407E-A947-70E740481C1C}">
+                <a14:useLocalDpi xmlns:a14="http://schemas.microsoft.com/office/drawing/2010/main" val="0"/>
+              </a:ext>
+            </a:extLst>
+          </a:blip>
+          <a:srcRect/>
+          <a:stretch>
+            <a:fillRect/>
+          </a:stretch>
+        </p:blipFill>
+        <p:spPr bwMode="auto">
+          <a:xfrm>
+            <a:off x="9040579" y="4586085"/>
+            <a:ext cx="875575" cy="387174"/>
+          </a:xfrm>
+          <a:prstGeom prst="rect">
+            <a:avLst/>
+          </a:prstGeom>
+          <a:noFill/>
+          <a:extLst>
+            <a:ext uri="{909E8E84-426E-40DD-AFC4-6F175D3DCCD1}">
+              <a14:hiddenFill xmlns:a14="http://schemas.microsoft.com/office/drawing/2010/main">
+                <a:solidFill>
+                  <a:srgbClr val="FFFFFF"/>
+                </a:solidFill>
+              </a14:hiddenFill>
+            </a:ext>
+          </a:extLst>
+        </p:spPr>
+      </p:pic>
+      <p:sp>
+        <p:nvSpPr>
+          <p:cNvPr id="12" name="ZoneTexte 11"/>
+          <p:cNvSpPr txBox="1"/>
+          <p:nvPr/>
+        </p:nvSpPr>
+        <p:spPr>
+          <a:xfrm>
+            <a:off x="2640850" y="2237375"/>
+            <a:ext cx="1078173" cy="369332"/>
+          </a:xfrm>
+          <a:prstGeom prst="rect">
+            <a:avLst/>
+          </a:prstGeom>
+          <a:noFill/>
+        </p:spPr>
+        <p:txBody>
+          <a:bodyPr wrap="square" rtlCol="0">
+            <a:spAutoFit/>
+          </a:bodyPr>
+          <a:lstStyle/>
+          <a:p>
+            <a:r>
+              <a:rPr lang="fr-FR" b="1" i="1" u="sng" dirty="0" smtClean="0"/>
+              <a:t>Web App</a:t>
+            </a:r>
+            <a:endParaRPr lang="fr-FR" b="1" i="1" u="sng" dirty="0"/>
+          </a:p>
+        </p:txBody>
+      </p:sp>
+      <p:sp>
+        <p:nvSpPr>
+          <p:cNvPr id="16" name="Double flèche horizontale 15"/>
+          <p:cNvSpPr/>
+          <p:nvPr/>
+        </p:nvSpPr>
+        <p:spPr>
+          <a:xfrm>
+            <a:off x="4428696" y="4270776"/>
+            <a:ext cx="296921" cy="203733"/>
+          </a:xfrm>
+          <a:prstGeom prst="leftRightArrow">
+            <a:avLst/>
+          </a:prstGeom>
+        </p:spPr>
+        <p:style>
+          <a:lnRef idx="2">
+            <a:schemeClr val="accent1">
+              <a:shade val="50000"/>
+            </a:schemeClr>
+          </a:lnRef>
+          <a:fillRef idx="1">
+            <a:schemeClr val="accent1"/>
+          </a:fillRef>
+          <a:effectRef idx="0">
+            <a:schemeClr val="accent1"/>
+          </a:effectRef>
+          <a:fontRef idx="minor">
+            <a:schemeClr val="lt1"/>
+          </a:fontRef>
+        </p:style>
+        <p:txBody>
+          <a:bodyPr rtlCol="0" anchor="ctr"/>
+          <a:lstStyle/>
+          <a:p>
+            <a:pPr algn="ctr"/>
+            <a:endParaRPr lang="fr-FR"/>
+          </a:p>
+        </p:txBody>
+      </p:sp>
+      <p:pic>
+        <p:nvPicPr>
+          <p:cNvPr id="2053" name="Picture 5" descr="C:\Users\Student\Desktop\d3-icon.png"/>
+          <p:cNvPicPr>
+            <a:picLocks noChangeAspect="1" noChangeArrowheads="1"/>
+          </p:cNvPicPr>
+          <p:nvPr/>
+        </p:nvPicPr>
+        <p:blipFill>
+          <a:blip r:embed="rId6">
+            <a:extLst>
+              <a:ext uri="{28A0092B-C50C-407E-A947-70E740481C1C}">
+                <a14:useLocalDpi xmlns:a14="http://schemas.microsoft.com/office/drawing/2010/main" val="0"/>
+              </a:ext>
+            </a:extLst>
+          </a:blip>
+          <a:srcRect/>
+          <a:stretch>
+            <a:fillRect/>
+          </a:stretch>
+        </p:blipFill>
+        <p:spPr bwMode="auto">
+          <a:xfrm>
+            <a:off x="3754445" y="4971500"/>
+            <a:ext cx="616251" cy="672207"/>
+          </a:xfrm>
+          <a:prstGeom prst="rect">
+            <a:avLst/>
+          </a:prstGeom>
+          <a:noFill/>
+          <a:extLst>
+            <a:ext uri="{909E8E84-426E-40DD-AFC4-6F175D3DCCD1}">
+              <a14:hiddenFill xmlns:a14="http://schemas.microsoft.com/office/drawing/2010/main">
+                <a:solidFill>
+                  <a:srgbClr val="FFFFFF"/>
+                </a:solidFill>
+              </a14:hiddenFill>
+            </a:ext>
+          </a:extLst>
+        </p:spPr>
+      </p:pic>
+      <p:pic>
+        <p:nvPicPr>
+          <p:cNvPr id="2055" name="Picture 7" descr="C:\Users\Student\Desktop\download (2).png"/>
+          <p:cNvPicPr>
+            <a:picLocks noChangeAspect="1" noChangeArrowheads="1"/>
+          </p:cNvPicPr>
+          <p:nvPr/>
+        </p:nvPicPr>
+        <p:blipFill>
+          <a:blip r:embed="rId7" cstate="print">
+            <a:extLst>
+              <a:ext uri="{28A0092B-C50C-407E-A947-70E740481C1C}">
+                <a14:useLocalDpi xmlns:a14="http://schemas.microsoft.com/office/drawing/2010/main" val="0"/>
+              </a:ext>
+            </a:extLst>
+          </a:blip>
+          <a:srcRect/>
+          <a:stretch>
+            <a:fillRect/>
+          </a:stretch>
+        </p:blipFill>
+        <p:spPr bwMode="auto">
+          <a:xfrm>
+            <a:off x="5202441" y="5041961"/>
+            <a:ext cx="929303" cy="531283"/>
+          </a:xfrm>
+          <a:prstGeom prst="rect">
+            <a:avLst/>
+          </a:prstGeom>
+          <a:noFill/>
+          <a:extLst>
+            <a:ext uri="{909E8E84-426E-40DD-AFC4-6F175D3DCCD1}">
+              <a14:hiddenFill xmlns:a14="http://schemas.microsoft.com/office/drawing/2010/main">
+                <a:solidFill>
+                  <a:srgbClr val="FFFFFF"/>
+                </a:solidFill>
+              </a14:hiddenFill>
+            </a:ext>
+          </a:extLst>
+        </p:spPr>
+      </p:pic>
+      <p:pic>
+        <p:nvPicPr>
+          <p:cNvPr id="2056" name="Picture 8" descr="C:\Users\Student\Desktop\geojson-8304.png"/>
+          <p:cNvPicPr>
+            <a:picLocks noChangeAspect="1" noChangeArrowheads="1"/>
+          </p:cNvPicPr>
+          <p:nvPr/>
+        </p:nvPicPr>
+        <p:blipFill>
+          <a:blip r:embed="rId8">
+            <a:extLst>
+              <a:ext uri="{28A0092B-C50C-407E-A947-70E740481C1C}">
+                <a14:useLocalDpi xmlns:a14="http://schemas.microsoft.com/office/drawing/2010/main" val="0"/>
+              </a:ext>
+            </a:extLst>
+          </a:blip>
+          <a:srcRect/>
+          <a:stretch>
+            <a:fillRect/>
+          </a:stretch>
+        </p:blipFill>
+        <p:spPr bwMode="auto">
+          <a:xfrm>
+            <a:off x="4141927" y="5911909"/>
+            <a:ext cx="593842" cy="593842"/>
+          </a:xfrm>
+          <a:prstGeom prst="rect">
+            <a:avLst/>
+          </a:prstGeom>
+          <a:noFill/>
+          <a:extLst>
+            <a:ext uri="{909E8E84-426E-40DD-AFC4-6F175D3DCCD1}">
+              <a14:hiddenFill xmlns:a14="http://schemas.microsoft.com/office/drawing/2010/main">
+                <a:solidFill>
+                  <a:srgbClr val="FFFFFF"/>
+                </a:solidFill>
+              </a14:hiddenFill>
+            </a:ext>
+          </a:extLst>
+        </p:spPr>
+      </p:pic>
+      <p:pic>
+        <p:nvPicPr>
+          <p:cNvPr id="21" name="Picture 8" descr="C:\Users\Student\Desktop\geojson-8304.png"/>
+          <p:cNvPicPr>
+            <a:picLocks noChangeAspect="1" noChangeArrowheads="1"/>
+          </p:cNvPicPr>
+          <p:nvPr/>
+        </p:nvPicPr>
+        <p:blipFill>
+          <a:blip r:embed="rId8">
+            <a:extLst>
+              <a:ext uri="{28A0092B-C50C-407E-A947-70E740481C1C}">
+                <a14:useLocalDpi xmlns:a14="http://schemas.microsoft.com/office/drawing/2010/main" val="0"/>
+              </a:ext>
+            </a:extLst>
+          </a:blip>
+          <a:srcRect/>
+          <a:stretch>
+            <a:fillRect/>
+          </a:stretch>
+        </p:blipFill>
+        <p:spPr bwMode="auto">
+          <a:xfrm>
+            <a:off x="4195155" y="6079912"/>
+            <a:ext cx="593842" cy="593842"/>
+          </a:xfrm>
+          <a:prstGeom prst="rect">
+            <a:avLst/>
+          </a:prstGeom>
+          <a:noFill/>
+          <a:extLst>
+            <a:ext uri="{909E8E84-426E-40DD-AFC4-6F175D3DCCD1}">
+              <a14:hiddenFill xmlns:a14="http://schemas.microsoft.com/office/drawing/2010/main">
+                <a:solidFill>
+                  <a:srgbClr val="FFFFFF"/>
+                </a:solidFill>
+              </a14:hiddenFill>
+            </a:ext>
+          </a:extLst>
+        </p:spPr>
+      </p:pic>
+      <p:pic>
+        <p:nvPicPr>
+          <p:cNvPr id="22" name="Picture 2" descr="C:\Users\Student\Desktop\od_json_icon-big.gif"/>
+          <p:cNvPicPr>
+            <a:picLocks noChangeAspect="1" noChangeArrowheads="1"/>
+          </p:cNvPicPr>
+          <p:nvPr/>
+        </p:nvPicPr>
+        <p:blipFill>
+          <a:blip r:embed="rId3">
+            <a:extLst>
+              <a:ext uri="{28A0092B-C50C-407E-A947-70E740481C1C}">
+                <a14:useLocalDpi xmlns:a14="http://schemas.microsoft.com/office/drawing/2010/main" val="0"/>
+              </a:ext>
+            </a:extLst>
+          </a:blip>
+          <a:srcRect/>
+          <a:stretch>
+            <a:fillRect/>
+          </a:stretch>
+        </p:blipFill>
+        <p:spPr bwMode="auto">
+          <a:xfrm>
+            <a:off x="7469420" y="3791031"/>
+            <a:ext cx="428626" cy="632980"/>
+          </a:xfrm>
+          <a:prstGeom prst="rect">
+            <a:avLst/>
+          </a:prstGeom>
+          <a:noFill/>
+          <a:extLst>
+            <a:ext uri="{909E8E84-426E-40DD-AFC4-6F175D3DCCD1}">
+              <a14:hiddenFill xmlns:a14="http://schemas.microsoft.com/office/drawing/2010/main">
+                <a:solidFill>
+                  <a:srgbClr val="FFFFFF"/>
+                </a:solidFill>
+              </a14:hiddenFill>
+            </a:ext>
+          </a:extLst>
+        </p:spPr>
+      </p:pic>
+      <p:pic>
+        <p:nvPicPr>
+          <p:cNvPr id="23" name="Picture 2" descr="C:\Users\Student\Desktop\od_json_icon-big.gif"/>
+          <p:cNvPicPr>
+            <a:picLocks noChangeAspect="1" noChangeArrowheads="1"/>
+          </p:cNvPicPr>
+          <p:nvPr/>
+        </p:nvPicPr>
+        <p:blipFill>
+          <a:blip r:embed="rId3">
+            <a:extLst>
+              <a:ext uri="{28A0092B-C50C-407E-A947-70E740481C1C}">
+                <a14:useLocalDpi xmlns:a14="http://schemas.microsoft.com/office/drawing/2010/main" val="0"/>
+              </a:ext>
+            </a:extLst>
+          </a:blip>
+          <a:srcRect/>
+          <a:stretch>
+            <a:fillRect/>
+          </a:stretch>
+        </p:blipFill>
+        <p:spPr bwMode="auto">
+          <a:xfrm>
+            <a:off x="7535925" y="3841529"/>
+            <a:ext cx="428626" cy="632980"/>
+          </a:xfrm>
+          <a:prstGeom prst="rect">
+            <a:avLst/>
+          </a:prstGeom>
+          <a:noFill/>
+          <a:extLst>
+            <a:ext uri="{909E8E84-426E-40DD-AFC4-6F175D3DCCD1}">
+              <a14:hiddenFill xmlns:a14="http://schemas.microsoft.com/office/drawing/2010/main">
+                <a:solidFill>
+                  <a:srgbClr val="FFFFFF"/>
+                </a:solidFill>
+              </a14:hiddenFill>
+            </a:ext>
+          </a:extLst>
+        </p:spPr>
+      </p:pic>
+      <p:pic>
+        <p:nvPicPr>
+          <p:cNvPr id="25" name="Picture 8" descr="C:\Users\Student\Desktop\geojson-8304.png"/>
+          <p:cNvPicPr>
+            <a:picLocks noChangeAspect="1" noChangeArrowheads="1"/>
+          </p:cNvPicPr>
+          <p:nvPr/>
+        </p:nvPicPr>
+        <p:blipFill>
+          <a:blip r:embed="rId8">
+            <a:extLst>
+              <a:ext uri="{28A0092B-C50C-407E-A947-70E740481C1C}">
+                <a14:useLocalDpi xmlns:a14="http://schemas.microsoft.com/office/drawing/2010/main" val="0"/>
+              </a:ext>
+            </a:extLst>
+          </a:blip>
+          <a:srcRect/>
+          <a:stretch>
+            <a:fillRect/>
+          </a:stretch>
+        </p:blipFill>
+        <p:spPr bwMode="auto">
+          <a:xfrm>
+            <a:off x="4428696" y="5911909"/>
+            <a:ext cx="593842" cy="593842"/>
+          </a:xfrm>
+          <a:prstGeom prst="rect">
+            <a:avLst/>
+          </a:prstGeom>
+          <a:noFill/>
+          <a:extLst>
+            <a:ext uri="{909E8E84-426E-40DD-AFC4-6F175D3DCCD1}">
+              <a14:hiddenFill xmlns:a14="http://schemas.microsoft.com/office/drawing/2010/main">
+                <a:solidFill>
+                  <a:srgbClr val="FFFFFF"/>
+                </a:solidFill>
+              </a14:hiddenFill>
+            </a:ext>
+          </a:extLst>
+        </p:spPr>
+      </p:pic>
+      <p:sp>
+        <p:nvSpPr>
+          <p:cNvPr id="27" name="Double flèche horizontale 26"/>
+          <p:cNvSpPr/>
+          <p:nvPr/>
+        </p:nvSpPr>
+        <p:spPr>
+          <a:xfrm rot="2246952">
+            <a:off x="4381496" y="5711998"/>
+            <a:ext cx="239910" cy="161728"/>
+          </a:xfrm>
+          <a:prstGeom prst="leftRightArrow">
+            <a:avLst/>
+          </a:prstGeom>
+        </p:spPr>
+        <p:style>
+          <a:lnRef idx="2">
+            <a:schemeClr val="accent1">
+              <a:shade val="50000"/>
+            </a:schemeClr>
+          </a:lnRef>
+          <a:fillRef idx="1">
+            <a:schemeClr val="accent1"/>
+          </a:fillRef>
+          <a:effectRef idx="0">
+            <a:schemeClr val="accent1"/>
+          </a:effectRef>
+          <a:fontRef idx="minor">
+            <a:schemeClr val="lt1"/>
+          </a:fontRef>
+        </p:style>
+        <p:txBody>
+          <a:bodyPr rtlCol="0" anchor="ctr"/>
+          <a:lstStyle/>
+          <a:p>
+            <a:pPr algn="ctr"/>
+            <a:endParaRPr lang="fr-FR"/>
+          </a:p>
+        </p:txBody>
+      </p:sp>
+    </p:spTree>
+    <p:extLst>
+      <p:ext uri="{BB962C8B-B14F-4D97-AF65-F5344CB8AC3E}">
+        <p14:creationId xmlns:p14="http://schemas.microsoft.com/office/powerpoint/2010/main" val="4230825081"/>
+      </p:ext>
+    </p:extLst>
+  </p:cSld>
+  <p:clrMapOvr>
+    <a:masterClrMapping/>
+  </p:clrMapOvr>
+  <p:timing>
+    <p:tnLst>
+      <p:par>
+        <p:cTn id="1" dur="indefinite" restart="never" nodeType="tmRoot"/>
+      </p:par>
+    </p:tnLst>
+  </p:timing>
+</p:sld>
+</file>
+
+<file path=ppt/slides/slide11.xml><?xml version="1.0" encoding="utf-8"?>
+<p:sld xmlns:a="http://schemas.openxmlformats.org/drawingml/2006/main" xmlns:r="http://schemas.openxmlformats.org/officeDocument/2006/relationships" xmlns:p="http://schemas.openxmlformats.org/presentationml/2006/main">
+  <p:cSld>
+    <p:spTree>
+      <p:nvGrpSpPr>
+        <p:cNvPr id="1" name=""/>
+        <p:cNvGrpSpPr/>
+        <p:nvPr/>
+      </p:nvGrpSpPr>
+      <p:grpSpPr>
+        <a:xfrm>
+          <a:off x="0" y="0"/>
+          <a:ext cx="0" cy="0"/>
+          <a:chOff x="0" y="0"/>
+          <a:chExt cx="0" cy="0"/>
+        </a:xfrm>
+      </p:grpSpPr>
+      <p:sp>
+        <p:nvSpPr>
+          <p:cNvPr id="2" name="Title 1"/>
+          <p:cNvSpPr>
+            <a:spLocks noGrp="1"/>
+          </p:cNvSpPr>
+          <p:nvPr>
+            <p:ph type="title"/>
+          </p:nvPr>
+        </p:nvSpPr>
+        <p:spPr/>
+        <p:txBody>
+          <a:bodyPr/>
+          <a:lstStyle/>
+          <a:p>
+            <a:r>
+              <a:rPr lang="en-GB" dirty="0" smtClean="0"/>
+              <a:t>Conclusion</a:t>
+            </a:r>
+            <a:endParaRPr lang="en-GB" dirty="0"/>
+          </a:p>
+        </p:txBody>
+      </p:sp>
+      <p:sp>
+        <p:nvSpPr>
+          <p:cNvPr id="3" name="Content Placeholder 2"/>
+          <p:cNvSpPr>
+            <a:spLocks noGrp="1"/>
+          </p:cNvSpPr>
+          <p:nvPr>
+            <p:ph idx="1"/>
+          </p:nvPr>
+        </p:nvSpPr>
+        <p:spPr>
+          <a:xfrm>
+            <a:off x="1141413" y="1626209"/>
+            <a:ext cx="9864044" cy="3770384"/>
+          </a:xfrm>
+        </p:spPr>
+        <p:txBody>
+          <a:bodyPr>
+            <a:normAutofit/>
+          </a:bodyPr>
+          <a:lstStyle/>
+          <a:p>
+            <a:pPr marL="0" indent="0">
+              <a:buNone/>
+            </a:pPr>
+            <a:r>
+              <a:rPr lang="en-GB" sz="2100" b="1" dirty="0" smtClean="0">
+                <a:effectLst/>
+              </a:rPr>
+              <a:t>Potential</a:t>
+            </a:r>
+          </a:p>
+          <a:p>
+            <a:r>
+              <a:rPr lang="en-GB" sz="2100" dirty="0" smtClean="0"/>
+              <a:t>Other people have visualised crime rates but rarely go beyond just reporting the numbers. </a:t>
+            </a:r>
+          </a:p>
+          <a:p>
+            <a:r>
+              <a:rPr lang="en-GB" sz="2100" dirty="0" smtClean="0">
+                <a:effectLst/>
+              </a:rPr>
+              <a:t>We have just scraped the surface. </a:t>
+            </a:r>
+          </a:p>
+          <a:p>
+            <a:pPr marL="0" indent="0">
+              <a:buNone/>
+            </a:pPr>
+            <a:r>
+              <a:rPr lang="en-GB" sz="2100" b="1" dirty="0" smtClean="0"/>
+              <a:t>What we learnt</a:t>
+            </a:r>
+          </a:p>
+          <a:p>
+            <a:r>
+              <a:rPr lang="en-GB" sz="2100" dirty="0" smtClean="0">
+                <a:effectLst/>
+              </a:rPr>
+              <a:t>The entire pipeline. </a:t>
+            </a:r>
+          </a:p>
+          <a:p>
+            <a:r>
+              <a:rPr lang="en-GB" sz="2100" dirty="0" smtClean="0"/>
+              <a:t>Different challenges of big data</a:t>
+            </a:r>
+          </a:p>
+          <a:p>
+            <a:r>
+              <a:rPr lang="en-GB" sz="2100" dirty="0" smtClean="0">
+                <a:effectLst/>
+              </a:rPr>
+              <a:t>Having good communication documentation and teamwork</a:t>
+            </a:r>
             <a:endParaRPr lang="en-GB" sz="2100" dirty="0">
               <a:effectLst/>
             </a:endParaRPr>
@@ -5517,7 +6992,7 @@
           <a:p>
             <a:r>
               <a:rPr lang="en-GB" dirty="0" smtClean="0"/>
-              <a:t>Technical implementation</a:t>
+              <a:t>Demo</a:t>
             </a:r>
             <a:endParaRPr lang="en-GB" dirty="0"/>
           </a:p>
@@ -5533,28 +7008,19 @@
             <p:ph idx="1"/>
           </p:nvPr>
         </p:nvSpPr>
-        <p:spPr>
-          <a:xfrm>
-            <a:off x="1141413" y="1626209"/>
-            <a:ext cx="9905998" cy="1911648"/>
-          </a:xfrm>
-        </p:spPr>
-        <p:txBody>
-          <a:bodyPr>
-            <a:normAutofit/>
-          </a:bodyPr>
+        <p:spPr/>
+        <p:txBody>
+          <a:bodyPr/>
           <a:lstStyle/>
           <a:p>
-            <a:endParaRPr lang="en-GB" sz="2100" dirty="0">
-              <a:effectLst/>
-            </a:endParaRPr>
+            <a:endParaRPr lang="en-GB"/>
           </a:p>
         </p:txBody>
       </p:sp>
     </p:spTree>
     <p:extLst>
       <p:ext uri="{BB962C8B-B14F-4D97-AF65-F5344CB8AC3E}">
-        <p14:creationId xmlns:p14="http://schemas.microsoft.com/office/powerpoint/2010/main" val="2875392932"/>
+        <p14:creationId xmlns:p14="http://schemas.microsoft.com/office/powerpoint/2010/main" val="2457982103"/>
       </p:ext>
     </p:extLst>
   </p:cSld>
@@ -5605,44 +7071,643 @@
           <a:p>
             <a:r>
               <a:rPr lang="en-GB" dirty="0" smtClean="0"/>
-              <a:t>Data Collection</a:t>
+              <a:t>Technical implementation</a:t>
             </a:r>
             <a:endParaRPr lang="en-GB" dirty="0"/>
           </a:p>
         </p:txBody>
       </p:sp>
-      <p:sp>
-        <p:nvSpPr>
-          <p:cNvPr id="3" name="Content Placeholder 2"/>
-          <p:cNvSpPr>
-            <a:spLocks noGrp="1"/>
-          </p:cNvSpPr>
-          <p:nvPr>
-            <p:ph idx="1"/>
-          </p:nvPr>
-        </p:nvSpPr>
-        <p:spPr>
+      <p:grpSp>
+        <p:nvGrpSpPr>
+          <p:cNvPr id="91" name="Groupe 90"/>
+          <p:cNvGrpSpPr/>
+          <p:nvPr/>
+        </p:nvGrpSpPr>
+        <p:grpSpPr>
           <a:xfrm>
-            <a:off x="1141413" y="1626209"/>
-            <a:ext cx="9905998" cy="1911648"/>
+            <a:off x="1064509" y="2139131"/>
+            <a:ext cx="10084905" cy="3393155"/>
+            <a:chOff x="1064509" y="2014279"/>
+            <a:chExt cx="10084905" cy="3393155"/>
           </a:xfrm>
-        </p:spPr>
-        <p:txBody>
-          <a:bodyPr>
-            <a:normAutofit/>
-          </a:bodyPr>
-          <a:lstStyle/>
-          <a:p>
-            <a:endParaRPr lang="en-GB" sz="2100" dirty="0">
-              <a:effectLst/>
-            </a:endParaRPr>
-          </a:p>
-        </p:txBody>
-      </p:sp>
+        </p:grpSpPr>
+        <p:sp>
+          <p:nvSpPr>
+            <p:cNvPr id="5" name="Rectangle à coins arrondis 4"/>
+            <p:cNvSpPr/>
+            <p:nvPr/>
+          </p:nvSpPr>
+          <p:spPr>
+            <a:xfrm>
+              <a:off x="1064509" y="2024777"/>
+              <a:ext cx="1872208" cy="1080120"/>
+            </a:xfrm>
+            <a:prstGeom prst="roundRect">
+              <a:avLst/>
+            </a:prstGeom>
+            <a:solidFill>
+              <a:schemeClr val="bg1">
+                <a:lumMod val="95000"/>
+              </a:schemeClr>
+            </a:solidFill>
+            <a:ln>
+              <a:solidFill>
+                <a:schemeClr val="tx1">
+                  <a:lumMod val="65000"/>
+                  <a:lumOff val="35000"/>
+                </a:schemeClr>
+              </a:solidFill>
+            </a:ln>
+          </p:spPr>
+          <p:style>
+            <a:lnRef idx="2">
+              <a:schemeClr val="accent1">
+                <a:shade val="50000"/>
+              </a:schemeClr>
+            </a:lnRef>
+            <a:fillRef idx="1">
+              <a:schemeClr val="accent1"/>
+            </a:fillRef>
+            <a:effectRef idx="0">
+              <a:schemeClr val="accent1"/>
+            </a:effectRef>
+            <a:fontRef idx="minor">
+              <a:schemeClr val="lt1"/>
+            </a:fontRef>
+          </p:style>
+          <p:txBody>
+            <a:bodyPr rtlCol="0" anchor="ctr"/>
+            <a:lstStyle/>
+            <a:p>
+              <a:pPr algn="ctr"/>
+              <a:r>
+                <a:rPr lang="en-GB" b="1" dirty="0" smtClean="0">
+                  <a:solidFill>
+                    <a:schemeClr val="tx1"/>
+                  </a:solidFill>
+                </a:rPr>
+                <a:t>Data Collection</a:t>
+              </a:r>
+              <a:endParaRPr lang="en-GB" b="1" dirty="0">
+                <a:solidFill>
+                  <a:schemeClr val="tx1"/>
+                </a:solidFill>
+              </a:endParaRPr>
+            </a:p>
+          </p:txBody>
+        </p:sp>
+        <p:sp>
+          <p:nvSpPr>
+            <p:cNvPr id="6" name="Rectangle à coins arrondis 5"/>
+            <p:cNvSpPr/>
+            <p:nvPr/>
+          </p:nvSpPr>
+          <p:spPr>
+            <a:xfrm>
+              <a:off x="7017115" y="4327313"/>
+              <a:ext cx="1872208" cy="1080120"/>
+            </a:xfrm>
+            <a:prstGeom prst="roundRect">
+              <a:avLst/>
+            </a:prstGeom>
+            <a:solidFill>
+              <a:schemeClr val="bg1">
+                <a:lumMod val="95000"/>
+              </a:schemeClr>
+            </a:solidFill>
+            <a:ln>
+              <a:solidFill>
+                <a:schemeClr val="tx1">
+                  <a:lumMod val="65000"/>
+                  <a:lumOff val="35000"/>
+                </a:schemeClr>
+              </a:solidFill>
+            </a:ln>
+          </p:spPr>
+          <p:style>
+            <a:lnRef idx="2">
+              <a:schemeClr val="accent1">
+                <a:shade val="50000"/>
+              </a:schemeClr>
+            </a:lnRef>
+            <a:fillRef idx="1">
+              <a:schemeClr val="accent1"/>
+            </a:fillRef>
+            <a:effectRef idx="0">
+              <a:schemeClr val="accent1"/>
+            </a:effectRef>
+            <a:fontRef idx="minor">
+              <a:schemeClr val="lt1"/>
+            </a:fontRef>
+          </p:style>
+          <p:txBody>
+            <a:bodyPr rtlCol="0" anchor="ctr"/>
+            <a:lstStyle/>
+            <a:p>
+              <a:pPr algn="ctr"/>
+              <a:r>
+                <a:rPr lang="en-GB" b="1" dirty="0" smtClean="0">
+                  <a:solidFill>
+                    <a:schemeClr val="tx1"/>
+                  </a:solidFill>
+                </a:rPr>
+                <a:t>Data Analysis and Modelling</a:t>
+              </a:r>
+              <a:endParaRPr lang="en-GB" b="1" dirty="0">
+                <a:solidFill>
+                  <a:schemeClr val="tx1"/>
+                </a:solidFill>
+              </a:endParaRPr>
+            </a:p>
+          </p:txBody>
+        </p:sp>
+        <p:sp>
+          <p:nvSpPr>
+            <p:cNvPr id="7" name="Rectangle à coins arrondis 6"/>
+            <p:cNvSpPr/>
+            <p:nvPr/>
+          </p:nvSpPr>
+          <p:spPr>
+            <a:xfrm>
+              <a:off x="3369416" y="4327314"/>
+              <a:ext cx="1872208" cy="1080120"/>
+            </a:xfrm>
+            <a:prstGeom prst="roundRect">
+              <a:avLst/>
+            </a:prstGeom>
+            <a:solidFill>
+              <a:schemeClr val="bg1">
+                <a:lumMod val="95000"/>
+              </a:schemeClr>
+            </a:solidFill>
+            <a:ln>
+              <a:solidFill>
+                <a:schemeClr val="tx1">
+                  <a:lumMod val="65000"/>
+                  <a:lumOff val="35000"/>
+                </a:schemeClr>
+              </a:solidFill>
+            </a:ln>
+          </p:spPr>
+          <p:style>
+            <a:lnRef idx="2">
+              <a:schemeClr val="accent1">
+                <a:shade val="50000"/>
+              </a:schemeClr>
+            </a:lnRef>
+            <a:fillRef idx="1">
+              <a:schemeClr val="accent1"/>
+            </a:fillRef>
+            <a:effectRef idx="0">
+              <a:schemeClr val="accent1"/>
+            </a:effectRef>
+            <a:fontRef idx="minor">
+              <a:schemeClr val="lt1"/>
+            </a:fontRef>
+          </p:style>
+          <p:txBody>
+            <a:bodyPr rtlCol="0" anchor="ctr"/>
+            <a:lstStyle/>
+            <a:p>
+              <a:pPr algn="ctr"/>
+              <a:r>
+                <a:rPr lang="en-GB" b="1" dirty="0" smtClean="0">
+                  <a:solidFill>
+                    <a:schemeClr val="tx1"/>
+                  </a:solidFill>
+                </a:rPr>
+                <a:t>Data Cleaning and pre-processing</a:t>
+              </a:r>
+              <a:endParaRPr lang="en-GB" b="1" dirty="0">
+                <a:solidFill>
+                  <a:schemeClr val="tx1"/>
+                </a:solidFill>
+              </a:endParaRPr>
+            </a:p>
+          </p:txBody>
+        </p:sp>
+        <p:sp>
+          <p:nvSpPr>
+            <p:cNvPr id="8" name="Rectangle à coins arrondis 7"/>
+            <p:cNvSpPr/>
+            <p:nvPr/>
+          </p:nvSpPr>
+          <p:spPr>
+            <a:xfrm>
+              <a:off x="9277206" y="2014279"/>
+              <a:ext cx="1872208" cy="1080120"/>
+            </a:xfrm>
+            <a:prstGeom prst="roundRect">
+              <a:avLst/>
+            </a:prstGeom>
+            <a:solidFill>
+              <a:schemeClr val="bg1">
+                <a:lumMod val="95000"/>
+              </a:schemeClr>
+            </a:solidFill>
+            <a:ln>
+              <a:solidFill>
+                <a:schemeClr val="tx1">
+                  <a:lumMod val="65000"/>
+                  <a:lumOff val="35000"/>
+                </a:schemeClr>
+              </a:solidFill>
+            </a:ln>
+          </p:spPr>
+          <p:style>
+            <a:lnRef idx="2">
+              <a:schemeClr val="accent1">
+                <a:shade val="50000"/>
+              </a:schemeClr>
+            </a:lnRef>
+            <a:fillRef idx="1">
+              <a:schemeClr val="accent1"/>
+            </a:fillRef>
+            <a:effectRef idx="0">
+              <a:schemeClr val="accent1"/>
+            </a:effectRef>
+            <a:fontRef idx="minor">
+              <a:schemeClr val="lt1"/>
+            </a:fontRef>
+          </p:style>
+          <p:txBody>
+            <a:bodyPr rtlCol="0" anchor="ctr"/>
+            <a:lstStyle/>
+            <a:p>
+              <a:pPr algn="ctr"/>
+              <a:r>
+                <a:rPr lang="en-GB" b="1" dirty="0" smtClean="0">
+                  <a:solidFill>
+                    <a:schemeClr val="tx1"/>
+                  </a:solidFill>
+                </a:rPr>
+                <a:t>Data Visualisation</a:t>
+              </a:r>
+              <a:endParaRPr lang="en-GB" b="1" dirty="0">
+                <a:solidFill>
+                  <a:schemeClr val="tx1"/>
+                </a:solidFill>
+              </a:endParaRPr>
+            </a:p>
+          </p:txBody>
+        </p:sp>
+        <p:cxnSp>
+          <p:nvCxnSpPr>
+            <p:cNvPr id="10" name="Connecteur droit avec flèche 9"/>
+            <p:cNvCxnSpPr>
+              <a:stCxn id="7" idx="3"/>
+              <a:endCxn id="6" idx="1"/>
+            </p:cNvCxnSpPr>
+            <p:nvPr/>
+          </p:nvCxnSpPr>
+          <p:spPr>
+            <a:xfrm flipV="1">
+              <a:off x="5241624" y="4867373"/>
+              <a:ext cx="1775491" cy="1"/>
+            </a:xfrm>
+            <a:prstGeom prst="straightConnector1">
+              <a:avLst/>
+            </a:prstGeom>
+            <a:ln w="28575">
+              <a:solidFill>
+                <a:schemeClr val="tx1">
+                  <a:lumMod val="95000"/>
+                  <a:lumOff val="5000"/>
+                </a:schemeClr>
+              </a:solidFill>
+              <a:tailEnd type="arrow"/>
+            </a:ln>
+          </p:spPr>
+          <p:style>
+            <a:lnRef idx="1">
+              <a:schemeClr val="accent1"/>
+            </a:lnRef>
+            <a:fillRef idx="0">
+              <a:schemeClr val="accent1"/>
+            </a:fillRef>
+            <a:effectRef idx="0">
+              <a:schemeClr val="accent1"/>
+            </a:effectRef>
+            <a:fontRef idx="minor">
+              <a:schemeClr val="tx1"/>
+            </a:fontRef>
+          </p:style>
+        </p:cxnSp>
+        <p:cxnSp>
+          <p:nvCxnSpPr>
+            <p:cNvPr id="65" name="Connecteur en angle 64"/>
+            <p:cNvCxnSpPr>
+              <a:stCxn id="5" idx="2"/>
+              <a:endCxn id="7" idx="1"/>
+            </p:cNvCxnSpPr>
+            <p:nvPr/>
+          </p:nvCxnSpPr>
+          <p:spPr>
+            <a:xfrm rot="16200000" flipH="1">
+              <a:off x="1803776" y="3301733"/>
+              <a:ext cx="1762477" cy="1368803"/>
+            </a:xfrm>
+            <a:prstGeom prst="bentConnector2">
+              <a:avLst/>
+            </a:prstGeom>
+            <a:ln w="28575">
+              <a:solidFill>
+                <a:schemeClr val="tx1">
+                  <a:lumMod val="95000"/>
+                  <a:lumOff val="5000"/>
+                </a:schemeClr>
+              </a:solidFill>
+              <a:tailEnd type="arrow"/>
+            </a:ln>
+          </p:spPr>
+          <p:style>
+            <a:lnRef idx="1">
+              <a:schemeClr val="accent1"/>
+            </a:lnRef>
+            <a:fillRef idx="0">
+              <a:schemeClr val="accent1"/>
+            </a:fillRef>
+            <a:effectRef idx="0">
+              <a:schemeClr val="accent1"/>
+            </a:effectRef>
+            <a:fontRef idx="minor">
+              <a:schemeClr val="tx1"/>
+            </a:fontRef>
+          </p:style>
+        </p:cxnSp>
+        <p:cxnSp>
+          <p:nvCxnSpPr>
+            <p:cNvPr id="70" name="Connecteur en angle 69"/>
+            <p:cNvCxnSpPr>
+              <a:stCxn id="6" idx="3"/>
+              <a:endCxn id="8" idx="2"/>
+            </p:cNvCxnSpPr>
+            <p:nvPr/>
+          </p:nvCxnSpPr>
+          <p:spPr>
+            <a:xfrm flipV="1">
+              <a:off x="8889323" y="3094399"/>
+              <a:ext cx="1323987" cy="1772974"/>
+            </a:xfrm>
+            <a:prstGeom prst="bentConnector2">
+              <a:avLst/>
+            </a:prstGeom>
+            <a:ln w="28575">
+              <a:solidFill>
+                <a:schemeClr val="tx1">
+                  <a:lumMod val="95000"/>
+                  <a:lumOff val="5000"/>
+                </a:schemeClr>
+              </a:solidFill>
+              <a:tailEnd type="arrow"/>
+            </a:ln>
+          </p:spPr>
+          <p:style>
+            <a:lnRef idx="1">
+              <a:schemeClr val="accent1"/>
+            </a:lnRef>
+            <a:fillRef idx="0">
+              <a:schemeClr val="accent1"/>
+            </a:fillRef>
+            <a:effectRef idx="0">
+              <a:schemeClr val="accent1"/>
+            </a:effectRef>
+            <a:fontRef idx="minor">
+              <a:schemeClr val="tx1"/>
+            </a:fontRef>
+          </p:style>
+        </p:cxnSp>
+        <p:sp>
+          <p:nvSpPr>
+            <p:cNvPr id="83" name="Virage 82"/>
+            <p:cNvSpPr/>
+            <p:nvPr/>
+          </p:nvSpPr>
+          <p:spPr>
+            <a:xfrm rot="10800000" flipH="1">
+              <a:off x="2253163" y="3515304"/>
+              <a:ext cx="877350" cy="1044023"/>
+            </a:xfrm>
+            <a:prstGeom prst="bentArrow">
+              <a:avLst/>
+            </a:prstGeom>
+          </p:spPr>
+          <p:style>
+            <a:lnRef idx="2">
+              <a:schemeClr val="accent6">
+                <a:shade val="50000"/>
+              </a:schemeClr>
+            </a:lnRef>
+            <a:fillRef idx="1">
+              <a:schemeClr val="accent6"/>
+            </a:fillRef>
+            <a:effectRef idx="0">
+              <a:schemeClr val="accent6"/>
+            </a:effectRef>
+            <a:fontRef idx="minor">
+              <a:schemeClr val="lt1"/>
+            </a:fontRef>
+          </p:style>
+          <p:txBody>
+            <a:bodyPr rtlCol="0" anchor="ctr"/>
+            <a:lstStyle/>
+            <a:p>
+              <a:pPr algn="ctr"/>
+              <a:endParaRPr lang="fr-FR">
+                <a:solidFill>
+                  <a:schemeClr val="tx1"/>
+                </a:solidFill>
+              </a:endParaRPr>
+            </a:p>
+          </p:txBody>
+        </p:sp>
+        <p:sp>
+          <p:nvSpPr>
+            <p:cNvPr id="84" name="Virage 83"/>
+            <p:cNvSpPr/>
+            <p:nvPr/>
+          </p:nvSpPr>
+          <p:spPr>
+            <a:xfrm rot="5400000" flipH="1">
+              <a:off x="9203405" y="3576177"/>
+              <a:ext cx="967511" cy="819913"/>
+            </a:xfrm>
+            <a:prstGeom prst="bentArrow">
+              <a:avLst>
+                <a:gd name="adj1" fmla="val 25000"/>
+                <a:gd name="adj2" fmla="val 25832"/>
+                <a:gd name="adj3" fmla="val 25000"/>
+                <a:gd name="adj4" fmla="val 43750"/>
+              </a:avLst>
+            </a:prstGeom>
+          </p:spPr>
+          <p:style>
+            <a:lnRef idx="2">
+              <a:schemeClr val="accent6">
+                <a:shade val="50000"/>
+              </a:schemeClr>
+            </a:lnRef>
+            <a:fillRef idx="1">
+              <a:schemeClr val="accent6"/>
+            </a:fillRef>
+            <a:effectRef idx="0">
+              <a:schemeClr val="accent6"/>
+            </a:effectRef>
+            <a:fontRef idx="minor">
+              <a:schemeClr val="lt1"/>
+            </a:fontRef>
+          </p:style>
+          <p:txBody>
+            <a:bodyPr rtlCol="0" anchor="ctr"/>
+            <a:lstStyle/>
+            <a:p>
+              <a:pPr algn="ctr"/>
+              <a:endParaRPr lang="fr-FR">
+                <a:solidFill>
+                  <a:schemeClr val="tx1"/>
+                </a:solidFill>
+              </a:endParaRPr>
+            </a:p>
+          </p:txBody>
+        </p:sp>
+        <p:sp>
+          <p:nvSpPr>
+            <p:cNvPr id="87" name="Flèche droite 86"/>
+            <p:cNvSpPr/>
+            <p:nvPr/>
+          </p:nvSpPr>
+          <p:spPr>
+            <a:xfrm>
+              <a:off x="5474276" y="4273820"/>
+              <a:ext cx="1310185" cy="397484"/>
+            </a:xfrm>
+            <a:prstGeom prst="rightArrow">
+              <a:avLst/>
+            </a:prstGeom>
+          </p:spPr>
+          <p:style>
+            <a:lnRef idx="2">
+              <a:schemeClr val="accent6">
+                <a:shade val="50000"/>
+              </a:schemeClr>
+            </a:lnRef>
+            <a:fillRef idx="1">
+              <a:schemeClr val="accent6"/>
+            </a:fillRef>
+            <a:effectRef idx="0">
+              <a:schemeClr val="accent6"/>
+            </a:effectRef>
+            <a:fontRef idx="minor">
+              <a:schemeClr val="lt1"/>
+            </a:fontRef>
+          </p:style>
+          <p:txBody>
+            <a:bodyPr rtlCol="0" anchor="ctr"/>
+            <a:lstStyle/>
+            <a:p>
+              <a:pPr algn="ctr"/>
+              <a:endParaRPr lang="fr-FR"/>
+            </a:p>
+          </p:txBody>
+        </p:sp>
+        <p:sp>
+          <p:nvSpPr>
+            <p:cNvPr id="88" name="ZoneTexte 87"/>
+            <p:cNvSpPr txBox="1"/>
+            <p:nvPr/>
+          </p:nvSpPr>
+          <p:spPr>
+            <a:xfrm>
+              <a:off x="2557306" y="3543322"/>
+              <a:ext cx="1037230" cy="584775"/>
+            </a:xfrm>
+            <a:prstGeom prst="rect">
+              <a:avLst/>
+            </a:prstGeom>
+            <a:noFill/>
+          </p:spPr>
+          <p:txBody>
+            <a:bodyPr wrap="square" rtlCol="0">
+              <a:spAutoFit/>
+            </a:bodyPr>
+            <a:lstStyle/>
+            <a:p>
+              <a:pPr algn="ctr"/>
+              <a:r>
+                <a:rPr lang="en-GB" sz="1600" i="1" dirty="0" smtClean="0"/>
+                <a:t>Collected data</a:t>
+              </a:r>
+              <a:endParaRPr lang="en-GB" sz="1600" i="1" dirty="0"/>
+            </a:p>
+          </p:txBody>
+        </p:sp>
+        <p:sp>
+          <p:nvSpPr>
+            <p:cNvPr id="89" name="ZoneTexte 88"/>
+            <p:cNvSpPr txBox="1"/>
+            <p:nvPr/>
+          </p:nvSpPr>
+          <p:spPr>
+            <a:xfrm>
+              <a:off x="5547690" y="3683227"/>
+              <a:ext cx="1037230" cy="584775"/>
+            </a:xfrm>
+            <a:prstGeom prst="rect">
+              <a:avLst/>
+            </a:prstGeom>
+            <a:noFill/>
+          </p:spPr>
+          <p:txBody>
+            <a:bodyPr wrap="square" rtlCol="0">
+              <a:spAutoFit/>
+            </a:bodyPr>
+            <a:lstStyle/>
+            <a:p>
+              <a:pPr algn="ctr"/>
+              <a:r>
+                <a:rPr lang="fr-FR" sz="1600" i="1" dirty="0" smtClean="0"/>
+                <a:t>Clean data</a:t>
+              </a:r>
+              <a:endParaRPr lang="fr-FR" sz="1600" i="1" dirty="0"/>
+            </a:p>
+          </p:txBody>
+        </p:sp>
+        <p:sp>
+          <p:nvSpPr>
+            <p:cNvPr id="90" name="ZoneTexte 89"/>
+            <p:cNvSpPr txBox="1"/>
+            <p:nvPr/>
+          </p:nvSpPr>
+          <p:spPr>
+            <a:xfrm>
+              <a:off x="8703997" y="3570618"/>
+              <a:ext cx="1037230" cy="584775"/>
+            </a:xfrm>
+            <a:prstGeom prst="rect">
+              <a:avLst/>
+            </a:prstGeom>
+            <a:noFill/>
+          </p:spPr>
+          <p:txBody>
+            <a:bodyPr wrap="square" rtlCol="0">
+              <a:spAutoFit/>
+            </a:bodyPr>
+            <a:lstStyle/>
+            <a:p>
+              <a:pPr algn="ctr"/>
+              <a:r>
+                <a:rPr lang="en-GB" sz="1600" i="1" dirty="0" smtClean="0"/>
+                <a:t>Modelling results</a:t>
+              </a:r>
+              <a:endParaRPr lang="en-GB" sz="1600" i="1" dirty="0"/>
+            </a:p>
+          </p:txBody>
+        </p:sp>
+      </p:grpSp>
     </p:spTree>
     <p:extLst>
       <p:ext uri="{BB962C8B-B14F-4D97-AF65-F5344CB8AC3E}">
-        <p14:creationId xmlns:p14="http://schemas.microsoft.com/office/powerpoint/2010/main" val="473199150"/>
+        <p14:creationId xmlns:p14="http://schemas.microsoft.com/office/powerpoint/2010/main" val="2719778581"/>
       </p:ext>
     </p:extLst>
   </p:cSld>
@@ -5693,7 +7758,7 @@
           <a:p>
             <a:r>
               <a:rPr lang="en-GB" dirty="0" smtClean="0"/>
-              <a:t>Data Cleansing/Pre-Processing</a:t>
+              <a:t>Data Collection</a:t>
             </a:r>
             <a:endParaRPr lang="en-GB" dirty="0"/>
           </a:p>
@@ -5730,7 +7795,7 @@
     </p:spTree>
     <p:extLst>
       <p:ext uri="{BB962C8B-B14F-4D97-AF65-F5344CB8AC3E}">
-        <p14:creationId xmlns:p14="http://schemas.microsoft.com/office/powerpoint/2010/main" val="2132271118"/>
+        <p14:creationId xmlns:p14="http://schemas.microsoft.com/office/powerpoint/2010/main" val="473199150"/>
       </p:ext>
     </p:extLst>
   </p:cSld>
@@ -5774,6 +7839,94 @@
             <p:ph type="title"/>
           </p:nvPr>
         </p:nvSpPr>
+        <p:spPr/>
+        <p:txBody>
+          <a:bodyPr/>
+          <a:lstStyle/>
+          <a:p>
+            <a:r>
+              <a:rPr lang="en-GB" dirty="0" smtClean="0"/>
+              <a:t>Data Cleansing/Pre-Processing</a:t>
+            </a:r>
+            <a:endParaRPr lang="en-GB" dirty="0"/>
+          </a:p>
+        </p:txBody>
+      </p:sp>
+      <p:sp>
+        <p:nvSpPr>
+          <p:cNvPr id="3" name="Content Placeholder 2"/>
+          <p:cNvSpPr>
+            <a:spLocks noGrp="1"/>
+          </p:cNvSpPr>
+          <p:nvPr>
+            <p:ph idx="1"/>
+          </p:nvPr>
+        </p:nvSpPr>
+        <p:spPr>
+          <a:xfrm>
+            <a:off x="1141413" y="1626209"/>
+            <a:ext cx="9905998" cy="1911648"/>
+          </a:xfrm>
+        </p:spPr>
+        <p:txBody>
+          <a:bodyPr>
+            <a:normAutofit/>
+          </a:bodyPr>
+          <a:lstStyle/>
+          <a:p>
+            <a:endParaRPr lang="en-GB" sz="2100" dirty="0">
+              <a:effectLst/>
+            </a:endParaRPr>
+          </a:p>
+        </p:txBody>
+      </p:sp>
+    </p:spTree>
+    <p:extLst>
+      <p:ext uri="{BB962C8B-B14F-4D97-AF65-F5344CB8AC3E}">
+        <p14:creationId xmlns:p14="http://schemas.microsoft.com/office/powerpoint/2010/main" val="2132271118"/>
+      </p:ext>
+    </p:extLst>
+  </p:cSld>
+  <p:clrMapOvr>
+    <a:masterClrMapping/>
+  </p:clrMapOvr>
+  <p:timing>
+    <p:tnLst>
+      <p:par>
+        <p:cTn id="1" dur="indefinite" restart="never" nodeType="tmRoot"/>
+      </p:par>
+    </p:tnLst>
+  </p:timing>
+</p:sld>
+</file>
+
+<file path=ppt/slides/slide9.xml><?xml version="1.0" encoding="utf-8"?>
+<p:sld xmlns:a="http://schemas.openxmlformats.org/drawingml/2006/main" xmlns:r="http://schemas.openxmlformats.org/officeDocument/2006/relationships" xmlns:p="http://schemas.openxmlformats.org/presentationml/2006/main">
+  <p:cSld>
+    <p:spTree>
+      <p:nvGrpSpPr>
+        <p:cNvPr id="1" name=""/>
+        <p:cNvGrpSpPr/>
+        <p:nvPr/>
+      </p:nvGrpSpPr>
+      <p:grpSpPr>
+        <a:xfrm>
+          <a:off x="0" y="0"/>
+          <a:ext cx="0" cy="0"/>
+          <a:chOff x="0" y="0"/>
+          <a:chExt cx="0" cy="0"/>
+        </a:xfrm>
+      </p:grpSpPr>
+      <p:sp>
+        <p:nvSpPr>
+          <p:cNvPr id="2" name="Title 1"/>
+          <p:cNvSpPr>
+            <a:spLocks noGrp="1"/>
+          </p:cNvSpPr>
+          <p:nvPr>
+            <p:ph type="title"/>
+          </p:nvPr>
+        </p:nvSpPr>
         <p:spPr>
           <a:xfrm>
             <a:off x="1261872" y="365760"/>
@@ -5810,7 +7963,7 @@
         </p:spPr>
         <p:txBody>
           <a:bodyPr>
-            <a:normAutofit lnSpcReduction="10000"/>
+            <a:normAutofit fontScale="92500" lnSpcReduction="10000"/>
           </a:bodyPr>
           <a:lstStyle/>
           <a:p>
@@ -5839,16 +7992,44 @@
           <a:p>
             <a:r>
               <a:rPr lang="en-GB" sz="1900" dirty="0" smtClean="0"/>
+              <a:t>Count crimes per station</a:t>
+            </a:r>
+          </a:p>
+          <a:p>
+            <a:pPr lvl="1"/>
+            <a:r>
+              <a:rPr lang="en-GB" sz="1500" dirty="0" smtClean="0"/>
               <a:t>Calculate distance to nearest station. </a:t>
             </a:r>
           </a:p>
           <a:p>
-            <a:r>
-              <a:rPr lang="en-GB" sz="1900" dirty="0" smtClean="0">
+            <a:pPr lvl="1"/>
+            <a:r>
+              <a:rPr lang="en-GB" sz="1500" dirty="0" smtClean="0">
                 <a:effectLst/>
               </a:rPr>
               <a:t>Find number of crimes per station in circle. </a:t>
             </a:r>
+          </a:p>
+          <a:p>
+            <a:r>
+              <a:rPr lang="en-GB" sz="1900" dirty="0"/>
+              <a:t>Calculate area of circle removing overlap</a:t>
+            </a:r>
+          </a:p>
+          <a:p>
+            <a:pPr lvl="1"/>
+            <a:r>
+              <a:rPr lang="en-GB" sz="1500" dirty="0"/>
+              <a:t>Find number of stations and distances to those stations within circle diameter</a:t>
+            </a:r>
+            <a:r>
+              <a:rPr lang="en-GB" sz="1500" dirty="0" smtClean="0"/>
+              <a:t>.</a:t>
+            </a:r>
+            <a:endParaRPr lang="en-GB" sz="1500" dirty="0" smtClean="0">
+              <a:effectLst/>
+            </a:endParaRPr>
           </a:p>
           <a:p>
             <a:r>
@@ -5860,23 +8041,6 @@
           </a:p>
           <a:p>
             <a:r>
-              <a:rPr lang="en-GB" sz="1900" dirty="0" smtClean="0">
-                <a:effectLst/>
-              </a:rPr>
-              <a:t>Calculate area of circle removing overlap</a:t>
-            </a:r>
-          </a:p>
-          <a:p>
-            <a:pPr lvl="1"/>
-            <a:r>
-              <a:rPr lang="en-GB" sz="1500" dirty="0" smtClean="0">
-                <a:effectLst/>
-              </a:rPr>
-              <a:t>Find number of stations and distances to those stations within circle diameter. </a:t>
-            </a:r>
-          </a:p>
-          <a:p>
-            <a:r>
               <a:rPr lang="en-GB" sz="1900" dirty="0" smtClean="0"/>
               <a:t>Divide by Area / Borough Density / People. </a:t>
             </a:r>
@@ -5894,8 +8058,8 @@
           </a:p>
         </p:txBody>
       </p:sp>
-      <mc:AlternateContent xmlns:mc="http://schemas.openxmlformats.org/markup-compatibility/2006">
-        <mc:Choice xmlns:a14="http://schemas.microsoft.com/office/drawing/2010/main" Requires="a14">
+      <mc:AlternateContent xmlns:mc="http://schemas.openxmlformats.org/markup-compatibility/2006" xmlns:a14="http://schemas.microsoft.com/office/drawing/2010/main">
+        <mc:Choice Requires="a14">
           <p:graphicFrame>
             <p:nvGraphicFramePr>
               <p:cNvPr id="4" name="Table 3"/>
@@ -5905,14 +8069,14 @@
               <p:nvPr>
                 <p:extLst>
                   <p:ext uri="{D42A27DB-BD31-4B8C-83A1-F6EECF244321}">
-                    <p14:modId xmlns:p14="http://schemas.microsoft.com/office/powerpoint/2010/main" val="3116391669"/>
+                    <p14:modId xmlns:p14="http://schemas.microsoft.com/office/powerpoint/2010/main" val="2391200075"/>
                   </p:ext>
                 </p:extLst>
               </p:nvPr>
             </p:nvGraphicFramePr>
             <p:xfrm>
-              <a:off x="6383866" y="3638550"/>
-              <a:ext cx="5525349" cy="2553763"/>
+              <a:off x="1141413" y="3136988"/>
+              <a:ext cx="5525349" cy="2547603"/>
             </p:xfrm>
             <a:graphic>
               <a:graphicData uri="http://schemas.openxmlformats.org/drawingml/2006/table">
@@ -5924,7 +8088,7 @@
                     <a:gridCol w="1552488"/>
                     <a:gridCol w="3972861"/>
                   </a:tblGrid>
-                  <a:tr h="332160">
+                  <a:tr h="336353">
                     <a:tc>
                       <a:txBody>
                         <a:bodyPr/>
@@ -6007,30 +8171,40 @@
                           <a14:m>
                             <m:oMath xmlns:m="http://schemas.openxmlformats.org/officeDocument/2006/math">
                               <m:r>
-                                <a:rPr lang="en-GB" smtClean="0"/>
+                                <a:rPr lang="en-GB" smtClean="0">
+                                  <a:latin typeface="Cambria Math" panose="02040503050406030204" pitchFamily="18" charset="0"/>
+                                </a:rPr>
                                 <m:t>𝑘</m:t>
                               </m:r>
                               <m:sSup>
                                 <m:sSupPr>
                                   <m:ctrlPr>
-                                    <a:rPr lang="en-GB" smtClean="0"/>
+                                    <a:rPr lang="en-GB" i="1" smtClean="0">
+                                      <a:latin typeface="Cambria Math" panose="02040503050406030204" pitchFamily="18" charset="0"/>
+                                    </a:rPr>
                                   </m:ctrlPr>
                                 </m:sSupPr>
                                 <m:e>
                                   <m:r>
-                                    <a:rPr lang="en-GB" smtClean="0"/>
+                                    <a:rPr lang="en-GB" smtClean="0">
+                                      <a:latin typeface="Cambria Math" panose="02040503050406030204" pitchFamily="18" charset="0"/>
+                                    </a:rPr>
                                     <m:t>𝑚</m:t>
                                   </m:r>
                                 </m:e>
                                 <m:sup>
                                   <m:r>
-                                    <a:rPr lang="en-GB" smtClean="0"/>
+                                    <a:rPr lang="en-GB" smtClean="0">
+                                      <a:latin typeface="Cambria Math" panose="02040503050406030204" pitchFamily="18" charset="0"/>
+                                    </a:rPr>
                                     <m:t>2</m:t>
                                   </m:r>
                                 </m:sup>
                               </m:sSup>
                               <m:r>
-                                <a:rPr lang="en-GB" smtClean="0"/>
+                                <a:rPr lang="en-GB" smtClean="0">
+                                  <a:latin typeface="Cambria Math" panose="02040503050406030204" pitchFamily="18" charset="0"/>
+                                </a:rPr>
                                 <m:t> </m:t>
                               </m:r>
                             </m:oMath>
@@ -6144,7 +8318,7 @@
             </a:graphic>
           </p:graphicFrame>
         </mc:Choice>
-        <mc:Fallback>
+        <mc:Fallback xmlns="">
           <p:graphicFrame>
             <p:nvGraphicFramePr>
               <p:cNvPr id="4" name="Table 3"/>
@@ -6154,14 +8328,14 @@
               <p:nvPr>
                 <p:extLst>
                   <p:ext uri="{D42A27DB-BD31-4B8C-83A1-F6EECF244321}">
-                    <p14:modId xmlns:p14="http://schemas.microsoft.com/office/powerpoint/2010/main" val="3116391669"/>
+                    <p14:modId xmlns:p14="http://schemas.microsoft.com/office/powerpoint/2010/main" val="2391200075"/>
                   </p:ext>
                 </p:extLst>
               </p:nvPr>
             </p:nvGraphicFramePr>
             <p:xfrm>
-              <a:off x="6383866" y="3638550"/>
-              <a:ext cx="5525349" cy="2553763"/>
+              <a:off x="1141413" y="3136988"/>
+              <a:ext cx="5525349" cy="2547603"/>
             </p:xfrm>
             <a:graphic>
               <a:graphicData uri="http://schemas.openxmlformats.org/drawingml/2006/table">
@@ -6229,7 +8403,7 @@
                       <a:tcPr/>
                     </a:tc>
                   </a:tr>
-                  <a:tr h="371920">
+                  <a:tr h="365760">
                     <a:tc>
                       <a:txBody>
                         <a:bodyPr/>
@@ -6254,9 +8428,9 @@
                       </a:txBody>
                       <a:tcPr>
                         <a:blipFill rotWithShape="0">
-                          <a:blip r:embed="rId4"/>
+                          <a:blip r:embed="rId3"/>
                           <a:stretch>
-                            <a:fillRect l="-39264" t="-204918" r="-153" b="-418033"/>
+                            <a:fillRect l="-39264" t="-208333" r="-153" b="-425000"/>
                           </a:stretch>
                         </a:blipFill>
                       </a:tcPr>
@@ -6371,7 +8545,7 @@
           <p:nvPr/>
         </p:nvPicPr>
         <p:blipFill>
-          <a:blip r:embed="rId5"/>
+          <a:blip r:embed="rId4"/>
           <a:stretch>
             <a:fillRect/>
           </a:stretch>
@@ -6395,7 +8569,7 @@
           <p:nvPr/>
         </p:nvPicPr>
         <p:blipFill>
-          <a:blip r:embed="rId6"/>
+          <a:blip r:embed="rId5"/>
           <a:stretch>
             <a:fillRect/>
           </a:stretch>
@@ -6419,14 +8593,14 @@
           <p:nvPr/>
         </p:nvPicPr>
         <p:blipFill>
-          <a:blip r:embed="rId7"/>
+          <a:blip r:embed="rId6"/>
           <a:stretch>
             <a:fillRect/>
           </a:stretch>
         </p:blipFill>
         <p:spPr>
           <a:xfrm>
-            <a:off x="8757355" y="360404"/>
+            <a:off x="8742607" y="360404"/>
             <a:ext cx="3652580" cy="2781183"/>
           </a:xfrm>
           <a:prstGeom prst="rect">
@@ -6443,15 +8617,15 @@
           <p:nvPr/>
         </p:nvPicPr>
         <p:blipFill>
-          <a:blip r:embed="rId8"/>
+          <a:blip r:embed="rId7"/>
           <a:stretch>
             <a:fillRect/>
           </a:stretch>
         </p:blipFill>
         <p:spPr>
           <a:xfrm>
-            <a:off x="8914518" y="758716"/>
-            <a:ext cx="2838143" cy="2329373"/>
+            <a:off x="8846726" y="531742"/>
+            <a:ext cx="3160208" cy="2593704"/>
           </a:xfrm>
           <a:prstGeom prst="rect">
             <a:avLst/>
@@ -6467,15 +8641,15 @@
           <p:nvPr/>
         </p:nvPicPr>
         <p:blipFill>
-          <a:blip r:embed="rId9"/>
+          <a:blip r:embed="rId8"/>
           <a:stretch>
             <a:fillRect/>
           </a:stretch>
         </p:blipFill>
         <p:spPr>
           <a:xfrm>
-            <a:off x="6047718" y="880355"/>
-            <a:ext cx="2876069" cy="2086096"/>
+            <a:off x="5742005" y="674875"/>
+            <a:ext cx="3202438" cy="2322821"/>
           </a:xfrm>
           <a:prstGeom prst="rect">
             <a:avLst/>
@@ -6495,95 +8669,781 @@
   <p:timing>
     <p:tnLst>
       <p:par>
-        <p:cTn id="1" dur="indefinite" restart="never" nodeType="tmRoot"/>
-      </p:par>
-    </p:tnLst>
-  </p:timing>
-</p:sld>
-</file>
-
-<file path=ppt/slides/slide9.xml><?xml version="1.0" encoding="utf-8"?>
-<p:sld xmlns:a="http://schemas.openxmlformats.org/drawingml/2006/main" xmlns:r="http://schemas.openxmlformats.org/officeDocument/2006/relationships" xmlns:p="http://schemas.openxmlformats.org/presentationml/2006/main">
-  <p:cSld>
-    <p:spTree>
-      <p:nvGrpSpPr>
-        <p:cNvPr id="1" name=""/>
-        <p:cNvGrpSpPr/>
-        <p:nvPr/>
-      </p:nvGrpSpPr>
-      <p:grpSpPr>
-        <a:xfrm>
-          <a:off x="0" y="0"/>
-          <a:ext cx="0" cy="0"/>
-          <a:chOff x="0" y="0"/>
-          <a:chExt cx="0" cy="0"/>
-        </a:xfrm>
-      </p:grpSpPr>
-      <p:sp>
-        <p:nvSpPr>
-          <p:cNvPr id="2" name="Title 1"/>
-          <p:cNvSpPr>
-            <a:spLocks noGrp="1"/>
-          </p:cNvSpPr>
-          <p:nvPr>
-            <p:ph type="title"/>
-          </p:nvPr>
-        </p:nvSpPr>
-        <p:spPr/>
-        <p:txBody>
-          <a:bodyPr/>
-          <a:lstStyle/>
-          <a:p>
-            <a:r>
-              <a:rPr lang="en-GB" dirty="0" smtClean="0"/>
-              <a:t>Data Visualisation</a:t>
-            </a:r>
-            <a:endParaRPr lang="en-GB" dirty="0"/>
-          </a:p>
-        </p:txBody>
-      </p:sp>
-      <p:sp>
-        <p:nvSpPr>
-          <p:cNvPr id="3" name="Content Placeholder 2"/>
-          <p:cNvSpPr>
-            <a:spLocks noGrp="1"/>
-          </p:cNvSpPr>
-          <p:nvPr>
-            <p:ph idx="1"/>
-          </p:nvPr>
-        </p:nvSpPr>
-        <p:spPr>
-          <a:xfrm>
-            <a:off x="1141413" y="1626209"/>
-            <a:ext cx="9905998" cy="1911648"/>
-          </a:xfrm>
-        </p:spPr>
-        <p:txBody>
-          <a:bodyPr>
-            <a:normAutofit/>
-          </a:bodyPr>
-          <a:lstStyle/>
-          <a:p>
-            <a:endParaRPr lang="en-GB" sz="2100" dirty="0">
-              <a:effectLst/>
-            </a:endParaRPr>
-          </a:p>
-        </p:txBody>
-      </p:sp>
-    </p:spTree>
-    <p:extLst>
-      <p:ext uri="{BB962C8B-B14F-4D97-AF65-F5344CB8AC3E}">
-        <p14:creationId xmlns:p14="http://schemas.microsoft.com/office/powerpoint/2010/main" val="119841342"/>
-      </p:ext>
-    </p:extLst>
-  </p:cSld>
-  <p:clrMapOvr>
-    <a:masterClrMapping/>
-  </p:clrMapOvr>
-  <p:timing>
-    <p:tnLst>
-      <p:par>
-        <p:cTn id="1" dur="indefinite" restart="never" nodeType="tmRoot"/>
+        <p:cTn id="1" dur="indefinite" restart="never" nodeType="tmRoot">
+          <p:childTnLst>
+            <p:seq concurrent="1" nextAc="seek">
+              <p:cTn id="2" dur="indefinite" nodeType="mainSeq">
+                <p:childTnLst>
+                  <p:par>
+                    <p:cTn id="3" fill="hold">
+                      <p:stCondLst>
+                        <p:cond delay="indefinite"/>
+                      </p:stCondLst>
+                      <p:childTnLst>
+                        <p:par>
+                          <p:cTn id="4" fill="hold">
+                            <p:stCondLst>
+                              <p:cond delay="0"/>
+                            </p:stCondLst>
+                            <p:childTnLst>
+                              <p:par>
+                                <p:cTn id="5" presetID="1" presetClass="entr" presetSubtype="0" fill="hold" nodeType="clickEffect">
+                                  <p:stCondLst>
+                                    <p:cond delay="0"/>
+                                  </p:stCondLst>
+                                  <p:childTnLst>
+                                    <p:set>
+                                      <p:cBhvr>
+                                        <p:cTn id="6" dur="1" fill="hold">
+                                          <p:stCondLst>
+                                            <p:cond delay="0"/>
+                                          </p:stCondLst>
+                                        </p:cTn>
+                                        <p:tgtEl>
+                                          <p:spTgt spid="4"/>
+                                        </p:tgtEl>
+                                        <p:attrNameLst>
+                                          <p:attrName>style.visibility</p:attrName>
+                                        </p:attrNameLst>
+                                      </p:cBhvr>
+                                      <p:to>
+                                        <p:strVal val="visible"/>
+                                      </p:to>
+                                    </p:set>
+                                  </p:childTnLst>
+                                </p:cTn>
+                              </p:par>
+                            </p:childTnLst>
+                          </p:cTn>
+                        </p:par>
+                      </p:childTnLst>
+                    </p:cTn>
+                  </p:par>
+                  <p:par>
+                    <p:cTn id="7" fill="hold">
+                      <p:stCondLst>
+                        <p:cond delay="indefinite"/>
+                      </p:stCondLst>
+                      <p:childTnLst>
+                        <p:par>
+                          <p:cTn id="8" fill="hold">
+                            <p:stCondLst>
+                              <p:cond delay="0"/>
+                            </p:stCondLst>
+                            <p:childTnLst>
+                              <p:par>
+                                <p:cTn id="9" presetID="36" presetClass="path" presetSubtype="0" accel="50000" decel="50000" fill="hold" nodeType="clickEffect">
+                                  <p:stCondLst>
+                                    <p:cond delay="0"/>
+                                  </p:stCondLst>
+                                  <p:childTnLst>
+                                    <p:animMotion origin="layout" path="M -2.29167E-6 4.44444E-6 L -2.29167E-6 0.05162 C -2.29167E-6 0.07453 0.11159 0.10324 0.20248 0.10324 L 0.40508 0.10324 " pathEditMode="relative" rAng="0" ptsTypes="AAAA">
+                                      <p:cBhvr>
+                                        <p:cTn id="10" dur="2000" fill="hold"/>
+                                        <p:tgtEl>
+                                          <p:spTgt spid="4"/>
+                                        </p:tgtEl>
+                                        <p:attrNameLst>
+                                          <p:attrName>ppt_x</p:attrName>
+                                          <p:attrName>ppt_y</p:attrName>
+                                        </p:attrNameLst>
+                                      </p:cBhvr>
+                                      <p:rCtr x="20247" y="5162"/>
+                                    </p:animMotion>
+                                  </p:childTnLst>
+                                </p:cTn>
+                              </p:par>
+                            </p:childTnLst>
+                          </p:cTn>
+                        </p:par>
+                        <p:par>
+                          <p:cTn id="11" fill="hold">
+                            <p:stCondLst>
+                              <p:cond delay="2000"/>
+                            </p:stCondLst>
+                            <p:childTnLst>
+                              <p:par>
+                                <p:cTn id="12" presetID="1" presetClass="entr" presetSubtype="0" fill="hold" nodeType="afterEffect">
+                                  <p:stCondLst>
+                                    <p:cond delay="500"/>
+                                  </p:stCondLst>
+                                  <p:childTnLst>
+                                    <p:set>
+                                      <p:cBhvr>
+                                        <p:cTn id="13" dur="1" fill="hold">
+                                          <p:stCondLst>
+                                            <p:cond delay="0"/>
+                                          </p:stCondLst>
+                                        </p:cTn>
+                                        <p:tgtEl>
+                                          <p:spTgt spid="3">
+                                            <p:txEl>
+                                              <p:pRg st="1" end="1"/>
+                                            </p:txEl>
+                                          </p:spTgt>
+                                        </p:tgtEl>
+                                        <p:attrNameLst>
+                                          <p:attrName>style.visibility</p:attrName>
+                                        </p:attrNameLst>
+                                      </p:cBhvr>
+                                      <p:to>
+                                        <p:strVal val="visible"/>
+                                      </p:to>
+                                    </p:set>
+                                  </p:childTnLst>
+                                </p:cTn>
+                              </p:par>
+                            </p:childTnLst>
+                          </p:cTn>
+                        </p:par>
+                      </p:childTnLst>
+                    </p:cTn>
+                  </p:par>
+                  <p:par>
+                    <p:cTn id="14" fill="hold">
+                      <p:stCondLst>
+                        <p:cond delay="indefinite"/>
+                      </p:stCondLst>
+                      <p:childTnLst>
+                        <p:par>
+                          <p:cTn id="15" fill="hold">
+                            <p:stCondLst>
+                              <p:cond delay="0"/>
+                            </p:stCondLst>
+                            <p:childTnLst>
+                              <p:par>
+                                <p:cTn id="16" presetID="1" presetClass="entr" presetSubtype="0" fill="hold" nodeType="clickEffect">
+                                  <p:stCondLst>
+                                    <p:cond delay="0"/>
+                                  </p:stCondLst>
+                                  <p:childTnLst>
+                                    <p:set>
+                                      <p:cBhvr>
+                                        <p:cTn id="17" dur="1" fill="hold">
+                                          <p:stCondLst>
+                                            <p:cond delay="0"/>
+                                          </p:stCondLst>
+                                        </p:cTn>
+                                        <p:tgtEl>
+                                          <p:spTgt spid="3">
+                                            <p:txEl>
+                                              <p:pRg st="2" end="2"/>
+                                            </p:txEl>
+                                          </p:spTgt>
+                                        </p:tgtEl>
+                                        <p:attrNameLst>
+                                          <p:attrName>style.visibility</p:attrName>
+                                        </p:attrNameLst>
+                                      </p:cBhvr>
+                                      <p:to>
+                                        <p:strVal val="visible"/>
+                                      </p:to>
+                                    </p:set>
+                                  </p:childTnLst>
+                                </p:cTn>
+                              </p:par>
+                            </p:childTnLst>
+                          </p:cTn>
+                        </p:par>
+                      </p:childTnLst>
+                    </p:cTn>
+                  </p:par>
+                  <p:par>
+                    <p:cTn id="18" fill="hold">
+                      <p:stCondLst>
+                        <p:cond delay="indefinite"/>
+                      </p:stCondLst>
+                      <p:childTnLst>
+                        <p:par>
+                          <p:cTn id="19" fill="hold">
+                            <p:stCondLst>
+                              <p:cond delay="0"/>
+                            </p:stCondLst>
+                            <p:childTnLst>
+                              <p:par>
+                                <p:cTn id="20" presetID="1" presetClass="entr" presetSubtype="0" fill="hold" nodeType="clickEffect">
+                                  <p:stCondLst>
+                                    <p:cond delay="0"/>
+                                  </p:stCondLst>
+                                  <p:childTnLst>
+                                    <p:set>
+                                      <p:cBhvr>
+                                        <p:cTn id="21" dur="1" fill="hold">
+                                          <p:stCondLst>
+                                            <p:cond delay="0"/>
+                                          </p:stCondLst>
+                                        </p:cTn>
+                                        <p:tgtEl>
+                                          <p:spTgt spid="3">
+                                            <p:txEl>
+                                              <p:pRg st="3" end="3"/>
+                                            </p:txEl>
+                                          </p:spTgt>
+                                        </p:tgtEl>
+                                        <p:attrNameLst>
+                                          <p:attrName>style.visibility</p:attrName>
+                                        </p:attrNameLst>
+                                      </p:cBhvr>
+                                      <p:to>
+                                        <p:strVal val="visible"/>
+                                      </p:to>
+                                    </p:set>
+                                  </p:childTnLst>
+                                </p:cTn>
+                              </p:par>
+                              <p:par>
+                                <p:cTn id="22" presetID="1" presetClass="entr" presetSubtype="0" fill="hold" nodeType="withEffect">
+                                  <p:stCondLst>
+                                    <p:cond delay="0"/>
+                                  </p:stCondLst>
+                                  <p:childTnLst>
+                                    <p:set>
+                                      <p:cBhvr>
+                                        <p:cTn id="23" dur="1" fill="hold">
+                                          <p:stCondLst>
+                                            <p:cond delay="0"/>
+                                          </p:stCondLst>
+                                        </p:cTn>
+                                        <p:tgtEl>
+                                          <p:spTgt spid="3">
+                                            <p:txEl>
+                                              <p:pRg st="4" end="4"/>
+                                            </p:txEl>
+                                          </p:spTgt>
+                                        </p:tgtEl>
+                                        <p:attrNameLst>
+                                          <p:attrName>style.visibility</p:attrName>
+                                        </p:attrNameLst>
+                                      </p:cBhvr>
+                                      <p:to>
+                                        <p:strVal val="visible"/>
+                                      </p:to>
+                                    </p:set>
+                                  </p:childTnLst>
+                                </p:cTn>
+                              </p:par>
+                              <p:par>
+                                <p:cTn id="24" presetID="1" presetClass="entr" presetSubtype="0" fill="hold" nodeType="withEffect">
+                                  <p:stCondLst>
+                                    <p:cond delay="0"/>
+                                  </p:stCondLst>
+                                  <p:childTnLst>
+                                    <p:set>
+                                      <p:cBhvr>
+                                        <p:cTn id="25" dur="1" fill="hold">
+                                          <p:stCondLst>
+                                            <p:cond delay="0"/>
+                                          </p:stCondLst>
+                                        </p:cTn>
+                                        <p:tgtEl>
+                                          <p:spTgt spid="5"/>
+                                        </p:tgtEl>
+                                        <p:attrNameLst>
+                                          <p:attrName>style.visibility</p:attrName>
+                                        </p:attrNameLst>
+                                      </p:cBhvr>
+                                      <p:to>
+                                        <p:strVal val="visible"/>
+                                      </p:to>
+                                    </p:set>
+                                  </p:childTnLst>
+                                </p:cTn>
+                              </p:par>
+                            </p:childTnLst>
+                          </p:cTn>
+                        </p:par>
+                      </p:childTnLst>
+                    </p:cTn>
+                  </p:par>
+                  <p:par>
+                    <p:cTn id="26" fill="hold">
+                      <p:stCondLst>
+                        <p:cond delay="indefinite"/>
+                      </p:stCondLst>
+                      <p:childTnLst>
+                        <p:par>
+                          <p:cTn id="27" fill="hold">
+                            <p:stCondLst>
+                              <p:cond delay="0"/>
+                            </p:stCondLst>
+                            <p:childTnLst>
+                              <p:par>
+                                <p:cTn id="28" presetID="1" presetClass="exit" presetSubtype="0" fill="hold" nodeType="clickEffect">
+                                  <p:stCondLst>
+                                    <p:cond delay="0"/>
+                                  </p:stCondLst>
+                                  <p:childTnLst>
+                                    <p:set>
+                                      <p:cBhvr>
+                                        <p:cTn id="29" dur="1" fill="hold">
+                                          <p:stCondLst>
+                                            <p:cond delay="0"/>
+                                          </p:stCondLst>
+                                        </p:cTn>
+                                        <p:tgtEl>
+                                          <p:spTgt spid="5"/>
+                                        </p:tgtEl>
+                                        <p:attrNameLst>
+                                          <p:attrName>style.visibility</p:attrName>
+                                        </p:attrNameLst>
+                                      </p:cBhvr>
+                                      <p:to>
+                                        <p:strVal val="hidden"/>
+                                      </p:to>
+                                    </p:set>
+                                  </p:childTnLst>
+                                </p:cTn>
+                              </p:par>
+                              <p:par>
+                                <p:cTn id="30" presetID="1" presetClass="entr" presetSubtype="0" fill="hold" nodeType="withEffect">
+                                  <p:stCondLst>
+                                    <p:cond delay="0"/>
+                                  </p:stCondLst>
+                                  <p:childTnLst>
+                                    <p:set>
+                                      <p:cBhvr>
+                                        <p:cTn id="31" dur="1" fill="hold">
+                                          <p:stCondLst>
+                                            <p:cond delay="0"/>
+                                          </p:stCondLst>
+                                        </p:cTn>
+                                        <p:tgtEl>
+                                          <p:spTgt spid="6"/>
+                                        </p:tgtEl>
+                                        <p:attrNameLst>
+                                          <p:attrName>style.visibility</p:attrName>
+                                        </p:attrNameLst>
+                                      </p:cBhvr>
+                                      <p:to>
+                                        <p:strVal val="visible"/>
+                                      </p:to>
+                                    </p:set>
+                                  </p:childTnLst>
+                                </p:cTn>
+                              </p:par>
+                            </p:childTnLst>
+                          </p:cTn>
+                        </p:par>
+                      </p:childTnLst>
+                    </p:cTn>
+                  </p:par>
+                  <p:par>
+                    <p:cTn id="32" fill="hold">
+                      <p:stCondLst>
+                        <p:cond delay="indefinite"/>
+                      </p:stCondLst>
+                      <p:childTnLst>
+                        <p:par>
+                          <p:cTn id="33" fill="hold">
+                            <p:stCondLst>
+                              <p:cond delay="0"/>
+                            </p:stCondLst>
+                            <p:childTnLst>
+                              <p:par>
+                                <p:cTn id="34" presetID="1" presetClass="exit" presetSubtype="0" fill="hold" nodeType="clickEffect">
+                                  <p:stCondLst>
+                                    <p:cond delay="0"/>
+                                  </p:stCondLst>
+                                  <p:childTnLst>
+                                    <p:set>
+                                      <p:cBhvr>
+                                        <p:cTn id="35" dur="1" fill="hold">
+                                          <p:stCondLst>
+                                            <p:cond delay="0"/>
+                                          </p:stCondLst>
+                                        </p:cTn>
+                                        <p:tgtEl>
+                                          <p:spTgt spid="6"/>
+                                        </p:tgtEl>
+                                        <p:attrNameLst>
+                                          <p:attrName>style.visibility</p:attrName>
+                                        </p:attrNameLst>
+                                      </p:cBhvr>
+                                      <p:to>
+                                        <p:strVal val="hidden"/>
+                                      </p:to>
+                                    </p:set>
+                                  </p:childTnLst>
+                                </p:cTn>
+                              </p:par>
+                              <p:par>
+                                <p:cTn id="36" presetID="1" presetClass="entr" presetSubtype="0" fill="hold" nodeType="withEffect">
+                                  <p:stCondLst>
+                                    <p:cond delay="0"/>
+                                  </p:stCondLst>
+                                  <p:childTnLst>
+                                    <p:set>
+                                      <p:cBhvr>
+                                        <p:cTn id="37" dur="1" fill="hold">
+                                          <p:stCondLst>
+                                            <p:cond delay="0"/>
+                                          </p:stCondLst>
+                                        </p:cTn>
+                                        <p:tgtEl>
+                                          <p:spTgt spid="7"/>
+                                        </p:tgtEl>
+                                        <p:attrNameLst>
+                                          <p:attrName>style.visibility</p:attrName>
+                                        </p:attrNameLst>
+                                      </p:cBhvr>
+                                      <p:to>
+                                        <p:strVal val="visible"/>
+                                      </p:to>
+                                    </p:set>
+                                  </p:childTnLst>
+                                </p:cTn>
+                              </p:par>
+                            </p:childTnLst>
+                          </p:cTn>
+                        </p:par>
+                      </p:childTnLst>
+                    </p:cTn>
+                  </p:par>
+                  <p:par>
+                    <p:cTn id="38" fill="hold">
+                      <p:stCondLst>
+                        <p:cond delay="indefinite"/>
+                      </p:stCondLst>
+                      <p:childTnLst>
+                        <p:par>
+                          <p:cTn id="39" fill="hold">
+                            <p:stCondLst>
+                              <p:cond delay="0"/>
+                            </p:stCondLst>
+                            <p:childTnLst>
+                              <p:par>
+                                <p:cTn id="40" presetID="1" presetClass="entr" presetSubtype="0" fill="hold" nodeType="clickEffect">
+                                  <p:stCondLst>
+                                    <p:cond delay="0"/>
+                                  </p:stCondLst>
+                                  <p:childTnLst>
+                                    <p:set>
+                                      <p:cBhvr>
+                                        <p:cTn id="41" dur="1" fill="hold">
+                                          <p:stCondLst>
+                                            <p:cond delay="0"/>
+                                          </p:stCondLst>
+                                        </p:cTn>
+                                        <p:tgtEl>
+                                          <p:spTgt spid="3">
+                                            <p:txEl>
+                                              <p:pRg st="5" end="5"/>
+                                            </p:txEl>
+                                          </p:spTgt>
+                                        </p:tgtEl>
+                                        <p:attrNameLst>
+                                          <p:attrName>style.visibility</p:attrName>
+                                        </p:attrNameLst>
+                                      </p:cBhvr>
+                                      <p:to>
+                                        <p:strVal val="visible"/>
+                                      </p:to>
+                                    </p:set>
+                                  </p:childTnLst>
+                                </p:cTn>
+                              </p:par>
+                              <p:par>
+                                <p:cTn id="42" presetID="1" presetClass="entr" presetSubtype="0" fill="hold" nodeType="withEffect">
+                                  <p:stCondLst>
+                                    <p:cond delay="0"/>
+                                  </p:stCondLst>
+                                  <p:childTnLst>
+                                    <p:set>
+                                      <p:cBhvr>
+                                        <p:cTn id="43" dur="1" fill="hold">
+                                          <p:stCondLst>
+                                            <p:cond delay="0"/>
+                                          </p:stCondLst>
+                                        </p:cTn>
+                                        <p:tgtEl>
+                                          <p:spTgt spid="3">
+                                            <p:txEl>
+                                              <p:pRg st="6" end="6"/>
+                                            </p:txEl>
+                                          </p:spTgt>
+                                        </p:tgtEl>
+                                        <p:attrNameLst>
+                                          <p:attrName>style.visibility</p:attrName>
+                                        </p:attrNameLst>
+                                      </p:cBhvr>
+                                      <p:to>
+                                        <p:strVal val="visible"/>
+                                      </p:to>
+                                    </p:set>
+                                  </p:childTnLst>
+                                </p:cTn>
+                              </p:par>
+                            </p:childTnLst>
+                          </p:cTn>
+                        </p:par>
+                      </p:childTnLst>
+                    </p:cTn>
+                  </p:par>
+                  <p:par>
+                    <p:cTn id="44" fill="hold">
+                      <p:stCondLst>
+                        <p:cond delay="indefinite"/>
+                      </p:stCondLst>
+                      <p:childTnLst>
+                        <p:par>
+                          <p:cTn id="45" fill="hold">
+                            <p:stCondLst>
+                              <p:cond delay="0"/>
+                            </p:stCondLst>
+                            <p:childTnLst>
+                              <p:par>
+                                <p:cTn id="46" presetID="1" presetClass="entr" presetSubtype="0" fill="hold" nodeType="clickEffect">
+                                  <p:stCondLst>
+                                    <p:cond delay="0"/>
+                                  </p:stCondLst>
+                                  <p:childTnLst>
+                                    <p:set>
+                                      <p:cBhvr>
+                                        <p:cTn id="47" dur="1" fill="hold">
+                                          <p:stCondLst>
+                                            <p:cond delay="0"/>
+                                          </p:stCondLst>
+                                        </p:cTn>
+                                        <p:tgtEl>
+                                          <p:spTgt spid="3">
+                                            <p:txEl>
+                                              <p:pRg st="7" end="7"/>
+                                            </p:txEl>
+                                          </p:spTgt>
+                                        </p:tgtEl>
+                                        <p:attrNameLst>
+                                          <p:attrName>style.visibility</p:attrName>
+                                        </p:attrNameLst>
+                                      </p:cBhvr>
+                                      <p:to>
+                                        <p:strVal val="visible"/>
+                                      </p:to>
+                                    </p:set>
+                                  </p:childTnLst>
+                                </p:cTn>
+                              </p:par>
+                            </p:childTnLst>
+                          </p:cTn>
+                        </p:par>
+                      </p:childTnLst>
+                    </p:cTn>
+                  </p:par>
+                  <p:par>
+                    <p:cTn id="48" fill="hold">
+                      <p:stCondLst>
+                        <p:cond delay="indefinite"/>
+                      </p:stCondLst>
+                      <p:childTnLst>
+                        <p:par>
+                          <p:cTn id="49" fill="hold">
+                            <p:stCondLst>
+                              <p:cond delay="0"/>
+                            </p:stCondLst>
+                            <p:childTnLst>
+                              <p:par>
+                                <p:cTn id="50" presetID="1" presetClass="exit" presetSubtype="0" fill="hold" nodeType="clickEffect">
+                                  <p:stCondLst>
+                                    <p:cond delay="0"/>
+                                  </p:stCondLst>
+                                  <p:childTnLst>
+                                    <p:set>
+                                      <p:cBhvr>
+                                        <p:cTn id="51" dur="1" fill="hold">
+                                          <p:stCondLst>
+                                            <p:cond delay="0"/>
+                                          </p:stCondLst>
+                                        </p:cTn>
+                                        <p:tgtEl>
+                                          <p:spTgt spid="7"/>
+                                        </p:tgtEl>
+                                        <p:attrNameLst>
+                                          <p:attrName>style.visibility</p:attrName>
+                                        </p:attrNameLst>
+                                      </p:cBhvr>
+                                      <p:to>
+                                        <p:strVal val="hidden"/>
+                                      </p:to>
+                                    </p:set>
+                                  </p:childTnLst>
+                                </p:cTn>
+                              </p:par>
+                              <p:par>
+                                <p:cTn id="52" presetID="1" presetClass="entr" presetSubtype="0" fill="hold" nodeType="withEffect">
+                                  <p:stCondLst>
+                                    <p:cond delay="0"/>
+                                  </p:stCondLst>
+                                  <p:childTnLst>
+                                    <p:set>
+                                      <p:cBhvr>
+                                        <p:cTn id="53" dur="1" fill="hold">
+                                          <p:stCondLst>
+                                            <p:cond delay="0"/>
+                                          </p:stCondLst>
+                                        </p:cTn>
+                                        <p:tgtEl>
+                                          <p:spTgt spid="11"/>
+                                        </p:tgtEl>
+                                        <p:attrNameLst>
+                                          <p:attrName>style.visibility</p:attrName>
+                                        </p:attrNameLst>
+                                      </p:cBhvr>
+                                      <p:to>
+                                        <p:strVal val="visible"/>
+                                      </p:to>
+                                    </p:set>
+                                  </p:childTnLst>
+                                </p:cTn>
+                              </p:par>
+                              <p:par>
+                                <p:cTn id="54" presetID="1" presetClass="entr" presetSubtype="0" fill="hold" nodeType="withEffect">
+                                  <p:stCondLst>
+                                    <p:cond delay="0"/>
+                                  </p:stCondLst>
+                                  <p:childTnLst>
+                                    <p:set>
+                                      <p:cBhvr>
+                                        <p:cTn id="55" dur="1" fill="hold">
+                                          <p:stCondLst>
+                                            <p:cond delay="0"/>
+                                          </p:stCondLst>
+                                        </p:cTn>
+                                        <p:tgtEl>
+                                          <p:spTgt spid="10"/>
+                                        </p:tgtEl>
+                                        <p:attrNameLst>
+                                          <p:attrName>style.visibility</p:attrName>
+                                        </p:attrNameLst>
+                                      </p:cBhvr>
+                                      <p:to>
+                                        <p:strVal val="visible"/>
+                                      </p:to>
+                                    </p:set>
+                                  </p:childTnLst>
+                                </p:cTn>
+                              </p:par>
+                            </p:childTnLst>
+                          </p:cTn>
+                        </p:par>
+                      </p:childTnLst>
+                    </p:cTn>
+                  </p:par>
+                  <p:par>
+                    <p:cTn id="56" fill="hold">
+                      <p:stCondLst>
+                        <p:cond delay="indefinite"/>
+                      </p:stCondLst>
+                      <p:childTnLst>
+                        <p:par>
+                          <p:cTn id="57" fill="hold">
+                            <p:stCondLst>
+                              <p:cond delay="0"/>
+                            </p:stCondLst>
+                            <p:childTnLst>
+                              <p:par>
+                                <p:cTn id="58" presetID="1" presetClass="entr" presetSubtype="0" fill="hold" nodeType="clickEffect">
+                                  <p:stCondLst>
+                                    <p:cond delay="0"/>
+                                  </p:stCondLst>
+                                  <p:childTnLst>
+                                    <p:set>
+                                      <p:cBhvr>
+                                        <p:cTn id="59" dur="1" fill="hold">
+                                          <p:stCondLst>
+                                            <p:cond delay="0"/>
+                                          </p:stCondLst>
+                                        </p:cTn>
+                                        <p:tgtEl>
+                                          <p:spTgt spid="3">
+                                            <p:txEl>
+                                              <p:pRg st="8" end="8"/>
+                                            </p:txEl>
+                                          </p:spTgt>
+                                        </p:tgtEl>
+                                        <p:attrNameLst>
+                                          <p:attrName>style.visibility</p:attrName>
+                                        </p:attrNameLst>
+                                      </p:cBhvr>
+                                      <p:to>
+                                        <p:strVal val="visible"/>
+                                      </p:to>
+                                    </p:set>
+                                  </p:childTnLst>
+                                </p:cTn>
+                              </p:par>
+                            </p:childTnLst>
+                          </p:cTn>
+                        </p:par>
+                      </p:childTnLst>
+                    </p:cTn>
+                  </p:par>
+                  <p:par>
+                    <p:cTn id="60" fill="hold">
+                      <p:stCondLst>
+                        <p:cond delay="indefinite"/>
+                      </p:stCondLst>
+                      <p:childTnLst>
+                        <p:par>
+                          <p:cTn id="61" fill="hold">
+                            <p:stCondLst>
+                              <p:cond delay="0"/>
+                            </p:stCondLst>
+                            <p:childTnLst>
+                              <p:par>
+                                <p:cTn id="62" presetID="1" presetClass="entr" presetSubtype="0" fill="hold" nodeType="clickEffect">
+                                  <p:stCondLst>
+                                    <p:cond delay="0"/>
+                                  </p:stCondLst>
+                                  <p:childTnLst>
+                                    <p:set>
+                                      <p:cBhvr>
+                                        <p:cTn id="63" dur="1" fill="hold">
+                                          <p:stCondLst>
+                                            <p:cond delay="0"/>
+                                          </p:stCondLst>
+                                        </p:cTn>
+                                        <p:tgtEl>
+                                          <p:spTgt spid="3">
+                                            <p:txEl>
+                                              <p:pRg st="9" end="9"/>
+                                            </p:txEl>
+                                          </p:spTgt>
+                                        </p:tgtEl>
+                                        <p:attrNameLst>
+                                          <p:attrName>style.visibility</p:attrName>
+                                        </p:attrNameLst>
+                                      </p:cBhvr>
+                                      <p:to>
+                                        <p:strVal val="visible"/>
+                                      </p:to>
+                                    </p:set>
+                                  </p:childTnLst>
+                                </p:cTn>
+                              </p:par>
+                            </p:childTnLst>
+                          </p:cTn>
+                        </p:par>
+                      </p:childTnLst>
+                    </p:cTn>
+                  </p:par>
+                </p:childTnLst>
+              </p:cTn>
+              <p:prevCondLst>
+                <p:cond evt="onPrev" delay="0">
+                  <p:tgtEl>
+                    <p:sldTgt/>
+                  </p:tgtEl>
+                </p:cond>
+              </p:prevCondLst>
+              <p:nextCondLst>
+                <p:cond evt="onNext" delay="0">
+                  <p:tgtEl>
+                    <p:sldTgt/>
+                  </p:tgtEl>
+                </p:cond>
+              </p:nextCondLst>
+            </p:seq>
+          </p:childTnLst>
+        </p:cTn>
       </p:par>
     </p:tnLst>
   </p:timing>
